--- a/PG1-Lucas/imagens/esquematico.pptx
+++ b/PG1-Lucas/imagens/esquematico.pptx
@@ -143,7 +143,7 @@
           <p:cNvPr id="2" name="Espaço Reservado para Cabeçalho 1">
             <a:extLst>
               <a:ext uri="{FF2B5EF4-FFF2-40B4-BE49-F238E27FC236}">
-                <a16:creationId xmlns:a16="http://schemas.microsoft.com/office/drawing/2014/main" id="{DC4BE671-2E4C-4601-9FB7-71962C5BCDD0}"/>
+                <a16:creationId xmlns:a16="http://schemas.microsoft.com/office/drawing/2014/main" id="{68A31976-9A22-4DB4-93F5-E4ECE20E9F3D}"/>
               </a:ext>
             </a:extLst>
           </p:cNvPr>
@@ -157,7 +157,7 @@
         <p:spPr>
           <a:xfrm>
             <a:off x="0" y="0"/>
-            <a:ext cx="3280680" cy="534240"/>
+            <a:ext cx="3280684" cy="534238"/>
           </a:xfrm>
           <a:prstGeom prst="rect">
             <a:avLst/>
@@ -168,12 +168,12 @@
           </a:ln>
         </p:spPr>
         <p:txBody>
-          <a:bodyPr wrap="none" lIns="90000" tIns="45000" rIns="90000" bIns="45000" anchorCtr="0" compatLnSpc="0">
+          <a:bodyPr vert="horz" wrap="none" lIns="90004" tIns="44997" rIns="90004" bIns="44997" anchor="t" anchorCtr="0" compatLnSpc="0">
             <a:noAutofit/>
           </a:bodyPr>
           <a:lstStyle/>
           <a:p>
-            <a:pPr marL="0" marR="0" lvl="0" indent="0" hangingPunct="0">
+            <a:pPr marL="0" marR="0" lvl="0" indent="0" algn="l" defTabSz="914400" rtl="0" fontAlgn="auto" hangingPunct="0">
               <a:lnSpc>
                 <a:spcPct val="100000"/>
               </a:lnSpc>
@@ -185,12 +185,18 @@
               </a:spcAft>
               <a:buNone/>
               <a:tabLst/>
-              <a:defRPr sz="1400"/>
+              <a:defRPr sz="1400" b="0" i="0" u="none" strike="noStrike" kern="0" cap="none" spc="0" baseline="0">
+                <a:solidFill>
+                  <a:srgbClr val="000000"/>
+                </a:solidFill>
+                <a:uFillTx/>
+              </a:defRPr>
             </a:pPr>
-            <a:endParaRPr lang="pt-BR" sz="1400" b="0" i="0" u="none" strike="noStrike" kern="1200" cap="none">
-              <a:ln>
-                <a:noFill/>
-              </a:ln>
+            <a:endParaRPr lang="pt-BR" sz="1400" b="0" i="0" u="none" strike="noStrike" kern="1200" cap="none" spc="0" baseline="0">
+              <a:solidFill>
+                <a:srgbClr val="000000"/>
+              </a:solidFill>
+              <a:uFillTx/>
               <a:latin typeface="Liberation Sans" pitchFamily="18"/>
               <a:ea typeface="WenQuanYi Micro Hei" pitchFamily="2"/>
               <a:cs typeface="Lohit Devanagari" pitchFamily="2"/>
@@ -203,7 +209,7 @@
           <p:cNvPr id="3" name="Espaço Reservado para Data 2">
             <a:extLst>
               <a:ext uri="{FF2B5EF4-FFF2-40B4-BE49-F238E27FC236}">
-                <a16:creationId xmlns:a16="http://schemas.microsoft.com/office/drawing/2014/main" id="{49BE7D3E-3972-4566-A42E-D1830E705BB2}"/>
+                <a16:creationId xmlns:a16="http://schemas.microsoft.com/office/drawing/2014/main" id="{724C8095-FE51-41DF-AC0B-4B3192BEF4F3}"/>
               </a:ext>
             </a:extLst>
           </p:cNvPr>
@@ -216,8 +222,8 @@
         </p:nvSpPr>
         <p:spPr>
           <a:xfrm>
-            <a:off x="4278960" y="0"/>
-            <a:ext cx="3280680" cy="534240"/>
+            <a:off x="4278962" y="0"/>
+            <a:ext cx="3280684" cy="534238"/>
           </a:xfrm>
           <a:prstGeom prst="rect">
             <a:avLst/>
@@ -228,12 +234,12 @@
           </a:ln>
         </p:spPr>
         <p:txBody>
-          <a:bodyPr wrap="none" lIns="90000" tIns="45000" rIns="90000" bIns="45000" anchorCtr="0" compatLnSpc="0">
+          <a:bodyPr vert="horz" wrap="none" lIns="90004" tIns="44997" rIns="90004" bIns="44997" anchor="t" anchorCtr="0" compatLnSpc="0">
             <a:noAutofit/>
           </a:bodyPr>
           <a:lstStyle/>
           <a:p>
-            <a:pPr marL="0" marR="0" lvl="0" indent="0" algn="r" hangingPunct="0">
+            <a:pPr marL="0" marR="0" lvl="0" indent="0" algn="r" defTabSz="914400" rtl="0" fontAlgn="auto" hangingPunct="0">
               <a:lnSpc>
                 <a:spcPct val="100000"/>
               </a:lnSpc>
@@ -245,12 +251,18 @@
               </a:spcAft>
               <a:buNone/>
               <a:tabLst/>
-              <a:defRPr sz="1400"/>
+              <a:defRPr sz="1400" b="0" i="0" u="none" strike="noStrike" kern="0" cap="none" spc="0" baseline="0">
+                <a:solidFill>
+                  <a:srgbClr val="000000"/>
+                </a:solidFill>
+                <a:uFillTx/>
+              </a:defRPr>
             </a:pPr>
-            <a:endParaRPr lang="pt-BR" sz="1400" b="0" i="0" u="none" strike="noStrike" kern="1200" cap="none">
-              <a:ln>
-                <a:noFill/>
-              </a:ln>
+            <a:endParaRPr lang="pt-BR" sz="1400" b="0" i="0" u="none" strike="noStrike" kern="1200" cap="none" spc="0" baseline="0">
+              <a:solidFill>
+                <a:srgbClr val="000000"/>
+              </a:solidFill>
+              <a:uFillTx/>
               <a:latin typeface="Liberation Sans" pitchFamily="18"/>
               <a:ea typeface="WenQuanYi Micro Hei" pitchFamily="2"/>
               <a:cs typeface="Lohit Devanagari" pitchFamily="2"/>
@@ -263,7 +275,7 @@
           <p:cNvPr id="4" name="Espaço Reservado para Rodapé 3">
             <a:extLst>
               <a:ext uri="{FF2B5EF4-FFF2-40B4-BE49-F238E27FC236}">
-                <a16:creationId xmlns:a16="http://schemas.microsoft.com/office/drawing/2014/main" id="{DBA46065-EE06-451B-B72B-8FFFFD09CCDC}"/>
+                <a16:creationId xmlns:a16="http://schemas.microsoft.com/office/drawing/2014/main" id="{599039B1-6F78-4316-AEE8-186DAC63977C}"/>
               </a:ext>
             </a:extLst>
           </p:cNvPr>
@@ -276,8 +288,8 @@
         </p:nvSpPr>
         <p:spPr>
           <a:xfrm>
-            <a:off x="0" y="10157400"/>
-            <a:ext cx="3280680" cy="534240"/>
+            <a:off x="0" y="10157402"/>
+            <a:ext cx="3280684" cy="534238"/>
           </a:xfrm>
           <a:prstGeom prst="rect">
             <a:avLst/>
@@ -288,12 +300,12 @@
           </a:ln>
         </p:spPr>
         <p:txBody>
-          <a:bodyPr wrap="none" lIns="90000" tIns="45000" rIns="90000" bIns="45000" anchor="b" anchorCtr="0" compatLnSpc="0">
+          <a:bodyPr vert="horz" wrap="none" lIns="90004" tIns="44997" rIns="90004" bIns="44997" anchor="b" anchorCtr="0" compatLnSpc="0">
             <a:noAutofit/>
           </a:bodyPr>
           <a:lstStyle/>
           <a:p>
-            <a:pPr marL="0" marR="0" lvl="0" indent="0" hangingPunct="0">
+            <a:pPr marL="0" marR="0" lvl="0" indent="0" algn="l" defTabSz="914400" rtl="0" fontAlgn="auto" hangingPunct="0">
               <a:lnSpc>
                 <a:spcPct val="100000"/>
               </a:lnSpc>
@@ -305,12 +317,18 @@
               </a:spcAft>
               <a:buNone/>
               <a:tabLst/>
-              <a:defRPr sz="1400"/>
+              <a:defRPr sz="1400" b="0" i="0" u="none" strike="noStrike" kern="0" cap="none" spc="0" baseline="0">
+                <a:solidFill>
+                  <a:srgbClr val="000000"/>
+                </a:solidFill>
+                <a:uFillTx/>
+              </a:defRPr>
             </a:pPr>
-            <a:endParaRPr lang="pt-BR" sz="1400" b="0" i="0" u="none" strike="noStrike" kern="1200" cap="none">
-              <a:ln>
-                <a:noFill/>
-              </a:ln>
+            <a:endParaRPr lang="pt-BR" sz="1400" b="0" i="0" u="none" strike="noStrike" kern="1200" cap="none" spc="0" baseline="0">
+              <a:solidFill>
+                <a:srgbClr val="000000"/>
+              </a:solidFill>
+              <a:uFillTx/>
               <a:latin typeface="Liberation Sans" pitchFamily="18"/>
               <a:ea typeface="WenQuanYi Micro Hei" pitchFamily="2"/>
               <a:cs typeface="Lohit Devanagari" pitchFamily="2"/>
@@ -323,7 +341,7 @@
           <p:cNvPr id="5" name="Espaço Reservado para Número de Slide 4">
             <a:extLst>
               <a:ext uri="{FF2B5EF4-FFF2-40B4-BE49-F238E27FC236}">
-                <a16:creationId xmlns:a16="http://schemas.microsoft.com/office/drawing/2014/main" id="{AA37766F-C5FC-4DA4-9420-AFCEFF67E4F9}"/>
+                <a16:creationId xmlns:a16="http://schemas.microsoft.com/office/drawing/2014/main" id="{AEDEEC60-6FBF-4719-A6BB-EA8DE3BF7900}"/>
               </a:ext>
             </a:extLst>
           </p:cNvPr>
@@ -336,8 +354,8 @@
         </p:nvSpPr>
         <p:spPr>
           <a:xfrm>
-            <a:off x="4278960" y="10157400"/>
-            <a:ext cx="3280680" cy="534240"/>
+            <a:off x="4278962" y="10157402"/>
+            <a:ext cx="3280684" cy="534238"/>
           </a:xfrm>
           <a:prstGeom prst="rect">
             <a:avLst/>
@@ -348,12 +366,12 @@
           </a:ln>
         </p:spPr>
         <p:txBody>
-          <a:bodyPr wrap="none" lIns="90000" tIns="45000" rIns="90000" bIns="45000" anchor="b" anchorCtr="0" compatLnSpc="0">
+          <a:bodyPr vert="horz" wrap="none" lIns="90004" tIns="44997" rIns="90004" bIns="44997" anchor="b" anchorCtr="0" compatLnSpc="0">
             <a:noAutofit/>
           </a:bodyPr>
           <a:lstStyle/>
           <a:p>
-            <a:pPr marL="0" marR="0" lvl="0" indent="0" algn="r" hangingPunct="0">
+            <a:pPr marL="0" marR="0" lvl="0" indent="0" algn="r" defTabSz="914400" rtl="0" fontAlgn="auto" hangingPunct="0">
               <a:lnSpc>
                 <a:spcPct val="100000"/>
               </a:lnSpc>
@@ -365,15 +383,21 @@
               </a:spcAft>
               <a:buNone/>
               <a:tabLst/>
-              <a:defRPr sz="1400"/>
+              <a:defRPr sz="1400" b="0" i="0" u="none" strike="noStrike" kern="0" cap="none" spc="0" baseline="0">
+                <a:solidFill>
+                  <a:srgbClr val="000000"/>
+                </a:solidFill>
+                <a:uFillTx/>
+              </a:defRPr>
             </a:pPr>
-            <a:fld id="{FF3C83B4-34EE-4763-8AEC-D26F7B6815ED}" type="slidenum">
+            <a:fld id="{206A2EA5-691C-4745-809C-8B1D1F115300}" type="slidenum">
               <a:t>‹nº›</a:t>
             </a:fld>
-            <a:endParaRPr lang="pt-BR" sz="1400" b="0" i="0" u="none" strike="noStrike" kern="1200" cap="none">
-              <a:ln>
-                <a:noFill/>
-              </a:ln>
+            <a:endParaRPr lang="pt-BR" sz="1400" b="0" i="0" u="none" strike="noStrike" kern="1200" cap="none" spc="0" baseline="0">
+              <a:solidFill>
+                <a:srgbClr val="000000"/>
+              </a:solidFill>
+              <a:uFillTx/>
               <a:latin typeface="Liberation Sans" pitchFamily="18"/>
               <a:ea typeface="WenQuanYi Micro Hei" pitchFamily="2"/>
               <a:cs typeface="Lohit Devanagari" pitchFamily="2"/>
@@ -384,7 +408,7 @@
     </p:spTree>
     <p:extLst>
       <p:ext uri="{BB962C8B-B14F-4D97-AF65-F5344CB8AC3E}">
-        <p14:creationId xmlns:p14="http://schemas.microsoft.com/office/powerpoint/2010/main" val="2769759974"/>
+        <p14:creationId xmlns:p14="http://schemas.microsoft.com/office/powerpoint/2010/main" val="228900947"/>
       </p:ext>
     </p:extLst>
   </p:cSld>
@@ -396,9 +420,12 @@
 <p:notesMaster xmlns:a="http://schemas.openxmlformats.org/drawingml/2006/main" xmlns:r="http://schemas.openxmlformats.org/officeDocument/2006/relationships" xmlns:p="http://schemas.openxmlformats.org/presentationml/2006/main">
   <p:cSld>
     <p:bg>
-      <p:bgRef idx="1001">
-        <a:schemeClr val="bg1"/>
-      </p:bgRef>
+      <p:bgPr>
+        <a:solidFill>
+          <a:srgbClr val="FFFFFF"/>
+        </a:solidFill>
+        <a:effectLst/>
+      </p:bgPr>
     </p:bg>
     <p:spTree>
       <p:nvGrpSpPr>
@@ -419,7 +446,7 @@
           <p:cNvPr id="2" name="Espaço Reservado para Imagem de Slide 1">
             <a:extLst>
               <a:ext uri="{FF2B5EF4-FFF2-40B4-BE49-F238E27FC236}">
-                <a16:creationId xmlns:a16="http://schemas.microsoft.com/office/drawing/2014/main" id="{DD4444D3-60CA-4ACF-A144-2014ECD7BEA3}"/>
+                <a16:creationId xmlns:a16="http://schemas.microsoft.com/office/drawing/2014/main" id="{404DB328-F837-4147-8FAA-F7907BB536AF}"/>
               </a:ext>
             </a:extLst>
           </p:cNvPr>
@@ -432,8 +459,8 @@
         </p:nvSpPr>
         <p:spPr>
           <a:xfrm>
-            <a:off x="216000" y="812520"/>
-            <a:ext cx="7127279" cy="4008959"/>
+            <a:off x="215999" y="812517"/>
+            <a:ext cx="7127281" cy="4008958"/>
           </a:xfrm>
           <a:prstGeom prst="rect">
             <a:avLst/>
@@ -450,7 +477,7 @@
           <p:cNvPr id="3" name="Espaço Reservado para Anotações 2">
             <a:extLst>
               <a:ext uri="{FF2B5EF4-FFF2-40B4-BE49-F238E27FC236}">
-                <a16:creationId xmlns:a16="http://schemas.microsoft.com/office/drawing/2014/main" id="{12DC4C0E-0396-4F68-9307-AC90FD32258D}"/>
+                <a16:creationId xmlns:a16="http://schemas.microsoft.com/office/drawing/2014/main" id="{688B06E5-2E88-4DAD-B66C-760886596EFF}"/>
               </a:ext>
             </a:extLst>
           </p:cNvPr>
@@ -463,8 +490,8 @@
         </p:nvSpPr>
         <p:spPr>
           <a:xfrm>
-            <a:off x="756000" y="5078520"/>
-            <a:ext cx="6047640" cy="4811040"/>
+            <a:off x="755998" y="5078522"/>
+            <a:ext cx="6047640" cy="4811042"/>
           </a:xfrm>
           <a:prstGeom prst="rect">
             <a:avLst/>
@@ -475,9 +502,12 @@
           </a:ln>
         </p:spPr>
         <p:txBody>
-          <a:bodyPr lIns="0" tIns="0" rIns="0" bIns="0"/>
+          <a:bodyPr vert="horz" wrap="square" lIns="0" tIns="0" rIns="0" bIns="0" anchor="t" anchorCtr="0" compatLnSpc="1">
+            <a:noAutofit/>
+          </a:bodyPr>
           <a:lstStyle/>
           <a:p>
+            <a:pPr lvl="0"/>
             <a:endParaRPr lang="pt-BR"/>
           </a:p>
         </p:txBody>
@@ -487,7 +517,7 @@
           <p:cNvPr id="4" name="Espaço Reservado para Cabeçalho 3">
             <a:extLst>
               <a:ext uri="{FF2B5EF4-FFF2-40B4-BE49-F238E27FC236}">
-                <a16:creationId xmlns:a16="http://schemas.microsoft.com/office/drawing/2014/main" id="{B7C63DDD-909E-4954-AAB0-033481C34F58}"/>
+                <a16:creationId xmlns:a16="http://schemas.microsoft.com/office/drawing/2014/main" id="{A87EB9D4-90C4-474B-9020-7FBB711E2CBE}"/>
               </a:ext>
             </a:extLst>
           </p:cNvPr>
@@ -501,7 +531,7 @@
         <p:spPr>
           <a:xfrm>
             <a:off x="0" y="0"/>
-            <a:ext cx="3280680" cy="534240"/>
+            <a:ext cx="3280684" cy="534238"/>
           </a:xfrm>
           <a:prstGeom prst="rect">
             <a:avLst/>
@@ -512,14 +542,27 @@
           </a:ln>
         </p:spPr>
         <p:txBody>
-          <a:bodyPr lIns="0" tIns="0" rIns="0" bIns="0" anchorCtr="0">
+          <a:bodyPr vert="horz" wrap="square" lIns="0" tIns="0" rIns="0" bIns="0" anchor="t" anchorCtr="0" compatLnSpc="1">
             <a:noAutofit/>
           </a:bodyPr>
           <a:lstStyle>
-            <a:lvl1pPr lvl="0" hangingPunct="0">
+            <a:lvl1pPr marL="0" marR="0" lvl="0" indent="0" algn="l" defTabSz="914400" rtl="0" fontAlgn="auto" hangingPunct="0">
+              <a:lnSpc>
+                <a:spcPct val="100000"/>
+              </a:lnSpc>
+              <a:spcBef>
+                <a:spcPts val="0"/>
+              </a:spcBef>
+              <a:spcAft>
+                <a:spcPts val="0"/>
+              </a:spcAft>
               <a:buNone/>
               <a:tabLst/>
-              <a:defRPr lang="pt-BR" sz="1400" kern="1200">
+              <a:defRPr lang="pt-BR" sz="1400" b="0" i="0" u="none" strike="noStrike" kern="1200" cap="none" spc="0" baseline="0">
+                <a:solidFill>
+                  <a:srgbClr val="000000"/>
+                </a:solidFill>
+                <a:uFillTx/>
                 <a:latin typeface="Liberation Serif" pitchFamily="18"/>
                 <a:ea typeface="DejaVu Sans" pitchFamily="2"/>
                 <a:cs typeface="DejaVu Sans" pitchFamily="2"/>
@@ -537,7 +580,7 @@
           <p:cNvPr id="5" name="Espaço Reservado para Data 4">
             <a:extLst>
               <a:ext uri="{FF2B5EF4-FFF2-40B4-BE49-F238E27FC236}">
-                <a16:creationId xmlns:a16="http://schemas.microsoft.com/office/drawing/2014/main" id="{573F63D7-7B74-4725-B7DA-7B6C97A5B5C2}"/>
+                <a16:creationId xmlns:a16="http://schemas.microsoft.com/office/drawing/2014/main" id="{FA7719F3-A933-4ED8-9859-CAE21D4D8EDF}"/>
               </a:ext>
             </a:extLst>
           </p:cNvPr>
@@ -550,8 +593,8 @@
         </p:nvSpPr>
         <p:spPr>
           <a:xfrm>
-            <a:off x="4278960" y="0"/>
-            <a:ext cx="3280680" cy="534240"/>
+            <a:off x="4278962" y="0"/>
+            <a:ext cx="3280684" cy="534238"/>
           </a:xfrm>
           <a:prstGeom prst="rect">
             <a:avLst/>
@@ -562,14 +605,27 @@
           </a:ln>
         </p:spPr>
         <p:txBody>
-          <a:bodyPr lIns="0" tIns="0" rIns="0" bIns="0" anchorCtr="0">
+          <a:bodyPr vert="horz" wrap="square" lIns="0" tIns="0" rIns="0" bIns="0" anchor="t" anchorCtr="0" compatLnSpc="1">
             <a:noAutofit/>
           </a:bodyPr>
           <a:lstStyle>
-            <a:lvl1pPr lvl="0" algn="r" hangingPunct="0">
+            <a:lvl1pPr marL="0" marR="0" lvl="0" indent="0" algn="r" defTabSz="914400" rtl="0" fontAlgn="auto" hangingPunct="0">
+              <a:lnSpc>
+                <a:spcPct val="100000"/>
+              </a:lnSpc>
+              <a:spcBef>
+                <a:spcPts val="0"/>
+              </a:spcBef>
+              <a:spcAft>
+                <a:spcPts val="0"/>
+              </a:spcAft>
               <a:buNone/>
               <a:tabLst/>
-              <a:defRPr lang="pt-BR" sz="1400" kern="1200">
+              <a:defRPr lang="pt-BR" sz="1400" b="0" i="0" u="none" strike="noStrike" kern="1200" cap="none" spc="0" baseline="0">
+                <a:solidFill>
+                  <a:srgbClr val="000000"/>
+                </a:solidFill>
+                <a:uFillTx/>
                 <a:latin typeface="Liberation Serif" pitchFamily="18"/>
                 <a:ea typeface="DejaVu Sans" pitchFamily="2"/>
                 <a:cs typeface="DejaVu Sans" pitchFamily="2"/>
@@ -587,7 +643,7 @@
           <p:cNvPr id="6" name="Espaço Reservado para Rodapé 5">
             <a:extLst>
               <a:ext uri="{FF2B5EF4-FFF2-40B4-BE49-F238E27FC236}">
-                <a16:creationId xmlns:a16="http://schemas.microsoft.com/office/drawing/2014/main" id="{5C32BF06-D319-49C8-92C0-F2BF5645960D}"/>
+                <a16:creationId xmlns:a16="http://schemas.microsoft.com/office/drawing/2014/main" id="{1558AB5A-DDC8-4688-ACFF-369C374A514A}"/>
               </a:ext>
             </a:extLst>
           </p:cNvPr>
@@ -600,8 +656,8 @@
         </p:nvSpPr>
         <p:spPr>
           <a:xfrm>
-            <a:off x="0" y="10157400"/>
-            <a:ext cx="3280680" cy="534240"/>
+            <a:off x="0" y="10157402"/>
+            <a:ext cx="3280684" cy="534238"/>
           </a:xfrm>
           <a:prstGeom prst="rect">
             <a:avLst/>
@@ -612,14 +668,27 @@
           </a:ln>
         </p:spPr>
         <p:txBody>
-          <a:bodyPr lIns="0" tIns="0" rIns="0" bIns="0" anchor="b" anchorCtr="0">
+          <a:bodyPr vert="horz" wrap="square" lIns="0" tIns="0" rIns="0" bIns="0" anchor="b" anchorCtr="0" compatLnSpc="1">
             <a:noAutofit/>
           </a:bodyPr>
           <a:lstStyle>
-            <a:lvl1pPr lvl="0" hangingPunct="0">
+            <a:lvl1pPr marL="0" marR="0" lvl="0" indent="0" algn="l" defTabSz="914400" rtl="0" fontAlgn="auto" hangingPunct="0">
+              <a:lnSpc>
+                <a:spcPct val="100000"/>
+              </a:lnSpc>
+              <a:spcBef>
+                <a:spcPts val="0"/>
+              </a:spcBef>
+              <a:spcAft>
+                <a:spcPts val="0"/>
+              </a:spcAft>
               <a:buNone/>
               <a:tabLst/>
-              <a:defRPr lang="pt-BR" sz="1400" kern="1200">
+              <a:defRPr lang="pt-BR" sz="1400" b="0" i="0" u="none" strike="noStrike" kern="1200" cap="none" spc="0" baseline="0">
+                <a:solidFill>
+                  <a:srgbClr val="000000"/>
+                </a:solidFill>
+                <a:uFillTx/>
                 <a:latin typeface="Liberation Serif" pitchFamily="18"/>
                 <a:ea typeface="DejaVu Sans" pitchFamily="2"/>
                 <a:cs typeface="DejaVu Sans" pitchFamily="2"/>
@@ -637,7 +706,7 @@
           <p:cNvPr id="7" name="Espaço Reservado para Número de Slide 6">
             <a:extLst>
               <a:ext uri="{FF2B5EF4-FFF2-40B4-BE49-F238E27FC236}">
-                <a16:creationId xmlns:a16="http://schemas.microsoft.com/office/drawing/2014/main" id="{9C270490-4CDB-42AD-83B9-C48E2F2EF422}"/>
+                <a16:creationId xmlns:a16="http://schemas.microsoft.com/office/drawing/2014/main" id="{201ABC10-E80D-4A5A-ADAD-2DDF845065AF}"/>
               </a:ext>
             </a:extLst>
           </p:cNvPr>
@@ -650,8 +719,8 @@
         </p:nvSpPr>
         <p:spPr>
           <a:xfrm>
-            <a:off x="4278960" y="10157400"/>
-            <a:ext cx="3280680" cy="534240"/>
+            <a:off x="4278962" y="10157402"/>
+            <a:ext cx="3280684" cy="534238"/>
           </a:xfrm>
           <a:prstGeom prst="rect">
             <a:avLst/>
@@ -662,14 +731,27 @@
           </a:ln>
         </p:spPr>
         <p:txBody>
-          <a:bodyPr lIns="0" tIns="0" rIns="0" bIns="0" anchor="b" anchorCtr="0">
+          <a:bodyPr vert="horz" wrap="square" lIns="0" tIns="0" rIns="0" bIns="0" anchor="b" anchorCtr="0" compatLnSpc="1">
             <a:noAutofit/>
           </a:bodyPr>
           <a:lstStyle>
-            <a:lvl1pPr lvl="0" algn="r" hangingPunct="0">
+            <a:lvl1pPr marL="0" marR="0" lvl="0" indent="0" algn="r" defTabSz="914400" rtl="0" fontAlgn="auto" hangingPunct="0">
+              <a:lnSpc>
+                <a:spcPct val="100000"/>
+              </a:lnSpc>
+              <a:spcBef>
+                <a:spcPts val="0"/>
+              </a:spcBef>
+              <a:spcAft>
+                <a:spcPts val="0"/>
+              </a:spcAft>
               <a:buNone/>
               <a:tabLst/>
-              <a:defRPr lang="pt-BR" sz="1400" kern="1200">
+              <a:defRPr lang="pt-BR" sz="1400" b="0" i="0" u="none" strike="noStrike" kern="1200" cap="none" spc="0" baseline="0">
+                <a:solidFill>
+                  <a:srgbClr val="000000"/>
+                </a:solidFill>
+                <a:uFillTx/>
                 <a:latin typeface="Liberation Serif" pitchFamily="18"/>
                 <a:ea typeface="DejaVu Sans" pitchFamily="2"/>
                 <a:cs typeface="DejaVu Sans" pitchFamily="2"/>
@@ -678,7 +760,7 @@
           </a:lstStyle>
           <a:p>
             <a:pPr lvl="0"/>
-            <a:fld id="{D5E2C017-66EC-4EB7-9C02-B377B088066F}" type="slidenum">
+            <a:fld id="{4238874B-EB78-469E-AC72-3E49AF4F59AF}" type="slidenum">
               <a:t>‹nº›</a:t>
             </a:fld>
             <a:endParaRPr lang="pt-BR"/>
@@ -688,23 +770,34 @@
     </p:spTree>
     <p:extLst>
       <p:ext uri="{BB962C8B-B14F-4D97-AF65-F5344CB8AC3E}">
-        <p14:creationId xmlns:p14="http://schemas.microsoft.com/office/powerpoint/2010/main" val="1653516233"/>
+        <p14:creationId xmlns:p14="http://schemas.microsoft.com/office/powerpoint/2010/main" val="1714710621"/>
       </p:ext>
     </p:extLst>
   </p:cSld>
   <p:clrMap bg1="lt1" tx1="dk1" bg2="lt2" tx2="dk2" accent1="accent1" accent2="accent2" accent3="accent3" accent4="accent4" accent5="accent5" accent6="accent6" hlink="hlink" folHlink="folHlink"/>
   <p:notesStyle>
-    <a:lvl1pPr marL="216000" marR="0" indent="-216000" hangingPunct="0">
+    <a:lvl1pPr marL="215999" marR="0" lvl="0" indent="-215999" defTabSz="914400" rtl="0" fontAlgn="auto" hangingPunct="0">
+      <a:lnSpc>
+        <a:spcPct val="100000"/>
+      </a:lnSpc>
+      <a:spcBef>
+        <a:spcPts val="0"/>
+      </a:spcBef>
+      <a:spcAft>
+        <a:spcPts val="0"/>
+      </a:spcAft>
+      <a:buNone/>
       <a:tabLst/>
-      <a:defRPr lang="pt-BR" sz="2000" b="0" i="0" u="none" strike="noStrike" kern="1200" cap="none">
-        <a:ln>
-          <a:noFill/>
-        </a:ln>
+      <a:defRPr lang="pt-BR" sz="2000" b="0" i="0" u="none" strike="noStrike" kern="1200" cap="none" spc="0" baseline="0">
+        <a:solidFill>
+          <a:srgbClr val="000000"/>
+        </a:solidFill>
         <a:highlight>
           <a:scrgbClr r="0" g="0" b="0">
             <a:alpha val="0"/>
           </a:scrgbClr>
         </a:highlight>
+        <a:uFillTx/>
         <a:latin typeface="Liberation Sans" pitchFamily="18"/>
       </a:defRPr>
     </a:lvl1pPr>
@@ -811,48 +904,80 @@
       </p:grpSpPr>
       <p:sp>
         <p:nvSpPr>
-          <p:cNvPr id="7" name="Espaço Reservado para Número de Slide 6">
-            <a:extLst>
-              <a:ext uri="{FF2B5EF4-FFF2-40B4-BE49-F238E27FC236}">
-                <a16:creationId xmlns:a16="http://schemas.microsoft.com/office/drawing/2014/main" id="{56477AC1-5BE9-4666-A1ED-3A9157C3A475}"/>
-              </a:ext>
-            </a:extLst>
-          </p:cNvPr>
-          <p:cNvSpPr txBox="1">
-            <a:spLocks noGrp="1"/>
-          </p:cNvSpPr>
-          <p:nvPr>
-            <p:ph type="sldNum" sz="quarter" idx="5"/>
-          </p:nvPr>
-        </p:nvSpPr>
-        <p:spPr>
-          <a:ln/>
-        </p:spPr>
-        <p:txBody>
-          <a:bodyPr lIns="0" tIns="0" rIns="0" bIns="0" anchor="b" anchorCtr="0">
+          <p:cNvPr id="2" name="Espaço Reservado para Número de Slide 6">
+            <a:extLst>
+              <a:ext uri="{FF2B5EF4-FFF2-40B4-BE49-F238E27FC236}">
+                <a16:creationId xmlns:a16="http://schemas.microsoft.com/office/drawing/2014/main" id="{4E959909-0B56-45EE-B72D-73FF851322C5}"/>
+              </a:ext>
+            </a:extLst>
+          </p:cNvPr>
+          <p:cNvSpPr txBox="1"/>
+          <p:nvPr/>
+        </p:nvSpPr>
+        <p:spPr>
+          <a:xfrm>
+            <a:off x="4278962" y="10157402"/>
+            <a:ext cx="3280684" cy="534238"/>
+          </a:xfrm>
+          <a:prstGeom prst="rect">
+            <a:avLst/>
+          </a:prstGeom>
+          <a:noFill/>
+          <a:ln cap="flat">
+            <a:noFill/>
+          </a:ln>
+        </p:spPr>
+        <p:txBody>
+          <a:bodyPr vert="horz" wrap="square" lIns="0" tIns="0" rIns="0" bIns="0" anchor="b" anchorCtr="0" compatLnSpc="1">
             <a:noAutofit/>
           </a:bodyPr>
           <a:lstStyle/>
           <a:p>
-            <a:pPr lvl="0"/>
-            <a:fld id="{235355B5-E02D-4EEC-BFF4-CF26085CD7A1}" type="slidenum">
+            <a:pPr marL="0" marR="0" lvl="0" indent="0" algn="r" defTabSz="914400" rtl="0" fontAlgn="auto" hangingPunct="0">
+              <a:lnSpc>
+                <a:spcPct val="100000"/>
+              </a:lnSpc>
+              <a:spcBef>
+                <a:spcPts val="0"/>
+              </a:spcBef>
+              <a:spcAft>
+                <a:spcPts val="0"/>
+              </a:spcAft>
+              <a:buNone/>
+              <a:tabLst/>
+              <a:defRPr sz="1800" b="0" i="0" u="none" strike="noStrike" kern="0" cap="none" spc="0" baseline="0">
+                <a:solidFill>
+                  <a:srgbClr val="000000"/>
+                </a:solidFill>
+                <a:uFillTx/>
+              </a:defRPr>
+            </a:pPr>
+            <a:fld id="{6CC3CFCB-554C-4DBC-BB53-DCD69C75CA5C}" type="slidenum">
               <a:t>1</a:t>
             </a:fld>
-            <a:endParaRPr lang="pt-BR"/>
-          </a:p>
-        </p:txBody>
-      </p:sp>
-      <p:sp>
-        <p:nvSpPr>
-          <p:cNvPr id="2" name="Espaço Reservado para Imagem de Slide 1">
-            <a:extLst>
-              <a:ext uri="{FF2B5EF4-FFF2-40B4-BE49-F238E27FC236}">
-                <a16:creationId xmlns:a16="http://schemas.microsoft.com/office/drawing/2014/main" id="{098EE8F3-252D-42A4-8F60-31A2951F9333}"/>
+            <a:endParaRPr lang="pt-BR" sz="1400" b="0" i="0" u="none" strike="noStrike" kern="1200" cap="none" spc="0" baseline="0">
+              <a:solidFill>
+                <a:srgbClr val="000000"/>
+              </a:solidFill>
+              <a:uFillTx/>
+              <a:latin typeface="Liberation Serif" pitchFamily="18"/>
+              <a:ea typeface="DejaVu Sans" pitchFamily="2"/>
+              <a:cs typeface="DejaVu Sans" pitchFamily="2"/>
+            </a:endParaRPr>
+          </a:p>
+        </p:txBody>
+      </p:sp>
+      <p:sp>
+        <p:nvSpPr>
+          <p:cNvPr id="3" name="Espaço Reservado para Imagem de Slide 1">
+            <a:extLst>
+              <a:ext uri="{FF2B5EF4-FFF2-40B4-BE49-F238E27FC236}">
+                <a16:creationId xmlns:a16="http://schemas.microsoft.com/office/drawing/2014/main" id="{508309ED-7E94-4A75-BAE1-81BE83B24872}"/>
               </a:ext>
             </a:extLst>
           </p:cNvPr>
           <p:cNvSpPr>
-            <a:spLocks noGrp="1" noRot="1" noChangeAspect="1" noResize="1"/>
+            <a:spLocks noGrp="1" noRot="1" noChangeAspect="1"/>
           </p:cNvSpPr>
           <p:nvPr>
             <p:ph type="sldImg"/>
@@ -860,13 +985,13 @@
         </p:nvSpPr>
         <p:spPr>
           <a:xfrm>
-            <a:off x="217488" y="812800"/>
-            <a:ext cx="7124700" cy="4008438"/>
+            <a:off x="217490" y="812801"/>
+            <a:ext cx="7124703" cy="4008436"/>
           </a:xfrm>
           <a:solidFill>
             <a:srgbClr val="729FCF"/>
           </a:solidFill>
-          <a:ln w="25400">
+          <a:ln w="25402">
             <a:solidFill>
               <a:srgbClr val="3465A4"/>
             </a:solidFill>
@@ -876,10 +1001,10 @@
       </p:sp>
       <p:sp>
         <p:nvSpPr>
-          <p:cNvPr id="3" name="Espaço Reservado para Anotações 2">
-            <a:extLst>
-              <a:ext uri="{FF2B5EF4-FFF2-40B4-BE49-F238E27FC236}">
-                <a16:creationId xmlns:a16="http://schemas.microsoft.com/office/drawing/2014/main" id="{A890F65E-FF57-4F94-9FCE-042D2AC1CD5F}"/>
+          <p:cNvPr id="4" name="Espaço Reservado para Anotações 2">
+            <a:extLst>
+              <a:ext uri="{FF2B5EF4-FFF2-40B4-BE49-F238E27FC236}">
+                <a16:creationId xmlns:a16="http://schemas.microsoft.com/office/drawing/2014/main" id="{60E2F54B-C444-4A8B-A2E4-7CBD5CA309C6}"/>
               </a:ext>
             </a:extLst>
           </p:cNvPr>
@@ -926,48 +1051,80 @@
       </p:grpSpPr>
       <p:sp>
         <p:nvSpPr>
-          <p:cNvPr id="7" name="Espaço Reservado para Número de Slide 6">
-            <a:extLst>
-              <a:ext uri="{FF2B5EF4-FFF2-40B4-BE49-F238E27FC236}">
-                <a16:creationId xmlns:a16="http://schemas.microsoft.com/office/drawing/2014/main" id="{7989E3EA-A890-4214-A966-E81C63DB9A4D}"/>
-              </a:ext>
-            </a:extLst>
-          </p:cNvPr>
-          <p:cNvSpPr txBox="1">
-            <a:spLocks noGrp="1"/>
-          </p:cNvSpPr>
-          <p:nvPr>
-            <p:ph type="sldNum" sz="quarter" idx="5"/>
-          </p:nvPr>
-        </p:nvSpPr>
-        <p:spPr>
-          <a:ln/>
-        </p:spPr>
-        <p:txBody>
-          <a:bodyPr lIns="0" tIns="0" rIns="0" bIns="0" anchor="b" anchorCtr="0">
+          <p:cNvPr id="2" name="Espaço Reservado para Número de Slide 6">
+            <a:extLst>
+              <a:ext uri="{FF2B5EF4-FFF2-40B4-BE49-F238E27FC236}">
+                <a16:creationId xmlns:a16="http://schemas.microsoft.com/office/drawing/2014/main" id="{649FF1E0-2531-44DA-BDCF-11FC21D139EB}"/>
+              </a:ext>
+            </a:extLst>
+          </p:cNvPr>
+          <p:cNvSpPr txBox="1"/>
+          <p:nvPr/>
+        </p:nvSpPr>
+        <p:spPr>
+          <a:xfrm>
+            <a:off x="4278962" y="10157402"/>
+            <a:ext cx="3280684" cy="534238"/>
+          </a:xfrm>
+          <a:prstGeom prst="rect">
+            <a:avLst/>
+          </a:prstGeom>
+          <a:noFill/>
+          <a:ln cap="flat">
+            <a:noFill/>
+          </a:ln>
+        </p:spPr>
+        <p:txBody>
+          <a:bodyPr vert="horz" wrap="square" lIns="0" tIns="0" rIns="0" bIns="0" anchor="b" anchorCtr="0" compatLnSpc="1">
             <a:noAutofit/>
           </a:bodyPr>
           <a:lstStyle/>
           <a:p>
-            <a:pPr lvl="0"/>
-            <a:fld id="{6EF5EB45-D392-4A11-B6AD-25C5286103A4}" type="slidenum">
+            <a:pPr marL="0" marR="0" lvl="0" indent="0" algn="r" defTabSz="914400" rtl="0" fontAlgn="auto" hangingPunct="0">
+              <a:lnSpc>
+                <a:spcPct val="100000"/>
+              </a:lnSpc>
+              <a:spcBef>
+                <a:spcPts val="0"/>
+              </a:spcBef>
+              <a:spcAft>
+                <a:spcPts val="0"/>
+              </a:spcAft>
+              <a:buNone/>
+              <a:tabLst/>
+              <a:defRPr sz="1800" b="0" i="0" u="none" strike="noStrike" kern="0" cap="none" spc="0" baseline="0">
+                <a:solidFill>
+                  <a:srgbClr val="000000"/>
+                </a:solidFill>
+                <a:uFillTx/>
+              </a:defRPr>
+            </a:pPr>
+            <a:fld id="{EC6CB1AF-9315-4532-A0CF-D3F1E7CCE1E9}" type="slidenum">
               <a:t>2</a:t>
             </a:fld>
-            <a:endParaRPr lang="pt-BR"/>
-          </a:p>
-        </p:txBody>
-      </p:sp>
-      <p:sp>
-        <p:nvSpPr>
-          <p:cNvPr id="2" name="Espaço Reservado para Imagem de Slide 1">
-            <a:extLst>
-              <a:ext uri="{FF2B5EF4-FFF2-40B4-BE49-F238E27FC236}">
-                <a16:creationId xmlns:a16="http://schemas.microsoft.com/office/drawing/2014/main" id="{59112B36-AA39-4EA0-B1CE-6DC315CD0BBC}"/>
+            <a:endParaRPr lang="pt-BR" sz="1400" b="0" i="0" u="none" strike="noStrike" kern="1200" cap="none" spc="0" baseline="0">
+              <a:solidFill>
+                <a:srgbClr val="000000"/>
+              </a:solidFill>
+              <a:uFillTx/>
+              <a:latin typeface="Liberation Serif" pitchFamily="18"/>
+              <a:ea typeface="DejaVu Sans" pitchFamily="2"/>
+              <a:cs typeface="DejaVu Sans" pitchFamily="2"/>
+            </a:endParaRPr>
+          </a:p>
+        </p:txBody>
+      </p:sp>
+      <p:sp>
+        <p:nvSpPr>
+          <p:cNvPr id="3" name="Espaço Reservado para Imagem de Slide 1">
+            <a:extLst>
+              <a:ext uri="{FF2B5EF4-FFF2-40B4-BE49-F238E27FC236}">
+                <a16:creationId xmlns:a16="http://schemas.microsoft.com/office/drawing/2014/main" id="{B1F44755-EE2C-4836-8326-4E1FA0DCECAB}"/>
               </a:ext>
             </a:extLst>
           </p:cNvPr>
           <p:cNvSpPr>
-            <a:spLocks noGrp="1" noRot="1" noChangeAspect="1" noResize="1"/>
+            <a:spLocks noGrp="1" noRot="1" noChangeAspect="1"/>
           </p:cNvSpPr>
           <p:nvPr>
             <p:ph type="sldImg"/>
@@ -981,7 +1138,7 @@
           <a:solidFill>
             <a:srgbClr val="729FCF"/>
           </a:solidFill>
-          <a:ln w="25400">
+          <a:ln w="25402">
             <a:solidFill>
               <a:srgbClr val="3465A4"/>
             </a:solidFill>
@@ -991,10 +1148,10 @@
       </p:sp>
       <p:sp>
         <p:nvSpPr>
-          <p:cNvPr id="3" name="Espaço Reservado para Anotações 2">
-            <a:extLst>
-              <a:ext uri="{FF2B5EF4-FFF2-40B4-BE49-F238E27FC236}">
-                <a16:creationId xmlns:a16="http://schemas.microsoft.com/office/drawing/2014/main" id="{A48889E4-4994-4D3E-B7CF-8C82BC4CBF17}"/>
+          <p:cNvPr id="4" name="Espaço Reservado para Anotações 2">
+            <a:extLst>
+              <a:ext uri="{FF2B5EF4-FFF2-40B4-BE49-F238E27FC236}">
+                <a16:creationId xmlns:a16="http://schemas.microsoft.com/office/drawing/2014/main" id="{CF84FDDE-D1C4-479D-99E5-15FE078B1FE2}"/>
               </a:ext>
             </a:extLst>
           </p:cNvPr>
@@ -1010,7 +1167,7 @@
           <a:bodyPr/>
           <a:lstStyle/>
           <a:p>
-            <a:endParaRPr lang="pt-BR" dirty="0"/>
+            <a:endParaRPr lang="pt-BR"/>
           </a:p>
         </p:txBody>
       </p:sp>
@@ -1044,11 +1201,11 @@
           <p:cNvPr id="2" name="Título 1">
             <a:extLst>
               <a:ext uri="{FF2B5EF4-FFF2-40B4-BE49-F238E27FC236}">
-                <a16:creationId xmlns:a16="http://schemas.microsoft.com/office/drawing/2014/main" id="{62FA9B3F-1CBC-4964-B0B2-09F6B1EBEEBC}"/>
-              </a:ext>
-            </a:extLst>
-          </p:cNvPr>
-          <p:cNvSpPr>
+                <a16:creationId xmlns:a16="http://schemas.microsoft.com/office/drawing/2014/main" id="{33EAD7B7-8F58-4B2D-8708-F33C3FCD076D}"/>
+              </a:ext>
+            </a:extLst>
+          </p:cNvPr>
+          <p:cNvSpPr txBox="1">
             <a:spLocks noGrp="1"/>
           </p:cNvSpPr>
           <p:nvPr>
@@ -1057,18 +1214,19 @@
         </p:nvSpPr>
         <p:spPr>
           <a:xfrm>
-            <a:off x="1260475" y="928688"/>
-            <a:ext cx="7559675" cy="1973262"/>
+            <a:off x="1260472" y="928692"/>
+            <a:ext cx="7559673" cy="1973266"/>
           </a:xfrm>
         </p:spPr>
         <p:txBody>
           <a:bodyPr anchor="b"/>
           <a:lstStyle>
-            <a:lvl1pPr algn="ctr">
+            <a:lvl1pPr>
               <a:defRPr sz="6000"/>
             </a:lvl1pPr>
           </a:lstStyle>
           <a:p>
+            <a:pPr lvl="0"/>
             <a:r>
               <a:rPr lang="pt-BR"/>
               <a:t>Clique para editar o título Mestre</a:t>
@@ -1081,11 +1239,11 @@
           <p:cNvPr id="3" name="Subtítulo 2">
             <a:extLst>
               <a:ext uri="{FF2B5EF4-FFF2-40B4-BE49-F238E27FC236}">
-                <a16:creationId xmlns:a16="http://schemas.microsoft.com/office/drawing/2014/main" id="{28A34BAD-D82F-41FE-AC77-5460CE22B80F}"/>
-              </a:ext>
-            </a:extLst>
-          </p:cNvPr>
-          <p:cNvSpPr>
+                <a16:creationId xmlns:a16="http://schemas.microsoft.com/office/drawing/2014/main" id="{741D1E51-E84D-414C-AD28-61CCF904CB08}"/>
+              </a:ext>
+            </a:extLst>
+          </p:cNvPr>
+          <p:cNvSpPr txBox="1">
             <a:spLocks noGrp="1"/>
           </p:cNvSpPr>
           <p:nvPr>
@@ -1094,51 +1252,19 @@
         </p:nvSpPr>
         <p:spPr>
           <a:xfrm>
-            <a:off x="1260475" y="2978150"/>
-            <a:ext cx="7559675" cy="1370013"/>
-          </a:xfrm>
-        </p:spPr>
-        <p:txBody>
-          <a:bodyPr/>
+            <a:off x="1260472" y="2978145"/>
+            <a:ext cx="7559673" cy="1370008"/>
+          </a:xfrm>
+        </p:spPr>
+        <p:txBody>
+          <a:bodyPr anchorCtr="1"/>
           <a:lstStyle>
-            <a:lvl1pPr marL="0" indent="0" algn="ctr">
-              <a:buNone/>
+            <a:lvl1pPr algn="ctr">
               <a:defRPr sz="2400"/>
             </a:lvl1pPr>
-            <a:lvl2pPr marL="457200" indent="0" algn="ctr">
-              <a:buNone/>
-              <a:defRPr sz="2000"/>
-            </a:lvl2pPr>
-            <a:lvl3pPr marL="914400" indent="0" algn="ctr">
-              <a:buNone/>
-              <a:defRPr sz="1800"/>
-            </a:lvl3pPr>
-            <a:lvl4pPr marL="1371600" indent="0" algn="ctr">
-              <a:buNone/>
-              <a:defRPr sz="1600"/>
-            </a:lvl4pPr>
-            <a:lvl5pPr marL="1828800" indent="0" algn="ctr">
-              <a:buNone/>
-              <a:defRPr sz="1600"/>
-            </a:lvl5pPr>
-            <a:lvl6pPr marL="2286000" indent="0" algn="ctr">
-              <a:buNone/>
-              <a:defRPr sz="1600"/>
-            </a:lvl6pPr>
-            <a:lvl7pPr marL="2743200" indent="0" algn="ctr">
-              <a:buNone/>
-              <a:defRPr sz="1600"/>
-            </a:lvl7pPr>
-            <a:lvl8pPr marL="3200400" indent="0" algn="ctr">
-              <a:buNone/>
-              <a:defRPr sz="1600"/>
-            </a:lvl8pPr>
-            <a:lvl9pPr marL="3657600" indent="0" algn="ctr">
-              <a:buNone/>
-              <a:defRPr sz="1600"/>
-            </a:lvl9pPr>
           </a:lstStyle>
           <a:p>
+            <a:pPr lvl="0"/>
             <a:r>
               <a:rPr lang="pt-BR"/>
               <a:t>Clique para editar o estilo do subtítulo Mestre</a:t>
@@ -1151,21 +1277,25 @@
           <p:cNvPr id="4" name="Espaço Reservado para Data 3">
             <a:extLst>
               <a:ext uri="{FF2B5EF4-FFF2-40B4-BE49-F238E27FC236}">
-                <a16:creationId xmlns:a16="http://schemas.microsoft.com/office/drawing/2014/main" id="{DEB816BA-8289-4013-86F4-813CEAC29ED5}"/>
-              </a:ext>
-            </a:extLst>
-          </p:cNvPr>
-          <p:cNvSpPr>
+                <a16:creationId xmlns:a16="http://schemas.microsoft.com/office/drawing/2014/main" id="{68F9E85A-053B-4588-9084-BB104CFBDC8C}"/>
+              </a:ext>
+            </a:extLst>
+          </p:cNvPr>
+          <p:cNvSpPr txBox="1">
             <a:spLocks noGrp="1"/>
           </p:cNvSpPr>
           <p:nvPr>
-            <p:ph type="dt" sz="half" idx="10"/>
+            <p:ph type="dt" sz="half" idx="7"/>
           </p:nvPr>
         </p:nvSpPr>
         <p:spPr/>
         <p:txBody>
           <a:bodyPr/>
-          <a:lstStyle/>
+          <a:lstStyle>
+            <a:lvl1pPr>
+              <a:defRPr/>
+            </a:lvl1pPr>
+          </a:lstStyle>
           <a:p>
             <a:pPr lvl="0"/>
             <a:endParaRPr lang="pt-BR"/>
@@ -1177,21 +1307,25 @@
           <p:cNvPr id="5" name="Espaço Reservado para Rodapé 4">
             <a:extLst>
               <a:ext uri="{FF2B5EF4-FFF2-40B4-BE49-F238E27FC236}">
-                <a16:creationId xmlns:a16="http://schemas.microsoft.com/office/drawing/2014/main" id="{B8FADB9E-0D2F-4B08-BFFC-3B9624C8EDD6}"/>
-              </a:ext>
-            </a:extLst>
-          </p:cNvPr>
-          <p:cNvSpPr>
+                <a16:creationId xmlns:a16="http://schemas.microsoft.com/office/drawing/2014/main" id="{EBDA43B7-F36A-4F1A-8F34-2F93B7267B5B}"/>
+              </a:ext>
+            </a:extLst>
+          </p:cNvPr>
+          <p:cNvSpPr txBox="1">
             <a:spLocks noGrp="1"/>
           </p:cNvSpPr>
           <p:nvPr>
-            <p:ph type="ftr" sz="quarter" idx="11"/>
+            <p:ph type="ftr" sz="quarter" idx="9"/>
           </p:nvPr>
         </p:nvSpPr>
         <p:spPr/>
         <p:txBody>
           <a:bodyPr/>
-          <a:lstStyle/>
+          <a:lstStyle>
+            <a:lvl1pPr>
+              <a:defRPr/>
+            </a:lvl1pPr>
+          </a:lstStyle>
           <a:p>
             <a:pPr lvl="0"/>
             <a:endParaRPr lang="pt-BR"/>
@@ -1203,24 +1337,28 @@
           <p:cNvPr id="6" name="Espaço Reservado para Número de Slide 5">
             <a:extLst>
               <a:ext uri="{FF2B5EF4-FFF2-40B4-BE49-F238E27FC236}">
-                <a16:creationId xmlns:a16="http://schemas.microsoft.com/office/drawing/2014/main" id="{D375334F-E2A0-462F-8B5F-674B7768B09F}"/>
-              </a:ext>
-            </a:extLst>
-          </p:cNvPr>
-          <p:cNvSpPr>
+                <a16:creationId xmlns:a16="http://schemas.microsoft.com/office/drawing/2014/main" id="{EF3C6873-D64D-4F4B-84F8-B38EC34AFA96}"/>
+              </a:ext>
+            </a:extLst>
+          </p:cNvPr>
+          <p:cNvSpPr txBox="1">
             <a:spLocks noGrp="1"/>
           </p:cNvSpPr>
           <p:nvPr>
-            <p:ph type="sldNum" sz="quarter" idx="12"/>
+            <p:ph type="sldNum" sz="quarter" idx="8"/>
           </p:nvPr>
         </p:nvSpPr>
         <p:spPr/>
         <p:txBody>
           <a:bodyPr/>
-          <a:lstStyle/>
+          <a:lstStyle>
+            <a:lvl1pPr>
+              <a:defRPr/>
+            </a:lvl1pPr>
+          </a:lstStyle>
           <a:p>
             <a:pPr lvl="0"/>
-            <a:fld id="{B68B9167-1240-46E2-8D4B-AE4F5D20E92F}" type="slidenum">
+            <a:fld id="{01F55EDC-7597-49CD-A87E-5BF23B723232}" type="slidenum">
               <a:t>‹nº›</a:t>
             </a:fld>
             <a:endParaRPr lang="pt-BR"/>
@@ -1230,7 +1368,7 @@
     </p:spTree>
     <p:extLst>
       <p:ext uri="{BB962C8B-B14F-4D97-AF65-F5344CB8AC3E}">
-        <p14:creationId xmlns:p14="http://schemas.microsoft.com/office/powerpoint/2010/main" val="1450571958"/>
+        <p14:creationId xmlns:p14="http://schemas.microsoft.com/office/powerpoint/2010/main" val="2804498671"/>
       </p:ext>
     </p:extLst>
   </p:cSld>
@@ -1262,11 +1400,11 @@
           <p:cNvPr id="2" name="Título 1">
             <a:extLst>
               <a:ext uri="{FF2B5EF4-FFF2-40B4-BE49-F238E27FC236}">
-                <a16:creationId xmlns:a16="http://schemas.microsoft.com/office/drawing/2014/main" id="{30398F94-6566-4265-9EB8-352B4CB91E3A}"/>
-              </a:ext>
-            </a:extLst>
-          </p:cNvPr>
-          <p:cNvSpPr>
+                <a16:creationId xmlns:a16="http://schemas.microsoft.com/office/drawing/2014/main" id="{71089C21-C9C2-4312-8313-92ED553B93D5}"/>
+              </a:ext>
+            </a:extLst>
+          </p:cNvPr>
+          <p:cNvSpPr txBox="1">
             <a:spLocks noGrp="1"/>
           </p:cNvSpPr>
           <p:nvPr>
@@ -1276,8 +1414,13 @@
         <p:spPr/>
         <p:txBody>
           <a:bodyPr/>
-          <a:lstStyle/>
-          <a:p>
+          <a:lstStyle>
+            <a:lvl1pPr>
+              <a:defRPr/>
+            </a:lvl1pPr>
+          </a:lstStyle>
+          <a:p>
+            <a:pPr lvl="0"/>
             <a:r>
               <a:rPr lang="pt-BR"/>
               <a:t>Clique para editar o título Mestre</a:t>
@@ -1290,11 +1433,11 @@
           <p:cNvPr id="3" name="Espaço Reservado para Texto Vertical 2">
             <a:extLst>
               <a:ext uri="{FF2B5EF4-FFF2-40B4-BE49-F238E27FC236}">
-                <a16:creationId xmlns:a16="http://schemas.microsoft.com/office/drawing/2014/main" id="{6FD83F45-CFF9-45CF-A7A8-8196C2953A4D}"/>
-              </a:ext>
-            </a:extLst>
-          </p:cNvPr>
-          <p:cNvSpPr>
+                <a16:creationId xmlns:a16="http://schemas.microsoft.com/office/drawing/2014/main" id="{B16C2B9A-9A87-4BC9-A250-F939CCC33CDF}"/>
+              </a:ext>
+            </a:extLst>
+          </p:cNvPr>
+          <p:cNvSpPr txBox="1">
             <a:spLocks noGrp="1"/>
           </p:cNvSpPr>
           <p:nvPr>
@@ -1304,7 +1447,23 @@
         <p:spPr/>
         <p:txBody>
           <a:bodyPr vert="eaVert"/>
-          <a:lstStyle/>
+          <a:lstStyle>
+            <a:lvl1pPr>
+              <a:defRPr/>
+            </a:lvl1pPr>
+            <a:lvl2pPr>
+              <a:defRPr/>
+            </a:lvl2pPr>
+            <a:lvl3pPr>
+              <a:defRPr/>
+            </a:lvl3pPr>
+            <a:lvl4pPr>
+              <a:defRPr/>
+            </a:lvl4pPr>
+            <a:lvl5pPr>
+              <a:defRPr/>
+            </a:lvl5pPr>
+          </a:lstStyle>
           <a:p>
             <a:pPr lvl="0"/>
             <a:r>
@@ -1347,21 +1506,25 @@
           <p:cNvPr id="4" name="Espaço Reservado para Data 3">
             <a:extLst>
               <a:ext uri="{FF2B5EF4-FFF2-40B4-BE49-F238E27FC236}">
-                <a16:creationId xmlns:a16="http://schemas.microsoft.com/office/drawing/2014/main" id="{09740AD3-6E6E-4BBF-85C8-0DD866E29752}"/>
-              </a:ext>
-            </a:extLst>
-          </p:cNvPr>
-          <p:cNvSpPr>
+                <a16:creationId xmlns:a16="http://schemas.microsoft.com/office/drawing/2014/main" id="{7FDE8D67-8CFB-4971-B03A-5287954DFAF3}"/>
+              </a:ext>
+            </a:extLst>
+          </p:cNvPr>
+          <p:cNvSpPr txBox="1">
             <a:spLocks noGrp="1"/>
           </p:cNvSpPr>
           <p:nvPr>
-            <p:ph type="dt" sz="half" idx="10"/>
+            <p:ph type="dt" sz="half" idx="7"/>
           </p:nvPr>
         </p:nvSpPr>
         <p:spPr/>
         <p:txBody>
           <a:bodyPr/>
-          <a:lstStyle/>
+          <a:lstStyle>
+            <a:lvl1pPr>
+              <a:defRPr/>
+            </a:lvl1pPr>
+          </a:lstStyle>
           <a:p>
             <a:pPr lvl="0"/>
             <a:endParaRPr lang="pt-BR"/>
@@ -1373,21 +1536,25 @@
           <p:cNvPr id="5" name="Espaço Reservado para Rodapé 4">
             <a:extLst>
               <a:ext uri="{FF2B5EF4-FFF2-40B4-BE49-F238E27FC236}">
-                <a16:creationId xmlns:a16="http://schemas.microsoft.com/office/drawing/2014/main" id="{196197B4-D6F2-4C44-B6C6-6B9A9643E157}"/>
-              </a:ext>
-            </a:extLst>
-          </p:cNvPr>
-          <p:cNvSpPr>
+                <a16:creationId xmlns:a16="http://schemas.microsoft.com/office/drawing/2014/main" id="{8CDF0EBE-DF15-4041-A117-D39E1EC421B7}"/>
+              </a:ext>
+            </a:extLst>
+          </p:cNvPr>
+          <p:cNvSpPr txBox="1">
             <a:spLocks noGrp="1"/>
           </p:cNvSpPr>
           <p:nvPr>
-            <p:ph type="ftr" sz="quarter" idx="11"/>
+            <p:ph type="ftr" sz="quarter" idx="9"/>
           </p:nvPr>
         </p:nvSpPr>
         <p:spPr/>
         <p:txBody>
           <a:bodyPr/>
-          <a:lstStyle/>
+          <a:lstStyle>
+            <a:lvl1pPr>
+              <a:defRPr/>
+            </a:lvl1pPr>
+          </a:lstStyle>
           <a:p>
             <a:pPr lvl="0"/>
             <a:endParaRPr lang="pt-BR"/>
@@ -1399,24 +1566,28 @@
           <p:cNvPr id="6" name="Espaço Reservado para Número de Slide 5">
             <a:extLst>
               <a:ext uri="{FF2B5EF4-FFF2-40B4-BE49-F238E27FC236}">
-                <a16:creationId xmlns:a16="http://schemas.microsoft.com/office/drawing/2014/main" id="{44B9D91F-CA2B-4BDA-9E47-6FBD90F81E7D}"/>
-              </a:ext>
-            </a:extLst>
-          </p:cNvPr>
-          <p:cNvSpPr>
+                <a16:creationId xmlns:a16="http://schemas.microsoft.com/office/drawing/2014/main" id="{E76889E8-6A54-4194-B379-09322A0F6743}"/>
+              </a:ext>
+            </a:extLst>
+          </p:cNvPr>
+          <p:cNvSpPr txBox="1">
             <a:spLocks noGrp="1"/>
           </p:cNvSpPr>
           <p:nvPr>
-            <p:ph type="sldNum" sz="quarter" idx="12"/>
+            <p:ph type="sldNum" sz="quarter" idx="8"/>
           </p:nvPr>
         </p:nvSpPr>
         <p:spPr/>
         <p:txBody>
           <a:bodyPr/>
-          <a:lstStyle/>
+          <a:lstStyle>
+            <a:lvl1pPr>
+              <a:defRPr/>
+            </a:lvl1pPr>
+          </a:lstStyle>
           <a:p>
             <a:pPr lvl="0"/>
-            <a:fld id="{CC2609AB-34F6-4C90-A9BF-DAECBDB96F91}" type="slidenum">
+            <a:fld id="{9AD82BB0-19F1-43BC-8F73-92C1CDB1A733}" type="slidenum">
               <a:t>‹nº›</a:t>
             </a:fld>
             <a:endParaRPr lang="pt-BR"/>
@@ -1426,7 +1597,7 @@
     </p:spTree>
     <p:extLst>
       <p:ext uri="{BB962C8B-B14F-4D97-AF65-F5344CB8AC3E}">
-        <p14:creationId xmlns:p14="http://schemas.microsoft.com/office/powerpoint/2010/main" val="2697996156"/>
+        <p14:creationId xmlns:p14="http://schemas.microsoft.com/office/powerpoint/2010/main" val="2857491246"/>
       </p:ext>
     </p:extLst>
   </p:cSld>
@@ -1458,11 +1629,11 @@
           <p:cNvPr id="2" name="Título Vertical 1">
             <a:extLst>
               <a:ext uri="{FF2B5EF4-FFF2-40B4-BE49-F238E27FC236}">
-                <a16:creationId xmlns:a16="http://schemas.microsoft.com/office/drawing/2014/main" id="{730F0960-08B2-41E7-AF09-AD6CA0B395A7}"/>
-              </a:ext>
-            </a:extLst>
-          </p:cNvPr>
-          <p:cNvSpPr>
+                <a16:creationId xmlns:a16="http://schemas.microsoft.com/office/drawing/2014/main" id="{4579190E-09A6-4310-A734-2A01E1990BAC}"/>
+              </a:ext>
+            </a:extLst>
+          </p:cNvPr>
+          <p:cNvSpPr txBox="1">
             <a:spLocks noGrp="1"/>
           </p:cNvSpPr>
           <p:nvPr>
@@ -1471,14 +1642,19 @@
         </p:nvSpPr>
         <p:spPr>
           <a:xfrm>
-            <a:off x="7308850" y="225425"/>
-            <a:ext cx="2266950" cy="4389438"/>
+            <a:off x="7308854" y="225427"/>
+            <a:ext cx="2266953" cy="4389440"/>
           </a:xfrm>
         </p:spPr>
         <p:txBody>
           <a:bodyPr vert="eaVert"/>
-          <a:lstStyle/>
-          <a:p>
+          <a:lstStyle>
+            <a:lvl1pPr>
+              <a:defRPr/>
+            </a:lvl1pPr>
+          </a:lstStyle>
+          <a:p>
+            <a:pPr lvl="0"/>
             <a:r>
               <a:rPr lang="pt-BR"/>
               <a:t>Clique para editar o título Mestre</a:t>
@@ -1491,11 +1667,11 @@
           <p:cNvPr id="3" name="Espaço Reservado para Texto Vertical 2">
             <a:extLst>
               <a:ext uri="{FF2B5EF4-FFF2-40B4-BE49-F238E27FC236}">
-                <a16:creationId xmlns:a16="http://schemas.microsoft.com/office/drawing/2014/main" id="{8F78212A-01DB-4204-8CAE-E7F06512F770}"/>
-              </a:ext>
-            </a:extLst>
-          </p:cNvPr>
-          <p:cNvSpPr>
+                <a16:creationId xmlns:a16="http://schemas.microsoft.com/office/drawing/2014/main" id="{9395A4E3-49B8-4A5A-B57B-B311F0F33A63}"/>
+              </a:ext>
+            </a:extLst>
+          </p:cNvPr>
+          <p:cNvSpPr txBox="1">
             <a:spLocks noGrp="1"/>
           </p:cNvSpPr>
           <p:nvPr>
@@ -1504,13 +1680,29 @@
         </p:nvSpPr>
         <p:spPr>
           <a:xfrm>
-            <a:off x="503238" y="225425"/>
-            <a:ext cx="6653212" cy="4389438"/>
+            <a:off x="503240" y="225427"/>
+            <a:ext cx="6653210" cy="4389440"/>
           </a:xfrm>
         </p:spPr>
         <p:txBody>
           <a:bodyPr vert="eaVert"/>
-          <a:lstStyle/>
+          <a:lstStyle>
+            <a:lvl1pPr>
+              <a:defRPr/>
+            </a:lvl1pPr>
+            <a:lvl2pPr>
+              <a:defRPr/>
+            </a:lvl2pPr>
+            <a:lvl3pPr>
+              <a:defRPr/>
+            </a:lvl3pPr>
+            <a:lvl4pPr>
+              <a:defRPr/>
+            </a:lvl4pPr>
+            <a:lvl5pPr>
+              <a:defRPr/>
+            </a:lvl5pPr>
+          </a:lstStyle>
           <a:p>
             <a:pPr lvl="0"/>
             <a:r>
@@ -1553,21 +1745,25 @@
           <p:cNvPr id="4" name="Espaço Reservado para Data 3">
             <a:extLst>
               <a:ext uri="{FF2B5EF4-FFF2-40B4-BE49-F238E27FC236}">
-                <a16:creationId xmlns:a16="http://schemas.microsoft.com/office/drawing/2014/main" id="{131FB68A-6460-45F8-B7EA-919F2C57125A}"/>
-              </a:ext>
-            </a:extLst>
-          </p:cNvPr>
-          <p:cNvSpPr>
+                <a16:creationId xmlns:a16="http://schemas.microsoft.com/office/drawing/2014/main" id="{1021C019-857F-4109-A59A-841E49571ABA}"/>
+              </a:ext>
+            </a:extLst>
+          </p:cNvPr>
+          <p:cNvSpPr txBox="1">
             <a:spLocks noGrp="1"/>
           </p:cNvSpPr>
           <p:nvPr>
-            <p:ph type="dt" sz="half" idx="10"/>
+            <p:ph type="dt" sz="half" idx="7"/>
           </p:nvPr>
         </p:nvSpPr>
         <p:spPr/>
         <p:txBody>
           <a:bodyPr/>
-          <a:lstStyle/>
+          <a:lstStyle>
+            <a:lvl1pPr>
+              <a:defRPr/>
+            </a:lvl1pPr>
+          </a:lstStyle>
           <a:p>
             <a:pPr lvl="0"/>
             <a:endParaRPr lang="pt-BR"/>
@@ -1579,21 +1775,25 @@
           <p:cNvPr id="5" name="Espaço Reservado para Rodapé 4">
             <a:extLst>
               <a:ext uri="{FF2B5EF4-FFF2-40B4-BE49-F238E27FC236}">
-                <a16:creationId xmlns:a16="http://schemas.microsoft.com/office/drawing/2014/main" id="{5FD8E4CD-F935-4D11-ADB0-CACF89623B44}"/>
-              </a:ext>
-            </a:extLst>
-          </p:cNvPr>
-          <p:cNvSpPr>
+                <a16:creationId xmlns:a16="http://schemas.microsoft.com/office/drawing/2014/main" id="{9A386098-6ADB-4CC1-9DB7-BEA33E2C9CF7}"/>
+              </a:ext>
+            </a:extLst>
+          </p:cNvPr>
+          <p:cNvSpPr txBox="1">
             <a:spLocks noGrp="1"/>
           </p:cNvSpPr>
           <p:nvPr>
-            <p:ph type="ftr" sz="quarter" idx="11"/>
+            <p:ph type="ftr" sz="quarter" idx="9"/>
           </p:nvPr>
         </p:nvSpPr>
         <p:spPr/>
         <p:txBody>
           <a:bodyPr/>
-          <a:lstStyle/>
+          <a:lstStyle>
+            <a:lvl1pPr>
+              <a:defRPr/>
+            </a:lvl1pPr>
+          </a:lstStyle>
           <a:p>
             <a:pPr lvl="0"/>
             <a:endParaRPr lang="pt-BR"/>
@@ -1605,24 +1805,28 @@
           <p:cNvPr id="6" name="Espaço Reservado para Número de Slide 5">
             <a:extLst>
               <a:ext uri="{FF2B5EF4-FFF2-40B4-BE49-F238E27FC236}">
-                <a16:creationId xmlns:a16="http://schemas.microsoft.com/office/drawing/2014/main" id="{F0725828-F4D6-4279-9DBC-A168B819C39E}"/>
-              </a:ext>
-            </a:extLst>
-          </p:cNvPr>
-          <p:cNvSpPr>
+                <a16:creationId xmlns:a16="http://schemas.microsoft.com/office/drawing/2014/main" id="{60C6955C-F564-4225-9777-D85F5760477F}"/>
+              </a:ext>
+            </a:extLst>
+          </p:cNvPr>
+          <p:cNvSpPr txBox="1">
             <a:spLocks noGrp="1"/>
           </p:cNvSpPr>
           <p:nvPr>
-            <p:ph type="sldNum" sz="quarter" idx="12"/>
+            <p:ph type="sldNum" sz="quarter" idx="8"/>
           </p:nvPr>
         </p:nvSpPr>
         <p:spPr/>
         <p:txBody>
           <a:bodyPr/>
-          <a:lstStyle/>
+          <a:lstStyle>
+            <a:lvl1pPr>
+              <a:defRPr/>
+            </a:lvl1pPr>
+          </a:lstStyle>
           <a:p>
             <a:pPr lvl="0"/>
-            <a:fld id="{ACC9C861-25FF-464C-B1DB-B27B35771282}" type="slidenum">
+            <a:fld id="{C20A6EB9-C487-47D0-9A63-178E82FCABFA}" type="slidenum">
               <a:t>‹nº›</a:t>
             </a:fld>
             <a:endParaRPr lang="pt-BR"/>
@@ -1632,7 +1836,7 @@
     </p:spTree>
     <p:extLst>
       <p:ext uri="{BB962C8B-B14F-4D97-AF65-F5344CB8AC3E}">
-        <p14:creationId xmlns:p14="http://schemas.microsoft.com/office/powerpoint/2010/main" val="11099112"/>
+        <p14:creationId xmlns:p14="http://schemas.microsoft.com/office/powerpoint/2010/main" val="2909154720"/>
       </p:ext>
     </p:extLst>
   </p:cSld>
@@ -1664,11 +1868,11 @@
           <p:cNvPr id="2" name="Título 1">
             <a:extLst>
               <a:ext uri="{FF2B5EF4-FFF2-40B4-BE49-F238E27FC236}">
-                <a16:creationId xmlns:a16="http://schemas.microsoft.com/office/drawing/2014/main" id="{A4D2C834-8E0A-44F7-AED5-8C24113D1A54}"/>
-              </a:ext>
-            </a:extLst>
-          </p:cNvPr>
-          <p:cNvSpPr>
+                <a16:creationId xmlns:a16="http://schemas.microsoft.com/office/drawing/2014/main" id="{ADADC94C-AE66-41FE-B139-3D3E67D69197}"/>
+              </a:ext>
+            </a:extLst>
+          </p:cNvPr>
+          <p:cNvSpPr txBox="1">
             <a:spLocks noGrp="1"/>
           </p:cNvSpPr>
           <p:nvPr>
@@ -1678,8 +1882,13 @@
         <p:spPr/>
         <p:txBody>
           <a:bodyPr/>
-          <a:lstStyle/>
-          <a:p>
+          <a:lstStyle>
+            <a:lvl1pPr>
+              <a:defRPr/>
+            </a:lvl1pPr>
+          </a:lstStyle>
+          <a:p>
+            <a:pPr lvl="0"/>
             <a:r>
               <a:rPr lang="pt-BR"/>
               <a:t>Clique para editar o título Mestre</a:t>
@@ -1692,11 +1901,11 @@
           <p:cNvPr id="3" name="Espaço Reservado para Conteúdo 2">
             <a:extLst>
               <a:ext uri="{FF2B5EF4-FFF2-40B4-BE49-F238E27FC236}">
-                <a16:creationId xmlns:a16="http://schemas.microsoft.com/office/drawing/2014/main" id="{AB67D54D-98B9-4301-89DD-E24922F70885}"/>
-              </a:ext>
-            </a:extLst>
-          </p:cNvPr>
-          <p:cNvSpPr>
+                <a16:creationId xmlns:a16="http://schemas.microsoft.com/office/drawing/2014/main" id="{24E5AD6F-9788-4D53-AA0D-AD0BC4B1AFDF}"/>
+              </a:ext>
+            </a:extLst>
+          </p:cNvPr>
+          <p:cNvSpPr txBox="1">
             <a:spLocks noGrp="1"/>
           </p:cNvSpPr>
           <p:nvPr>
@@ -1706,7 +1915,23 @@
         <p:spPr/>
         <p:txBody>
           <a:bodyPr/>
-          <a:lstStyle/>
+          <a:lstStyle>
+            <a:lvl1pPr>
+              <a:defRPr/>
+            </a:lvl1pPr>
+            <a:lvl2pPr>
+              <a:defRPr/>
+            </a:lvl2pPr>
+            <a:lvl3pPr>
+              <a:defRPr/>
+            </a:lvl3pPr>
+            <a:lvl4pPr>
+              <a:defRPr/>
+            </a:lvl4pPr>
+            <a:lvl5pPr>
+              <a:defRPr/>
+            </a:lvl5pPr>
+          </a:lstStyle>
           <a:p>
             <a:pPr lvl="0"/>
             <a:r>
@@ -1749,21 +1974,25 @@
           <p:cNvPr id="4" name="Espaço Reservado para Data 3">
             <a:extLst>
               <a:ext uri="{FF2B5EF4-FFF2-40B4-BE49-F238E27FC236}">
-                <a16:creationId xmlns:a16="http://schemas.microsoft.com/office/drawing/2014/main" id="{ED7C55A6-DF5B-4D54-818A-540F2A9C285F}"/>
-              </a:ext>
-            </a:extLst>
-          </p:cNvPr>
-          <p:cNvSpPr>
+                <a16:creationId xmlns:a16="http://schemas.microsoft.com/office/drawing/2014/main" id="{33F43D3B-A907-4911-A45D-922EED1E8848}"/>
+              </a:ext>
+            </a:extLst>
+          </p:cNvPr>
+          <p:cNvSpPr txBox="1">
             <a:spLocks noGrp="1"/>
           </p:cNvSpPr>
           <p:nvPr>
-            <p:ph type="dt" sz="half" idx="10"/>
+            <p:ph type="dt" sz="half" idx="7"/>
           </p:nvPr>
         </p:nvSpPr>
         <p:spPr/>
         <p:txBody>
           <a:bodyPr/>
-          <a:lstStyle/>
+          <a:lstStyle>
+            <a:lvl1pPr>
+              <a:defRPr/>
+            </a:lvl1pPr>
+          </a:lstStyle>
           <a:p>
             <a:pPr lvl="0"/>
             <a:endParaRPr lang="pt-BR"/>
@@ -1775,21 +2004,25 @@
           <p:cNvPr id="5" name="Espaço Reservado para Rodapé 4">
             <a:extLst>
               <a:ext uri="{FF2B5EF4-FFF2-40B4-BE49-F238E27FC236}">
-                <a16:creationId xmlns:a16="http://schemas.microsoft.com/office/drawing/2014/main" id="{891B5BC6-B848-4A22-B71D-AADE6B001369}"/>
-              </a:ext>
-            </a:extLst>
-          </p:cNvPr>
-          <p:cNvSpPr>
+                <a16:creationId xmlns:a16="http://schemas.microsoft.com/office/drawing/2014/main" id="{1774795D-1BEC-4827-83BA-65D13B44B46C}"/>
+              </a:ext>
+            </a:extLst>
+          </p:cNvPr>
+          <p:cNvSpPr txBox="1">
             <a:spLocks noGrp="1"/>
           </p:cNvSpPr>
           <p:nvPr>
-            <p:ph type="ftr" sz="quarter" idx="11"/>
+            <p:ph type="ftr" sz="quarter" idx="9"/>
           </p:nvPr>
         </p:nvSpPr>
         <p:spPr/>
         <p:txBody>
           <a:bodyPr/>
-          <a:lstStyle/>
+          <a:lstStyle>
+            <a:lvl1pPr>
+              <a:defRPr/>
+            </a:lvl1pPr>
+          </a:lstStyle>
           <a:p>
             <a:pPr lvl="0"/>
             <a:endParaRPr lang="pt-BR"/>
@@ -1801,24 +2034,28 @@
           <p:cNvPr id="6" name="Espaço Reservado para Número de Slide 5">
             <a:extLst>
               <a:ext uri="{FF2B5EF4-FFF2-40B4-BE49-F238E27FC236}">
-                <a16:creationId xmlns:a16="http://schemas.microsoft.com/office/drawing/2014/main" id="{A8DBAA61-448F-4A76-8118-DD7D0E972597}"/>
-              </a:ext>
-            </a:extLst>
-          </p:cNvPr>
-          <p:cNvSpPr>
+                <a16:creationId xmlns:a16="http://schemas.microsoft.com/office/drawing/2014/main" id="{01396E34-6A38-4688-A9E4-A3C6FCDB44D0}"/>
+              </a:ext>
+            </a:extLst>
+          </p:cNvPr>
+          <p:cNvSpPr txBox="1">
             <a:spLocks noGrp="1"/>
           </p:cNvSpPr>
           <p:nvPr>
-            <p:ph type="sldNum" sz="quarter" idx="12"/>
+            <p:ph type="sldNum" sz="quarter" idx="8"/>
           </p:nvPr>
         </p:nvSpPr>
         <p:spPr/>
         <p:txBody>
           <a:bodyPr/>
-          <a:lstStyle/>
+          <a:lstStyle>
+            <a:lvl1pPr>
+              <a:defRPr/>
+            </a:lvl1pPr>
+          </a:lstStyle>
           <a:p>
             <a:pPr lvl="0"/>
-            <a:fld id="{A8ECECA6-6421-4FF7-80B9-AD186C8394C2}" type="slidenum">
+            <a:fld id="{D6DF0FFC-A57F-4FCE-BAF8-1F17510323F0}" type="slidenum">
               <a:t>‹nº›</a:t>
             </a:fld>
             <a:endParaRPr lang="pt-BR"/>
@@ -1828,7 +2065,7 @@
     </p:spTree>
     <p:extLst>
       <p:ext uri="{BB962C8B-B14F-4D97-AF65-F5344CB8AC3E}">
-        <p14:creationId xmlns:p14="http://schemas.microsoft.com/office/powerpoint/2010/main" val="271239614"/>
+        <p14:creationId xmlns:p14="http://schemas.microsoft.com/office/powerpoint/2010/main" val="3791615457"/>
       </p:ext>
     </p:extLst>
   </p:cSld>
@@ -1860,11 +2097,11 @@
           <p:cNvPr id="2" name="Título 1">
             <a:extLst>
               <a:ext uri="{FF2B5EF4-FFF2-40B4-BE49-F238E27FC236}">
-                <a16:creationId xmlns:a16="http://schemas.microsoft.com/office/drawing/2014/main" id="{7D4B3B40-4695-4113-92DA-94550D7F5338}"/>
-              </a:ext>
-            </a:extLst>
-          </p:cNvPr>
-          <p:cNvSpPr>
+                <a16:creationId xmlns:a16="http://schemas.microsoft.com/office/drawing/2014/main" id="{165F17F9-A2B2-42CD-BAA6-728F86EA7FD2}"/>
+              </a:ext>
+            </a:extLst>
+          </p:cNvPr>
+          <p:cNvSpPr txBox="1">
             <a:spLocks noGrp="1"/>
           </p:cNvSpPr>
           <p:nvPr>
@@ -1873,8 +2110,8 @@
         </p:nvSpPr>
         <p:spPr>
           <a:xfrm>
-            <a:off x="687388" y="1414463"/>
-            <a:ext cx="8694737" cy="2357437"/>
+            <a:off x="687391" y="1414467"/>
+            <a:ext cx="8694736" cy="2357432"/>
           </a:xfrm>
         </p:spPr>
         <p:txBody>
@@ -1885,6 +2122,7 @@
             </a:lvl1pPr>
           </a:lstStyle>
           <a:p>
+            <a:pPr lvl="0"/>
             <a:r>
               <a:rPr lang="pt-BR"/>
               <a:t>Clique para editar o título Mestre</a:t>
@@ -1897,11 +2135,11 @@
           <p:cNvPr id="3" name="Espaço Reservado para Texto 2">
             <a:extLst>
               <a:ext uri="{FF2B5EF4-FFF2-40B4-BE49-F238E27FC236}">
-                <a16:creationId xmlns:a16="http://schemas.microsoft.com/office/drawing/2014/main" id="{D677BFFC-2F80-4DBA-8E26-D7251CA5C558}"/>
-              </a:ext>
-            </a:extLst>
-          </p:cNvPr>
-          <p:cNvSpPr>
+                <a16:creationId xmlns:a16="http://schemas.microsoft.com/office/drawing/2014/main" id="{359D726D-C63D-4B42-9580-A9460E18F07C}"/>
+              </a:ext>
+            </a:extLst>
+          </p:cNvPr>
+          <p:cNvSpPr txBox="1">
             <a:spLocks noGrp="1"/>
           </p:cNvSpPr>
           <p:nvPr>
@@ -1910,103 +2148,20 @@
         </p:nvSpPr>
         <p:spPr>
           <a:xfrm>
-            <a:off x="687388" y="3794125"/>
-            <a:ext cx="8694737" cy="1241425"/>
+            <a:off x="687391" y="3794129"/>
+            <a:ext cx="8694736" cy="1241426"/>
           </a:xfrm>
         </p:spPr>
         <p:txBody>
           <a:bodyPr/>
           <a:lstStyle>
-            <a:lvl1pPr marL="0" indent="0">
-              <a:buNone/>
+            <a:lvl1pPr>
               <a:defRPr sz="2400">
                 <a:solidFill>
-                  <a:schemeClr val="tx1">
-                    <a:tint val="75000"/>
-                  </a:schemeClr>
+                  <a:srgbClr val="898989"/>
                 </a:solidFill>
               </a:defRPr>
             </a:lvl1pPr>
-            <a:lvl2pPr marL="457200" indent="0">
-              <a:buNone/>
-              <a:defRPr sz="2000">
-                <a:solidFill>
-                  <a:schemeClr val="tx1">
-                    <a:tint val="75000"/>
-                  </a:schemeClr>
-                </a:solidFill>
-              </a:defRPr>
-            </a:lvl2pPr>
-            <a:lvl3pPr marL="914400" indent="0">
-              <a:buNone/>
-              <a:defRPr sz="1800">
-                <a:solidFill>
-                  <a:schemeClr val="tx1">
-                    <a:tint val="75000"/>
-                  </a:schemeClr>
-                </a:solidFill>
-              </a:defRPr>
-            </a:lvl3pPr>
-            <a:lvl4pPr marL="1371600" indent="0">
-              <a:buNone/>
-              <a:defRPr sz="1600">
-                <a:solidFill>
-                  <a:schemeClr val="tx1">
-                    <a:tint val="75000"/>
-                  </a:schemeClr>
-                </a:solidFill>
-              </a:defRPr>
-            </a:lvl4pPr>
-            <a:lvl5pPr marL="1828800" indent="0">
-              <a:buNone/>
-              <a:defRPr sz="1600">
-                <a:solidFill>
-                  <a:schemeClr val="tx1">
-                    <a:tint val="75000"/>
-                  </a:schemeClr>
-                </a:solidFill>
-              </a:defRPr>
-            </a:lvl5pPr>
-            <a:lvl6pPr marL="2286000" indent="0">
-              <a:buNone/>
-              <a:defRPr sz="1600">
-                <a:solidFill>
-                  <a:schemeClr val="tx1">
-                    <a:tint val="75000"/>
-                  </a:schemeClr>
-                </a:solidFill>
-              </a:defRPr>
-            </a:lvl6pPr>
-            <a:lvl7pPr marL="2743200" indent="0">
-              <a:buNone/>
-              <a:defRPr sz="1600">
-                <a:solidFill>
-                  <a:schemeClr val="tx1">
-                    <a:tint val="75000"/>
-                  </a:schemeClr>
-                </a:solidFill>
-              </a:defRPr>
-            </a:lvl7pPr>
-            <a:lvl8pPr marL="3200400" indent="0">
-              <a:buNone/>
-              <a:defRPr sz="1600">
-                <a:solidFill>
-                  <a:schemeClr val="tx1">
-                    <a:tint val="75000"/>
-                  </a:schemeClr>
-                </a:solidFill>
-              </a:defRPr>
-            </a:lvl8pPr>
-            <a:lvl9pPr marL="3657600" indent="0">
-              <a:buNone/>
-              <a:defRPr sz="1600">
-                <a:solidFill>
-                  <a:schemeClr val="tx1">
-                    <a:tint val="75000"/>
-                  </a:schemeClr>
-                </a:solidFill>
-              </a:defRPr>
-            </a:lvl9pPr>
           </a:lstStyle>
           <a:p>
             <a:pPr lvl="0"/>
@@ -2022,21 +2177,25 @@
           <p:cNvPr id="4" name="Espaço Reservado para Data 3">
             <a:extLst>
               <a:ext uri="{FF2B5EF4-FFF2-40B4-BE49-F238E27FC236}">
-                <a16:creationId xmlns:a16="http://schemas.microsoft.com/office/drawing/2014/main" id="{C2DC2B0E-F880-413A-88EB-3247C390EDB6}"/>
-              </a:ext>
-            </a:extLst>
-          </p:cNvPr>
-          <p:cNvSpPr>
+                <a16:creationId xmlns:a16="http://schemas.microsoft.com/office/drawing/2014/main" id="{6D6692C4-C515-4240-AF18-70F5CB5432C8}"/>
+              </a:ext>
+            </a:extLst>
+          </p:cNvPr>
+          <p:cNvSpPr txBox="1">
             <a:spLocks noGrp="1"/>
           </p:cNvSpPr>
           <p:nvPr>
-            <p:ph type="dt" sz="half" idx="10"/>
+            <p:ph type="dt" sz="half" idx="7"/>
           </p:nvPr>
         </p:nvSpPr>
         <p:spPr/>
         <p:txBody>
           <a:bodyPr/>
-          <a:lstStyle/>
+          <a:lstStyle>
+            <a:lvl1pPr>
+              <a:defRPr/>
+            </a:lvl1pPr>
+          </a:lstStyle>
           <a:p>
             <a:pPr lvl="0"/>
             <a:endParaRPr lang="pt-BR"/>
@@ -2048,21 +2207,25 @@
           <p:cNvPr id="5" name="Espaço Reservado para Rodapé 4">
             <a:extLst>
               <a:ext uri="{FF2B5EF4-FFF2-40B4-BE49-F238E27FC236}">
-                <a16:creationId xmlns:a16="http://schemas.microsoft.com/office/drawing/2014/main" id="{F3CAABE1-EB74-46DD-904B-4102710C8FC8}"/>
-              </a:ext>
-            </a:extLst>
-          </p:cNvPr>
-          <p:cNvSpPr>
+                <a16:creationId xmlns:a16="http://schemas.microsoft.com/office/drawing/2014/main" id="{5191C586-D3FF-40C9-8CE4-E8FB3EA922BA}"/>
+              </a:ext>
+            </a:extLst>
+          </p:cNvPr>
+          <p:cNvSpPr txBox="1">
             <a:spLocks noGrp="1"/>
           </p:cNvSpPr>
           <p:nvPr>
-            <p:ph type="ftr" sz="quarter" idx="11"/>
+            <p:ph type="ftr" sz="quarter" idx="9"/>
           </p:nvPr>
         </p:nvSpPr>
         <p:spPr/>
         <p:txBody>
           <a:bodyPr/>
-          <a:lstStyle/>
+          <a:lstStyle>
+            <a:lvl1pPr>
+              <a:defRPr/>
+            </a:lvl1pPr>
+          </a:lstStyle>
           <a:p>
             <a:pPr lvl="0"/>
             <a:endParaRPr lang="pt-BR"/>
@@ -2074,24 +2237,28 @@
           <p:cNvPr id="6" name="Espaço Reservado para Número de Slide 5">
             <a:extLst>
               <a:ext uri="{FF2B5EF4-FFF2-40B4-BE49-F238E27FC236}">
-                <a16:creationId xmlns:a16="http://schemas.microsoft.com/office/drawing/2014/main" id="{7F4E0AE3-1B3F-4CB2-AAD9-5011CF109A8D}"/>
-              </a:ext>
-            </a:extLst>
-          </p:cNvPr>
-          <p:cNvSpPr>
+                <a16:creationId xmlns:a16="http://schemas.microsoft.com/office/drawing/2014/main" id="{1BC03D9F-5E88-4209-AD95-698271011270}"/>
+              </a:ext>
+            </a:extLst>
+          </p:cNvPr>
+          <p:cNvSpPr txBox="1">
             <a:spLocks noGrp="1"/>
           </p:cNvSpPr>
           <p:nvPr>
-            <p:ph type="sldNum" sz="quarter" idx="12"/>
+            <p:ph type="sldNum" sz="quarter" idx="8"/>
           </p:nvPr>
         </p:nvSpPr>
         <p:spPr/>
         <p:txBody>
           <a:bodyPr/>
-          <a:lstStyle/>
+          <a:lstStyle>
+            <a:lvl1pPr>
+              <a:defRPr/>
+            </a:lvl1pPr>
+          </a:lstStyle>
           <a:p>
             <a:pPr lvl="0"/>
-            <a:fld id="{91CCA7ED-E590-4511-A7DF-3C2BC54C2A6A}" type="slidenum">
+            <a:fld id="{7AE64D65-3C28-44DF-A178-1F1C750E4650}" type="slidenum">
               <a:t>‹nº›</a:t>
             </a:fld>
             <a:endParaRPr lang="pt-BR"/>
@@ -2101,7 +2268,7 @@
     </p:spTree>
     <p:extLst>
       <p:ext uri="{BB962C8B-B14F-4D97-AF65-F5344CB8AC3E}">
-        <p14:creationId xmlns:p14="http://schemas.microsoft.com/office/powerpoint/2010/main" val="306908184"/>
+        <p14:creationId xmlns:p14="http://schemas.microsoft.com/office/powerpoint/2010/main" val="333847428"/>
       </p:ext>
     </p:extLst>
   </p:cSld>
@@ -2133,11 +2300,11 @@
           <p:cNvPr id="2" name="Título 1">
             <a:extLst>
               <a:ext uri="{FF2B5EF4-FFF2-40B4-BE49-F238E27FC236}">
-                <a16:creationId xmlns:a16="http://schemas.microsoft.com/office/drawing/2014/main" id="{DE423C43-6719-4450-B2BE-633D3E1CF017}"/>
-              </a:ext>
-            </a:extLst>
-          </p:cNvPr>
-          <p:cNvSpPr>
+                <a16:creationId xmlns:a16="http://schemas.microsoft.com/office/drawing/2014/main" id="{9205B6CD-1659-4623-8911-F329FB5BA87C}"/>
+              </a:ext>
+            </a:extLst>
+          </p:cNvPr>
+          <p:cNvSpPr txBox="1">
             <a:spLocks noGrp="1"/>
           </p:cNvSpPr>
           <p:nvPr>
@@ -2147,8 +2314,13 @@
         <p:spPr/>
         <p:txBody>
           <a:bodyPr/>
-          <a:lstStyle/>
-          <a:p>
+          <a:lstStyle>
+            <a:lvl1pPr>
+              <a:defRPr/>
+            </a:lvl1pPr>
+          </a:lstStyle>
+          <a:p>
+            <a:pPr lvl="0"/>
             <a:r>
               <a:rPr lang="pt-BR"/>
               <a:t>Clique para editar o título Mestre</a:t>
@@ -2161,26 +2333,42 @@
           <p:cNvPr id="3" name="Espaço Reservado para Conteúdo 2">
             <a:extLst>
               <a:ext uri="{FF2B5EF4-FFF2-40B4-BE49-F238E27FC236}">
-                <a16:creationId xmlns:a16="http://schemas.microsoft.com/office/drawing/2014/main" id="{76E6D8AD-B89B-40A3-83F1-8B738B93EA24}"/>
-              </a:ext>
-            </a:extLst>
-          </p:cNvPr>
-          <p:cNvSpPr>
+                <a16:creationId xmlns:a16="http://schemas.microsoft.com/office/drawing/2014/main" id="{6D941A73-D0BB-4024-B70C-3D0F9F317D17}"/>
+              </a:ext>
+            </a:extLst>
+          </p:cNvPr>
+          <p:cNvSpPr txBox="1">
             <a:spLocks noGrp="1"/>
           </p:cNvSpPr>
           <p:nvPr>
-            <p:ph sz="half" idx="1"/>
+            <p:ph idx="1"/>
           </p:nvPr>
         </p:nvSpPr>
         <p:spPr>
           <a:xfrm>
-            <a:off x="503238" y="1327150"/>
-            <a:ext cx="4459287" cy="3287713"/>
+            <a:off x="503240" y="1327151"/>
+            <a:ext cx="4459291" cy="3287716"/>
           </a:xfrm>
         </p:spPr>
         <p:txBody>
           <a:bodyPr/>
-          <a:lstStyle/>
+          <a:lstStyle>
+            <a:lvl1pPr>
+              <a:defRPr/>
+            </a:lvl1pPr>
+            <a:lvl2pPr>
+              <a:defRPr/>
+            </a:lvl2pPr>
+            <a:lvl3pPr>
+              <a:defRPr/>
+            </a:lvl3pPr>
+            <a:lvl4pPr>
+              <a:defRPr/>
+            </a:lvl4pPr>
+            <a:lvl5pPr>
+              <a:defRPr/>
+            </a:lvl5pPr>
+          </a:lstStyle>
           <a:p>
             <a:pPr lvl="0"/>
             <a:r>
@@ -2223,26 +2411,42 @@
           <p:cNvPr id="4" name="Espaço Reservado para Conteúdo 3">
             <a:extLst>
               <a:ext uri="{FF2B5EF4-FFF2-40B4-BE49-F238E27FC236}">
-                <a16:creationId xmlns:a16="http://schemas.microsoft.com/office/drawing/2014/main" id="{1E133184-CD79-4C78-8505-E0AE7B14C01D}"/>
-              </a:ext>
-            </a:extLst>
-          </p:cNvPr>
-          <p:cNvSpPr>
+                <a16:creationId xmlns:a16="http://schemas.microsoft.com/office/drawing/2014/main" id="{101B1A0D-E319-4548-AF1C-F7DFE940034B}"/>
+              </a:ext>
+            </a:extLst>
+          </p:cNvPr>
+          <p:cNvSpPr txBox="1">
             <a:spLocks noGrp="1"/>
           </p:cNvSpPr>
           <p:nvPr>
-            <p:ph sz="half" idx="2"/>
+            <p:ph idx="2"/>
           </p:nvPr>
         </p:nvSpPr>
         <p:spPr>
           <a:xfrm>
-            <a:off x="5114925" y="1327150"/>
-            <a:ext cx="4460875" cy="3287713"/>
+            <a:off x="5114925" y="1327151"/>
+            <a:ext cx="4460872" cy="3287716"/>
           </a:xfrm>
         </p:spPr>
         <p:txBody>
           <a:bodyPr/>
-          <a:lstStyle/>
+          <a:lstStyle>
+            <a:lvl1pPr>
+              <a:defRPr/>
+            </a:lvl1pPr>
+            <a:lvl2pPr>
+              <a:defRPr/>
+            </a:lvl2pPr>
+            <a:lvl3pPr>
+              <a:defRPr/>
+            </a:lvl3pPr>
+            <a:lvl4pPr>
+              <a:defRPr/>
+            </a:lvl4pPr>
+            <a:lvl5pPr>
+              <a:defRPr/>
+            </a:lvl5pPr>
+          </a:lstStyle>
           <a:p>
             <a:pPr lvl="0"/>
             <a:r>
@@ -2285,21 +2489,25 @@
           <p:cNvPr id="5" name="Espaço Reservado para Data 4">
             <a:extLst>
               <a:ext uri="{FF2B5EF4-FFF2-40B4-BE49-F238E27FC236}">
-                <a16:creationId xmlns:a16="http://schemas.microsoft.com/office/drawing/2014/main" id="{330C72BE-FBB7-41BC-BF94-021602767F05}"/>
-              </a:ext>
-            </a:extLst>
-          </p:cNvPr>
-          <p:cNvSpPr>
+                <a16:creationId xmlns:a16="http://schemas.microsoft.com/office/drawing/2014/main" id="{4D1060A0-9C04-4E81-AA38-F60CF49F9748}"/>
+              </a:ext>
+            </a:extLst>
+          </p:cNvPr>
+          <p:cNvSpPr txBox="1">
             <a:spLocks noGrp="1"/>
           </p:cNvSpPr>
           <p:nvPr>
-            <p:ph type="dt" sz="half" idx="10"/>
+            <p:ph type="dt" sz="half" idx="7"/>
           </p:nvPr>
         </p:nvSpPr>
         <p:spPr/>
         <p:txBody>
           <a:bodyPr/>
-          <a:lstStyle/>
+          <a:lstStyle>
+            <a:lvl1pPr>
+              <a:defRPr/>
+            </a:lvl1pPr>
+          </a:lstStyle>
           <a:p>
             <a:pPr lvl="0"/>
             <a:endParaRPr lang="pt-BR"/>
@@ -2311,21 +2519,25 @@
           <p:cNvPr id="6" name="Espaço Reservado para Rodapé 5">
             <a:extLst>
               <a:ext uri="{FF2B5EF4-FFF2-40B4-BE49-F238E27FC236}">
-                <a16:creationId xmlns:a16="http://schemas.microsoft.com/office/drawing/2014/main" id="{4F289FAA-26CF-4B30-87A0-6883D49F245C}"/>
-              </a:ext>
-            </a:extLst>
-          </p:cNvPr>
-          <p:cNvSpPr>
+                <a16:creationId xmlns:a16="http://schemas.microsoft.com/office/drawing/2014/main" id="{885C2825-3F0C-45A2-A5A7-21CC81979A3D}"/>
+              </a:ext>
+            </a:extLst>
+          </p:cNvPr>
+          <p:cNvSpPr txBox="1">
             <a:spLocks noGrp="1"/>
           </p:cNvSpPr>
           <p:nvPr>
-            <p:ph type="ftr" sz="quarter" idx="11"/>
+            <p:ph type="ftr" sz="quarter" idx="9"/>
           </p:nvPr>
         </p:nvSpPr>
         <p:spPr/>
         <p:txBody>
           <a:bodyPr/>
-          <a:lstStyle/>
+          <a:lstStyle>
+            <a:lvl1pPr>
+              <a:defRPr/>
+            </a:lvl1pPr>
+          </a:lstStyle>
           <a:p>
             <a:pPr lvl="0"/>
             <a:endParaRPr lang="pt-BR"/>
@@ -2337,24 +2549,28 @@
           <p:cNvPr id="7" name="Espaço Reservado para Número de Slide 6">
             <a:extLst>
               <a:ext uri="{FF2B5EF4-FFF2-40B4-BE49-F238E27FC236}">
-                <a16:creationId xmlns:a16="http://schemas.microsoft.com/office/drawing/2014/main" id="{93CF5312-C473-4023-8689-19B39E258C5E}"/>
-              </a:ext>
-            </a:extLst>
-          </p:cNvPr>
-          <p:cNvSpPr>
+                <a16:creationId xmlns:a16="http://schemas.microsoft.com/office/drawing/2014/main" id="{3EBAABB7-692C-4E34-808D-AA5CA75B1D3A}"/>
+              </a:ext>
+            </a:extLst>
+          </p:cNvPr>
+          <p:cNvSpPr txBox="1">
             <a:spLocks noGrp="1"/>
           </p:cNvSpPr>
           <p:nvPr>
-            <p:ph type="sldNum" sz="quarter" idx="12"/>
+            <p:ph type="sldNum" sz="quarter" idx="8"/>
           </p:nvPr>
         </p:nvSpPr>
         <p:spPr/>
         <p:txBody>
           <a:bodyPr/>
-          <a:lstStyle/>
+          <a:lstStyle>
+            <a:lvl1pPr>
+              <a:defRPr/>
+            </a:lvl1pPr>
+          </a:lstStyle>
           <a:p>
             <a:pPr lvl="0"/>
-            <a:fld id="{18E6B07C-DC8C-4E1E-9A7D-F104C4894A66}" type="slidenum">
+            <a:fld id="{AC90E938-2440-4D93-8B6A-28C5D307D719}" type="slidenum">
               <a:t>‹nº›</a:t>
             </a:fld>
             <a:endParaRPr lang="pt-BR"/>
@@ -2364,7 +2580,7 @@
     </p:spTree>
     <p:extLst>
       <p:ext uri="{BB962C8B-B14F-4D97-AF65-F5344CB8AC3E}">
-        <p14:creationId xmlns:p14="http://schemas.microsoft.com/office/powerpoint/2010/main" val="2002232102"/>
+        <p14:creationId xmlns:p14="http://schemas.microsoft.com/office/powerpoint/2010/main" val="955688507"/>
       </p:ext>
     </p:extLst>
   </p:cSld>
@@ -2396,11 +2612,11 @@
           <p:cNvPr id="2" name="Título 1">
             <a:extLst>
               <a:ext uri="{FF2B5EF4-FFF2-40B4-BE49-F238E27FC236}">
-                <a16:creationId xmlns:a16="http://schemas.microsoft.com/office/drawing/2014/main" id="{1466875B-AEC8-4E8B-B147-1DC090205AEA}"/>
-              </a:ext>
-            </a:extLst>
-          </p:cNvPr>
-          <p:cNvSpPr>
+                <a16:creationId xmlns:a16="http://schemas.microsoft.com/office/drawing/2014/main" id="{4FADBAFE-B729-42D0-B580-557BAA44E6CB}"/>
+              </a:ext>
+            </a:extLst>
+          </p:cNvPr>
+          <p:cNvSpPr txBox="1">
             <a:spLocks noGrp="1"/>
           </p:cNvSpPr>
           <p:nvPr>
@@ -2409,14 +2625,19 @@
         </p:nvSpPr>
         <p:spPr>
           <a:xfrm>
-            <a:off x="693738" y="301625"/>
-            <a:ext cx="8694737" cy="1096963"/>
+            <a:off x="693736" y="301623"/>
+            <a:ext cx="8694736" cy="1096959"/>
           </a:xfrm>
         </p:spPr>
         <p:txBody>
           <a:bodyPr/>
-          <a:lstStyle/>
-          <a:p>
+          <a:lstStyle>
+            <a:lvl1pPr>
+              <a:defRPr/>
+            </a:lvl1pPr>
+          </a:lstStyle>
+          <a:p>
+            <a:pPr lvl="0"/>
             <a:r>
               <a:rPr lang="pt-BR"/>
               <a:t>Clique para editar o título Mestre</a:t>
@@ -2429,11 +2650,11 @@
           <p:cNvPr id="3" name="Espaço Reservado para Texto 2">
             <a:extLst>
               <a:ext uri="{FF2B5EF4-FFF2-40B4-BE49-F238E27FC236}">
-                <a16:creationId xmlns:a16="http://schemas.microsoft.com/office/drawing/2014/main" id="{481E3600-3899-413B-AC53-EDE95CCBBE30}"/>
-              </a:ext>
-            </a:extLst>
-          </p:cNvPr>
-          <p:cNvSpPr>
+                <a16:creationId xmlns:a16="http://schemas.microsoft.com/office/drawing/2014/main" id="{6B74B9CC-D391-4F20-8777-B8215EBCB6B0}"/>
+              </a:ext>
+            </a:extLst>
+          </p:cNvPr>
+          <p:cNvSpPr txBox="1">
             <a:spLocks noGrp="1"/>
           </p:cNvSpPr>
           <p:nvPr>
@@ -2442,49 +2663,16 @@
         </p:nvSpPr>
         <p:spPr>
           <a:xfrm>
-            <a:off x="693738" y="1390650"/>
-            <a:ext cx="4265612" cy="681038"/>
+            <a:off x="693736" y="1390646"/>
+            <a:ext cx="4265611" cy="681035"/>
           </a:xfrm>
         </p:spPr>
         <p:txBody>
           <a:bodyPr anchor="b"/>
           <a:lstStyle>
-            <a:lvl1pPr marL="0" indent="0">
-              <a:buNone/>
+            <a:lvl1pPr>
               <a:defRPr sz="2400" b="1"/>
             </a:lvl1pPr>
-            <a:lvl2pPr marL="457200" indent="0">
-              <a:buNone/>
-              <a:defRPr sz="2000" b="1"/>
-            </a:lvl2pPr>
-            <a:lvl3pPr marL="914400" indent="0">
-              <a:buNone/>
-              <a:defRPr sz="1800" b="1"/>
-            </a:lvl3pPr>
-            <a:lvl4pPr marL="1371600" indent="0">
-              <a:buNone/>
-              <a:defRPr sz="1600" b="1"/>
-            </a:lvl4pPr>
-            <a:lvl5pPr marL="1828800" indent="0">
-              <a:buNone/>
-              <a:defRPr sz="1600" b="1"/>
-            </a:lvl5pPr>
-            <a:lvl6pPr marL="2286000" indent="0">
-              <a:buNone/>
-              <a:defRPr sz="1600" b="1"/>
-            </a:lvl6pPr>
-            <a:lvl7pPr marL="2743200" indent="0">
-              <a:buNone/>
-              <a:defRPr sz="1600" b="1"/>
-            </a:lvl7pPr>
-            <a:lvl8pPr marL="3200400" indent="0">
-              <a:buNone/>
-              <a:defRPr sz="1600" b="1"/>
-            </a:lvl8pPr>
-            <a:lvl9pPr marL="3657600" indent="0">
-              <a:buNone/>
-              <a:defRPr sz="1600" b="1"/>
-            </a:lvl9pPr>
           </a:lstStyle>
           <a:p>
             <a:pPr lvl="0"/>
@@ -2500,26 +2688,42 @@
           <p:cNvPr id="4" name="Espaço Reservado para Conteúdo 3">
             <a:extLst>
               <a:ext uri="{FF2B5EF4-FFF2-40B4-BE49-F238E27FC236}">
-                <a16:creationId xmlns:a16="http://schemas.microsoft.com/office/drawing/2014/main" id="{778A917B-5C6F-41C4-9CB2-5B5C52529B2A}"/>
-              </a:ext>
-            </a:extLst>
-          </p:cNvPr>
-          <p:cNvSpPr>
+                <a16:creationId xmlns:a16="http://schemas.microsoft.com/office/drawing/2014/main" id="{F76BF073-FC48-4C8B-88EA-45165B8193B1}"/>
+              </a:ext>
+            </a:extLst>
+          </p:cNvPr>
+          <p:cNvSpPr txBox="1">
             <a:spLocks noGrp="1"/>
           </p:cNvSpPr>
           <p:nvPr>
-            <p:ph sz="half" idx="2"/>
+            <p:ph idx="2"/>
           </p:nvPr>
         </p:nvSpPr>
         <p:spPr>
           <a:xfrm>
-            <a:off x="693738" y="2071688"/>
-            <a:ext cx="4265612" cy="3046412"/>
+            <a:off x="693736" y="2071692"/>
+            <a:ext cx="4265611" cy="3046415"/>
           </a:xfrm>
         </p:spPr>
         <p:txBody>
           <a:bodyPr/>
-          <a:lstStyle/>
+          <a:lstStyle>
+            <a:lvl1pPr>
+              <a:defRPr/>
+            </a:lvl1pPr>
+            <a:lvl2pPr>
+              <a:defRPr/>
+            </a:lvl2pPr>
+            <a:lvl3pPr>
+              <a:defRPr/>
+            </a:lvl3pPr>
+            <a:lvl4pPr>
+              <a:defRPr/>
+            </a:lvl4pPr>
+            <a:lvl5pPr>
+              <a:defRPr/>
+            </a:lvl5pPr>
+          </a:lstStyle>
           <a:p>
             <a:pPr lvl="0"/>
             <a:r>
@@ -2562,62 +2766,29 @@
           <p:cNvPr id="5" name="Espaço Reservado para Texto 4">
             <a:extLst>
               <a:ext uri="{FF2B5EF4-FFF2-40B4-BE49-F238E27FC236}">
-                <a16:creationId xmlns:a16="http://schemas.microsoft.com/office/drawing/2014/main" id="{CA64DEA9-6A91-462A-B48B-C4EAC39B6209}"/>
-              </a:ext>
-            </a:extLst>
-          </p:cNvPr>
-          <p:cNvSpPr>
+                <a16:creationId xmlns:a16="http://schemas.microsoft.com/office/drawing/2014/main" id="{745A6F10-86B7-45A8-B5B4-F284C9ACCF5F}"/>
+              </a:ext>
+            </a:extLst>
+          </p:cNvPr>
+          <p:cNvSpPr txBox="1">
             <a:spLocks noGrp="1"/>
           </p:cNvSpPr>
           <p:nvPr>
-            <p:ph type="body" sz="quarter" idx="3"/>
+            <p:ph type="body" idx="3"/>
           </p:nvPr>
         </p:nvSpPr>
         <p:spPr>
           <a:xfrm>
-            <a:off x="5103813" y="1390650"/>
-            <a:ext cx="4284662" cy="681038"/>
+            <a:off x="5103815" y="1390646"/>
+            <a:ext cx="4284658" cy="681035"/>
           </a:xfrm>
         </p:spPr>
         <p:txBody>
           <a:bodyPr anchor="b"/>
           <a:lstStyle>
-            <a:lvl1pPr marL="0" indent="0">
-              <a:buNone/>
+            <a:lvl1pPr>
               <a:defRPr sz="2400" b="1"/>
             </a:lvl1pPr>
-            <a:lvl2pPr marL="457200" indent="0">
-              <a:buNone/>
-              <a:defRPr sz="2000" b="1"/>
-            </a:lvl2pPr>
-            <a:lvl3pPr marL="914400" indent="0">
-              <a:buNone/>
-              <a:defRPr sz="1800" b="1"/>
-            </a:lvl3pPr>
-            <a:lvl4pPr marL="1371600" indent="0">
-              <a:buNone/>
-              <a:defRPr sz="1600" b="1"/>
-            </a:lvl4pPr>
-            <a:lvl5pPr marL="1828800" indent="0">
-              <a:buNone/>
-              <a:defRPr sz="1600" b="1"/>
-            </a:lvl5pPr>
-            <a:lvl6pPr marL="2286000" indent="0">
-              <a:buNone/>
-              <a:defRPr sz="1600" b="1"/>
-            </a:lvl6pPr>
-            <a:lvl7pPr marL="2743200" indent="0">
-              <a:buNone/>
-              <a:defRPr sz="1600" b="1"/>
-            </a:lvl7pPr>
-            <a:lvl8pPr marL="3200400" indent="0">
-              <a:buNone/>
-              <a:defRPr sz="1600" b="1"/>
-            </a:lvl8pPr>
-            <a:lvl9pPr marL="3657600" indent="0">
-              <a:buNone/>
-              <a:defRPr sz="1600" b="1"/>
-            </a:lvl9pPr>
           </a:lstStyle>
           <a:p>
             <a:pPr lvl="0"/>
@@ -2633,26 +2804,42 @@
           <p:cNvPr id="6" name="Espaço Reservado para Conteúdo 5">
             <a:extLst>
               <a:ext uri="{FF2B5EF4-FFF2-40B4-BE49-F238E27FC236}">
-                <a16:creationId xmlns:a16="http://schemas.microsoft.com/office/drawing/2014/main" id="{88B5154A-A0AA-49BA-8A38-957DFB8D3F0D}"/>
-              </a:ext>
-            </a:extLst>
-          </p:cNvPr>
-          <p:cNvSpPr>
+                <a16:creationId xmlns:a16="http://schemas.microsoft.com/office/drawing/2014/main" id="{C6D5C508-1523-4EC4-B4A3-FEDDA9BE3730}"/>
+              </a:ext>
+            </a:extLst>
+          </p:cNvPr>
+          <p:cNvSpPr txBox="1">
             <a:spLocks noGrp="1"/>
           </p:cNvSpPr>
           <p:nvPr>
-            <p:ph sz="quarter" idx="4"/>
+            <p:ph idx="4"/>
           </p:nvPr>
         </p:nvSpPr>
         <p:spPr>
           <a:xfrm>
-            <a:off x="5103813" y="2071688"/>
-            <a:ext cx="4284662" cy="3046412"/>
+            <a:off x="5103815" y="2071692"/>
+            <a:ext cx="4284658" cy="3046415"/>
           </a:xfrm>
         </p:spPr>
         <p:txBody>
           <a:bodyPr/>
-          <a:lstStyle/>
+          <a:lstStyle>
+            <a:lvl1pPr>
+              <a:defRPr/>
+            </a:lvl1pPr>
+            <a:lvl2pPr>
+              <a:defRPr/>
+            </a:lvl2pPr>
+            <a:lvl3pPr>
+              <a:defRPr/>
+            </a:lvl3pPr>
+            <a:lvl4pPr>
+              <a:defRPr/>
+            </a:lvl4pPr>
+            <a:lvl5pPr>
+              <a:defRPr/>
+            </a:lvl5pPr>
+          </a:lstStyle>
           <a:p>
             <a:pPr lvl="0"/>
             <a:r>
@@ -2695,21 +2882,25 @@
           <p:cNvPr id="7" name="Espaço Reservado para Data 6">
             <a:extLst>
               <a:ext uri="{FF2B5EF4-FFF2-40B4-BE49-F238E27FC236}">
-                <a16:creationId xmlns:a16="http://schemas.microsoft.com/office/drawing/2014/main" id="{8E7E63AC-0157-4F05-956D-E5F8360969BC}"/>
-              </a:ext>
-            </a:extLst>
-          </p:cNvPr>
-          <p:cNvSpPr>
+                <a16:creationId xmlns:a16="http://schemas.microsoft.com/office/drawing/2014/main" id="{A9A8A6E4-F391-4989-A864-D32888D3574E}"/>
+              </a:ext>
+            </a:extLst>
+          </p:cNvPr>
+          <p:cNvSpPr txBox="1">
             <a:spLocks noGrp="1"/>
           </p:cNvSpPr>
           <p:nvPr>
-            <p:ph type="dt" sz="half" idx="10"/>
+            <p:ph type="dt" sz="half" idx="7"/>
           </p:nvPr>
         </p:nvSpPr>
         <p:spPr/>
         <p:txBody>
           <a:bodyPr/>
-          <a:lstStyle/>
+          <a:lstStyle>
+            <a:lvl1pPr>
+              <a:defRPr/>
+            </a:lvl1pPr>
+          </a:lstStyle>
           <a:p>
             <a:pPr lvl="0"/>
             <a:endParaRPr lang="pt-BR"/>
@@ -2721,21 +2912,25 @@
           <p:cNvPr id="8" name="Espaço Reservado para Rodapé 7">
             <a:extLst>
               <a:ext uri="{FF2B5EF4-FFF2-40B4-BE49-F238E27FC236}">
-                <a16:creationId xmlns:a16="http://schemas.microsoft.com/office/drawing/2014/main" id="{0FB19C7E-68E5-4752-9CF5-F55B99EE02FD}"/>
-              </a:ext>
-            </a:extLst>
-          </p:cNvPr>
-          <p:cNvSpPr>
+                <a16:creationId xmlns:a16="http://schemas.microsoft.com/office/drawing/2014/main" id="{5A11BC86-E5F7-4065-ACED-F3D13E62B9F7}"/>
+              </a:ext>
+            </a:extLst>
+          </p:cNvPr>
+          <p:cNvSpPr txBox="1">
             <a:spLocks noGrp="1"/>
           </p:cNvSpPr>
           <p:nvPr>
-            <p:ph type="ftr" sz="quarter" idx="11"/>
+            <p:ph type="ftr" sz="quarter" idx="9"/>
           </p:nvPr>
         </p:nvSpPr>
         <p:spPr/>
         <p:txBody>
           <a:bodyPr/>
-          <a:lstStyle/>
+          <a:lstStyle>
+            <a:lvl1pPr>
+              <a:defRPr/>
+            </a:lvl1pPr>
+          </a:lstStyle>
           <a:p>
             <a:pPr lvl="0"/>
             <a:endParaRPr lang="pt-BR"/>
@@ -2747,24 +2942,28 @@
           <p:cNvPr id="9" name="Espaço Reservado para Número de Slide 8">
             <a:extLst>
               <a:ext uri="{FF2B5EF4-FFF2-40B4-BE49-F238E27FC236}">
-                <a16:creationId xmlns:a16="http://schemas.microsoft.com/office/drawing/2014/main" id="{BB55D2FB-002E-49FA-9A58-C02E55DFF3E2}"/>
-              </a:ext>
-            </a:extLst>
-          </p:cNvPr>
-          <p:cNvSpPr>
+                <a16:creationId xmlns:a16="http://schemas.microsoft.com/office/drawing/2014/main" id="{D4235E44-C1CC-4ED7-AC4D-1246DBB29499}"/>
+              </a:ext>
+            </a:extLst>
+          </p:cNvPr>
+          <p:cNvSpPr txBox="1">
             <a:spLocks noGrp="1"/>
           </p:cNvSpPr>
           <p:nvPr>
-            <p:ph type="sldNum" sz="quarter" idx="12"/>
+            <p:ph type="sldNum" sz="quarter" idx="8"/>
           </p:nvPr>
         </p:nvSpPr>
         <p:spPr/>
         <p:txBody>
           <a:bodyPr/>
-          <a:lstStyle/>
+          <a:lstStyle>
+            <a:lvl1pPr>
+              <a:defRPr/>
+            </a:lvl1pPr>
+          </a:lstStyle>
           <a:p>
             <a:pPr lvl="0"/>
-            <a:fld id="{CE810E2B-89A2-4D25-A8B2-69EAB19DF52F}" type="slidenum">
+            <a:fld id="{FF9FC2A1-1CB5-4113-97FA-8BEFD5DEAB6C}" type="slidenum">
               <a:t>‹nº›</a:t>
             </a:fld>
             <a:endParaRPr lang="pt-BR"/>
@@ -2774,7 +2973,7 @@
     </p:spTree>
     <p:extLst>
       <p:ext uri="{BB962C8B-B14F-4D97-AF65-F5344CB8AC3E}">
-        <p14:creationId xmlns:p14="http://schemas.microsoft.com/office/powerpoint/2010/main" val="1917792137"/>
+        <p14:creationId xmlns:p14="http://schemas.microsoft.com/office/powerpoint/2010/main" val="4165833529"/>
       </p:ext>
     </p:extLst>
   </p:cSld>
@@ -2806,11 +3005,11 @@
           <p:cNvPr id="2" name="Título 1">
             <a:extLst>
               <a:ext uri="{FF2B5EF4-FFF2-40B4-BE49-F238E27FC236}">
-                <a16:creationId xmlns:a16="http://schemas.microsoft.com/office/drawing/2014/main" id="{04CED514-5E34-40C7-92E9-FF4FD67BEC9A}"/>
-              </a:ext>
-            </a:extLst>
-          </p:cNvPr>
-          <p:cNvSpPr>
+                <a16:creationId xmlns:a16="http://schemas.microsoft.com/office/drawing/2014/main" id="{1433C793-5FD2-478D-9091-0F715DF93AA2}"/>
+              </a:ext>
+            </a:extLst>
+          </p:cNvPr>
+          <p:cNvSpPr txBox="1">
             <a:spLocks noGrp="1"/>
           </p:cNvSpPr>
           <p:nvPr>
@@ -2820,8 +3019,13 @@
         <p:spPr/>
         <p:txBody>
           <a:bodyPr/>
-          <a:lstStyle/>
-          <a:p>
+          <a:lstStyle>
+            <a:lvl1pPr>
+              <a:defRPr/>
+            </a:lvl1pPr>
+          </a:lstStyle>
+          <a:p>
+            <a:pPr lvl="0"/>
             <a:r>
               <a:rPr lang="pt-BR"/>
               <a:t>Clique para editar o título Mestre</a:t>
@@ -2834,21 +3038,25 @@
           <p:cNvPr id="3" name="Espaço Reservado para Data 2">
             <a:extLst>
               <a:ext uri="{FF2B5EF4-FFF2-40B4-BE49-F238E27FC236}">
-                <a16:creationId xmlns:a16="http://schemas.microsoft.com/office/drawing/2014/main" id="{2FB57D2D-E29F-4784-9233-19E8D9ADD72F}"/>
-              </a:ext>
-            </a:extLst>
-          </p:cNvPr>
-          <p:cNvSpPr>
+                <a16:creationId xmlns:a16="http://schemas.microsoft.com/office/drawing/2014/main" id="{E3BE255B-C6B0-4224-8C00-C280E994AE4A}"/>
+              </a:ext>
+            </a:extLst>
+          </p:cNvPr>
+          <p:cNvSpPr txBox="1">
             <a:spLocks noGrp="1"/>
           </p:cNvSpPr>
           <p:nvPr>
-            <p:ph type="dt" sz="half" idx="10"/>
+            <p:ph type="dt" sz="half" idx="7"/>
           </p:nvPr>
         </p:nvSpPr>
         <p:spPr/>
         <p:txBody>
           <a:bodyPr/>
-          <a:lstStyle/>
+          <a:lstStyle>
+            <a:lvl1pPr>
+              <a:defRPr/>
+            </a:lvl1pPr>
+          </a:lstStyle>
           <a:p>
             <a:pPr lvl="0"/>
             <a:endParaRPr lang="pt-BR"/>
@@ -2860,21 +3068,25 @@
           <p:cNvPr id="4" name="Espaço Reservado para Rodapé 3">
             <a:extLst>
               <a:ext uri="{FF2B5EF4-FFF2-40B4-BE49-F238E27FC236}">
-                <a16:creationId xmlns:a16="http://schemas.microsoft.com/office/drawing/2014/main" id="{7EDB1741-2757-4938-A4AB-4E689054401C}"/>
-              </a:ext>
-            </a:extLst>
-          </p:cNvPr>
-          <p:cNvSpPr>
+                <a16:creationId xmlns:a16="http://schemas.microsoft.com/office/drawing/2014/main" id="{0A9D959C-A787-46DC-BF66-762FAA28C59B}"/>
+              </a:ext>
+            </a:extLst>
+          </p:cNvPr>
+          <p:cNvSpPr txBox="1">
             <a:spLocks noGrp="1"/>
           </p:cNvSpPr>
           <p:nvPr>
-            <p:ph type="ftr" sz="quarter" idx="11"/>
+            <p:ph type="ftr" sz="quarter" idx="9"/>
           </p:nvPr>
         </p:nvSpPr>
         <p:spPr/>
         <p:txBody>
           <a:bodyPr/>
-          <a:lstStyle/>
+          <a:lstStyle>
+            <a:lvl1pPr>
+              <a:defRPr/>
+            </a:lvl1pPr>
+          </a:lstStyle>
           <a:p>
             <a:pPr lvl="0"/>
             <a:endParaRPr lang="pt-BR"/>
@@ -2886,24 +3098,28 @@
           <p:cNvPr id="5" name="Espaço Reservado para Número de Slide 4">
             <a:extLst>
               <a:ext uri="{FF2B5EF4-FFF2-40B4-BE49-F238E27FC236}">
-                <a16:creationId xmlns:a16="http://schemas.microsoft.com/office/drawing/2014/main" id="{3E0A830F-258C-4CE7-A6C6-2CF94E8D65AA}"/>
-              </a:ext>
-            </a:extLst>
-          </p:cNvPr>
-          <p:cNvSpPr>
+                <a16:creationId xmlns:a16="http://schemas.microsoft.com/office/drawing/2014/main" id="{822BB33D-49FD-4103-9372-479205F062AF}"/>
+              </a:ext>
+            </a:extLst>
+          </p:cNvPr>
+          <p:cNvSpPr txBox="1">
             <a:spLocks noGrp="1"/>
           </p:cNvSpPr>
           <p:nvPr>
-            <p:ph type="sldNum" sz="quarter" idx="12"/>
+            <p:ph type="sldNum" sz="quarter" idx="8"/>
           </p:nvPr>
         </p:nvSpPr>
         <p:spPr/>
         <p:txBody>
           <a:bodyPr/>
-          <a:lstStyle/>
+          <a:lstStyle>
+            <a:lvl1pPr>
+              <a:defRPr/>
+            </a:lvl1pPr>
+          </a:lstStyle>
           <a:p>
             <a:pPr lvl="0"/>
-            <a:fld id="{4FE319B7-49CC-48A8-BAD3-C6DC26045867}" type="slidenum">
+            <a:fld id="{EA1D5C98-6FB3-4F3F-9F4B-28513129C8A3}" type="slidenum">
               <a:t>‹nº›</a:t>
             </a:fld>
             <a:endParaRPr lang="pt-BR"/>
@@ -2913,7 +3129,7 @@
     </p:spTree>
     <p:extLst>
       <p:ext uri="{BB962C8B-B14F-4D97-AF65-F5344CB8AC3E}">
-        <p14:creationId xmlns:p14="http://schemas.microsoft.com/office/powerpoint/2010/main" val="50677082"/>
+        <p14:creationId xmlns:p14="http://schemas.microsoft.com/office/powerpoint/2010/main" val="433177336"/>
       </p:ext>
     </p:extLst>
   </p:cSld>
@@ -2945,21 +3161,25 @@
           <p:cNvPr id="2" name="Espaço Reservado para Data 1">
             <a:extLst>
               <a:ext uri="{FF2B5EF4-FFF2-40B4-BE49-F238E27FC236}">
-                <a16:creationId xmlns:a16="http://schemas.microsoft.com/office/drawing/2014/main" id="{1B426751-AA7D-4A6A-92ED-A574705F3CC9}"/>
-              </a:ext>
-            </a:extLst>
-          </p:cNvPr>
-          <p:cNvSpPr>
+                <a16:creationId xmlns:a16="http://schemas.microsoft.com/office/drawing/2014/main" id="{2247A59F-CD18-4548-B984-456BF1A6C0C6}"/>
+              </a:ext>
+            </a:extLst>
+          </p:cNvPr>
+          <p:cNvSpPr txBox="1">
             <a:spLocks noGrp="1"/>
           </p:cNvSpPr>
           <p:nvPr>
-            <p:ph type="dt" sz="half" idx="10"/>
+            <p:ph type="dt" sz="half" idx="7"/>
           </p:nvPr>
         </p:nvSpPr>
         <p:spPr/>
         <p:txBody>
           <a:bodyPr/>
-          <a:lstStyle/>
+          <a:lstStyle>
+            <a:lvl1pPr>
+              <a:defRPr/>
+            </a:lvl1pPr>
+          </a:lstStyle>
           <a:p>
             <a:pPr lvl="0"/>
             <a:endParaRPr lang="pt-BR"/>
@@ -2971,21 +3191,25 @@
           <p:cNvPr id="3" name="Espaço Reservado para Rodapé 2">
             <a:extLst>
               <a:ext uri="{FF2B5EF4-FFF2-40B4-BE49-F238E27FC236}">
-                <a16:creationId xmlns:a16="http://schemas.microsoft.com/office/drawing/2014/main" id="{A678D04D-1C80-48B1-9D5C-59F1BEC12A0B}"/>
-              </a:ext>
-            </a:extLst>
-          </p:cNvPr>
-          <p:cNvSpPr>
+                <a16:creationId xmlns:a16="http://schemas.microsoft.com/office/drawing/2014/main" id="{B2E93A5C-3409-4E85-BC06-372673E7184F}"/>
+              </a:ext>
+            </a:extLst>
+          </p:cNvPr>
+          <p:cNvSpPr txBox="1">
             <a:spLocks noGrp="1"/>
           </p:cNvSpPr>
           <p:nvPr>
-            <p:ph type="ftr" sz="quarter" idx="11"/>
+            <p:ph type="ftr" sz="quarter" idx="9"/>
           </p:nvPr>
         </p:nvSpPr>
         <p:spPr/>
         <p:txBody>
           <a:bodyPr/>
-          <a:lstStyle/>
+          <a:lstStyle>
+            <a:lvl1pPr>
+              <a:defRPr/>
+            </a:lvl1pPr>
+          </a:lstStyle>
           <a:p>
             <a:pPr lvl="0"/>
             <a:endParaRPr lang="pt-BR"/>
@@ -2997,24 +3221,28 @@
           <p:cNvPr id="4" name="Espaço Reservado para Número de Slide 3">
             <a:extLst>
               <a:ext uri="{FF2B5EF4-FFF2-40B4-BE49-F238E27FC236}">
-                <a16:creationId xmlns:a16="http://schemas.microsoft.com/office/drawing/2014/main" id="{98086FEF-4560-490E-8A93-F0EA6472AF62}"/>
-              </a:ext>
-            </a:extLst>
-          </p:cNvPr>
-          <p:cNvSpPr>
+                <a16:creationId xmlns:a16="http://schemas.microsoft.com/office/drawing/2014/main" id="{27172038-2947-44AE-BAB8-9527FF26C3CC}"/>
+              </a:ext>
+            </a:extLst>
+          </p:cNvPr>
+          <p:cNvSpPr txBox="1">
             <a:spLocks noGrp="1"/>
           </p:cNvSpPr>
           <p:nvPr>
-            <p:ph type="sldNum" sz="quarter" idx="12"/>
+            <p:ph type="sldNum" sz="quarter" idx="8"/>
           </p:nvPr>
         </p:nvSpPr>
         <p:spPr/>
         <p:txBody>
           <a:bodyPr/>
-          <a:lstStyle/>
+          <a:lstStyle>
+            <a:lvl1pPr>
+              <a:defRPr/>
+            </a:lvl1pPr>
+          </a:lstStyle>
           <a:p>
             <a:pPr lvl="0"/>
-            <a:fld id="{2B1E2130-F80C-4EEE-83FC-ECC7A9DEEC2A}" type="slidenum">
+            <a:fld id="{7B12DC77-8C50-4098-8B29-703DCF7A4607}" type="slidenum">
               <a:t>‹nº›</a:t>
             </a:fld>
             <a:endParaRPr lang="pt-BR"/>
@@ -3024,7 +3252,7 @@
     </p:spTree>
     <p:extLst>
       <p:ext uri="{BB962C8B-B14F-4D97-AF65-F5344CB8AC3E}">
-        <p14:creationId xmlns:p14="http://schemas.microsoft.com/office/powerpoint/2010/main" val="3072611432"/>
+        <p14:creationId xmlns:p14="http://schemas.microsoft.com/office/powerpoint/2010/main" val="1999728802"/>
       </p:ext>
     </p:extLst>
   </p:cSld>
@@ -3057,11 +3285,11 @@
           <p:cNvPr id="2" name="Título 1">
             <a:extLst>
               <a:ext uri="{FF2B5EF4-FFF2-40B4-BE49-F238E27FC236}">
-                <a16:creationId xmlns:a16="http://schemas.microsoft.com/office/drawing/2014/main" id="{15B1268E-6C42-4E34-94A4-0A1570A4A792}"/>
-              </a:ext>
-            </a:extLst>
-          </p:cNvPr>
-          <p:cNvSpPr>
+                <a16:creationId xmlns:a16="http://schemas.microsoft.com/office/drawing/2014/main" id="{95BC5BBB-1065-4275-848B-3582C997BC7A}"/>
+              </a:ext>
+            </a:extLst>
+          </p:cNvPr>
+          <p:cNvSpPr txBox="1">
             <a:spLocks noGrp="1"/>
           </p:cNvSpPr>
           <p:nvPr>
@@ -3070,8 +3298,8 @@
         </p:nvSpPr>
         <p:spPr>
           <a:xfrm>
-            <a:off x="693738" y="377825"/>
-            <a:ext cx="3251200" cy="1323975"/>
+            <a:off x="693736" y="377820"/>
+            <a:ext cx="3251204" cy="1323978"/>
           </a:xfrm>
         </p:spPr>
         <p:txBody>
@@ -3082,6 +3310,7 @@
             </a:lvl1pPr>
           </a:lstStyle>
           <a:p>
+            <a:pPr lvl="0"/>
             <a:r>
               <a:rPr lang="pt-BR"/>
               <a:t>Clique para editar o título Mestre</a:t>
@@ -3094,11 +3323,11 @@
           <p:cNvPr id="3" name="Espaço Reservado para Conteúdo 2">
             <a:extLst>
               <a:ext uri="{FF2B5EF4-FFF2-40B4-BE49-F238E27FC236}">
-                <a16:creationId xmlns:a16="http://schemas.microsoft.com/office/drawing/2014/main" id="{A9EF7191-CA99-4306-879D-7FB5612D374D}"/>
-              </a:ext>
-            </a:extLst>
-          </p:cNvPr>
-          <p:cNvSpPr>
+                <a16:creationId xmlns:a16="http://schemas.microsoft.com/office/drawing/2014/main" id="{D91CC060-0673-4A4D-B18C-0E7004401041}"/>
+              </a:ext>
+            </a:extLst>
+          </p:cNvPr>
+          <p:cNvSpPr txBox="1">
             <a:spLocks noGrp="1"/>
           </p:cNvSpPr>
           <p:nvPr>
@@ -3107,15 +3336,15 @@
         </p:nvSpPr>
         <p:spPr>
           <a:xfrm>
-            <a:off x="4286250" y="815975"/>
-            <a:ext cx="5102225" cy="4030663"/>
+            <a:off x="4286249" y="815973"/>
+            <a:ext cx="5102223" cy="4030666"/>
           </a:xfrm>
         </p:spPr>
         <p:txBody>
           <a:bodyPr/>
           <a:lstStyle>
             <a:lvl1pPr>
-              <a:defRPr sz="3200"/>
+              <a:defRPr/>
             </a:lvl1pPr>
             <a:lvl2pPr>
               <a:defRPr sz="2800"/>
@@ -3129,18 +3358,6 @@
             <a:lvl5pPr>
               <a:defRPr sz="2000"/>
             </a:lvl5pPr>
-            <a:lvl6pPr>
-              <a:defRPr sz="2000"/>
-            </a:lvl6pPr>
-            <a:lvl7pPr>
-              <a:defRPr sz="2000"/>
-            </a:lvl7pPr>
-            <a:lvl8pPr>
-              <a:defRPr sz="2000"/>
-            </a:lvl8pPr>
-            <a:lvl9pPr>
-              <a:defRPr sz="2000"/>
-            </a:lvl9pPr>
           </a:lstStyle>
           <a:p>
             <a:pPr lvl="0"/>
@@ -3184,62 +3401,29 @@
           <p:cNvPr id="4" name="Espaço Reservado para Texto 3">
             <a:extLst>
               <a:ext uri="{FF2B5EF4-FFF2-40B4-BE49-F238E27FC236}">
-                <a16:creationId xmlns:a16="http://schemas.microsoft.com/office/drawing/2014/main" id="{D6A7EDA6-CAB7-40B7-AB00-72073E9DB2F1}"/>
-              </a:ext>
-            </a:extLst>
-          </p:cNvPr>
-          <p:cNvSpPr>
+                <a16:creationId xmlns:a16="http://schemas.microsoft.com/office/drawing/2014/main" id="{E75D847D-8ECB-49F1-9CC1-62B2C3785E25}"/>
+              </a:ext>
+            </a:extLst>
+          </p:cNvPr>
+          <p:cNvSpPr txBox="1">
             <a:spLocks noGrp="1"/>
           </p:cNvSpPr>
           <p:nvPr>
-            <p:ph type="body" sz="half" idx="2"/>
+            <p:ph type="body" idx="2"/>
           </p:nvPr>
         </p:nvSpPr>
         <p:spPr>
           <a:xfrm>
-            <a:off x="693738" y="1701800"/>
-            <a:ext cx="3251200" cy="3151188"/>
+            <a:off x="693736" y="1701798"/>
+            <a:ext cx="3251204" cy="3151186"/>
           </a:xfrm>
         </p:spPr>
         <p:txBody>
           <a:bodyPr/>
           <a:lstStyle>
-            <a:lvl1pPr marL="0" indent="0">
-              <a:buNone/>
+            <a:lvl1pPr>
               <a:defRPr sz="1600"/>
             </a:lvl1pPr>
-            <a:lvl2pPr marL="457200" indent="0">
-              <a:buNone/>
-              <a:defRPr sz="1400"/>
-            </a:lvl2pPr>
-            <a:lvl3pPr marL="914400" indent="0">
-              <a:buNone/>
-              <a:defRPr sz="1200"/>
-            </a:lvl3pPr>
-            <a:lvl4pPr marL="1371600" indent="0">
-              <a:buNone/>
-              <a:defRPr sz="1000"/>
-            </a:lvl4pPr>
-            <a:lvl5pPr marL="1828800" indent="0">
-              <a:buNone/>
-              <a:defRPr sz="1000"/>
-            </a:lvl5pPr>
-            <a:lvl6pPr marL="2286000" indent="0">
-              <a:buNone/>
-              <a:defRPr sz="1000"/>
-            </a:lvl6pPr>
-            <a:lvl7pPr marL="2743200" indent="0">
-              <a:buNone/>
-              <a:defRPr sz="1000"/>
-            </a:lvl7pPr>
-            <a:lvl8pPr marL="3200400" indent="0">
-              <a:buNone/>
-              <a:defRPr sz="1000"/>
-            </a:lvl8pPr>
-            <a:lvl9pPr marL="3657600" indent="0">
-              <a:buNone/>
-              <a:defRPr sz="1000"/>
-            </a:lvl9pPr>
           </a:lstStyle>
           <a:p>
             <a:pPr lvl="0"/>
@@ -3255,21 +3439,25 @@
           <p:cNvPr id="5" name="Espaço Reservado para Data 4">
             <a:extLst>
               <a:ext uri="{FF2B5EF4-FFF2-40B4-BE49-F238E27FC236}">
-                <a16:creationId xmlns:a16="http://schemas.microsoft.com/office/drawing/2014/main" id="{0C87C0F8-892F-4759-A7F1-2798EE791117}"/>
-              </a:ext>
-            </a:extLst>
-          </p:cNvPr>
-          <p:cNvSpPr>
+                <a16:creationId xmlns:a16="http://schemas.microsoft.com/office/drawing/2014/main" id="{F9F6A022-1F9E-4397-AB57-21C0BFB81B4E}"/>
+              </a:ext>
+            </a:extLst>
+          </p:cNvPr>
+          <p:cNvSpPr txBox="1">
             <a:spLocks noGrp="1"/>
           </p:cNvSpPr>
           <p:nvPr>
-            <p:ph type="dt" sz="half" idx="10"/>
+            <p:ph type="dt" sz="half" idx="7"/>
           </p:nvPr>
         </p:nvSpPr>
         <p:spPr/>
         <p:txBody>
           <a:bodyPr/>
-          <a:lstStyle/>
+          <a:lstStyle>
+            <a:lvl1pPr>
+              <a:defRPr/>
+            </a:lvl1pPr>
+          </a:lstStyle>
           <a:p>
             <a:pPr lvl="0"/>
             <a:endParaRPr lang="pt-BR"/>
@@ -3281,21 +3469,25 @@
           <p:cNvPr id="6" name="Espaço Reservado para Rodapé 5">
             <a:extLst>
               <a:ext uri="{FF2B5EF4-FFF2-40B4-BE49-F238E27FC236}">
-                <a16:creationId xmlns:a16="http://schemas.microsoft.com/office/drawing/2014/main" id="{88CAA312-E820-4F36-89C0-B530A3D295E7}"/>
-              </a:ext>
-            </a:extLst>
-          </p:cNvPr>
-          <p:cNvSpPr>
+                <a16:creationId xmlns:a16="http://schemas.microsoft.com/office/drawing/2014/main" id="{816F78D9-C6B7-4B70-95F9-C6EFFE587BB3}"/>
+              </a:ext>
+            </a:extLst>
+          </p:cNvPr>
+          <p:cNvSpPr txBox="1">
             <a:spLocks noGrp="1"/>
           </p:cNvSpPr>
           <p:nvPr>
-            <p:ph type="ftr" sz="quarter" idx="11"/>
+            <p:ph type="ftr" sz="quarter" idx="9"/>
           </p:nvPr>
         </p:nvSpPr>
         <p:spPr/>
         <p:txBody>
           <a:bodyPr/>
-          <a:lstStyle/>
+          <a:lstStyle>
+            <a:lvl1pPr>
+              <a:defRPr/>
+            </a:lvl1pPr>
+          </a:lstStyle>
           <a:p>
             <a:pPr lvl="0"/>
             <a:endParaRPr lang="pt-BR"/>
@@ -3307,24 +3499,28 @@
           <p:cNvPr id="7" name="Espaço Reservado para Número de Slide 6">
             <a:extLst>
               <a:ext uri="{FF2B5EF4-FFF2-40B4-BE49-F238E27FC236}">
-                <a16:creationId xmlns:a16="http://schemas.microsoft.com/office/drawing/2014/main" id="{27171797-A1CF-4AC2-975E-27573383049F}"/>
-              </a:ext>
-            </a:extLst>
-          </p:cNvPr>
-          <p:cNvSpPr>
+                <a16:creationId xmlns:a16="http://schemas.microsoft.com/office/drawing/2014/main" id="{DB39720C-70D9-475D-A660-18E11AEBA2F5}"/>
+              </a:ext>
+            </a:extLst>
+          </p:cNvPr>
+          <p:cNvSpPr txBox="1">
             <a:spLocks noGrp="1"/>
           </p:cNvSpPr>
           <p:nvPr>
-            <p:ph type="sldNum" sz="quarter" idx="12"/>
+            <p:ph type="sldNum" sz="quarter" idx="8"/>
           </p:nvPr>
         </p:nvSpPr>
         <p:spPr/>
         <p:txBody>
           <a:bodyPr/>
-          <a:lstStyle/>
+          <a:lstStyle>
+            <a:lvl1pPr>
+              <a:defRPr/>
+            </a:lvl1pPr>
+          </a:lstStyle>
           <a:p>
             <a:pPr lvl="0"/>
-            <a:fld id="{BB032173-AB56-4C71-AFF7-F34F01B6F321}" type="slidenum">
+            <a:fld id="{AE807E8B-58E2-4C29-92EB-9090D27548A4}" type="slidenum">
               <a:t>‹nº›</a:t>
             </a:fld>
             <a:endParaRPr lang="pt-BR"/>
@@ -3334,7 +3530,7 @@
     </p:spTree>
     <p:extLst>
       <p:ext uri="{BB962C8B-B14F-4D97-AF65-F5344CB8AC3E}">
-        <p14:creationId xmlns:p14="http://schemas.microsoft.com/office/powerpoint/2010/main" val="1151197064"/>
+        <p14:creationId xmlns:p14="http://schemas.microsoft.com/office/powerpoint/2010/main" val="1199817960"/>
       </p:ext>
     </p:extLst>
   </p:cSld>
@@ -3366,11 +3562,11 @@
           <p:cNvPr id="2" name="Título 1">
             <a:extLst>
               <a:ext uri="{FF2B5EF4-FFF2-40B4-BE49-F238E27FC236}">
-                <a16:creationId xmlns:a16="http://schemas.microsoft.com/office/drawing/2014/main" id="{55AEC876-92FD-45CB-89B2-E83B5959CDCC}"/>
-              </a:ext>
-            </a:extLst>
-          </p:cNvPr>
-          <p:cNvSpPr>
+                <a16:creationId xmlns:a16="http://schemas.microsoft.com/office/drawing/2014/main" id="{2A1294B3-9B30-4E2D-BF0D-F043D17F2B14}"/>
+              </a:ext>
+            </a:extLst>
+          </p:cNvPr>
+          <p:cNvSpPr txBox="1">
             <a:spLocks noGrp="1"/>
           </p:cNvSpPr>
           <p:nvPr>
@@ -3379,8 +3575,8 @@
         </p:nvSpPr>
         <p:spPr>
           <a:xfrm>
-            <a:off x="693738" y="377825"/>
-            <a:ext cx="3251200" cy="1323975"/>
+            <a:off x="693736" y="377820"/>
+            <a:ext cx="3251204" cy="1323978"/>
           </a:xfrm>
         </p:spPr>
         <p:txBody>
@@ -3391,6 +3587,7 @@
             </a:lvl1pPr>
           </a:lstStyle>
           <a:p>
+            <a:pPr lvl="0"/>
             <a:r>
               <a:rPr lang="pt-BR"/>
               <a:t>Clique para editar o título Mestre</a:t>
@@ -3403,11 +3600,11 @@
           <p:cNvPr id="3" name="Espaço Reservado para Imagem 2">
             <a:extLst>
               <a:ext uri="{FF2B5EF4-FFF2-40B4-BE49-F238E27FC236}">
-                <a16:creationId xmlns:a16="http://schemas.microsoft.com/office/drawing/2014/main" id="{C63E339C-BB96-4D2E-AC79-D5130264CE6D}"/>
-              </a:ext>
-            </a:extLst>
-          </p:cNvPr>
-          <p:cNvSpPr>
+                <a16:creationId xmlns:a16="http://schemas.microsoft.com/office/drawing/2014/main" id="{CD74DA5C-6817-476B-9ED5-50413D5FCBBB}"/>
+              </a:ext>
+            </a:extLst>
+          </p:cNvPr>
+          <p:cNvSpPr txBox="1">
             <a:spLocks noGrp="1"/>
           </p:cNvSpPr>
           <p:nvPr>
@@ -3416,51 +3613,19 @@
         </p:nvSpPr>
         <p:spPr>
           <a:xfrm>
-            <a:off x="4286250" y="815975"/>
-            <a:ext cx="5102225" cy="4030663"/>
+            <a:off x="4286249" y="815973"/>
+            <a:ext cx="5102223" cy="4030666"/>
           </a:xfrm>
         </p:spPr>
         <p:txBody>
           <a:bodyPr/>
           <a:lstStyle>
-            <a:lvl1pPr marL="0" indent="0">
-              <a:buNone/>
-              <a:defRPr sz="3200"/>
+            <a:lvl1pPr>
+              <a:defRPr/>
             </a:lvl1pPr>
-            <a:lvl2pPr marL="457200" indent="0">
-              <a:buNone/>
-              <a:defRPr sz="2800"/>
-            </a:lvl2pPr>
-            <a:lvl3pPr marL="914400" indent="0">
-              <a:buNone/>
-              <a:defRPr sz="2400"/>
-            </a:lvl3pPr>
-            <a:lvl4pPr marL="1371600" indent="0">
-              <a:buNone/>
-              <a:defRPr sz="2000"/>
-            </a:lvl4pPr>
-            <a:lvl5pPr marL="1828800" indent="0">
-              <a:buNone/>
-              <a:defRPr sz="2000"/>
-            </a:lvl5pPr>
-            <a:lvl6pPr marL="2286000" indent="0">
-              <a:buNone/>
-              <a:defRPr sz="2000"/>
-            </a:lvl6pPr>
-            <a:lvl7pPr marL="2743200" indent="0">
-              <a:buNone/>
-              <a:defRPr sz="2000"/>
-            </a:lvl7pPr>
-            <a:lvl8pPr marL="3200400" indent="0">
-              <a:buNone/>
-              <a:defRPr sz="2000"/>
-            </a:lvl8pPr>
-            <a:lvl9pPr marL="3657600" indent="0">
-              <a:buNone/>
-              <a:defRPr sz="2000"/>
-            </a:lvl9pPr>
           </a:lstStyle>
           <a:p>
+            <a:pPr lvl="0"/>
             <a:endParaRPr lang="pt-BR"/>
           </a:p>
         </p:txBody>
@@ -3470,62 +3635,29 @@
           <p:cNvPr id="4" name="Espaço Reservado para Texto 3">
             <a:extLst>
               <a:ext uri="{FF2B5EF4-FFF2-40B4-BE49-F238E27FC236}">
-                <a16:creationId xmlns:a16="http://schemas.microsoft.com/office/drawing/2014/main" id="{B1900F97-FA71-4753-8987-A539163FD308}"/>
-              </a:ext>
-            </a:extLst>
-          </p:cNvPr>
-          <p:cNvSpPr>
+                <a16:creationId xmlns:a16="http://schemas.microsoft.com/office/drawing/2014/main" id="{E04734CF-3472-44BB-A3AD-FDCE2332F8AF}"/>
+              </a:ext>
+            </a:extLst>
+          </p:cNvPr>
+          <p:cNvSpPr txBox="1">
             <a:spLocks noGrp="1"/>
           </p:cNvSpPr>
           <p:nvPr>
-            <p:ph type="body" sz="half" idx="2"/>
+            <p:ph type="body" idx="2"/>
           </p:nvPr>
         </p:nvSpPr>
         <p:spPr>
           <a:xfrm>
-            <a:off x="693738" y="1701800"/>
-            <a:ext cx="3251200" cy="3151188"/>
+            <a:off x="693736" y="1701798"/>
+            <a:ext cx="3251204" cy="3151186"/>
           </a:xfrm>
         </p:spPr>
         <p:txBody>
           <a:bodyPr/>
           <a:lstStyle>
-            <a:lvl1pPr marL="0" indent="0">
-              <a:buNone/>
+            <a:lvl1pPr>
               <a:defRPr sz="1600"/>
             </a:lvl1pPr>
-            <a:lvl2pPr marL="457200" indent="0">
-              <a:buNone/>
-              <a:defRPr sz="1400"/>
-            </a:lvl2pPr>
-            <a:lvl3pPr marL="914400" indent="0">
-              <a:buNone/>
-              <a:defRPr sz="1200"/>
-            </a:lvl3pPr>
-            <a:lvl4pPr marL="1371600" indent="0">
-              <a:buNone/>
-              <a:defRPr sz="1000"/>
-            </a:lvl4pPr>
-            <a:lvl5pPr marL="1828800" indent="0">
-              <a:buNone/>
-              <a:defRPr sz="1000"/>
-            </a:lvl5pPr>
-            <a:lvl6pPr marL="2286000" indent="0">
-              <a:buNone/>
-              <a:defRPr sz="1000"/>
-            </a:lvl6pPr>
-            <a:lvl7pPr marL="2743200" indent="0">
-              <a:buNone/>
-              <a:defRPr sz="1000"/>
-            </a:lvl7pPr>
-            <a:lvl8pPr marL="3200400" indent="0">
-              <a:buNone/>
-              <a:defRPr sz="1000"/>
-            </a:lvl8pPr>
-            <a:lvl9pPr marL="3657600" indent="0">
-              <a:buNone/>
-              <a:defRPr sz="1000"/>
-            </a:lvl9pPr>
           </a:lstStyle>
           <a:p>
             <a:pPr lvl="0"/>
@@ -3541,21 +3673,25 @@
           <p:cNvPr id="5" name="Espaço Reservado para Data 4">
             <a:extLst>
               <a:ext uri="{FF2B5EF4-FFF2-40B4-BE49-F238E27FC236}">
-                <a16:creationId xmlns:a16="http://schemas.microsoft.com/office/drawing/2014/main" id="{479D44E6-A6D9-416D-8456-229225C3853D}"/>
-              </a:ext>
-            </a:extLst>
-          </p:cNvPr>
-          <p:cNvSpPr>
+                <a16:creationId xmlns:a16="http://schemas.microsoft.com/office/drawing/2014/main" id="{385918BC-F334-41BD-990B-DF9FF774B1D8}"/>
+              </a:ext>
+            </a:extLst>
+          </p:cNvPr>
+          <p:cNvSpPr txBox="1">
             <a:spLocks noGrp="1"/>
           </p:cNvSpPr>
           <p:nvPr>
-            <p:ph type="dt" sz="half" idx="10"/>
+            <p:ph type="dt" sz="half" idx="7"/>
           </p:nvPr>
         </p:nvSpPr>
         <p:spPr/>
         <p:txBody>
           <a:bodyPr/>
-          <a:lstStyle/>
+          <a:lstStyle>
+            <a:lvl1pPr>
+              <a:defRPr/>
+            </a:lvl1pPr>
+          </a:lstStyle>
           <a:p>
             <a:pPr lvl="0"/>
             <a:endParaRPr lang="pt-BR"/>
@@ -3567,21 +3703,25 @@
           <p:cNvPr id="6" name="Espaço Reservado para Rodapé 5">
             <a:extLst>
               <a:ext uri="{FF2B5EF4-FFF2-40B4-BE49-F238E27FC236}">
-                <a16:creationId xmlns:a16="http://schemas.microsoft.com/office/drawing/2014/main" id="{30685DF9-1713-4815-BE6A-1A067DAE9474}"/>
-              </a:ext>
-            </a:extLst>
-          </p:cNvPr>
-          <p:cNvSpPr>
+                <a16:creationId xmlns:a16="http://schemas.microsoft.com/office/drawing/2014/main" id="{B582C6B8-6744-45BD-B7CF-6C3AA69C3D69}"/>
+              </a:ext>
+            </a:extLst>
+          </p:cNvPr>
+          <p:cNvSpPr txBox="1">
             <a:spLocks noGrp="1"/>
           </p:cNvSpPr>
           <p:nvPr>
-            <p:ph type="ftr" sz="quarter" idx="11"/>
+            <p:ph type="ftr" sz="quarter" idx="9"/>
           </p:nvPr>
         </p:nvSpPr>
         <p:spPr/>
         <p:txBody>
           <a:bodyPr/>
-          <a:lstStyle/>
+          <a:lstStyle>
+            <a:lvl1pPr>
+              <a:defRPr/>
+            </a:lvl1pPr>
+          </a:lstStyle>
           <a:p>
             <a:pPr lvl="0"/>
             <a:endParaRPr lang="pt-BR"/>
@@ -3593,24 +3733,28 @@
           <p:cNvPr id="7" name="Espaço Reservado para Número de Slide 6">
             <a:extLst>
               <a:ext uri="{FF2B5EF4-FFF2-40B4-BE49-F238E27FC236}">
-                <a16:creationId xmlns:a16="http://schemas.microsoft.com/office/drawing/2014/main" id="{DC749EFB-93ED-47E3-8512-1270E5C54931}"/>
-              </a:ext>
-            </a:extLst>
-          </p:cNvPr>
-          <p:cNvSpPr>
+                <a16:creationId xmlns:a16="http://schemas.microsoft.com/office/drawing/2014/main" id="{D28C51DF-1E1D-4F12-8D02-6DAAAC39238A}"/>
+              </a:ext>
+            </a:extLst>
+          </p:cNvPr>
+          <p:cNvSpPr txBox="1">
             <a:spLocks noGrp="1"/>
           </p:cNvSpPr>
           <p:nvPr>
-            <p:ph type="sldNum" sz="quarter" idx="12"/>
+            <p:ph type="sldNum" sz="quarter" idx="8"/>
           </p:nvPr>
         </p:nvSpPr>
         <p:spPr/>
         <p:txBody>
           <a:bodyPr/>
-          <a:lstStyle/>
+          <a:lstStyle>
+            <a:lvl1pPr>
+              <a:defRPr/>
+            </a:lvl1pPr>
+          </a:lstStyle>
           <a:p>
             <a:pPr lvl="0"/>
-            <a:fld id="{1AE78F4A-60CB-49FB-A536-402627D84FA1}" type="slidenum">
+            <a:fld id="{173A8497-19D0-4420-B806-99783DD761BD}" type="slidenum">
               <a:t>‹nº›</a:t>
             </a:fld>
             <a:endParaRPr lang="pt-BR"/>
@@ -3620,7 +3764,7 @@
     </p:spTree>
     <p:extLst>
       <p:ext uri="{BB962C8B-B14F-4D97-AF65-F5344CB8AC3E}">
-        <p14:creationId xmlns:p14="http://schemas.microsoft.com/office/powerpoint/2010/main" val="2021561683"/>
+        <p14:creationId xmlns:p14="http://schemas.microsoft.com/office/powerpoint/2010/main" val="3233453895"/>
       </p:ext>
     </p:extLst>
   </p:cSld>
@@ -3658,7 +3802,7 @@
           <p:cNvPr id="2" name="Espaço Reservado para Título 1">
             <a:extLst>
               <a:ext uri="{FF2B5EF4-FFF2-40B4-BE49-F238E27FC236}">
-                <a16:creationId xmlns:a16="http://schemas.microsoft.com/office/drawing/2014/main" id="{3F8D17E3-603E-4F19-9150-13E43F5EF69B}"/>
+                <a16:creationId xmlns:a16="http://schemas.microsoft.com/office/drawing/2014/main" id="{4BC3A474-EAF1-4152-BA6F-1339E1634049}"/>
               </a:ext>
             </a:extLst>
           </p:cNvPr>
@@ -3671,8 +3815,8 @@
         </p:nvSpPr>
         <p:spPr>
           <a:xfrm>
-            <a:off x="503999" y="226080"/>
-            <a:ext cx="9071640" cy="946440"/>
+            <a:off x="503998" y="226076"/>
+            <a:ext cx="9071643" cy="946440"/>
           </a:xfrm>
           <a:prstGeom prst="rect">
             <a:avLst/>
@@ -3683,9 +3827,12 @@
           </a:ln>
         </p:spPr>
         <p:txBody>
-          <a:bodyPr lIns="0" tIns="0" rIns="0" bIns="0" anchor="ctr"/>
+          <a:bodyPr vert="horz" wrap="square" lIns="0" tIns="0" rIns="0" bIns="0" anchor="ctr" anchorCtr="1" compatLnSpc="1">
+            <a:noAutofit/>
+          </a:bodyPr>
           <a:lstStyle/>
           <a:p>
+            <a:pPr lvl="0"/>
             <a:endParaRPr lang="pt-BR"/>
           </a:p>
         </p:txBody>
@@ -3695,7 +3842,7 @@
           <p:cNvPr id="3" name="Espaço Reservado para Texto 2">
             <a:extLst>
               <a:ext uri="{FF2B5EF4-FFF2-40B4-BE49-F238E27FC236}">
-                <a16:creationId xmlns:a16="http://schemas.microsoft.com/office/drawing/2014/main" id="{9E40D994-1102-461D-B7BF-088FCCEB4AC7}"/>
+                <a16:creationId xmlns:a16="http://schemas.microsoft.com/office/drawing/2014/main" id="{02CBB89C-B75F-4191-864D-5024C1C08B85}"/>
               </a:ext>
             </a:extLst>
           </p:cNvPr>
@@ -3708,8 +3855,8 @@
         </p:nvSpPr>
         <p:spPr>
           <a:xfrm>
-            <a:off x="503999" y="1326600"/>
-            <a:ext cx="9071640" cy="3288239"/>
+            <a:off x="503998" y="1326602"/>
+            <a:ext cx="9071643" cy="3288237"/>
           </a:xfrm>
           <a:prstGeom prst="rect">
             <a:avLst/>
@@ -3720,7 +3867,7 @@
           </a:ln>
         </p:spPr>
         <p:txBody>
-          <a:bodyPr lIns="0" tIns="0" rIns="0" bIns="0">
+          <a:bodyPr vert="horz" wrap="square" lIns="0" tIns="0" rIns="0" bIns="0" anchor="t" anchorCtr="0" compatLnSpc="1">
             <a:normAutofit/>
           </a:bodyPr>
           <a:lstStyle/>
@@ -3766,7 +3913,7 @@
           <p:cNvPr id="4" name="Espaço Reservado para Data 3">
             <a:extLst>
               <a:ext uri="{FF2B5EF4-FFF2-40B4-BE49-F238E27FC236}">
-                <a16:creationId xmlns:a16="http://schemas.microsoft.com/office/drawing/2014/main" id="{4E5431BA-0275-420D-846E-339F581DA8AD}"/>
+                <a16:creationId xmlns:a16="http://schemas.microsoft.com/office/drawing/2014/main" id="{154BC4D4-E278-42F4-BD98-B43C854FE5B8}"/>
               </a:ext>
             </a:extLst>
           </p:cNvPr>
@@ -3779,8 +3926,8 @@
         </p:nvSpPr>
         <p:spPr>
           <a:xfrm>
-            <a:off x="503999" y="5165280"/>
-            <a:ext cx="2348280" cy="390600"/>
+            <a:off x="503998" y="5165281"/>
+            <a:ext cx="2348279" cy="390604"/>
           </a:xfrm>
           <a:prstGeom prst="rect">
             <a:avLst/>
@@ -3791,14 +3938,27 @@
           </a:ln>
         </p:spPr>
         <p:txBody>
-          <a:bodyPr lIns="0" tIns="0" rIns="0" bIns="0" anchorCtr="0">
+          <a:bodyPr vert="horz" wrap="square" lIns="0" tIns="0" rIns="0" bIns="0" anchor="t" anchorCtr="0" compatLnSpc="1">
             <a:noAutofit/>
           </a:bodyPr>
           <a:lstStyle>
-            <a:lvl1pPr lvl="0" hangingPunct="0">
+            <a:lvl1pPr marL="0" marR="0" lvl="0" indent="0" algn="l" defTabSz="914400" rtl="0" fontAlgn="auto" hangingPunct="0">
+              <a:lnSpc>
+                <a:spcPct val="100000"/>
+              </a:lnSpc>
+              <a:spcBef>
+                <a:spcPts val="0"/>
+              </a:spcBef>
+              <a:spcAft>
+                <a:spcPts val="0"/>
+              </a:spcAft>
               <a:buNone/>
               <a:tabLst/>
-              <a:defRPr lang="pt-BR" sz="1400" kern="1200">
+              <a:defRPr lang="pt-BR" sz="1400" b="0" i="0" u="none" strike="noStrike" kern="1200" cap="none" spc="0" baseline="0">
+                <a:solidFill>
+                  <a:srgbClr val="000000"/>
+                </a:solidFill>
+                <a:uFillTx/>
                 <a:latin typeface="Liberation Serif" pitchFamily="18"/>
                 <a:ea typeface="DejaVu Sans" pitchFamily="2"/>
                 <a:cs typeface="DejaVu Sans" pitchFamily="2"/>
@@ -3816,7 +3976,7 @@
           <p:cNvPr id="5" name="Espaço Reservado para Rodapé 4">
             <a:extLst>
               <a:ext uri="{FF2B5EF4-FFF2-40B4-BE49-F238E27FC236}">
-                <a16:creationId xmlns:a16="http://schemas.microsoft.com/office/drawing/2014/main" id="{28D169E6-36E9-49ED-B9BC-917A0123C1F4}"/>
+                <a16:creationId xmlns:a16="http://schemas.microsoft.com/office/drawing/2014/main" id="{F1256153-0FCA-4F2F-86DF-99F01B3EA20C}"/>
               </a:ext>
             </a:extLst>
           </p:cNvPr>
@@ -3829,8 +3989,8 @@
         </p:nvSpPr>
         <p:spPr>
           <a:xfrm>
-            <a:off x="3447360" y="5165280"/>
-            <a:ext cx="3195000" cy="390600"/>
+            <a:off x="3447361" y="5165281"/>
+            <a:ext cx="3194995" cy="390604"/>
           </a:xfrm>
           <a:prstGeom prst="rect">
             <a:avLst/>
@@ -3841,14 +4001,27 @@
           </a:ln>
         </p:spPr>
         <p:txBody>
-          <a:bodyPr lIns="0" tIns="0" rIns="0" bIns="0" anchorCtr="0">
+          <a:bodyPr vert="horz" wrap="square" lIns="0" tIns="0" rIns="0" bIns="0" anchor="t" anchorCtr="1" compatLnSpc="1">
             <a:noAutofit/>
           </a:bodyPr>
           <a:lstStyle>
-            <a:lvl1pPr lvl="0" algn="ctr" hangingPunct="0">
+            <a:lvl1pPr marL="0" marR="0" lvl="0" indent="0" algn="ctr" defTabSz="914400" rtl="0" fontAlgn="auto" hangingPunct="0">
+              <a:lnSpc>
+                <a:spcPct val="100000"/>
+              </a:lnSpc>
+              <a:spcBef>
+                <a:spcPts val="0"/>
+              </a:spcBef>
+              <a:spcAft>
+                <a:spcPts val="0"/>
+              </a:spcAft>
               <a:buNone/>
               <a:tabLst/>
-              <a:defRPr lang="pt-BR" sz="1400" kern="1200">
+              <a:defRPr lang="pt-BR" sz="1400" b="0" i="0" u="none" strike="noStrike" kern="1200" cap="none" spc="0" baseline="0">
+                <a:solidFill>
+                  <a:srgbClr val="000000"/>
+                </a:solidFill>
+                <a:uFillTx/>
                 <a:latin typeface="Liberation Serif" pitchFamily="18"/>
                 <a:ea typeface="DejaVu Sans" pitchFamily="2"/>
                 <a:cs typeface="DejaVu Sans" pitchFamily="2"/>
@@ -3866,7 +4039,7 @@
           <p:cNvPr id="6" name="Espaço Reservado para Número de Slide 5">
             <a:extLst>
               <a:ext uri="{FF2B5EF4-FFF2-40B4-BE49-F238E27FC236}">
-                <a16:creationId xmlns:a16="http://schemas.microsoft.com/office/drawing/2014/main" id="{846E469B-453A-406F-B116-0714EBA8BC93}"/>
+                <a16:creationId xmlns:a16="http://schemas.microsoft.com/office/drawing/2014/main" id="{CF112E75-A1A4-4D62-A416-E13288B46C8C}"/>
               </a:ext>
             </a:extLst>
           </p:cNvPr>
@@ -3879,8 +4052,8 @@
         </p:nvSpPr>
         <p:spPr>
           <a:xfrm>
-            <a:off x="7227360" y="5165280"/>
-            <a:ext cx="2348280" cy="390600"/>
+            <a:off x="7227362" y="5165281"/>
+            <a:ext cx="2348279" cy="390604"/>
           </a:xfrm>
           <a:prstGeom prst="rect">
             <a:avLst/>
@@ -3891,14 +4064,27 @@
           </a:ln>
         </p:spPr>
         <p:txBody>
-          <a:bodyPr lIns="0" tIns="0" rIns="0" bIns="0" anchorCtr="0">
+          <a:bodyPr vert="horz" wrap="square" lIns="0" tIns="0" rIns="0" bIns="0" anchor="t" anchorCtr="0" compatLnSpc="1">
             <a:noAutofit/>
           </a:bodyPr>
           <a:lstStyle>
-            <a:lvl1pPr lvl="0" algn="r" hangingPunct="0">
+            <a:lvl1pPr marL="0" marR="0" lvl="0" indent="0" algn="r" defTabSz="914400" rtl="0" fontAlgn="auto" hangingPunct="0">
+              <a:lnSpc>
+                <a:spcPct val="100000"/>
+              </a:lnSpc>
+              <a:spcBef>
+                <a:spcPts val="0"/>
+              </a:spcBef>
+              <a:spcAft>
+                <a:spcPts val="0"/>
+              </a:spcAft>
               <a:buNone/>
               <a:tabLst/>
-              <a:defRPr lang="pt-BR" sz="1400" kern="1200">
+              <a:defRPr lang="pt-BR" sz="1400" b="0" i="0" u="none" strike="noStrike" kern="1200" cap="none" spc="0" baseline="0">
+                <a:solidFill>
+                  <a:srgbClr val="000000"/>
+                </a:solidFill>
+                <a:uFillTx/>
                 <a:latin typeface="Liberation Serif" pitchFamily="18"/>
                 <a:ea typeface="DejaVu Sans" pitchFamily="2"/>
                 <a:cs typeface="DejaVu Sans" pitchFamily="2"/>
@@ -3907,7 +4093,7 @@
           </a:lstStyle>
           <a:p>
             <a:pPr lvl="0"/>
-            <a:fld id="{EB1DF537-44A1-41A0-A3CC-0F7117B64885}" type="slidenum">
+            <a:fld id="{0A8F9035-3A8C-4601-9723-F445A770FF3F}" type="slidenum">
               <a:t>‹nº›</a:t>
             </a:fld>
             <a:endParaRPr lang="pt-BR"/>
@@ -3932,112 +4118,144 @@
   </p:sldLayoutIdLst>
   <p:txStyles>
     <p:titleStyle>
-      <a:lvl1pPr algn="ctr" hangingPunct="0">
+      <a:lvl1pPr marL="0" marR="0" lvl="0" indent="0" algn="ctr" defTabSz="914400" rtl="0" fontAlgn="auto" hangingPunct="0">
+        <a:lnSpc>
+          <a:spcPct val="100000"/>
+        </a:lnSpc>
+        <a:spcBef>
+          <a:spcPts val="0"/>
+        </a:spcBef>
+        <a:spcAft>
+          <a:spcPts val="0"/>
+        </a:spcAft>
+        <a:buNone/>
         <a:tabLst/>
-        <a:defRPr lang="pt-BR" sz="4400" b="0" i="0" u="none" strike="noStrike" kern="1200" cap="none">
-          <a:ln>
-            <a:noFill/>
-          </a:ln>
+        <a:defRPr lang="pt-BR" sz="4400" b="0" i="0" u="none" strike="noStrike" kern="1200" cap="none" spc="0" baseline="0">
+          <a:solidFill>
+            <a:srgbClr val="000000"/>
+          </a:solidFill>
           <a:highlight>
             <a:scrgbClr r="0" g="0" b="0">
               <a:alpha val="0"/>
             </a:scrgbClr>
           </a:highlight>
+          <a:uFillTx/>
           <a:latin typeface="Liberation Sans" pitchFamily="18"/>
         </a:defRPr>
       </a:lvl1pPr>
     </p:titleStyle>
     <p:bodyStyle>
-      <a:lvl1pPr hangingPunct="0">
+      <a:lvl1pPr marL="0" marR="0" lvl="0" indent="0" defTabSz="914400" rtl="0" fontAlgn="auto" hangingPunct="0">
+        <a:lnSpc>
+          <a:spcPct val="100000"/>
+        </a:lnSpc>
         <a:spcBef>
-          <a:spcPts val="1417"/>
+          <a:spcPts val="1415"/>
         </a:spcBef>
         <a:spcAft>
           <a:spcPts val="0"/>
         </a:spcAft>
+        <a:buNone/>
         <a:tabLst/>
-        <a:defRPr lang="pt-BR" sz="3200" b="0" i="0" u="none" strike="noStrike" kern="1200" cap="none">
-          <a:ln>
-            <a:noFill/>
-          </a:ln>
+        <a:defRPr lang="pt-BR" sz="3200" b="0" i="0" u="none" strike="noStrike" kern="1200" cap="none" spc="0" baseline="0">
+          <a:solidFill>
+            <a:srgbClr val="000000"/>
+          </a:solidFill>
           <a:highlight>
             <a:scrgbClr r="0" g="0" b="0">
               <a:alpha val="0"/>
             </a:scrgbClr>
           </a:highlight>
+          <a:uFillTx/>
           <a:latin typeface="Liberation Sans" pitchFamily="18"/>
         </a:defRPr>
       </a:lvl1pPr>
-      <a:lvl2pPr marL="685800" indent="-228600" algn="l" defTabSz="914400" rtl="0" eaLnBrk="1" latinLnBrk="0" hangingPunct="1">
+      <a:lvl2pPr marL="685800" marR="0" lvl="1" indent="-228600" algn="l" defTabSz="914400" rtl="0" fontAlgn="auto" hangingPunct="1">
         <a:lnSpc>
           <a:spcPct val="90000"/>
         </a:lnSpc>
         <a:spcBef>
           <a:spcPts val="500"/>
         </a:spcBef>
-        <a:buFont typeface="Arial" panose="020B0604020202020204" pitchFamily="34" charset="0"/>
+        <a:spcAft>
+          <a:spcPts val="0"/>
+        </a:spcAft>
+        <a:buSzPct val="100000"/>
+        <a:buFont typeface="Arial" pitchFamily="34"/>
         <a:buChar char="•"/>
-        <a:defRPr sz="2400" kern="1200">
+        <a:tabLst/>
+        <a:defRPr lang="pt-BR" sz="2400" b="0" i="0" u="none" strike="noStrike" kern="1200" cap="none" spc="0" baseline="0">
           <a:solidFill>
-            <a:schemeClr val="tx1"/>
+            <a:srgbClr val="000000"/>
           </a:solidFill>
-          <a:latin typeface="+mn-lt"/>
-          <a:ea typeface="+mn-ea"/>
-          <a:cs typeface="+mn-cs"/>
+          <a:uFillTx/>
+          <a:latin typeface="Calibri"/>
         </a:defRPr>
       </a:lvl2pPr>
-      <a:lvl3pPr marL="1143000" indent="-228600" algn="l" defTabSz="914400" rtl="0" eaLnBrk="1" latinLnBrk="0" hangingPunct="1">
+      <a:lvl3pPr marL="1143000" marR="0" lvl="2" indent="-228600" algn="l" defTabSz="914400" rtl="0" fontAlgn="auto" hangingPunct="1">
         <a:lnSpc>
           <a:spcPct val="90000"/>
         </a:lnSpc>
         <a:spcBef>
           <a:spcPts val="500"/>
         </a:spcBef>
-        <a:buFont typeface="Arial" panose="020B0604020202020204" pitchFamily="34" charset="0"/>
+        <a:spcAft>
+          <a:spcPts val="0"/>
+        </a:spcAft>
+        <a:buSzPct val="100000"/>
+        <a:buFont typeface="Arial" pitchFamily="34"/>
         <a:buChar char="•"/>
-        <a:defRPr sz="2000" kern="1200">
+        <a:tabLst/>
+        <a:defRPr lang="pt-BR" sz="2000" b="0" i="0" u="none" strike="noStrike" kern="1200" cap="none" spc="0" baseline="0">
           <a:solidFill>
-            <a:schemeClr val="tx1"/>
+            <a:srgbClr val="000000"/>
           </a:solidFill>
-          <a:latin typeface="+mn-lt"/>
-          <a:ea typeface="+mn-ea"/>
-          <a:cs typeface="+mn-cs"/>
+          <a:uFillTx/>
+          <a:latin typeface="Calibri"/>
         </a:defRPr>
       </a:lvl3pPr>
-      <a:lvl4pPr marL="1600200" indent="-228600" algn="l" defTabSz="914400" rtl="0" eaLnBrk="1" latinLnBrk="0" hangingPunct="1">
+      <a:lvl4pPr marL="1600200" marR="0" lvl="3" indent="-228600" algn="l" defTabSz="914400" rtl="0" fontAlgn="auto" hangingPunct="1">
         <a:lnSpc>
           <a:spcPct val="90000"/>
         </a:lnSpc>
         <a:spcBef>
           <a:spcPts val="500"/>
         </a:spcBef>
-        <a:buFont typeface="Arial" panose="020B0604020202020204" pitchFamily="34" charset="0"/>
+        <a:spcAft>
+          <a:spcPts val="0"/>
+        </a:spcAft>
+        <a:buSzPct val="100000"/>
+        <a:buFont typeface="Arial" pitchFamily="34"/>
         <a:buChar char="•"/>
-        <a:defRPr sz="1800" kern="1200">
+        <a:tabLst/>
+        <a:defRPr lang="pt-BR" sz="1800" b="0" i="0" u="none" strike="noStrike" kern="1200" cap="none" spc="0" baseline="0">
           <a:solidFill>
-            <a:schemeClr val="tx1"/>
+            <a:srgbClr val="000000"/>
           </a:solidFill>
-          <a:latin typeface="+mn-lt"/>
-          <a:ea typeface="+mn-ea"/>
-          <a:cs typeface="+mn-cs"/>
+          <a:uFillTx/>
+          <a:latin typeface="Calibri"/>
         </a:defRPr>
       </a:lvl4pPr>
-      <a:lvl5pPr marL="2057400" indent="-228600" algn="l" defTabSz="914400" rtl="0" eaLnBrk="1" latinLnBrk="0" hangingPunct="1">
+      <a:lvl5pPr marL="2057400" marR="0" lvl="4" indent="-228600" algn="l" defTabSz="914400" rtl="0" fontAlgn="auto" hangingPunct="1">
         <a:lnSpc>
           <a:spcPct val="90000"/>
         </a:lnSpc>
         <a:spcBef>
           <a:spcPts val="500"/>
         </a:spcBef>
-        <a:buFont typeface="Arial" panose="020B0604020202020204" pitchFamily="34" charset="0"/>
+        <a:spcAft>
+          <a:spcPts val="0"/>
+        </a:spcAft>
+        <a:buSzPct val="100000"/>
+        <a:buFont typeface="Arial" pitchFamily="34"/>
         <a:buChar char="•"/>
-        <a:defRPr sz="1800" kern="1200">
+        <a:tabLst/>
+        <a:defRPr lang="pt-BR" sz="1800" b="0" i="0" u="none" strike="noStrike" kern="1200" cap="none" spc="0" baseline="0">
           <a:solidFill>
-            <a:schemeClr val="tx1"/>
+            <a:srgbClr val="000000"/>
           </a:solidFill>
-          <a:latin typeface="+mn-lt"/>
-          <a:ea typeface="+mn-ea"/>
-          <a:cs typeface="+mn-cs"/>
+          <a:uFillTx/>
+          <a:latin typeface="Calibri"/>
         </a:defRPr>
       </a:lvl5pPr>
       <a:lvl6pPr marL="2514600" indent="-228600" algn="l" defTabSz="914400" rtl="0" eaLnBrk="1" latinLnBrk="0" hangingPunct="1">
@@ -4234,7 +4452,7 @@
           <p:cNvPr id="2" name="Título 1">
             <a:extLst>
               <a:ext uri="{FF2B5EF4-FFF2-40B4-BE49-F238E27FC236}">
-                <a16:creationId xmlns:a16="http://schemas.microsoft.com/office/drawing/2014/main" id="{5CF6518E-26E3-40D1-B41F-D5ED35052A3E}"/>
+                <a16:creationId xmlns:a16="http://schemas.microsoft.com/office/drawing/2014/main" id="{66401295-0EA9-4E83-8BA7-0441D21E2F2E}"/>
               </a:ext>
             </a:extLst>
           </p:cNvPr>
@@ -4259,7 +4477,7 @@
           <p:cNvPr id="3" name="Subtítulo 2">
             <a:extLst>
               <a:ext uri="{FF2B5EF4-FFF2-40B4-BE49-F238E27FC236}">
-                <a16:creationId xmlns:a16="http://schemas.microsoft.com/office/drawing/2014/main" id="{CA05B492-768A-4F7B-AC59-012337809D5B}"/>
+                <a16:creationId xmlns:a16="http://schemas.microsoft.com/office/drawing/2014/main" id="{E529DED3-97C0-44C7-BB34-88CDBCF95A5B}"/>
               </a:ext>
             </a:extLst>
           </p:cNvPr>
@@ -4272,10 +4490,9 @@
         </p:nvSpPr>
         <p:spPr/>
         <p:txBody>
-          <a:bodyPr anchor="ctr"/>
+          <a:bodyPr anchor="ctr" anchorCtr="1"/>
           <a:lstStyle/>
           <a:p>
-            <a:pPr algn="ctr"/>
             <a:endParaRPr lang="pt-BR"/>
           </a:p>
         </p:txBody>
@@ -4307,10 +4524,10 @@
       </p:grpSpPr>
       <p:sp>
         <p:nvSpPr>
-          <p:cNvPr id="25" name="Retângulo 24">
-            <a:extLst>
-              <a:ext uri="{FF2B5EF4-FFF2-40B4-BE49-F238E27FC236}">
-                <a16:creationId xmlns:a16="http://schemas.microsoft.com/office/drawing/2014/main" id="{CAE09FD0-924E-4FEE-BE18-9D220D7A689C}"/>
+          <p:cNvPr id="2" name="Retângulo 24">
+            <a:extLst>
+              <a:ext uri="{FF2B5EF4-FFF2-40B4-BE49-F238E27FC236}">
+                <a16:creationId xmlns:a16="http://schemas.microsoft.com/office/drawing/2014/main" id="{3FB0EC3D-3D98-46C3-B827-00D489FFF4AD}"/>
               </a:ext>
             </a:extLst>
           </p:cNvPr>
@@ -4319,43 +4536,64 @@
         </p:nvSpPr>
         <p:spPr>
           <a:xfrm>
-            <a:off x="893587" y="3383280"/>
-            <a:ext cx="2322203" cy="1368720"/>
+            <a:off x="893588" y="3383280"/>
+            <a:ext cx="2322201" cy="1368719"/>
           </a:xfrm>
           <a:prstGeom prst="rect">
             <a:avLst/>
           </a:prstGeom>
-          <a:ln w="38100"/>
-        </p:spPr>
-        <p:style>
-          <a:lnRef idx="2">
-            <a:schemeClr val="dk1"/>
-          </a:lnRef>
-          <a:fillRef idx="1">
-            <a:schemeClr val="lt1"/>
-          </a:fillRef>
-          <a:effectRef idx="0">
-            <a:schemeClr val="dk1"/>
-          </a:effectRef>
-          <a:fontRef idx="minor">
-            <a:schemeClr val="dk1"/>
-          </a:fontRef>
-        </p:style>
-        <p:txBody>
-          <a:bodyPr rtlCol="0" anchor="ctr"/>
+          <a:solidFill>
+            <a:srgbClr val="FFFFFF"/>
+          </a:solidFill>
+          <a:ln w="38103" cap="flat">
+            <a:solidFill>
+              <a:srgbClr val="000000"/>
+            </a:solidFill>
+            <a:prstDash val="solid"/>
+            <a:miter/>
+          </a:ln>
+        </p:spPr>
+        <p:txBody>
+          <a:bodyPr vert="horz" wrap="square" lIns="91440" tIns="45720" rIns="91440" bIns="45720" anchor="ctr" anchorCtr="1" compatLnSpc="1">
+            <a:noAutofit/>
+          </a:bodyPr>
           <a:lstStyle/>
           <a:p>
-            <a:pPr algn="ctr"/>
-            <a:endParaRPr lang="pt-BR"/>
+            <a:pPr marL="0" marR="0" lvl="0" indent="0" algn="ctr" defTabSz="914400" rtl="0" fontAlgn="auto" hangingPunct="1">
+              <a:lnSpc>
+                <a:spcPct val="100000"/>
+              </a:lnSpc>
+              <a:spcBef>
+                <a:spcPts val="0"/>
+              </a:spcBef>
+              <a:spcAft>
+                <a:spcPts val="0"/>
+              </a:spcAft>
+              <a:buNone/>
+              <a:tabLst/>
+              <a:defRPr sz="1800" b="0" i="0" u="none" strike="noStrike" kern="0" cap="none" spc="0" baseline="0">
+                <a:solidFill>
+                  <a:srgbClr val="000000"/>
+                </a:solidFill>
+                <a:uFillTx/>
+              </a:defRPr>
+            </a:pPr>
+            <a:endParaRPr lang="pt-BR" sz="1800" b="0" i="0" u="none" strike="noStrike" kern="1200" cap="none" spc="0" baseline="0">
+              <a:solidFill>
+                <a:srgbClr val="000000"/>
+              </a:solidFill>
+              <a:uFillTx/>
+              <a:latin typeface="Calibri"/>
+            </a:endParaRPr>
           </a:p>
         </p:txBody>
       </p:sp>
       <p:pic>
         <p:nvPicPr>
-          <p:cNvPr id="2" name="">
-            <a:extLst>
-              <a:ext uri="{FF2B5EF4-FFF2-40B4-BE49-F238E27FC236}">
-                <a16:creationId xmlns:a16="http://schemas.microsoft.com/office/drawing/2014/main" id="{D46737CD-C133-4904-8DF8-6D4B3988BF43}"/>
+          <p:cNvPr id="3" name="">
+            <a:extLst>
+              <a:ext uri="{FF2B5EF4-FFF2-40B4-BE49-F238E27FC236}">
+                <a16:creationId xmlns:a16="http://schemas.microsoft.com/office/drawing/2014/main" id="{9827E5DD-2845-4F9C-B3B4-FE1C9C9FB653}"/>
               </a:ext>
             </a:extLst>
           </p:cNvPr>
@@ -4378,17 +4616,17 @@
         </p:blipFill>
         <p:spPr>
           <a:xfrm>
-            <a:off x="6983999" y="503999"/>
-            <a:ext cx="2769480" cy="1440000"/>
+            <a:off x="6983995" y="503998"/>
+            <a:ext cx="2769479" cy="1439997"/>
           </a:xfrm>
         </p:spPr>
       </p:pic>
       <p:sp>
         <p:nvSpPr>
-          <p:cNvPr id="3" name="CaixaDeTexto 2">
-            <a:extLst>
-              <a:ext uri="{FF2B5EF4-FFF2-40B4-BE49-F238E27FC236}">
-                <a16:creationId xmlns:a16="http://schemas.microsoft.com/office/drawing/2014/main" id="{122E77E1-1516-4BE0-850A-D8926C1B21CA}"/>
+          <p:cNvPr id="4" name="CaixaDeTexto 2">
+            <a:extLst>
+              <a:ext uri="{FF2B5EF4-FFF2-40B4-BE49-F238E27FC236}">
+                <a16:creationId xmlns:a16="http://schemas.microsoft.com/office/drawing/2014/main" id="{9A7CCB8E-99D1-4C86-9DAC-3C9E38B33715}"/>
               </a:ext>
             </a:extLst>
           </p:cNvPr>
@@ -4397,24 +4635,24 @@
         </p:nvSpPr>
         <p:spPr>
           <a:xfrm>
-            <a:off x="7776000" y="72000"/>
-            <a:ext cx="1728000" cy="346320"/>
+            <a:off x="7776002" y="71999"/>
+            <a:ext cx="1727996" cy="346319"/>
           </a:xfrm>
           <a:prstGeom prst="rect">
             <a:avLst/>
           </a:prstGeom>
           <a:noFill/>
-          <a:ln>
+          <a:ln cap="flat">
             <a:noFill/>
           </a:ln>
         </p:spPr>
         <p:txBody>
-          <a:bodyPr wrap="none" lIns="90000" tIns="45000" rIns="90000" bIns="45000" anchorCtr="0" compatLnSpc="0">
+          <a:bodyPr vert="horz" wrap="none" lIns="90004" tIns="44997" rIns="90004" bIns="44997" anchor="t" anchorCtr="0" compatLnSpc="0">
             <a:spAutoFit/>
           </a:bodyPr>
           <a:lstStyle/>
           <a:p>
-            <a:pPr marL="0" marR="0" lvl="0" indent="0" hangingPunct="0">
+            <a:pPr marL="0" marR="0" lvl="0" indent="0" algn="l" defTabSz="914400" rtl="0" fontAlgn="auto" hangingPunct="0">
               <a:lnSpc>
                 <a:spcPct val="100000"/>
               </a:lnSpc>
@@ -4426,12 +4664,19 @@
               </a:spcAft>
               <a:buNone/>
               <a:tabLst/>
+              <a:defRPr sz="1800" b="0" i="0" u="none" strike="noStrike" kern="0" cap="none" spc="0" baseline="0">
+                <a:solidFill>
+                  <a:srgbClr val="000000"/>
+                </a:solidFill>
+                <a:uFillTx/>
+              </a:defRPr>
             </a:pPr>
             <a:r>
-              <a:rPr lang="pt-BR" sz="1800" b="0" i="0" u="none" strike="noStrike" kern="1200" cap="none">
-                <a:ln>
-                  <a:noFill/>
-                </a:ln>
+              <a:rPr lang="pt-BR" sz="1800" b="0" i="0" u="none" strike="noStrike" kern="1200" cap="none" spc="0" baseline="0">
+                <a:solidFill>
+                  <a:srgbClr val="000000"/>
+                </a:solidFill>
+                <a:uFillTx/>
                 <a:latin typeface="Liberation Sans" pitchFamily="18"/>
                 <a:ea typeface="WenQuanYi Micro Hei" pitchFamily="2"/>
                 <a:cs typeface="Lohit Devanagari" pitchFamily="2"/>
@@ -4443,10 +4688,10 @@
       </p:sp>
       <p:pic>
         <p:nvPicPr>
-          <p:cNvPr id="4" name="">
-            <a:extLst>
-              <a:ext uri="{FF2B5EF4-FFF2-40B4-BE49-F238E27FC236}">
-                <a16:creationId xmlns:a16="http://schemas.microsoft.com/office/drawing/2014/main" id="{730C58A5-1665-44A5-9612-05C46A421971}"/>
+          <p:cNvPr id="5" name="">
+            <a:extLst>
+              <a:ext uri="{FF2B5EF4-FFF2-40B4-BE49-F238E27FC236}">
+                <a16:creationId xmlns:a16="http://schemas.microsoft.com/office/drawing/2014/main" id="{C895EB5C-5788-41AE-8113-85456AC91032}"/>
               </a:ext>
             </a:extLst>
           </p:cNvPr>
@@ -4466,25 +4711,25 @@
           </a:stretch>
         </p:blipFill>
         <p:spPr>
-          <a:xfrm rot="5397000">
-            <a:off x="4228153" y="335739"/>
-            <a:ext cx="1624319" cy="1942560"/>
+          <a:xfrm rot="5396987">
+            <a:off x="4228144" y="335735"/>
+            <a:ext cx="1624321" cy="1942560"/>
           </a:xfrm>
           <a:prstGeom prst="rect">
             <a:avLst/>
           </a:prstGeom>
           <a:noFill/>
-          <a:ln>
+          <a:ln cap="flat">
             <a:noFill/>
           </a:ln>
         </p:spPr>
       </p:pic>
       <p:sp>
         <p:nvSpPr>
-          <p:cNvPr id="5" name="CaixaDeTexto 4">
-            <a:extLst>
-              <a:ext uri="{FF2B5EF4-FFF2-40B4-BE49-F238E27FC236}">
-                <a16:creationId xmlns:a16="http://schemas.microsoft.com/office/drawing/2014/main" id="{AE615BDE-CEFF-4D1F-9EF4-9A3DF15DF287}"/>
+          <p:cNvPr id="6" name="CaixaDeTexto 4">
+            <a:extLst>
+              <a:ext uri="{FF2B5EF4-FFF2-40B4-BE49-F238E27FC236}">
+                <a16:creationId xmlns:a16="http://schemas.microsoft.com/office/drawing/2014/main" id="{5AB9799E-2C2C-4E2B-9723-C97B3F32AFF8}"/>
               </a:ext>
             </a:extLst>
           </p:cNvPr>
@@ -4493,24 +4738,24 @@
         </p:nvSpPr>
         <p:spPr>
           <a:xfrm>
-            <a:off x="4788312" y="157679"/>
-            <a:ext cx="503999" cy="346320"/>
+            <a:off x="4788310" y="157679"/>
+            <a:ext cx="503998" cy="346319"/>
           </a:xfrm>
           <a:prstGeom prst="rect">
             <a:avLst/>
           </a:prstGeom>
           <a:noFill/>
-          <a:ln>
+          <a:ln cap="flat">
             <a:noFill/>
           </a:ln>
         </p:spPr>
         <p:txBody>
-          <a:bodyPr wrap="none" lIns="90000" tIns="45000" rIns="90000" bIns="45000" anchorCtr="0" compatLnSpc="0">
+          <a:bodyPr vert="horz" wrap="none" lIns="90004" tIns="44997" rIns="90004" bIns="44997" anchor="t" anchorCtr="0" compatLnSpc="0">
             <a:spAutoFit/>
           </a:bodyPr>
           <a:lstStyle/>
           <a:p>
-            <a:pPr marL="0" marR="0" lvl="0" indent="0" hangingPunct="0">
+            <a:pPr marL="0" marR="0" lvl="0" indent="0" algn="l" defTabSz="914400" rtl="0" fontAlgn="auto" hangingPunct="0">
               <a:lnSpc>
                 <a:spcPct val="100000"/>
               </a:lnSpc>
@@ -4522,12 +4767,19 @@
               </a:spcAft>
               <a:buNone/>
               <a:tabLst/>
+              <a:defRPr sz="1800" b="0" i="0" u="none" strike="noStrike" kern="0" cap="none" spc="0" baseline="0">
+                <a:solidFill>
+                  <a:srgbClr val="000000"/>
+                </a:solidFill>
+                <a:uFillTx/>
+              </a:defRPr>
             </a:pPr>
             <a:r>
-              <a:rPr lang="pt-BR" sz="1800" b="0" i="0" u="none" strike="noStrike" kern="1200" cap="none" dirty="0">
-                <a:ln>
-                  <a:noFill/>
-                </a:ln>
+              <a:rPr lang="pt-BR" sz="1800" b="0" i="0" u="none" strike="noStrike" kern="1200" cap="none" spc="0" baseline="0">
+                <a:solidFill>
+                  <a:srgbClr val="000000"/>
+                </a:solidFill>
+                <a:uFillTx/>
                 <a:latin typeface="Liberation Sans" pitchFamily="18"/>
                 <a:ea typeface="WenQuanYi Micro Hei" pitchFamily="2"/>
                 <a:cs typeface="Lohit Devanagari" pitchFamily="2"/>
@@ -4539,10 +4791,10 @@
       </p:sp>
       <p:pic>
         <p:nvPicPr>
-          <p:cNvPr id="6" name="">
-            <a:extLst>
-              <a:ext uri="{FF2B5EF4-FFF2-40B4-BE49-F238E27FC236}">
-                <a16:creationId xmlns:a16="http://schemas.microsoft.com/office/drawing/2014/main" id="{2920DA7B-03A5-472E-BAED-7E79EAE25CA7}"/>
+          <p:cNvPr id="7" name="">
+            <a:extLst>
+              <a:ext uri="{FF2B5EF4-FFF2-40B4-BE49-F238E27FC236}">
+                <a16:creationId xmlns:a16="http://schemas.microsoft.com/office/drawing/2014/main" id="{D5DCEFD1-EBA7-49AB-A3BE-4CFD89918AB7}"/>
               </a:ext>
             </a:extLst>
           </p:cNvPr>
@@ -4563,24 +4815,24 @@
         </p:blipFill>
         <p:spPr>
           <a:xfrm>
-            <a:off x="1374660" y="575641"/>
-            <a:ext cx="952200" cy="1266480"/>
+            <a:off x="784509" y="573840"/>
+            <a:ext cx="952201" cy="1266480"/>
           </a:xfrm>
           <a:prstGeom prst="rect">
             <a:avLst/>
           </a:prstGeom>
           <a:noFill/>
-          <a:ln>
+          <a:ln cap="flat">
             <a:noFill/>
           </a:ln>
         </p:spPr>
       </p:pic>
       <p:sp>
         <p:nvSpPr>
-          <p:cNvPr id="7" name="CaixaDeTexto 6">
-            <a:extLst>
-              <a:ext uri="{FF2B5EF4-FFF2-40B4-BE49-F238E27FC236}">
-                <a16:creationId xmlns:a16="http://schemas.microsoft.com/office/drawing/2014/main" id="{CA98323A-9F6D-4D4A-9D93-D6083EB23CCE}"/>
+          <p:cNvPr id="8" name="CaixaDeTexto 6">
+            <a:extLst>
+              <a:ext uri="{FF2B5EF4-FFF2-40B4-BE49-F238E27FC236}">
+                <a16:creationId xmlns:a16="http://schemas.microsoft.com/office/drawing/2014/main" id="{99C64530-F847-42D3-90D3-BB9634447E2C}"/>
               </a:ext>
             </a:extLst>
           </p:cNvPr>
@@ -4589,24 +4841,24 @@
         </p:nvSpPr>
         <p:spPr>
           <a:xfrm>
-            <a:off x="1346760" y="157679"/>
-            <a:ext cx="1007999" cy="346320"/>
+            <a:off x="1346755" y="157679"/>
+            <a:ext cx="1007997" cy="346319"/>
           </a:xfrm>
           <a:prstGeom prst="rect">
             <a:avLst/>
           </a:prstGeom>
           <a:noFill/>
-          <a:ln>
+          <a:ln cap="flat">
             <a:noFill/>
           </a:ln>
         </p:spPr>
         <p:txBody>
-          <a:bodyPr wrap="none" lIns="90000" tIns="45000" rIns="90000" bIns="45000" anchorCtr="0" compatLnSpc="0">
+          <a:bodyPr vert="horz" wrap="none" lIns="90004" tIns="44997" rIns="90004" bIns="44997" anchor="t" anchorCtr="0" compatLnSpc="0">
             <a:spAutoFit/>
           </a:bodyPr>
           <a:lstStyle/>
           <a:p>
-            <a:pPr marL="0" marR="0" lvl="0" indent="0" hangingPunct="0">
+            <a:pPr marL="0" marR="0" lvl="0" indent="0" algn="l" defTabSz="914400" rtl="0" fontAlgn="auto" hangingPunct="0">
               <a:lnSpc>
                 <a:spcPct val="100000"/>
               </a:lnSpc>
@@ -4618,12 +4870,19 @@
               </a:spcAft>
               <a:buNone/>
               <a:tabLst/>
+              <a:defRPr sz="1800" b="0" i="0" u="none" strike="noStrike" kern="0" cap="none" spc="0" baseline="0">
+                <a:solidFill>
+                  <a:srgbClr val="000000"/>
+                </a:solidFill>
+                <a:uFillTx/>
+              </a:defRPr>
             </a:pPr>
             <a:r>
-              <a:rPr lang="pt-BR" sz="1800" b="0" i="0" u="none" strike="noStrike" kern="1200" cap="none" dirty="0">
-                <a:ln>
-                  <a:noFill/>
-                </a:ln>
+              <a:rPr lang="pt-BR" sz="1800" b="0" i="0" u="none" strike="noStrike" kern="1200" cap="none" spc="0" baseline="0">
+                <a:solidFill>
+                  <a:srgbClr val="000000"/>
+                </a:solidFill>
+                <a:uFillTx/>
                 <a:latin typeface="Liberation Sans" pitchFamily="18"/>
                 <a:ea typeface="WenQuanYi Micro Hei" pitchFamily="2"/>
                 <a:cs typeface="Lohit Devanagari" pitchFamily="2"/>
@@ -4638,7 +4897,7 @@
           <p:cNvPr id="9" name="CaixaDeTexto 8">
             <a:extLst>
               <a:ext uri="{FF2B5EF4-FFF2-40B4-BE49-F238E27FC236}">
-                <a16:creationId xmlns:a16="http://schemas.microsoft.com/office/drawing/2014/main" id="{9A1DFDEE-B6C4-49BC-9E21-6A81906217C2}"/>
+                <a16:creationId xmlns:a16="http://schemas.microsoft.com/office/drawing/2014/main" id="{CE681E88-8DDD-4C0E-A9C3-88AAD56376BF}"/>
               </a:ext>
             </a:extLst>
           </p:cNvPr>
@@ -4647,24 +4906,24 @@
         </p:nvSpPr>
         <p:spPr>
           <a:xfrm>
-            <a:off x="4043746" y="2209456"/>
-            <a:ext cx="2040793" cy="356336"/>
+            <a:off x="4043741" y="2209455"/>
+            <a:ext cx="2104921" cy="621787"/>
           </a:xfrm>
           <a:prstGeom prst="rect">
             <a:avLst/>
           </a:prstGeom>
           <a:noFill/>
-          <a:ln>
+          <a:ln cap="flat">
             <a:noFill/>
           </a:ln>
         </p:spPr>
         <p:txBody>
-          <a:bodyPr wrap="none" lIns="90000" tIns="45000" rIns="90000" bIns="45000" anchorCtr="0" compatLnSpc="0">
+          <a:bodyPr vert="horz" wrap="none" lIns="90004" tIns="44997" rIns="90004" bIns="44997" anchor="t" anchorCtr="0" compatLnSpc="0">
             <a:spAutoFit/>
           </a:bodyPr>
           <a:lstStyle/>
           <a:p>
-            <a:pPr marL="0" marR="0" lvl="0" indent="0" hangingPunct="0">
+            <a:pPr marL="0" marR="0" lvl="0" indent="0" algn="l" defTabSz="914400" rtl="0" fontAlgn="auto" hangingPunct="0">
               <a:lnSpc>
                 <a:spcPct val="100000"/>
               </a:lnSpc>
@@ -4678,12 +4937,194 @@
               <a:buFont typeface="StarSymbol"/>
               <a:buChar char="●"/>
               <a:tabLst/>
+              <a:defRPr sz="1800" b="0" i="0" u="none" strike="noStrike" kern="0" cap="none" spc="0" baseline="0">
+                <a:solidFill>
+                  <a:srgbClr val="000000"/>
+                </a:solidFill>
+                <a:uFillTx/>
+              </a:defRPr>
             </a:pPr>
             <a:r>
-              <a:rPr lang="pt-BR" b="0" i="0" u="none" strike="noStrike" kern="1200" cap="none" dirty="0">
-                <a:ln>
-                  <a:noFill/>
-                </a:ln>
+              <a:rPr lang="pt-BR" sz="1800" b="0" i="0" u="none" strike="noStrike" kern="1200" cap="none" spc="0" baseline="0" dirty="0">
+                <a:solidFill>
+                  <a:srgbClr val="000000"/>
+                </a:solidFill>
+                <a:uFillTx/>
+                <a:latin typeface="Liberation Sans" pitchFamily="18"/>
+                <a:ea typeface="WenQuanYi Micro Hei" pitchFamily="2"/>
+                <a:cs typeface="Lohit Devanagari" pitchFamily="2"/>
+              </a:rPr>
+              <a:t>Código de Barras </a:t>
+            </a:r>
+          </a:p>
+          <a:p>
+            <a:pPr marL="0" marR="0" lvl="0" indent="0" algn="l" defTabSz="914400" rtl="0" fontAlgn="auto" hangingPunct="0">
+              <a:lnSpc>
+                <a:spcPct val="100000"/>
+              </a:lnSpc>
+              <a:spcBef>
+                <a:spcPts val="0"/>
+              </a:spcBef>
+              <a:spcAft>
+                <a:spcPts val="0"/>
+              </a:spcAft>
+              <a:buSzPct val="45000"/>
+              <a:buFont typeface="StarSymbol"/>
+              <a:buChar char="●"/>
+              <a:tabLst/>
+              <a:defRPr sz="1800" b="0" i="0" u="none" strike="noStrike" kern="0" cap="none" spc="0" baseline="0">
+                <a:solidFill>
+                  <a:srgbClr val="000000"/>
+                </a:solidFill>
+                <a:uFillTx/>
+              </a:defRPr>
+            </a:pPr>
+            <a:r>
+              <a:rPr lang="pt-BR" dirty="0">
+                <a:solidFill>
+                  <a:srgbClr val="000000"/>
+                </a:solidFill>
+                <a:latin typeface="Liberation Sans" pitchFamily="18"/>
+                <a:ea typeface="WenQuanYi Micro Hei" pitchFamily="2"/>
+                <a:cs typeface="Lohit Devanagari" pitchFamily="2"/>
+              </a:rPr>
+              <a:t>QR </a:t>
+            </a:r>
+            <a:r>
+              <a:rPr lang="pt-BR" dirty="0" err="1">
+                <a:solidFill>
+                  <a:srgbClr val="000000"/>
+                </a:solidFill>
+                <a:latin typeface="Liberation Sans" pitchFamily="18"/>
+                <a:ea typeface="WenQuanYi Micro Hei" pitchFamily="2"/>
+                <a:cs typeface="Lohit Devanagari" pitchFamily="2"/>
+              </a:rPr>
+              <a:t>Code</a:t>
+            </a:r>
+            <a:endParaRPr lang="pt-BR" sz="1800" b="0" i="0" u="none" strike="noStrike" kern="1200" cap="none" spc="0" baseline="0" dirty="0">
+              <a:solidFill>
+                <a:srgbClr val="000000"/>
+              </a:solidFill>
+              <a:uFillTx/>
+              <a:latin typeface="Liberation Sans" pitchFamily="18"/>
+              <a:ea typeface="WenQuanYi Micro Hei" pitchFamily="2"/>
+              <a:cs typeface="Lohit Devanagari" pitchFamily="2"/>
+            </a:endParaRPr>
+          </a:p>
+        </p:txBody>
+      </p:sp>
+      <p:sp>
+        <p:nvSpPr>
+          <p:cNvPr id="10" name="CaixaDeTexto 9">
+            <a:extLst>
+              <a:ext uri="{FF2B5EF4-FFF2-40B4-BE49-F238E27FC236}">
+                <a16:creationId xmlns:a16="http://schemas.microsoft.com/office/drawing/2014/main" id="{AABA7448-E99F-4FB9-B734-63DA14113E10}"/>
+              </a:ext>
+            </a:extLst>
+          </p:cNvPr>
+          <p:cNvSpPr txBox="1"/>
+          <p:nvPr/>
+        </p:nvSpPr>
+        <p:spPr>
+          <a:xfrm>
+            <a:off x="7034912" y="1750186"/>
+            <a:ext cx="2040801" cy="1152702"/>
+          </a:xfrm>
+          <a:prstGeom prst="rect">
+            <a:avLst/>
+          </a:prstGeom>
+          <a:noFill/>
+          <a:ln cap="flat">
+            <a:noFill/>
+          </a:ln>
+        </p:spPr>
+        <p:txBody>
+          <a:bodyPr vert="horz" wrap="none" lIns="90004" tIns="44997" rIns="90004" bIns="44997" anchor="t" anchorCtr="0" compatLnSpc="0">
+            <a:spAutoFit/>
+          </a:bodyPr>
+          <a:lstStyle/>
+          <a:p>
+            <a:pPr marL="0" marR="0" lvl="0" indent="0" algn="l" defTabSz="914400" rtl="0" fontAlgn="auto" hangingPunct="0">
+              <a:lnSpc>
+                <a:spcPct val="100000"/>
+              </a:lnSpc>
+              <a:spcBef>
+                <a:spcPts val="0"/>
+              </a:spcBef>
+              <a:spcAft>
+                <a:spcPts val="0"/>
+              </a:spcAft>
+              <a:buSzPct val="45000"/>
+              <a:tabLst/>
+              <a:defRPr sz="1800" b="0" i="0" u="none" strike="noStrike" kern="0" cap="none" spc="0" baseline="0">
+                <a:solidFill>
+                  <a:srgbClr val="000000"/>
+                </a:solidFill>
+                <a:uFillTx/>
+              </a:defRPr>
+            </a:pPr>
+            <a:endParaRPr lang="pt-BR" sz="1800" b="0" i="0" u="none" strike="noStrike" kern="1200" cap="none" spc="0" baseline="0" dirty="0">
+              <a:solidFill>
+                <a:srgbClr val="000000"/>
+              </a:solidFill>
+              <a:uFillTx/>
+              <a:latin typeface="Liberation Sans" pitchFamily="18"/>
+              <a:ea typeface="WenQuanYi Micro Hei" pitchFamily="2"/>
+              <a:cs typeface="Lohit Devanagari" pitchFamily="2"/>
+            </a:endParaRPr>
+          </a:p>
+          <a:p>
+            <a:pPr marL="0" marR="0" lvl="0" indent="0" algn="l" defTabSz="914400" rtl="0" fontAlgn="auto" hangingPunct="0">
+              <a:lnSpc>
+                <a:spcPct val="100000"/>
+              </a:lnSpc>
+              <a:spcBef>
+                <a:spcPts val="0"/>
+              </a:spcBef>
+              <a:spcAft>
+                <a:spcPts val="0"/>
+              </a:spcAft>
+              <a:buSzPct val="45000"/>
+              <a:buFont typeface="StarSymbol"/>
+              <a:buChar char="●"/>
+              <a:tabLst/>
+              <a:defRPr sz="1800" b="0" i="0" u="none" strike="noStrike" kern="0" cap="none" spc="0" baseline="0">
+                <a:solidFill>
+                  <a:srgbClr val="000000"/>
+                </a:solidFill>
+                <a:uFillTx/>
+              </a:defRPr>
+            </a:pPr>
+            <a:r>
+              <a:rPr lang="pt-BR" sz="1800" b="0" i="0" u="none" strike="noStrike" kern="1200" cap="none" spc="0" baseline="0" dirty="0">
+                <a:solidFill>
+                  <a:srgbClr val="000000"/>
+                </a:solidFill>
+                <a:uFillTx/>
+                <a:latin typeface="Liberation Sans" pitchFamily="18"/>
+                <a:ea typeface="WenQuanYi Micro Hei" pitchFamily="2"/>
+                <a:cs typeface="Lohit Devanagari" pitchFamily="2"/>
+              </a:rPr>
+              <a:t>Módulo de GPS </a:t>
+            </a:r>
+          </a:p>
+          <a:p>
+            <a:pPr lvl="0" hangingPunct="0">
+              <a:buSzPct val="45000"/>
+              <a:buFont typeface="StarSymbol"/>
+              <a:buChar char="●"/>
+              <a:defRPr sz="1800" b="0" i="0" u="none" strike="noStrike" kern="0" cap="none" spc="0" baseline="0">
+                <a:solidFill>
+                  <a:srgbClr val="000000"/>
+                </a:solidFill>
+                <a:uFillTx/>
+              </a:defRPr>
+            </a:pPr>
+            <a:r>
+              <a:rPr lang="pt-BR" dirty="0">
+                <a:solidFill>
+                  <a:srgbClr val="000000"/>
+                </a:solidFill>
                 <a:latin typeface="Liberation Sans" pitchFamily="18"/>
                 <a:ea typeface="WenQuanYi Micro Hei" pitchFamily="2"/>
                 <a:cs typeface="Lohit Devanagari" pitchFamily="2"/>
@@ -4691,121 +5132,62 @@
               <a:t>Código de Barras</a:t>
             </a:r>
           </a:p>
-        </p:txBody>
-      </p:sp>
-      <p:sp>
-        <p:nvSpPr>
-          <p:cNvPr id="10" name="CaixaDeTexto 9">
-            <a:extLst>
-              <a:ext uri="{FF2B5EF4-FFF2-40B4-BE49-F238E27FC236}">
-                <a16:creationId xmlns:a16="http://schemas.microsoft.com/office/drawing/2014/main" id="{FDBFD919-B4C0-4F4A-A36D-2DC9F73FE8CE}"/>
-              </a:ext>
-            </a:extLst>
-          </p:cNvPr>
-          <p:cNvSpPr txBox="1"/>
-          <p:nvPr/>
-        </p:nvSpPr>
-        <p:spPr>
-          <a:xfrm>
-            <a:off x="6983999" y="2088000"/>
-            <a:ext cx="3011760" cy="930240"/>
-          </a:xfrm>
-          <a:prstGeom prst="rect">
-            <a:avLst/>
-          </a:prstGeom>
-          <a:noFill/>
-          <a:ln>
-            <a:noFill/>
-          </a:ln>
-        </p:spPr>
-        <p:txBody>
-          <a:bodyPr wrap="none" lIns="90000" tIns="45000" rIns="90000" bIns="45000" anchorCtr="0" compatLnSpc="0">
-            <a:spAutoFit/>
-          </a:bodyPr>
-          <a:lstStyle/>
-          <a:p>
-            <a:pPr marL="0" marR="0" lvl="0" indent="0" hangingPunct="0">
-              <a:lnSpc>
-                <a:spcPct val="100000"/>
-              </a:lnSpc>
-              <a:spcBef>
-                <a:spcPts val="0"/>
-              </a:spcBef>
-              <a:spcAft>
-                <a:spcPts val="0"/>
-              </a:spcAft>
+          <a:p>
+            <a:pPr lvl="0" hangingPunct="0">
               <a:buSzPct val="45000"/>
               <a:buFont typeface="StarSymbol"/>
               <a:buChar char="●"/>
-              <a:tabLst/>
+              <a:defRPr sz="1800" b="0" i="0" u="none" strike="noStrike" kern="0" cap="none" spc="0" baseline="0">
+                <a:solidFill>
+                  <a:srgbClr val="000000"/>
+                </a:solidFill>
+                <a:uFillTx/>
+              </a:defRPr>
             </a:pPr>
             <a:r>
-              <a:rPr lang="pt-BR" sz="1800" b="0" i="0" u="none" strike="noStrike" kern="1200" cap="none" dirty="0">
-                <a:ln>
-                  <a:noFill/>
-                </a:ln>
+              <a:rPr lang="pt-BR" sz="1800" b="0" i="0" u="none" strike="noStrike" kern="1200" cap="none" spc="0" baseline="0" dirty="0">
+                <a:solidFill>
+                  <a:srgbClr val="000000"/>
+                </a:solidFill>
+                <a:uFillTx/>
                 <a:latin typeface="Liberation Sans" pitchFamily="18"/>
                 <a:ea typeface="WenQuanYi Micro Hei" pitchFamily="2"/>
                 <a:cs typeface="Lohit Devanagari" pitchFamily="2"/>
               </a:rPr>
-              <a:t>Patrimônio</a:t>
-            </a:r>
-          </a:p>
-          <a:p>
-            <a:pPr marL="0" marR="0" lvl="0" indent="0" hangingPunct="0">
-              <a:lnSpc>
-                <a:spcPct val="100000"/>
-              </a:lnSpc>
-              <a:spcBef>
-                <a:spcPts val="0"/>
-              </a:spcBef>
-              <a:spcAft>
-                <a:spcPts val="0"/>
-              </a:spcAft>
-              <a:buSzPct val="45000"/>
-              <a:buFont typeface="StarSymbol"/>
-              <a:buChar char="●"/>
-              <a:tabLst/>
-            </a:pPr>
-            <a:r>
-              <a:rPr lang="pt-BR" sz="1800" b="0" i="0" u="none" strike="noStrike" kern="1200" cap="none" dirty="0">
-                <a:ln>
-                  <a:noFill/>
-                </a:ln>
+              <a:t>QR </a:t>
+            </a:r>
+            <a:r>
+              <a:rPr lang="pt-BR" dirty="0" err="1">
+                <a:solidFill>
+                  <a:srgbClr val="000000"/>
+                </a:solidFill>
                 <a:latin typeface="Liberation Sans" pitchFamily="18"/>
                 <a:ea typeface="WenQuanYi Micro Hei" pitchFamily="2"/>
                 <a:cs typeface="Lohit Devanagari" pitchFamily="2"/>
               </a:rPr>
-              <a:t>Código de Barras</a:t>
-            </a:r>
-          </a:p>
-          <a:p>
-            <a:pPr marL="0" marR="0" lvl="0" indent="0" hangingPunct="0">
-              <a:lnSpc>
-                <a:spcPct val="100000"/>
-              </a:lnSpc>
-              <a:spcBef>
-                <a:spcPts val="0"/>
-              </a:spcBef>
-              <a:spcAft>
-                <a:spcPts val="0"/>
-              </a:spcAft>
-              <a:buSzPct val="45000"/>
-              <a:buFont typeface="StarSymbol"/>
-              <a:buChar char="●"/>
-              <a:tabLst/>
-            </a:pPr>
-            <a:r>
-              <a:rPr lang="pt-BR" sz="1800" b="0" i="0" u="none" strike="noStrike" kern="1200" cap="none" dirty="0">
-                <a:ln>
-                  <a:noFill/>
-                </a:ln>
+              <a:t>C</a:t>
+            </a:r>
+            <a:r>
+              <a:rPr lang="pt-BR" sz="1800" b="0" i="0" u="none" strike="noStrike" kern="1200" cap="none" spc="0" baseline="0" dirty="0" err="1">
+                <a:solidFill>
+                  <a:srgbClr val="000000"/>
+                </a:solidFill>
+                <a:uFillTx/>
                 <a:latin typeface="Liberation Sans" pitchFamily="18"/>
                 <a:ea typeface="WenQuanYi Micro Hei" pitchFamily="2"/>
                 <a:cs typeface="Lohit Devanagari" pitchFamily="2"/>
               </a:rPr>
-              <a:t>Módulo de GPS NEO-GM</a:t>
-            </a:r>
+              <a:t>ode</a:t>
+            </a:r>
+            <a:endParaRPr lang="pt-BR" sz="1800" b="0" i="0" u="none" strike="noStrike" kern="1200" cap="none" spc="0" baseline="0" dirty="0">
+              <a:solidFill>
+                <a:srgbClr val="000000"/>
+              </a:solidFill>
+              <a:uFillTx/>
+              <a:latin typeface="Liberation Sans" pitchFamily="18"/>
+              <a:ea typeface="WenQuanYi Micro Hei" pitchFamily="2"/>
+              <a:cs typeface="Lohit Devanagari" pitchFamily="2"/>
+            </a:endParaRPr>
           </a:p>
         </p:txBody>
       </p:sp>
@@ -4814,131 +5196,102 @@
           <p:cNvPr id="11" name="Conector de Seta Reta 10">
             <a:extLst>
               <a:ext uri="{FF2B5EF4-FFF2-40B4-BE49-F238E27FC236}">
-                <a16:creationId xmlns:a16="http://schemas.microsoft.com/office/drawing/2014/main" id="{1BD6D916-962F-4CD7-8C8B-1A5C7792D9B9}"/>
-              </a:ext>
-            </a:extLst>
-          </p:cNvPr>
-          <p:cNvCxnSpPr>
-            <a:cxnSpLocks/>
-          </p:cNvCxnSpPr>
+                <a16:creationId xmlns:a16="http://schemas.microsoft.com/office/drawing/2014/main" id="{CD1CC94B-25AE-41B6-A993-979470BA8ED7}"/>
+              </a:ext>
+            </a:extLst>
+          </p:cNvPr>
+          <p:cNvCxnSpPr/>
           <p:nvPr/>
         </p:nvCxnSpPr>
         <p:spPr>
           <a:xfrm flipH="1">
-            <a:off x="1789921" y="2637433"/>
-            <a:ext cx="2676" cy="715607"/>
+            <a:off x="1789919" y="2637431"/>
+            <a:ext cx="2679" cy="715609"/>
           </a:xfrm>
           <a:prstGeom prst="straightConnector1">
             <a:avLst/>
           </a:prstGeom>
-          <a:ln w="38100">
+          <a:noFill/>
+          <a:ln w="38103" cap="flat">
+            <a:solidFill>
+              <a:srgbClr val="000000"/>
+            </a:solidFill>
+            <a:prstDash val="solid"/>
+            <a:miter/>
             <a:tailEnd type="arrow"/>
           </a:ln>
         </p:spPr>
-        <p:style>
-          <a:lnRef idx="3">
-            <a:schemeClr val="dk1"/>
-          </a:lnRef>
-          <a:fillRef idx="0">
-            <a:schemeClr val="dk1"/>
-          </a:fillRef>
-          <a:effectRef idx="2">
-            <a:schemeClr val="dk1"/>
-          </a:effectRef>
-          <a:fontRef idx="minor">
-            <a:schemeClr val="tx1"/>
-          </a:fontRef>
-        </p:style>
       </p:cxnSp>
       <p:cxnSp>
         <p:nvCxnSpPr>
           <p:cNvPr id="12" name="Conector de Seta Reta 11">
             <a:extLst>
               <a:ext uri="{FF2B5EF4-FFF2-40B4-BE49-F238E27FC236}">
-                <a16:creationId xmlns:a16="http://schemas.microsoft.com/office/drawing/2014/main" id="{81B3F239-1F56-4391-9D33-AB0DB3D6FB37}"/>
+                <a16:creationId xmlns:a16="http://schemas.microsoft.com/office/drawing/2014/main" id="{F86F220A-992A-4EEA-93BD-2FC73AB61E3F}"/>
               </a:ext>
             </a:extLst>
           </p:cNvPr>
           <p:cNvCxnSpPr>
-            <a:cxnSpLocks/>
             <a:stCxn id="9" idx="2"/>
           </p:cNvCxnSpPr>
           <p:nvPr/>
         </p:nvCxnSpPr>
         <p:spPr>
           <a:xfrm flipH="1">
-            <a:off x="3215790" y="2565792"/>
-            <a:ext cx="1848353" cy="787248"/>
+            <a:off x="3215790" y="2831242"/>
+            <a:ext cx="1880412" cy="521798"/>
           </a:xfrm>
           <a:prstGeom prst="straightConnector1">
             <a:avLst/>
           </a:prstGeom>
-          <a:ln w="38100">
+          <a:noFill/>
+          <a:ln w="38103" cap="flat">
+            <a:solidFill>
+              <a:srgbClr val="000000"/>
+            </a:solidFill>
+            <a:prstDash val="solid"/>
+            <a:miter/>
             <a:tailEnd type="arrow"/>
           </a:ln>
         </p:spPr>
-        <p:style>
-          <a:lnRef idx="3">
-            <a:schemeClr val="dk1"/>
-          </a:lnRef>
-          <a:fillRef idx="0">
-            <a:schemeClr val="dk1"/>
-          </a:fillRef>
-          <a:effectRef idx="2">
-            <a:schemeClr val="dk1"/>
-          </a:effectRef>
-          <a:fontRef idx="minor">
-            <a:schemeClr val="tx1"/>
-          </a:fontRef>
-        </p:style>
       </p:cxnSp>
       <p:cxnSp>
         <p:nvCxnSpPr>
           <p:cNvPr id="13" name="Conector de Seta Reta 12">
             <a:extLst>
               <a:ext uri="{FF2B5EF4-FFF2-40B4-BE49-F238E27FC236}">
-                <a16:creationId xmlns:a16="http://schemas.microsoft.com/office/drawing/2014/main" id="{E2F12458-8018-41DF-8297-DB7462DB880C}"/>
-              </a:ext>
-            </a:extLst>
-          </p:cNvPr>
-          <p:cNvCxnSpPr>
-            <a:cxnSpLocks/>
-          </p:cNvCxnSpPr>
+                <a16:creationId xmlns:a16="http://schemas.microsoft.com/office/drawing/2014/main" id="{70BD6C90-D03C-4BA4-9619-C83CF6C46ADB}"/>
+              </a:ext>
+            </a:extLst>
+          </p:cNvPr>
+          <p:cNvCxnSpPr/>
           <p:nvPr/>
         </p:nvCxnSpPr>
         <p:spPr>
           <a:xfrm flipH="1">
-            <a:off x="3288479" y="2894204"/>
-            <a:ext cx="3552149" cy="997858"/>
+            <a:off x="3288475" y="2894204"/>
+            <a:ext cx="3552151" cy="997857"/>
           </a:xfrm>
           <a:prstGeom prst="straightConnector1">
             <a:avLst/>
           </a:prstGeom>
-          <a:ln w="38100">
+          <a:noFill/>
+          <a:ln w="38103" cap="flat">
+            <a:solidFill>
+              <a:srgbClr val="000000"/>
+            </a:solidFill>
+            <a:prstDash val="solid"/>
+            <a:miter/>
             <a:tailEnd type="arrow"/>
           </a:ln>
         </p:spPr>
-        <p:style>
-          <a:lnRef idx="3">
-            <a:schemeClr val="dk1"/>
-          </a:lnRef>
-          <a:fillRef idx="0">
-            <a:schemeClr val="dk1"/>
-          </a:fillRef>
-          <a:effectRef idx="2">
-            <a:schemeClr val="dk1"/>
-          </a:effectRef>
-          <a:fontRef idx="minor">
-            <a:schemeClr val="tx1"/>
-          </a:fontRef>
-        </p:style>
       </p:cxnSp>
       <p:pic>
         <p:nvPicPr>
-          <p:cNvPr id="14" name="">
-            <a:extLst>
-              <a:ext uri="{FF2B5EF4-FFF2-40B4-BE49-F238E27FC236}">
-                <a16:creationId xmlns:a16="http://schemas.microsoft.com/office/drawing/2014/main" id="{00B92892-B7D6-41BF-A158-417F91788EF8}"/>
+          <p:cNvPr id="15" name="">
+            <a:extLst>
+              <a:ext uri="{FF2B5EF4-FFF2-40B4-BE49-F238E27FC236}">
+                <a16:creationId xmlns:a16="http://schemas.microsoft.com/office/drawing/2014/main" id="{EA2B09BD-FF3B-4AA5-ABBF-2D570CA8BF98}"/>
               </a:ext>
             </a:extLst>
           </p:cNvPr>
@@ -4952,31 +5305,63 @@
             <a:lum/>
             <a:alphaModFix/>
           </a:blip>
-          <a:srcRect/>
+          <a:srcRect l="21039" t="5254" r="26331" b="5279"/>
           <a:stretch>
             <a:fillRect/>
           </a:stretch>
         </p:blipFill>
         <p:spPr>
           <a:xfrm>
-            <a:off x="927542" y="3502800"/>
-            <a:ext cx="1389239" cy="1224000"/>
+            <a:off x="1635111" y="3428368"/>
+            <a:ext cx="719641" cy="1223640"/>
           </a:xfrm>
           <a:prstGeom prst="rect">
             <a:avLst/>
           </a:prstGeom>
           <a:noFill/>
-          <a:ln>
+          <a:ln cap="flat">
             <a:noFill/>
           </a:ln>
         </p:spPr>
       </p:pic>
+      <p:cxnSp>
+        <p:nvCxnSpPr>
+          <p:cNvPr id="16" name="Conector de Seta Reta 15">
+            <a:extLst>
+              <a:ext uri="{FF2B5EF4-FFF2-40B4-BE49-F238E27FC236}">
+                <a16:creationId xmlns:a16="http://schemas.microsoft.com/office/drawing/2014/main" id="{64F6186C-3CDC-4BC2-A70C-521891391AE1}"/>
+              </a:ext>
+            </a:extLst>
+          </p:cNvPr>
+          <p:cNvCxnSpPr/>
+          <p:nvPr/>
+        </p:nvCxnSpPr>
+        <p:spPr>
+          <a:xfrm flipV="1">
+            <a:off x="3397096" y="4126522"/>
+            <a:ext cx="4185437" cy="93955"/>
+          </a:xfrm>
+          <a:prstGeom prst="straightConnector1">
+            <a:avLst/>
+          </a:prstGeom>
+          <a:noFill/>
+          <a:ln w="38103" cap="flat">
+            <a:solidFill>
+              <a:srgbClr val="000000"/>
+            </a:solidFill>
+            <a:prstDash val="solid"/>
+            <a:miter/>
+            <a:headEnd type="arrow"/>
+            <a:tailEnd type="arrow"/>
+          </a:ln>
+        </p:spPr>
+      </p:cxnSp>
       <p:pic>
         <p:nvPicPr>
-          <p:cNvPr id="15" name="">
-            <a:extLst>
-              <a:ext uri="{FF2B5EF4-FFF2-40B4-BE49-F238E27FC236}">
-                <a16:creationId xmlns:a16="http://schemas.microsoft.com/office/drawing/2014/main" id="{2930A598-0037-404A-B276-53ACB2077F0B}"/>
+          <p:cNvPr id="17" name="">
+            <a:extLst>
+              <a:ext uri="{FF2B5EF4-FFF2-40B4-BE49-F238E27FC236}">
+                <a16:creationId xmlns:a16="http://schemas.microsoft.com/office/drawing/2014/main" id="{E354857A-0E08-474F-9245-2454140ED147}"/>
               </a:ext>
             </a:extLst>
           </p:cNvPr>
@@ -4990,73 +5375,334 @@
             <a:lum/>
             <a:alphaModFix/>
           </a:blip>
-          <a:srcRect l="21039" t="5254" r="26331" b="5279"/>
+          <a:srcRect l="57134" t="8457" r="5002" b="9506"/>
           <a:stretch>
             <a:fillRect/>
           </a:stretch>
         </p:blipFill>
         <p:spPr>
           <a:xfrm>
-            <a:off x="2406465" y="3481469"/>
-            <a:ext cx="719640" cy="1223639"/>
+            <a:off x="7922882" y="3240002"/>
+            <a:ext cx="1653116" cy="1871639"/>
           </a:xfrm>
           <a:prstGeom prst="rect">
             <a:avLst/>
           </a:prstGeom>
           <a:noFill/>
-          <a:ln>
+          <a:ln cap="flat">
             <a:noFill/>
           </a:ln>
         </p:spPr>
       </p:pic>
-      <p:cxnSp>
-        <p:nvCxnSpPr>
-          <p:cNvPr id="16" name="Conector de Seta Reta 15">
-            <a:extLst>
-              <a:ext uri="{FF2B5EF4-FFF2-40B4-BE49-F238E27FC236}">
-                <a16:creationId xmlns:a16="http://schemas.microsoft.com/office/drawing/2014/main" id="{31ED3388-D476-49A6-853C-D5A0852A9A9B}"/>
-              </a:ext>
-            </a:extLst>
-          </p:cNvPr>
-          <p:cNvCxnSpPr>
-            <a:cxnSpLocks/>
-          </p:cNvCxnSpPr>
+      <p:sp>
+        <p:nvSpPr>
+          <p:cNvPr id="18" name="CaixaDeTexto 17">
+            <a:extLst>
+              <a:ext uri="{FF2B5EF4-FFF2-40B4-BE49-F238E27FC236}">
+                <a16:creationId xmlns:a16="http://schemas.microsoft.com/office/drawing/2014/main" id="{8090EDAD-B031-425C-83D3-20471C897195}"/>
+              </a:ext>
+            </a:extLst>
+          </p:cNvPr>
+          <p:cNvSpPr txBox="1"/>
           <p:nvPr/>
-        </p:nvCxnSpPr>
-        <p:spPr>
-          <a:xfrm flipV="1">
-            <a:off x="3397096" y="4126524"/>
-            <a:ext cx="4185442" cy="93950"/>
-          </a:xfrm>
-          <a:prstGeom prst="straightConnector1">
+        </p:nvSpPr>
+        <p:spPr>
+          <a:xfrm>
+            <a:off x="803455" y="4797087"/>
+            <a:ext cx="2040801" cy="887245"/>
+          </a:xfrm>
+          <a:prstGeom prst="rect">
             <a:avLst/>
           </a:prstGeom>
-          <a:ln w="38100">
-            <a:headEnd type="arrow"/>
-            <a:tailEnd type="arrow"/>
+          <a:noFill/>
+          <a:ln cap="flat">
+            <a:noFill/>
           </a:ln>
         </p:spPr>
-        <p:style>
-          <a:lnRef idx="3">
-            <a:schemeClr val="dk1"/>
-          </a:lnRef>
-          <a:fillRef idx="0">
-            <a:schemeClr val="dk1"/>
-          </a:fillRef>
-          <a:effectRef idx="2">
-            <a:schemeClr val="dk1"/>
-          </a:effectRef>
-          <a:fontRef idx="minor">
-            <a:schemeClr val="tx1"/>
-          </a:fontRef>
-        </p:style>
-      </p:cxnSp>
+        <p:txBody>
+          <a:bodyPr vert="horz" wrap="none" lIns="90004" tIns="44997" rIns="90004" bIns="44997" anchor="t" anchorCtr="0" compatLnSpc="0">
+            <a:spAutoFit/>
+          </a:bodyPr>
+          <a:lstStyle/>
+          <a:p>
+            <a:pPr marL="0" marR="0" lvl="0" indent="0" algn="l" defTabSz="914400" rtl="0" fontAlgn="auto" hangingPunct="0">
+              <a:lnSpc>
+                <a:spcPct val="100000"/>
+              </a:lnSpc>
+              <a:spcBef>
+                <a:spcPts val="0"/>
+              </a:spcBef>
+              <a:spcAft>
+                <a:spcPts val="0"/>
+              </a:spcAft>
+              <a:buSzPct val="45000"/>
+              <a:tabLst/>
+              <a:defRPr sz="1800" b="0" i="0" u="none" strike="noStrike" kern="0" cap="none" spc="0" baseline="0">
+                <a:solidFill>
+                  <a:srgbClr val="000000"/>
+                </a:solidFill>
+                <a:uFillTx/>
+              </a:defRPr>
+            </a:pPr>
+            <a:r>
+              <a:rPr lang="pt-BR" sz="1800" b="0" i="0" u="none" strike="noStrike" kern="1200" cap="none" spc="0" baseline="0" dirty="0">
+                <a:solidFill>
+                  <a:srgbClr val="000000"/>
+                </a:solidFill>
+                <a:uFillTx/>
+                <a:latin typeface="Liberation Sans" pitchFamily="18"/>
+                <a:ea typeface="WenQuanYi Micro Hei" pitchFamily="2"/>
+                <a:cs typeface="Lohit Devanagari" pitchFamily="2"/>
+              </a:rPr>
+              <a:t>Leitor [Celular]</a:t>
+            </a:r>
+          </a:p>
+          <a:p>
+            <a:pPr hangingPunct="0">
+              <a:buSzPct val="45000"/>
+              <a:buFont typeface="StarSymbol"/>
+              <a:buChar char="●"/>
+              <a:defRPr sz="1800" b="0" i="0" u="none" strike="noStrike" kern="0" cap="none" spc="0" baseline="0">
+                <a:solidFill>
+                  <a:srgbClr val="000000"/>
+                </a:solidFill>
+                <a:uFillTx/>
+              </a:defRPr>
+            </a:pPr>
+            <a:r>
+              <a:rPr lang="pt-BR" b="0" i="0" u="none" strike="noStrike" kern="1200" cap="none" spc="0" baseline="0" dirty="0">
+                <a:solidFill>
+                  <a:srgbClr val="000000"/>
+                </a:solidFill>
+                <a:uFillTx/>
+                <a:latin typeface="Liberation Sans" pitchFamily="18"/>
+                <a:ea typeface="WenQuanYi Micro Hei" pitchFamily="2"/>
+                <a:cs typeface="Lohit Devanagari" pitchFamily="2"/>
+              </a:rPr>
+              <a:t>Código de Barras</a:t>
+            </a:r>
+          </a:p>
+          <a:p>
+            <a:pPr hangingPunct="0">
+              <a:buSzPct val="45000"/>
+              <a:buFont typeface="StarSymbol"/>
+              <a:buChar char="●"/>
+              <a:defRPr sz="1800" b="0" i="0" u="none" strike="noStrike" kern="0" cap="none" spc="0" baseline="0">
+                <a:solidFill>
+                  <a:srgbClr val="000000"/>
+                </a:solidFill>
+                <a:uFillTx/>
+              </a:defRPr>
+            </a:pPr>
+            <a:r>
+              <a:rPr lang="pt-BR" b="0" i="0" u="none" strike="noStrike" kern="1200" cap="none" spc="0" baseline="0" dirty="0">
+                <a:solidFill>
+                  <a:srgbClr val="000000"/>
+                </a:solidFill>
+                <a:uFillTx/>
+                <a:latin typeface="Liberation Sans" pitchFamily="18"/>
+                <a:ea typeface="WenQuanYi Micro Hei" pitchFamily="2"/>
+                <a:cs typeface="Lohit Devanagari" pitchFamily="2"/>
+              </a:rPr>
+              <a:t>QR </a:t>
+            </a:r>
+            <a:r>
+              <a:rPr lang="pt-BR" b="0" i="0" u="none" strike="noStrike" kern="1200" cap="none" spc="0" baseline="0" dirty="0" err="1">
+                <a:solidFill>
+                  <a:srgbClr val="000000"/>
+                </a:solidFill>
+                <a:uFillTx/>
+                <a:latin typeface="Liberation Sans" pitchFamily="18"/>
+                <a:ea typeface="WenQuanYi Micro Hei" pitchFamily="2"/>
+                <a:cs typeface="Lohit Devanagari" pitchFamily="2"/>
+              </a:rPr>
+              <a:t>Code</a:t>
+            </a:r>
+            <a:endParaRPr lang="pt-BR" b="0" i="0" u="none" strike="noStrike" kern="1200" cap="none" spc="0" baseline="0" dirty="0">
+              <a:solidFill>
+                <a:srgbClr val="000000"/>
+              </a:solidFill>
+              <a:uFillTx/>
+              <a:latin typeface="Liberation Sans" pitchFamily="18"/>
+              <a:ea typeface="WenQuanYi Micro Hei" pitchFamily="2"/>
+              <a:cs typeface="Lohit Devanagari" pitchFamily="2"/>
+            </a:endParaRPr>
+          </a:p>
+        </p:txBody>
+      </p:sp>
+      <p:sp>
+        <p:nvSpPr>
+          <p:cNvPr id="19" name="CaixaDeTexto 18">
+            <a:extLst>
+              <a:ext uri="{FF2B5EF4-FFF2-40B4-BE49-F238E27FC236}">
+                <a16:creationId xmlns:a16="http://schemas.microsoft.com/office/drawing/2014/main" id="{1A76BAED-7A51-4B0B-BF12-EBF4ED5EC94F}"/>
+              </a:ext>
+            </a:extLst>
+          </p:cNvPr>
+          <p:cNvSpPr txBox="1"/>
+          <p:nvPr/>
+        </p:nvSpPr>
+        <p:spPr>
+          <a:xfrm>
+            <a:off x="7805217" y="5155231"/>
+            <a:ext cx="1888446" cy="356332"/>
+          </a:xfrm>
+          <a:prstGeom prst="rect">
+            <a:avLst/>
+          </a:prstGeom>
+          <a:noFill/>
+          <a:ln cap="flat">
+            <a:noFill/>
+          </a:ln>
+        </p:spPr>
+        <p:txBody>
+          <a:bodyPr vert="horz" wrap="none" lIns="90004" tIns="44997" rIns="90004" bIns="44997" anchor="t" anchorCtr="0" compatLnSpc="0">
+            <a:spAutoFit/>
+          </a:bodyPr>
+          <a:lstStyle/>
+          <a:p>
+            <a:pPr marL="0" marR="0" lvl="0" indent="0" algn="l" defTabSz="914400" rtl="0" fontAlgn="auto" hangingPunct="0">
+              <a:lnSpc>
+                <a:spcPct val="100000"/>
+              </a:lnSpc>
+              <a:spcBef>
+                <a:spcPts val="0"/>
+              </a:spcBef>
+              <a:spcAft>
+                <a:spcPts val="0"/>
+              </a:spcAft>
+              <a:buNone/>
+              <a:tabLst/>
+              <a:defRPr sz="1800" b="0" i="0" u="none" strike="noStrike" kern="0" cap="none" spc="0" baseline="0">
+                <a:solidFill>
+                  <a:srgbClr val="000000"/>
+                </a:solidFill>
+                <a:uFillTx/>
+              </a:defRPr>
+            </a:pPr>
+            <a:r>
+              <a:rPr lang="pt-BR" sz="1800" b="0" i="0" u="none" strike="noStrike" kern="1200" cap="none" spc="0" baseline="0">
+                <a:solidFill>
+                  <a:srgbClr val="000000"/>
+                </a:solidFill>
+                <a:uFillTx/>
+                <a:latin typeface="Liberation Sans" pitchFamily="18"/>
+                <a:ea typeface="WenQuanYi Micro Hei" pitchFamily="2"/>
+                <a:cs typeface="Lohit Devanagari" pitchFamily="2"/>
+              </a:rPr>
+              <a:t>Banco de Dados</a:t>
+            </a:r>
+          </a:p>
+        </p:txBody>
+      </p:sp>
+      <p:sp>
+        <p:nvSpPr>
+          <p:cNvPr id="20" name="CaixaDeTexto 33">
+            <a:extLst>
+              <a:ext uri="{FF2B5EF4-FFF2-40B4-BE49-F238E27FC236}">
+                <a16:creationId xmlns:a16="http://schemas.microsoft.com/office/drawing/2014/main" id="{664D089B-AE3F-40BD-A4CD-227A02E628A7}"/>
+              </a:ext>
+            </a:extLst>
+          </p:cNvPr>
+          <p:cNvSpPr txBox="1"/>
+          <p:nvPr/>
+        </p:nvSpPr>
+        <p:spPr>
+          <a:xfrm>
+            <a:off x="784509" y="1940311"/>
+            <a:ext cx="2604476" cy="621792"/>
+          </a:xfrm>
+          <a:prstGeom prst="rect">
+            <a:avLst/>
+          </a:prstGeom>
+          <a:noFill/>
+          <a:ln cap="flat">
+            <a:noFill/>
+          </a:ln>
+        </p:spPr>
+        <p:txBody>
+          <a:bodyPr vert="horz" wrap="none" lIns="90004" tIns="44997" rIns="90004" bIns="44997" anchor="t" anchorCtr="0" compatLnSpc="0">
+            <a:spAutoFit/>
+          </a:bodyPr>
+          <a:lstStyle/>
+          <a:p>
+            <a:pPr marL="0" marR="0" lvl="0" indent="0" algn="l" defTabSz="914400" rtl="0" fontAlgn="auto" hangingPunct="0">
+              <a:lnSpc>
+                <a:spcPct val="100000"/>
+              </a:lnSpc>
+              <a:spcBef>
+                <a:spcPts val="0"/>
+              </a:spcBef>
+              <a:spcAft>
+                <a:spcPts val="0"/>
+              </a:spcAft>
+              <a:buSzPct val="45000"/>
+              <a:buFont typeface="StarSymbol"/>
+              <a:buChar char="●"/>
+              <a:tabLst/>
+              <a:defRPr sz="1800" b="0" i="0" u="none" strike="noStrike" kern="0" cap="none" spc="0" baseline="0">
+                <a:solidFill>
+                  <a:srgbClr val="000000"/>
+                </a:solidFill>
+                <a:uFillTx/>
+              </a:defRPr>
+            </a:pPr>
+            <a:r>
+              <a:rPr lang="pt-BR" sz="1800" b="0" i="0" u="none" strike="noStrike" kern="1200" cap="none" spc="0" baseline="0">
+                <a:solidFill>
+                  <a:srgbClr val="000000"/>
+                </a:solidFill>
+                <a:uFillTx/>
+                <a:latin typeface="Liberation Sans" pitchFamily="18"/>
+                <a:ea typeface="WenQuanYi Micro Hei" pitchFamily="2"/>
+                <a:cs typeface="Lohit Devanagari" pitchFamily="2"/>
+              </a:rPr>
+              <a:t>ID UFES (Cód. Barras)</a:t>
+            </a:r>
+          </a:p>
+          <a:p>
+            <a:pPr marL="0" marR="0" lvl="0" indent="0" algn="l" defTabSz="914400" rtl="0" fontAlgn="auto" hangingPunct="0">
+              <a:lnSpc>
+                <a:spcPct val="100000"/>
+              </a:lnSpc>
+              <a:spcBef>
+                <a:spcPts val="0"/>
+              </a:spcBef>
+              <a:spcAft>
+                <a:spcPts val="0"/>
+              </a:spcAft>
+              <a:buSzPct val="45000"/>
+              <a:buFont typeface="StarSymbol"/>
+              <a:buChar char="●"/>
+              <a:tabLst/>
+              <a:defRPr sz="1800" b="0" i="0" u="none" strike="noStrike" kern="0" cap="none" spc="0" baseline="0">
+                <a:solidFill>
+                  <a:srgbClr val="000000"/>
+                </a:solidFill>
+                <a:uFillTx/>
+              </a:defRPr>
+            </a:pPr>
+            <a:r>
+              <a:rPr lang="pt-BR" sz="1800" b="0" i="0" u="none" strike="noStrike" kern="1200" cap="none" spc="0" baseline="0">
+                <a:solidFill>
+                  <a:srgbClr val="000000"/>
+                </a:solidFill>
+                <a:uFillTx/>
+                <a:latin typeface="Liberation Sans" pitchFamily="18"/>
+                <a:ea typeface="WenQuanYi Micro Hei" pitchFamily="2"/>
+                <a:cs typeface="Lohit Devanagari" pitchFamily="2"/>
+              </a:rPr>
+              <a:t>ID RU (RFID)</a:t>
+            </a:r>
+          </a:p>
+        </p:txBody>
+      </p:sp>
       <p:pic>
         <p:nvPicPr>
-          <p:cNvPr id="17" name="">
-            <a:extLst>
-              <a:ext uri="{FF2B5EF4-FFF2-40B4-BE49-F238E27FC236}">
-                <a16:creationId xmlns:a16="http://schemas.microsoft.com/office/drawing/2014/main" id="{C34DAD23-32D0-4EAF-98D3-4934F292D420}"/>
+          <p:cNvPr id="22" name="Imagem 21">
+            <a:extLst>
+              <a:ext uri="{FF2B5EF4-FFF2-40B4-BE49-F238E27FC236}">
+                <a16:creationId xmlns:a16="http://schemas.microsoft.com/office/drawing/2014/main" id="{03404EAE-6E1E-442D-83D2-8EF9AC5612BB}"/>
               </a:ext>
             </a:extLst>
           </p:cNvPr>
@@ -5065,321 +5711,27 @@
           </p:cNvPicPr>
           <p:nvPr/>
         </p:nvPicPr>
-        <p:blipFill>
+        <p:blipFill rotWithShape="1">
           <a:blip r:embed="rId8">
-            <a:lum/>
-            <a:alphaModFix/>
+            <a:extLst>
+              <a:ext uri="{28A0092B-C50C-407E-A947-70E740481C1C}">
+                <a14:useLocalDpi xmlns:a14="http://schemas.microsoft.com/office/drawing/2010/main" val="0"/>
+              </a:ext>
+            </a:extLst>
           </a:blip>
-          <a:srcRect l="57134" t="8457" r="5002" b="9506"/>
-          <a:stretch>
-            <a:fillRect/>
-          </a:stretch>
+          <a:srcRect l="24587" t="20333" r="26076" b="20359"/>
+          <a:stretch/>
         </p:blipFill>
         <p:spPr>
-          <a:xfrm>
-            <a:off x="7922880" y="3240000"/>
-            <a:ext cx="1653119" cy="1871640"/>
+          <a:xfrm rot="16200000">
+            <a:off x="2136383" y="226569"/>
+            <a:ext cx="1223509" cy="1961021"/>
           </a:xfrm>
           <a:prstGeom prst="rect">
             <a:avLst/>
           </a:prstGeom>
-          <a:noFill/>
-          <a:ln>
-            <a:noFill/>
-          </a:ln>
         </p:spPr>
       </p:pic>
-      <p:sp>
-        <p:nvSpPr>
-          <p:cNvPr id="18" name="CaixaDeTexto 17">
-            <a:extLst>
-              <a:ext uri="{FF2B5EF4-FFF2-40B4-BE49-F238E27FC236}">
-                <a16:creationId xmlns:a16="http://schemas.microsoft.com/office/drawing/2014/main" id="{A395FB93-B20D-45FD-A867-8A0DA13CB85F}"/>
-              </a:ext>
-            </a:extLst>
-          </p:cNvPr>
-          <p:cNvSpPr txBox="1"/>
-          <p:nvPr/>
-        </p:nvSpPr>
-        <p:spPr>
-          <a:xfrm>
-            <a:off x="1034291" y="4769912"/>
-            <a:ext cx="2040793" cy="887251"/>
-          </a:xfrm>
-          <a:prstGeom prst="rect">
-            <a:avLst/>
-          </a:prstGeom>
-          <a:noFill/>
-          <a:ln>
-            <a:noFill/>
-          </a:ln>
-        </p:spPr>
-        <p:txBody>
-          <a:bodyPr wrap="none" lIns="90000" tIns="45000" rIns="90000" bIns="45000" anchorCtr="0" compatLnSpc="0">
-            <a:spAutoFit/>
-          </a:bodyPr>
-          <a:lstStyle/>
-          <a:p>
-            <a:pPr marL="0" marR="0" lvl="0" indent="0" hangingPunct="0">
-              <a:lnSpc>
-                <a:spcPct val="100000"/>
-              </a:lnSpc>
-              <a:spcBef>
-                <a:spcPts val="0"/>
-              </a:spcBef>
-              <a:spcAft>
-                <a:spcPts val="0"/>
-              </a:spcAft>
-              <a:buSzPct val="45000"/>
-              <a:buFont typeface="StarSymbol"/>
-              <a:buChar char="●"/>
-              <a:tabLst/>
-            </a:pPr>
-            <a:r>
-              <a:rPr lang="pt-BR" b="0" i="0" u="none" strike="noStrike" kern="1200" cap="none" dirty="0">
-                <a:ln>
-                  <a:noFill/>
-                </a:ln>
-                <a:latin typeface="Liberation Sans" pitchFamily="18"/>
-                <a:ea typeface="WenQuanYi Micro Hei" pitchFamily="2"/>
-                <a:cs typeface="Lohit Devanagari" pitchFamily="2"/>
-              </a:rPr>
-              <a:t>Leitor [Celular]</a:t>
-            </a:r>
-          </a:p>
-          <a:p>
-            <a:pPr marL="0" marR="0" lvl="0" indent="0" hangingPunct="0">
-              <a:lnSpc>
-                <a:spcPct val="100000"/>
-              </a:lnSpc>
-              <a:spcBef>
-                <a:spcPts val="0"/>
-              </a:spcBef>
-              <a:spcAft>
-                <a:spcPts val="0"/>
-              </a:spcAft>
-              <a:buSzPct val="45000"/>
-              <a:buFont typeface="StarSymbol"/>
-              <a:buChar char="●"/>
-              <a:tabLst/>
-            </a:pPr>
-            <a:r>
-              <a:rPr lang="pt-BR" b="0" i="0" u="none" strike="noStrike" kern="1200" cap="none" dirty="0">
-                <a:ln>
-                  <a:noFill/>
-                </a:ln>
-                <a:latin typeface="Liberation Sans" pitchFamily="18"/>
-                <a:ea typeface="WenQuanYi Micro Hei" pitchFamily="2"/>
-                <a:cs typeface="Lohit Devanagari" pitchFamily="2"/>
-              </a:rPr>
-              <a:t>Código de Barras</a:t>
-            </a:r>
-          </a:p>
-          <a:p>
-            <a:pPr marL="0" marR="0" lvl="0" indent="0" hangingPunct="0">
-              <a:lnSpc>
-                <a:spcPct val="100000"/>
-              </a:lnSpc>
-              <a:spcBef>
-                <a:spcPts val="0"/>
-              </a:spcBef>
-              <a:spcAft>
-                <a:spcPts val="0"/>
-              </a:spcAft>
-              <a:buSzPct val="45000"/>
-              <a:buFont typeface="StarSymbol"/>
-              <a:buChar char="●"/>
-              <a:tabLst/>
-            </a:pPr>
-            <a:r>
-              <a:rPr lang="pt-BR" b="0" i="0" u="none" strike="noStrike" kern="1200" cap="none" dirty="0">
-                <a:ln>
-                  <a:noFill/>
-                </a:ln>
-                <a:latin typeface="Liberation Sans" pitchFamily="18"/>
-                <a:ea typeface="WenQuanYi Micro Hei" pitchFamily="2"/>
-                <a:cs typeface="Lohit Devanagari" pitchFamily="2"/>
-              </a:rPr>
-              <a:t>QR </a:t>
-            </a:r>
-            <a:r>
-              <a:rPr lang="pt-BR" b="0" i="0" u="none" strike="noStrike" kern="1200" cap="none" dirty="0" err="1">
-                <a:ln>
-                  <a:noFill/>
-                </a:ln>
-                <a:latin typeface="Liberation Sans" pitchFamily="18"/>
-                <a:ea typeface="WenQuanYi Micro Hei" pitchFamily="2"/>
-                <a:cs typeface="Lohit Devanagari" pitchFamily="2"/>
-              </a:rPr>
-              <a:t>Code</a:t>
-            </a:r>
-            <a:endParaRPr lang="pt-BR" b="0" i="0" u="none" strike="noStrike" kern="1200" cap="none" dirty="0">
-              <a:ln>
-                <a:noFill/>
-              </a:ln>
-              <a:latin typeface="Liberation Sans" pitchFamily="18"/>
-              <a:ea typeface="WenQuanYi Micro Hei" pitchFamily="2"/>
-              <a:cs typeface="Lohit Devanagari" pitchFamily="2"/>
-            </a:endParaRPr>
-          </a:p>
-        </p:txBody>
-      </p:sp>
-      <p:sp>
-        <p:nvSpPr>
-          <p:cNvPr id="19" name="CaixaDeTexto 18">
-            <a:extLst>
-              <a:ext uri="{FF2B5EF4-FFF2-40B4-BE49-F238E27FC236}">
-                <a16:creationId xmlns:a16="http://schemas.microsoft.com/office/drawing/2014/main" id="{9EF3F287-E985-437F-941C-726B50B2FA35}"/>
-              </a:ext>
-            </a:extLst>
-          </p:cNvPr>
-          <p:cNvSpPr txBox="1"/>
-          <p:nvPr/>
-        </p:nvSpPr>
-        <p:spPr>
-          <a:xfrm>
-            <a:off x="7805217" y="5155232"/>
-            <a:ext cx="1888443" cy="356336"/>
-          </a:xfrm>
-          <a:prstGeom prst="rect">
-            <a:avLst/>
-          </a:prstGeom>
-          <a:noFill/>
-          <a:ln>
-            <a:noFill/>
-          </a:ln>
-        </p:spPr>
-        <p:txBody>
-          <a:bodyPr wrap="none" lIns="90000" tIns="45000" rIns="90000" bIns="45000" anchorCtr="0" compatLnSpc="0">
-            <a:spAutoFit/>
-          </a:bodyPr>
-          <a:lstStyle/>
-          <a:p>
-            <a:pPr marL="0" marR="0" lvl="0" indent="0" hangingPunct="0">
-              <a:lnSpc>
-                <a:spcPct val="100000"/>
-              </a:lnSpc>
-              <a:spcBef>
-                <a:spcPts val="0"/>
-              </a:spcBef>
-              <a:spcAft>
-                <a:spcPts val="0"/>
-              </a:spcAft>
-              <a:buSzPct val="45000"/>
-              <a:tabLst/>
-            </a:pPr>
-            <a:r>
-              <a:rPr lang="pt-BR" sz="1800" b="0" i="0" u="none" strike="noStrike" kern="1200" cap="none" dirty="0">
-                <a:ln>
-                  <a:noFill/>
-                </a:ln>
-                <a:latin typeface="Liberation Sans" pitchFamily="18"/>
-                <a:ea typeface="WenQuanYi Micro Hei" pitchFamily="2"/>
-                <a:cs typeface="Lohit Devanagari" pitchFamily="2"/>
-              </a:rPr>
-              <a:t>Banco de Dados</a:t>
-            </a:r>
-          </a:p>
-        </p:txBody>
-      </p:sp>
-      <p:sp>
-        <p:nvSpPr>
-          <p:cNvPr id="34" name="CaixaDeTexto 33">
-            <a:extLst>
-              <a:ext uri="{FF2B5EF4-FFF2-40B4-BE49-F238E27FC236}">
-                <a16:creationId xmlns:a16="http://schemas.microsoft.com/office/drawing/2014/main" id="{52BDAB3E-78CD-4445-9AE4-075DEE346EEA}"/>
-              </a:ext>
-            </a:extLst>
-          </p:cNvPr>
-          <p:cNvSpPr txBox="1"/>
-          <p:nvPr/>
-        </p:nvSpPr>
-        <p:spPr>
-          <a:xfrm>
-            <a:off x="784511" y="1940310"/>
-            <a:ext cx="2604472" cy="621793"/>
-          </a:xfrm>
-          <a:prstGeom prst="rect">
-            <a:avLst/>
-          </a:prstGeom>
-          <a:noFill/>
-          <a:ln>
-            <a:noFill/>
-          </a:ln>
-        </p:spPr>
-        <p:txBody>
-          <a:bodyPr wrap="none" lIns="90000" tIns="45000" rIns="90000" bIns="45000" anchorCtr="0" compatLnSpc="0">
-            <a:spAutoFit/>
-          </a:bodyPr>
-          <a:lstStyle/>
-          <a:p>
-            <a:pPr marL="0" marR="0" lvl="0" indent="0" hangingPunct="0">
-              <a:lnSpc>
-                <a:spcPct val="100000"/>
-              </a:lnSpc>
-              <a:spcBef>
-                <a:spcPts val="0"/>
-              </a:spcBef>
-              <a:spcAft>
-                <a:spcPts val="0"/>
-              </a:spcAft>
-              <a:buSzPct val="45000"/>
-              <a:buFont typeface="StarSymbol"/>
-              <a:buChar char="●"/>
-              <a:tabLst/>
-            </a:pPr>
-            <a:r>
-              <a:rPr lang="pt-BR" dirty="0">
-                <a:latin typeface="Liberation Sans" pitchFamily="18"/>
-                <a:ea typeface="WenQuanYi Micro Hei" pitchFamily="2"/>
-                <a:cs typeface="Lohit Devanagari" pitchFamily="2"/>
-              </a:rPr>
-              <a:t>ID UFES (Cód. Barras)</a:t>
-            </a:r>
-            <a:endParaRPr lang="pt-BR" sz="1800" b="0" i="0" u="none" strike="noStrike" kern="1200" cap="none" dirty="0">
-              <a:ln>
-                <a:noFill/>
-              </a:ln>
-              <a:latin typeface="Liberation Sans" pitchFamily="18"/>
-              <a:ea typeface="WenQuanYi Micro Hei" pitchFamily="2"/>
-              <a:cs typeface="Lohit Devanagari" pitchFamily="2"/>
-            </a:endParaRPr>
-          </a:p>
-          <a:p>
-            <a:pPr marL="0" marR="0" lvl="0" indent="0" hangingPunct="0">
-              <a:lnSpc>
-                <a:spcPct val="100000"/>
-              </a:lnSpc>
-              <a:spcBef>
-                <a:spcPts val="0"/>
-              </a:spcBef>
-              <a:spcAft>
-                <a:spcPts val="0"/>
-              </a:spcAft>
-              <a:buSzPct val="45000"/>
-              <a:buFont typeface="StarSymbol"/>
-              <a:buChar char="●"/>
-              <a:tabLst/>
-            </a:pPr>
-            <a:r>
-              <a:rPr lang="pt-BR" dirty="0">
-                <a:latin typeface="Liberation Sans" pitchFamily="18"/>
-                <a:ea typeface="WenQuanYi Micro Hei" pitchFamily="2"/>
-                <a:cs typeface="Lohit Devanagari" pitchFamily="2"/>
-              </a:rPr>
-              <a:t>ID RU (RFID)</a:t>
-            </a:r>
-            <a:endParaRPr lang="pt-BR" sz="1800" b="0" i="0" u="none" strike="noStrike" kern="1200" cap="none" dirty="0">
-              <a:ln>
-                <a:noFill/>
-              </a:ln>
-              <a:latin typeface="Liberation Sans" pitchFamily="18"/>
-              <a:ea typeface="WenQuanYi Micro Hei" pitchFamily="2"/>
-              <a:cs typeface="Lohit Devanagari" pitchFamily="2"/>
-            </a:endParaRPr>
-          </a:p>
-        </p:txBody>
-      </p:sp>
     </p:spTree>
   </p:cSld>
   <p:clrMapOvr>
@@ -5390,7 +5742,7 @@
 
 <file path=ppt/slides/slide3.xml><?xml version="1.0" encoding="utf-8"?>
 <p:sld xmlns:a="http://schemas.openxmlformats.org/drawingml/2006/main" xmlns:r="http://schemas.openxmlformats.org/officeDocument/2006/relationships" xmlns:p="http://schemas.openxmlformats.org/presentationml/2006/main">
-  <p:cSld>
+  <p:cSld name="Slide3">
     <p:spTree>
       <p:nvGrpSpPr>
         <p:cNvPr id="1" name=""/>
@@ -5407,10 +5759,10 @@
       </p:grpSpPr>
       <p:sp>
         <p:nvSpPr>
-          <p:cNvPr id="13" name="CaixaDeTexto 12">
-            <a:extLst>
-              <a:ext uri="{FF2B5EF4-FFF2-40B4-BE49-F238E27FC236}">
-                <a16:creationId xmlns:a16="http://schemas.microsoft.com/office/drawing/2014/main" id="{68439639-DD97-442F-B787-6A6AA3E3182E}"/>
+          <p:cNvPr id="2" name="CaixaDeTexto 12">
+            <a:extLst>
+              <a:ext uri="{FF2B5EF4-FFF2-40B4-BE49-F238E27FC236}">
+                <a16:creationId xmlns:a16="http://schemas.microsoft.com/office/drawing/2014/main" id="{04251AD9-061A-4FEA-82E1-069D9BB94CDF}"/>
               </a:ext>
             </a:extLst>
           </p:cNvPr>
@@ -5419,24 +5771,24 @@
         </p:nvSpPr>
         <p:spPr>
           <a:xfrm>
-            <a:off x="621977" y="348227"/>
-            <a:ext cx="1823810" cy="356336"/>
+            <a:off x="621974" y="348230"/>
+            <a:ext cx="1823807" cy="356332"/>
           </a:xfrm>
           <a:prstGeom prst="rect">
             <a:avLst/>
           </a:prstGeom>
           <a:noFill/>
-          <a:ln>
+          <a:ln cap="flat">
             <a:noFill/>
           </a:ln>
         </p:spPr>
         <p:txBody>
-          <a:bodyPr wrap="none" lIns="90000" tIns="45000" rIns="90000" bIns="45000" anchorCtr="0" compatLnSpc="0">
+          <a:bodyPr vert="horz" wrap="none" lIns="90004" tIns="44997" rIns="90004" bIns="44997" anchor="t" anchorCtr="0" compatLnSpc="0">
             <a:spAutoFit/>
           </a:bodyPr>
           <a:lstStyle/>
           <a:p>
-            <a:pPr marL="0" marR="0" lvl="0" indent="0" hangingPunct="0">
+            <a:pPr marL="0" marR="0" lvl="0" indent="0" algn="l" defTabSz="914400" rtl="0" fontAlgn="auto" hangingPunct="0">
               <a:lnSpc>
                 <a:spcPct val="100000"/>
               </a:lnSpc>
@@ -5446,319 +5798,1153 @@
               <a:spcAft>
                 <a:spcPts val="0"/>
               </a:spcAft>
-              <a:buSzPct val="45000"/>
+              <a:buNone/>
               <a:tabLst/>
+              <a:defRPr sz="1800" b="0" i="0" u="none" strike="noStrike" kern="0" cap="none" spc="0" baseline="0">
+                <a:solidFill>
+                  <a:srgbClr val="000000"/>
+                </a:solidFill>
+                <a:uFillTx/>
+              </a:defRPr>
             </a:pPr>
             <a:r>
-              <a:rPr lang="pt-BR" dirty="0" err="1">
+              <a:rPr lang="pt-BR" sz="1800" b="0" i="0" u="none" strike="noStrike" kern="1200" cap="none" spc="0" baseline="0">
+                <a:solidFill>
+                  <a:srgbClr val="000000"/>
+                </a:solidFill>
+                <a:uFillTx/>
                 <a:latin typeface="Liberation Sans" pitchFamily="18"/>
                 <a:ea typeface="WenQuanYi Micro Hei" pitchFamily="2"/>
                 <a:cs typeface="Lohit Devanagari" pitchFamily="2"/>
               </a:rPr>
-              <a:t>Scan</a:t>
-            </a:r>
-            <a:r>
-              <a:rPr lang="pt-BR" dirty="0">
+              <a:t>Scan User Card</a:t>
+            </a:r>
+          </a:p>
+        </p:txBody>
+      </p:sp>
+      <p:sp>
+        <p:nvSpPr>
+          <p:cNvPr id="3" name="Retângulo 19">
+            <a:extLst>
+              <a:ext uri="{FF2B5EF4-FFF2-40B4-BE49-F238E27FC236}">
+                <a16:creationId xmlns:a16="http://schemas.microsoft.com/office/drawing/2014/main" id="{90FDAECD-3056-4BD0-931C-2C9E7BADCA15}"/>
+              </a:ext>
+            </a:extLst>
+          </p:cNvPr>
+          <p:cNvSpPr/>
+          <p:nvPr/>
+        </p:nvSpPr>
+        <p:spPr>
+          <a:xfrm>
+            <a:off x="410958" y="1266087"/>
+            <a:ext cx="2543906" cy="1137138"/>
+          </a:xfrm>
+          <a:prstGeom prst="rect">
+            <a:avLst/>
+          </a:prstGeom>
+          <a:noFill/>
+          <a:ln w="38103" cap="flat">
+            <a:solidFill>
+              <a:srgbClr val="000000"/>
+            </a:solidFill>
+            <a:prstDash val="solid"/>
+            <a:miter/>
+          </a:ln>
+        </p:spPr>
+        <p:txBody>
+          <a:bodyPr vert="horz" wrap="square" lIns="91440" tIns="45720" rIns="91440" bIns="45720" anchor="ctr" anchorCtr="1" compatLnSpc="1">
+            <a:noAutofit/>
+          </a:bodyPr>
+          <a:lstStyle/>
+          <a:p>
+            <a:pPr marL="0" marR="0" lvl="0" indent="0" algn="ctr" defTabSz="914400" rtl="0" fontAlgn="auto" hangingPunct="1">
+              <a:lnSpc>
+                <a:spcPct val="100000"/>
+              </a:lnSpc>
+              <a:spcBef>
+                <a:spcPts val="0"/>
+              </a:spcBef>
+              <a:spcAft>
+                <a:spcPts val="0"/>
+              </a:spcAft>
+              <a:buNone/>
+              <a:tabLst/>
+              <a:defRPr sz="1800" b="0" i="0" u="none" strike="noStrike" kern="0" cap="none" spc="0" baseline="0">
+                <a:solidFill>
+                  <a:srgbClr val="000000"/>
+                </a:solidFill>
+                <a:uFillTx/>
+              </a:defRPr>
+            </a:pPr>
+            <a:endParaRPr lang="pt-BR" sz="1800" b="0" i="0" u="none" strike="noStrike" kern="1200" cap="none" spc="0" baseline="0">
+              <a:solidFill>
+                <a:srgbClr val="FFFFFF"/>
+              </a:solidFill>
+              <a:uFillTx/>
+              <a:latin typeface="Calibri"/>
+            </a:endParaRPr>
+          </a:p>
+        </p:txBody>
+      </p:sp>
+      <p:cxnSp>
+        <p:nvCxnSpPr>
+          <p:cNvPr id="4" name="Conector de Seta Reta 25">
+            <a:extLst>
+              <a:ext uri="{FF2B5EF4-FFF2-40B4-BE49-F238E27FC236}">
+                <a16:creationId xmlns:a16="http://schemas.microsoft.com/office/drawing/2014/main" id="{D977FC75-E379-49E8-9E96-59537D9B4972}"/>
+              </a:ext>
+            </a:extLst>
+          </p:cNvPr>
+          <p:cNvCxnSpPr>
+            <a:stCxn id="2" idx="2"/>
+          </p:cNvCxnSpPr>
+          <p:nvPr/>
+        </p:nvCxnSpPr>
+        <p:spPr>
+          <a:xfrm>
+            <a:off x="1533878" y="704563"/>
+            <a:ext cx="0" cy="467743"/>
+          </a:xfrm>
+          <a:prstGeom prst="straightConnector1">
+            <a:avLst/>
+          </a:prstGeom>
+          <a:noFill/>
+          <a:ln w="38103" cap="flat">
+            <a:solidFill>
+              <a:srgbClr val="000000"/>
+            </a:solidFill>
+            <a:prstDash val="solid"/>
+            <a:miter/>
+            <a:tailEnd type="arrow"/>
+          </a:ln>
+        </p:spPr>
+      </p:cxnSp>
+      <p:cxnSp>
+        <p:nvCxnSpPr>
+          <p:cNvPr id="5" name="Conector de Seta Reta 27">
+            <a:extLst>
+              <a:ext uri="{FF2B5EF4-FFF2-40B4-BE49-F238E27FC236}">
+                <a16:creationId xmlns:a16="http://schemas.microsoft.com/office/drawing/2014/main" id="{068C5E03-80B0-43B4-9D9E-9AFC82BD6E17}"/>
+              </a:ext>
+            </a:extLst>
+          </p:cNvPr>
+          <p:cNvCxnSpPr>
+            <a:stCxn id="2" idx="3"/>
+          </p:cNvCxnSpPr>
+          <p:nvPr/>
+        </p:nvCxnSpPr>
+        <p:spPr>
+          <a:xfrm>
+            <a:off x="2445791" y="526392"/>
+            <a:ext cx="2967457" cy="0"/>
+          </a:xfrm>
+          <a:prstGeom prst="straightConnector1">
+            <a:avLst/>
+          </a:prstGeom>
+          <a:noFill/>
+          <a:ln w="38103" cap="flat">
+            <a:solidFill>
+              <a:srgbClr val="000000"/>
+            </a:solidFill>
+            <a:prstDash val="solid"/>
+            <a:miter/>
+            <a:tailEnd type="arrow"/>
+          </a:ln>
+        </p:spPr>
+      </p:cxnSp>
+      <p:cxnSp>
+        <p:nvCxnSpPr>
+          <p:cNvPr id="6" name="Conector de Seta Reta 32">
+            <a:extLst>
+              <a:ext uri="{FF2B5EF4-FFF2-40B4-BE49-F238E27FC236}">
+                <a16:creationId xmlns:a16="http://schemas.microsoft.com/office/drawing/2014/main" id="{FA4CF9F8-3118-4C46-8107-E929E8619668}"/>
+              </a:ext>
+            </a:extLst>
+          </p:cNvPr>
+          <p:cNvCxnSpPr/>
+          <p:nvPr/>
+        </p:nvCxnSpPr>
+        <p:spPr>
+          <a:xfrm flipH="1">
+            <a:off x="5800002" y="1359767"/>
+            <a:ext cx="1582616" cy="1066803"/>
+          </a:xfrm>
+          <a:prstGeom prst="straightConnector1">
+            <a:avLst/>
+          </a:prstGeom>
+          <a:noFill/>
+          <a:ln w="38103" cap="flat">
+            <a:solidFill>
+              <a:srgbClr val="000000"/>
+            </a:solidFill>
+            <a:prstDash val="solid"/>
+            <a:miter/>
+            <a:tailEnd type="arrow"/>
+          </a:ln>
+        </p:spPr>
+      </p:cxnSp>
+      <p:cxnSp>
+        <p:nvCxnSpPr>
+          <p:cNvPr id="7" name="Conector de Seta Reta 34">
+            <a:extLst>
+              <a:ext uri="{FF2B5EF4-FFF2-40B4-BE49-F238E27FC236}">
+                <a16:creationId xmlns:a16="http://schemas.microsoft.com/office/drawing/2014/main" id="{F5D87617-9839-4ECA-A872-0887B166C790}"/>
+              </a:ext>
+            </a:extLst>
+          </p:cNvPr>
+          <p:cNvCxnSpPr/>
+          <p:nvPr/>
+        </p:nvCxnSpPr>
+        <p:spPr>
+          <a:xfrm>
+            <a:off x="7354555" y="1366104"/>
+            <a:ext cx="1569888" cy="1031626"/>
+          </a:xfrm>
+          <a:prstGeom prst="straightConnector1">
+            <a:avLst/>
+          </a:prstGeom>
+          <a:noFill/>
+          <a:ln w="38103" cap="flat">
+            <a:solidFill>
+              <a:srgbClr val="000000"/>
+            </a:solidFill>
+            <a:prstDash val="solid"/>
+            <a:miter/>
+            <a:tailEnd type="arrow"/>
+          </a:ln>
+        </p:spPr>
+      </p:cxnSp>
+      <p:sp>
+        <p:nvSpPr>
+          <p:cNvPr id="8" name="CaixaDeTexto 38">
+            <a:extLst>
+              <a:ext uri="{FF2B5EF4-FFF2-40B4-BE49-F238E27FC236}">
+                <a16:creationId xmlns:a16="http://schemas.microsoft.com/office/drawing/2014/main" id="{81BB2D58-5F9D-4536-B6B8-941A300E062D}"/>
+              </a:ext>
+            </a:extLst>
+          </p:cNvPr>
+          <p:cNvSpPr txBox="1"/>
+          <p:nvPr/>
+        </p:nvSpPr>
+        <p:spPr>
+          <a:xfrm>
+            <a:off x="1755620" y="763825"/>
+            <a:ext cx="1477560" cy="356332"/>
+          </a:xfrm>
+          <a:prstGeom prst="rect">
+            <a:avLst/>
+          </a:prstGeom>
+          <a:noFill/>
+          <a:ln cap="flat">
+            <a:noFill/>
+          </a:ln>
+        </p:spPr>
+        <p:txBody>
+          <a:bodyPr vert="horz" wrap="none" lIns="90004" tIns="44997" rIns="90004" bIns="44997" anchor="t" anchorCtr="0" compatLnSpc="0">
+            <a:spAutoFit/>
+          </a:bodyPr>
+          <a:lstStyle/>
+          <a:p>
+            <a:pPr marL="0" marR="0" lvl="0" indent="0" algn="l" defTabSz="914400" rtl="0" fontAlgn="auto" hangingPunct="0">
+              <a:lnSpc>
+                <a:spcPct val="100000"/>
+              </a:lnSpc>
+              <a:spcBef>
+                <a:spcPts val="0"/>
+              </a:spcBef>
+              <a:spcAft>
+                <a:spcPts val="0"/>
+              </a:spcAft>
+              <a:buNone/>
+              <a:tabLst/>
+              <a:defRPr sz="1800" b="0" i="0" u="none" strike="noStrike" kern="0" cap="none" spc="0" baseline="0">
+                <a:solidFill>
+                  <a:srgbClr val="000000"/>
+                </a:solidFill>
+                <a:uFillTx/>
+              </a:defRPr>
+            </a:pPr>
+            <a:r>
+              <a:rPr lang="pt-BR" sz="1800" b="0" i="0" u="none" strike="noStrike" kern="1200" cap="none" spc="0" baseline="0">
+                <a:solidFill>
+                  <a:srgbClr val="000000"/>
+                </a:solidFill>
+                <a:uFillTx/>
                 <a:latin typeface="Liberation Sans" pitchFamily="18"/>
                 <a:ea typeface="WenQuanYi Micro Hei" pitchFamily="2"/>
                 <a:cs typeface="Lohit Devanagari" pitchFamily="2"/>
               </a:rPr>
-              <a:t> </a:t>
-            </a:r>
-            <a:r>
-              <a:rPr lang="pt-BR" dirty="0" err="1">
+              <a:t>Consulto BD</a:t>
+            </a:r>
+          </a:p>
+        </p:txBody>
+      </p:sp>
+      <p:sp>
+        <p:nvSpPr>
+          <p:cNvPr id="9" name="CaixaDeTexto 39">
+            <a:extLst>
+              <a:ext uri="{FF2B5EF4-FFF2-40B4-BE49-F238E27FC236}">
+                <a16:creationId xmlns:a16="http://schemas.microsoft.com/office/drawing/2014/main" id="{22F86A39-D7BA-4784-9E4A-950F4C6961B1}"/>
+              </a:ext>
+            </a:extLst>
+          </p:cNvPr>
+          <p:cNvSpPr txBox="1"/>
+          <p:nvPr/>
+        </p:nvSpPr>
+        <p:spPr>
+          <a:xfrm>
+            <a:off x="3562749" y="182367"/>
+            <a:ext cx="1477560" cy="356332"/>
+          </a:xfrm>
+          <a:prstGeom prst="rect">
+            <a:avLst/>
+          </a:prstGeom>
+          <a:noFill/>
+          <a:ln cap="flat">
+            <a:noFill/>
+          </a:ln>
+        </p:spPr>
+        <p:txBody>
+          <a:bodyPr vert="horz" wrap="none" lIns="90004" tIns="44997" rIns="90004" bIns="44997" anchor="t" anchorCtr="0" compatLnSpc="0">
+            <a:spAutoFit/>
+          </a:bodyPr>
+          <a:lstStyle/>
+          <a:p>
+            <a:pPr marL="0" marR="0" lvl="0" indent="0" algn="l" defTabSz="914400" rtl="0" fontAlgn="auto" hangingPunct="0">
+              <a:lnSpc>
+                <a:spcPct val="100000"/>
+              </a:lnSpc>
+              <a:spcBef>
+                <a:spcPts val="0"/>
+              </a:spcBef>
+              <a:spcAft>
+                <a:spcPts val="0"/>
+              </a:spcAft>
+              <a:buNone/>
+              <a:tabLst/>
+              <a:defRPr sz="1800" b="0" i="0" u="none" strike="noStrike" kern="0" cap="none" spc="0" baseline="0">
+                <a:solidFill>
+                  <a:srgbClr val="000000"/>
+                </a:solidFill>
+                <a:uFillTx/>
+              </a:defRPr>
+            </a:pPr>
+            <a:r>
+              <a:rPr lang="pt-BR" sz="1800" b="0" i="0" u="none" strike="noStrike" kern="1200" cap="none" spc="0" baseline="0">
+                <a:solidFill>
+                  <a:srgbClr val="000000"/>
+                </a:solidFill>
+                <a:uFillTx/>
+                <a:latin typeface="Liberation Sans" pitchFamily="18"/>
+                <a:ea typeface="WenQuanYi Micro Hei" pitchFamily="2"/>
+                <a:cs typeface="Lohit Devanagari" pitchFamily="2"/>
+              </a:rPr>
+              <a:t>Consulto BD</a:t>
+            </a:r>
+          </a:p>
+        </p:txBody>
+      </p:sp>
+      <p:sp>
+        <p:nvSpPr>
+          <p:cNvPr id="10" name="Retângulo 40">
+            <a:extLst>
+              <a:ext uri="{FF2B5EF4-FFF2-40B4-BE49-F238E27FC236}">
+                <a16:creationId xmlns:a16="http://schemas.microsoft.com/office/drawing/2014/main" id="{4B55E26C-8CC9-45E6-BB61-70078D0EDBC0}"/>
+              </a:ext>
+            </a:extLst>
+          </p:cNvPr>
+          <p:cNvSpPr/>
+          <p:nvPr/>
+        </p:nvSpPr>
+        <p:spPr>
+          <a:xfrm>
+            <a:off x="621974" y="1406767"/>
+            <a:ext cx="911903" cy="808896"/>
+          </a:xfrm>
+          <a:prstGeom prst="rect">
+            <a:avLst/>
+          </a:prstGeom>
+          <a:noFill/>
+          <a:ln w="38103" cap="flat">
+            <a:solidFill>
+              <a:srgbClr val="000000"/>
+            </a:solidFill>
+            <a:prstDash val="solid"/>
+            <a:miter/>
+          </a:ln>
+        </p:spPr>
+        <p:txBody>
+          <a:bodyPr vert="horz" wrap="square" lIns="91440" tIns="45720" rIns="91440" bIns="45720" anchor="ctr" anchorCtr="1" compatLnSpc="1">
+            <a:noAutofit/>
+          </a:bodyPr>
+          <a:lstStyle/>
+          <a:p>
+            <a:pPr marL="0" marR="0" lvl="0" indent="0" algn="ctr" defTabSz="914400" rtl="0" fontAlgn="auto" hangingPunct="1">
+              <a:lnSpc>
+                <a:spcPct val="100000"/>
+              </a:lnSpc>
+              <a:spcBef>
+                <a:spcPts val="0"/>
+              </a:spcBef>
+              <a:spcAft>
+                <a:spcPts val="0"/>
+              </a:spcAft>
+              <a:buNone/>
+              <a:tabLst/>
+              <a:defRPr sz="1800" b="0" i="0" u="none" strike="noStrike" kern="0" cap="none" spc="0" baseline="0">
+                <a:solidFill>
+                  <a:srgbClr val="000000"/>
+                </a:solidFill>
+                <a:uFillTx/>
+              </a:defRPr>
+            </a:pPr>
+            <a:endParaRPr lang="pt-BR" sz="1800" b="0" i="0" u="none" strike="noStrike" kern="1200" cap="none" spc="0" baseline="0">
+              <a:solidFill>
+                <a:srgbClr val="FFFFFF"/>
+              </a:solidFill>
+              <a:uFillTx/>
+              <a:latin typeface="Calibri"/>
+            </a:endParaRPr>
+          </a:p>
+        </p:txBody>
+      </p:sp>
+      <p:sp>
+        <p:nvSpPr>
+          <p:cNvPr id="11" name="Retângulo 42">
+            <a:extLst>
+              <a:ext uri="{FF2B5EF4-FFF2-40B4-BE49-F238E27FC236}">
+                <a16:creationId xmlns:a16="http://schemas.microsoft.com/office/drawing/2014/main" id="{62A6930B-3D31-4BA9-82B9-75338955989F}"/>
+              </a:ext>
+            </a:extLst>
+          </p:cNvPr>
+          <p:cNvSpPr/>
+          <p:nvPr/>
+        </p:nvSpPr>
+        <p:spPr>
+          <a:xfrm>
+            <a:off x="1862870" y="1406767"/>
+            <a:ext cx="911903" cy="808896"/>
+          </a:xfrm>
+          <a:prstGeom prst="rect">
+            <a:avLst/>
+          </a:prstGeom>
+          <a:noFill/>
+          <a:ln w="38103" cap="flat">
+            <a:solidFill>
+              <a:srgbClr val="000000"/>
+            </a:solidFill>
+            <a:prstDash val="solid"/>
+            <a:miter/>
+          </a:ln>
+        </p:spPr>
+        <p:txBody>
+          <a:bodyPr vert="horz" wrap="square" lIns="91440" tIns="45720" rIns="91440" bIns="45720" anchor="ctr" anchorCtr="1" compatLnSpc="1">
+            <a:noAutofit/>
+          </a:bodyPr>
+          <a:lstStyle/>
+          <a:p>
+            <a:pPr marL="0" marR="0" lvl="0" indent="0" algn="ctr" defTabSz="914400" rtl="0" fontAlgn="auto" hangingPunct="1">
+              <a:lnSpc>
+                <a:spcPct val="100000"/>
+              </a:lnSpc>
+              <a:spcBef>
+                <a:spcPts val="0"/>
+              </a:spcBef>
+              <a:spcAft>
+                <a:spcPts val="0"/>
+              </a:spcAft>
+              <a:buNone/>
+              <a:tabLst/>
+              <a:defRPr sz="1800" b="0" i="0" u="none" strike="noStrike" kern="0" cap="none" spc="0" baseline="0">
+                <a:solidFill>
+                  <a:srgbClr val="000000"/>
+                </a:solidFill>
+                <a:uFillTx/>
+              </a:defRPr>
+            </a:pPr>
+            <a:endParaRPr lang="pt-BR" sz="1800" b="0" i="0" u="none" strike="noStrike" kern="1200" cap="none" spc="0" baseline="0">
+              <a:solidFill>
+                <a:srgbClr val="FFFFFF"/>
+              </a:solidFill>
+              <a:uFillTx/>
+              <a:latin typeface="Calibri"/>
+            </a:endParaRPr>
+          </a:p>
+        </p:txBody>
+      </p:sp>
+      <p:sp>
+        <p:nvSpPr>
+          <p:cNvPr id="12" name="Retângulo 43">
+            <a:extLst>
+              <a:ext uri="{FF2B5EF4-FFF2-40B4-BE49-F238E27FC236}">
+                <a16:creationId xmlns:a16="http://schemas.microsoft.com/office/drawing/2014/main" id="{F2083F61-66DD-49D7-9B24-1BA136CDB088}"/>
+              </a:ext>
+            </a:extLst>
+          </p:cNvPr>
+          <p:cNvSpPr/>
+          <p:nvPr/>
+        </p:nvSpPr>
+        <p:spPr>
+          <a:xfrm>
+            <a:off x="5853805" y="152640"/>
+            <a:ext cx="2543906" cy="1137138"/>
+          </a:xfrm>
+          <a:prstGeom prst="rect">
+            <a:avLst/>
+          </a:prstGeom>
+          <a:noFill/>
+          <a:ln w="38103" cap="flat">
+            <a:solidFill>
+              <a:srgbClr val="000000"/>
+            </a:solidFill>
+            <a:prstDash val="solid"/>
+            <a:miter/>
+          </a:ln>
+        </p:spPr>
+        <p:txBody>
+          <a:bodyPr vert="horz" wrap="square" lIns="91440" tIns="45720" rIns="91440" bIns="45720" anchor="ctr" anchorCtr="1" compatLnSpc="1">
+            <a:noAutofit/>
+          </a:bodyPr>
+          <a:lstStyle/>
+          <a:p>
+            <a:pPr marL="0" marR="0" lvl="0" indent="0" algn="ctr" defTabSz="914400" rtl="0" fontAlgn="auto" hangingPunct="1">
+              <a:lnSpc>
+                <a:spcPct val="100000"/>
+              </a:lnSpc>
+              <a:spcBef>
+                <a:spcPts val="0"/>
+              </a:spcBef>
+              <a:spcAft>
+                <a:spcPts val="0"/>
+              </a:spcAft>
+              <a:buNone/>
+              <a:tabLst/>
+              <a:defRPr sz="1800" b="0" i="0" u="none" strike="noStrike" kern="0" cap="none" spc="0" baseline="0">
+                <a:solidFill>
+                  <a:srgbClr val="000000"/>
+                </a:solidFill>
+                <a:uFillTx/>
+              </a:defRPr>
+            </a:pPr>
+            <a:endParaRPr lang="pt-BR" sz="1800" b="0" i="0" u="none" strike="noStrike" kern="1200" cap="none" spc="0" baseline="0">
+              <a:solidFill>
+                <a:srgbClr val="FFFFFF"/>
+              </a:solidFill>
+              <a:uFillTx/>
+              <a:latin typeface="Calibri"/>
+            </a:endParaRPr>
+          </a:p>
+        </p:txBody>
+      </p:sp>
+      <p:sp>
+        <p:nvSpPr>
+          <p:cNvPr id="13" name="Retângulo 44">
+            <a:extLst>
+              <a:ext uri="{FF2B5EF4-FFF2-40B4-BE49-F238E27FC236}">
+                <a16:creationId xmlns:a16="http://schemas.microsoft.com/office/drawing/2014/main" id="{78C2B9D8-34C3-48D3-A494-DEB3219DC49E}"/>
+              </a:ext>
+            </a:extLst>
+          </p:cNvPr>
+          <p:cNvSpPr/>
+          <p:nvPr/>
+        </p:nvSpPr>
+        <p:spPr>
+          <a:xfrm>
+            <a:off x="6064812" y="293321"/>
+            <a:ext cx="911903" cy="808896"/>
+          </a:xfrm>
+          <a:prstGeom prst="rect">
+            <a:avLst/>
+          </a:prstGeom>
+          <a:noFill/>
+          <a:ln w="38103" cap="flat">
+            <a:solidFill>
+              <a:srgbClr val="000000"/>
+            </a:solidFill>
+            <a:prstDash val="solid"/>
+            <a:miter/>
+          </a:ln>
+        </p:spPr>
+        <p:txBody>
+          <a:bodyPr vert="horz" wrap="square" lIns="91440" tIns="45720" rIns="91440" bIns="45720" anchor="ctr" anchorCtr="1" compatLnSpc="1">
+            <a:noAutofit/>
+          </a:bodyPr>
+          <a:lstStyle/>
+          <a:p>
+            <a:pPr marL="0" marR="0" lvl="0" indent="0" algn="ctr" defTabSz="914400" rtl="0" fontAlgn="auto" hangingPunct="1">
+              <a:lnSpc>
+                <a:spcPct val="100000"/>
+              </a:lnSpc>
+              <a:spcBef>
+                <a:spcPts val="0"/>
+              </a:spcBef>
+              <a:spcAft>
+                <a:spcPts val="0"/>
+              </a:spcAft>
+              <a:buNone/>
+              <a:tabLst/>
+              <a:defRPr sz="1800" b="0" i="0" u="none" strike="noStrike" kern="0" cap="none" spc="0" baseline="0">
+                <a:solidFill>
+                  <a:srgbClr val="000000"/>
+                </a:solidFill>
+                <a:uFillTx/>
+              </a:defRPr>
+            </a:pPr>
+            <a:endParaRPr lang="pt-BR" sz="1800" b="0" i="0" u="none" strike="noStrike" kern="1200" cap="none" spc="0" baseline="0">
+              <a:solidFill>
+                <a:srgbClr val="FFFFFF"/>
+              </a:solidFill>
+              <a:uFillTx/>
+              <a:latin typeface="Calibri"/>
+            </a:endParaRPr>
+          </a:p>
+        </p:txBody>
+      </p:sp>
+      <p:sp>
+        <p:nvSpPr>
+          <p:cNvPr id="14" name="Retângulo 45">
+            <a:extLst>
+              <a:ext uri="{FF2B5EF4-FFF2-40B4-BE49-F238E27FC236}">
+                <a16:creationId xmlns:a16="http://schemas.microsoft.com/office/drawing/2014/main" id="{DF246CAC-7F85-420E-AD58-E3948E1938D8}"/>
+              </a:ext>
+            </a:extLst>
+          </p:cNvPr>
+          <p:cNvSpPr/>
+          <p:nvPr/>
+        </p:nvSpPr>
+        <p:spPr>
+          <a:xfrm>
+            <a:off x="7305708" y="293321"/>
+            <a:ext cx="911903" cy="808896"/>
+          </a:xfrm>
+          <a:prstGeom prst="rect">
+            <a:avLst/>
+          </a:prstGeom>
+          <a:noFill/>
+          <a:ln w="38103" cap="flat">
+            <a:solidFill>
+              <a:srgbClr val="000000"/>
+            </a:solidFill>
+            <a:prstDash val="solid"/>
+            <a:miter/>
+          </a:ln>
+        </p:spPr>
+        <p:txBody>
+          <a:bodyPr vert="horz" wrap="square" lIns="91440" tIns="45720" rIns="91440" bIns="45720" anchor="ctr" anchorCtr="1" compatLnSpc="1">
+            <a:noAutofit/>
+          </a:bodyPr>
+          <a:lstStyle/>
+          <a:p>
+            <a:pPr marL="0" marR="0" lvl="0" indent="0" algn="ctr" defTabSz="914400" rtl="0" fontAlgn="auto" hangingPunct="1">
+              <a:lnSpc>
+                <a:spcPct val="100000"/>
+              </a:lnSpc>
+              <a:spcBef>
+                <a:spcPts val="0"/>
+              </a:spcBef>
+              <a:spcAft>
+                <a:spcPts val="0"/>
+              </a:spcAft>
+              <a:buNone/>
+              <a:tabLst/>
+              <a:defRPr sz="1800" b="0" i="0" u="none" strike="noStrike" kern="0" cap="none" spc="0" baseline="0">
+                <a:solidFill>
+                  <a:srgbClr val="000000"/>
+                </a:solidFill>
+                <a:uFillTx/>
+              </a:defRPr>
+            </a:pPr>
+            <a:endParaRPr lang="pt-BR" sz="1800" b="0" i="0" u="none" strike="noStrike" kern="1200" cap="none" spc="0" baseline="0">
+              <a:solidFill>
+                <a:srgbClr val="FFFFFF"/>
+              </a:solidFill>
+              <a:uFillTx/>
+              <a:latin typeface="Calibri"/>
+            </a:endParaRPr>
+          </a:p>
+        </p:txBody>
+      </p:sp>
+      <p:sp>
+        <p:nvSpPr>
+          <p:cNvPr id="15" name="Retângulo 46">
+            <a:extLst>
+              <a:ext uri="{FF2B5EF4-FFF2-40B4-BE49-F238E27FC236}">
+                <a16:creationId xmlns:a16="http://schemas.microsoft.com/office/drawing/2014/main" id="{846A0D78-197F-4E2F-8668-76082CD27055}"/>
+              </a:ext>
+            </a:extLst>
+          </p:cNvPr>
+          <p:cNvSpPr/>
+          <p:nvPr/>
+        </p:nvSpPr>
+        <p:spPr>
+          <a:xfrm>
+            <a:off x="3842482" y="2555519"/>
+            <a:ext cx="2543906" cy="1137138"/>
+          </a:xfrm>
+          <a:prstGeom prst="rect">
+            <a:avLst/>
+          </a:prstGeom>
+          <a:noFill/>
+          <a:ln w="38103" cap="flat">
+            <a:solidFill>
+              <a:srgbClr val="000000"/>
+            </a:solidFill>
+            <a:prstDash val="solid"/>
+            <a:miter/>
+          </a:ln>
+        </p:spPr>
+        <p:txBody>
+          <a:bodyPr vert="horz" wrap="square" lIns="91440" tIns="45720" rIns="91440" bIns="45720" anchor="ctr" anchorCtr="1" compatLnSpc="1">
+            <a:noAutofit/>
+          </a:bodyPr>
+          <a:lstStyle/>
+          <a:p>
+            <a:pPr marL="0" marR="0" lvl="0" indent="0" algn="ctr" defTabSz="914400" rtl="0" fontAlgn="auto" hangingPunct="1">
+              <a:lnSpc>
+                <a:spcPct val="100000"/>
+              </a:lnSpc>
+              <a:spcBef>
+                <a:spcPts val="0"/>
+              </a:spcBef>
+              <a:spcAft>
+                <a:spcPts val="0"/>
+              </a:spcAft>
+              <a:buNone/>
+              <a:tabLst/>
+              <a:defRPr sz="1800" b="0" i="0" u="none" strike="noStrike" kern="0" cap="none" spc="0" baseline="0">
+                <a:solidFill>
+                  <a:srgbClr val="000000"/>
+                </a:solidFill>
+                <a:uFillTx/>
+              </a:defRPr>
+            </a:pPr>
+            <a:endParaRPr lang="pt-BR" sz="1800" b="0" i="0" u="none" strike="noStrike" kern="1200" cap="none" spc="0" baseline="0">
+              <a:solidFill>
+                <a:srgbClr val="FFFFFF"/>
+              </a:solidFill>
+              <a:uFillTx/>
+              <a:latin typeface="Calibri"/>
+            </a:endParaRPr>
+          </a:p>
+        </p:txBody>
+      </p:sp>
+      <p:sp>
+        <p:nvSpPr>
+          <p:cNvPr id="16" name="Retângulo 47">
+            <a:extLst>
+              <a:ext uri="{FF2B5EF4-FFF2-40B4-BE49-F238E27FC236}">
+                <a16:creationId xmlns:a16="http://schemas.microsoft.com/office/drawing/2014/main" id="{B250AF36-9D8E-48C7-BA1C-C5347518B99B}"/>
+              </a:ext>
+            </a:extLst>
+          </p:cNvPr>
+          <p:cNvSpPr/>
+          <p:nvPr/>
+        </p:nvSpPr>
+        <p:spPr>
+          <a:xfrm>
+            <a:off x="3991840" y="2696199"/>
+            <a:ext cx="911903" cy="808896"/>
+          </a:xfrm>
+          <a:prstGeom prst="rect">
+            <a:avLst/>
+          </a:prstGeom>
+          <a:noFill/>
+          <a:ln w="38103" cap="flat">
+            <a:solidFill>
+              <a:srgbClr val="000000"/>
+            </a:solidFill>
+            <a:prstDash val="solid"/>
+            <a:miter/>
+          </a:ln>
+        </p:spPr>
+        <p:txBody>
+          <a:bodyPr vert="horz" wrap="square" lIns="91440" tIns="45720" rIns="91440" bIns="45720" anchor="ctr" anchorCtr="1" compatLnSpc="1">
+            <a:noAutofit/>
+          </a:bodyPr>
+          <a:lstStyle/>
+          <a:p>
+            <a:pPr marL="0" marR="0" lvl="0" indent="0" algn="ctr" defTabSz="914400" rtl="0" fontAlgn="auto" hangingPunct="1">
+              <a:lnSpc>
+                <a:spcPct val="100000"/>
+              </a:lnSpc>
+              <a:spcBef>
+                <a:spcPts val="0"/>
+              </a:spcBef>
+              <a:spcAft>
+                <a:spcPts val="0"/>
+              </a:spcAft>
+              <a:buNone/>
+              <a:tabLst/>
+              <a:defRPr sz="1800" b="0" i="0" u="none" strike="noStrike" kern="0" cap="none" spc="0" baseline="0">
+                <a:solidFill>
+                  <a:srgbClr val="000000"/>
+                </a:solidFill>
+                <a:uFillTx/>
+              </a:defRPr>
+            </a:pPr>
+            <a:endParaRPr lang="pt-BR" sz="1800" b="0" i="0" u="none" strike="noStrike" kern="1200" cap="none" spc="0" baseline="0">
+              <a:solidFill>
+                <a:srgbClr val="FFFFFF"/>
+              </a:solidFill>
+              <a:uFillTx/>
+              <a:latin typeface="Calibri"/>
+            </a:endParaRPr>
+          </a:p>
+        </p:txBody>
+      </p:sp>
+      <p:sp>
+        <p:nvSpPr>
+          <p:cNvPr id="17" name="Retângulo 48">
+            <a:extLst>
+              <a:ext uri="{FF2B5EF4-FFF2-40B4-BE49-F238E27FC236}">
+                <a16:creationId xmlns:a16="http://schemas.microsoft.com/office/drawing/2014/main" id="{C4F65BD4-0993-4087-AE5E-8FE4DDD9195A}"/>
+              </a:ext>
+            </a:extLst>
+          </p:cNvPr>
+          <p:cNvSpPr/>
+          <p:nvPr/>
+        </p:nvSpPr>
+        <p:spPr>
+          <a:xfrm>
+            <a:off x="5232736" y="2696199"/>
+            <a:ext cx="911903" cy="808896"/>
+          </a:xfrm>
+          <a:prstGeom prst="rect">
+            <a:avLst/>
+          </a:prstGeom>
+          <a:noFill/>
+          <a:ln w="38103" cap="flat">
+            <a:solidFill>
+              <a:srgbClr val="000000"/>
+            </a:solidFill>
+            <a:prstDash val="solid"/>
+            <a:miter/>
+          </a:ln>
+        </p:spPr>
+        <p:txBody>
+          <a:bodyPr vert="horz" wrap="square" lIns="91440" tIns="45720" rIns="91440" bIns="45720" anchor="ctr" anchorCtr="1" compatLnSpc="1">
+            <a:noAutofit/>
+          </a:bodyPr>
+          <a:lstStyle/>
+          <a:p>
+            <a:pPr marL="0" marR="0" lvl="0" indent="0" algn="ctr" defTabSz="914400" rtl="0" fontAlgn="auto" hangingPunct="1">
+              <a:lnSpc>
+                <a:spcPct val="100000"/>
+              </a:lnSpc>
+              <a:spcBef>
+                <a:spcPts val="0"/>
+              </a:spcBef>
+              <a:spcAft>
+                <a:spcPts val="0"/>
+              </a:spcAft>
+              <a:buNone/>
+              <a:tabLst/>
+              <a:defRPr sz="1800" b="0" i="0" u="none" strike="noStrike" kern="0" cap="none" spc="0" baseline="0">
+                <a:solidFill>
+                  <a:srgbClr val="000000"/>
+                </a:solidFill>
+                <a:uFillTx/>
+              </a:defRPr>
+            </a:pPr>
+            <a:endParaRPr lang="pt-BR" sz="1800" b="0" i="0" u="none" strike="noStrike" kern="1200" cap="none" spc="0" baseline="0">
+              <a:solidFill>
+                <a:srgbClr val="FFFFFF"/>
+              </a:solidFill>
+              <a:uFillTx/>
+              <a:latin typeface="Calibri"/>
+            </a:endParaRPr>
+          </a:p>
+        </p:txBody>
+      </p:sp>
+      <p:sp>
+        <p:nvSpPr>
+          <p:cNvPr id="18" name="Retângulo 49">
+            <a:extLst>
+              <a:ext uri="{FF2B5EF4-FFF2-40B4-BE49-F238E27FC236}">
+                <a16:creationId xmlns:a16="http://schemas.microsoft.com/office/drawing/2014/main" id="{7DE83A39-6814-4045-BE33-D22635339ECF}"/>
+              </a:ext>
+            </a:extLst>
+          </p:cNvPr>
+          <p:cNvSpPr/>
+          <p:nvPr/>
+        </p:nvSpPr>
+        <p:spPr>
+          <a:xfrm>
+            <a:off x="7354555" y="2555519"/>
+            <a:ext cx="2543906" cy="1137138"/>
+          </a:xfrm>
+          <a:prstGeom prst="rect">
+            <a:avLst/>
+          </a:prstGeom>
+          <a:noFill/>
+          <a:ln w="38103" cap="flat">
+            <a:solidFill>
+              <a:srgbClr val="000000"/>
+            </a:solidFill>
+            <a:prstDash val="solid"/>
+            <a:miter/>
+          </a:ln>
+        </p:spPr>
+        <p:txBody>
+          <a:bodyPr vert="horz" wrap="square" lIns="91440" tIns="45720" rIns="91440" bIns="45720" anchor="ctr" anchorCtr="1" compatLnSpc="1">
+            <a:noAutofit/>
+          </a:bodyPr>
+          <a:lstStyle/>
+          <a:p>
+            <a:pPr marL="0" marR="0" lvl="0" indent="0" algn="ctr" defTabSz="914400" rtl="0" fontAlgn="auto" hangingPunct="1">
+              <a:lnSpc>
+                <a:spcPct val="100000"/>
+              </a:lnSpc>
+              <a:spcBef>
+                <a:spcPts val="0"/>
+              </a:spcBef>
+              <a:spcAft>
+                <a:spcPts val="0"/>
+              </a:spcAft>
+              <a:buNone/>
+              <a:tabLst/>
+              <a:defRPr sz="1800" b="0" i="0" u="none" strike="noStrike" kern="0" cap="none" spc="0" baseline="0">
+                <a:solidFill>
+                  <a:srgbClr val="000000"/>
+                </a:solidFill>
+                <a:uFillTx/>
+              </a:defRPr>
+            </a:pPr>
+            <a:endParaRPr lang="pt-BR" sz="1800" b="0" i="0" u="none" strike="noStrike" kern="1200" cap="none" spc="0" baseline="0">
+              <a:solidFill>
+                <a:srgbClr val="FFFFFF"/>
+              </a:solidFill>
+              <a:uFillTx/>
+              <a:latin typeface="Calibri"/>
+            </a:endParaRPr>
+          </a:p>
+        </p:txBody>
+      </p:sp>
+      <p:sp>
+        <p:nvSpPr>
+          <p:cNvPr id="19" name="Retângulo 50">
+            <a:extLst>
+              <a:ext uri="{FF2B5EF4-FFF2-40B4-BE49-F238E27FC236}">
+                <a16:creationId xmlns:a16="http://schemas.microsoft.com/office/drawing/2014/main" id="{31C5F4A1-BB11-4BB6-9EDF-4229C05A343F}"/>
+              </a:ext>
+            </a:extLst>
+          </p:cNvPr>
+          <p:cNvSpPr/>
+          <p:nvPr/>
+        </p:nvSpPr>
+        <p:spPr>
+          <a:xfrm>
+            <a:off x="7565571" y="2696199"/>
+            <a:ext cx="911903" cy="808896"/>
+          </a:xfrm>
+          <a:prstGeom prst="rect">
+            <a:avLst/>
+          </a:prstGeom>
+          <a:noFill/>
+          <a:ln w="38103" cap="flat">
+            <a:solidFill>
+              <a:srgbClr val="000000"/>
+            </a:solidFill>
+            <a:prstDash val="solid"/>
+            <a:miter/>
+          </a:ln>
+        </p:spPr>
+        <p:txBody>
+          <a:bodyPr vert="horz" wrap="square" lIns="91440" tIns="45720" rIns="91440" bIns="45720" anchor="ctr" anchorCtr="1" compatLnSpc="1">
+            <a:noAutofit/>
+          </a:bodyPr>
+          <a:lstStyle/>
+          <a:p>
+            <a:pPr marL="0" marR="0" lvl="0" indent="0" algn="ctr" defTabSz="914400" rtl="0" fontAlgn="auto" hangingPunct="1">
+              <a:lnSpc>
+                <a:spcPct val="100000"/>
+              </a:lnSpc>
+              <a:spcBef>
+                <a:spcPts val="0"/>
+              </a:spcBef>
+              <a:spcAft>
+                <a:spcPts val="0"/>
+              </a:spcAft>
+              <a:buNone/>
+              <a:tabLst/>
+              <a:defRPr sz="1800" b="0" i="0" u="none" strike="noStrike" kern="0" cap="none" spc="0" baseline="0">
+                <a:solidFill>
+                  <a:srgbClr val="000000"/>
+                </a:solidFill>
+                <a:uFillTx/>
+              </a:defRPr>
+            </a:pPr>
+            <a:endParaRPr lang="pt-BR" sz="1800" b="0" i="0" u="none" strike="noStrike" kern="1200" cap="none" spc="0" baseline="0">
+              <a:solidFill>
+                <a:srgbClr val="FFFFFF"/>
+              </a:solidFill>
+              <a:uFillTx/>
+              <a:latin typeface="Calibri"/>
+            </a:endParaRPr>
+          </a:p>
+        </p:txBody>
+      </p:sp>
+      <p:sp>
+        <p:nvSpPr>
+          <p:cNvPr id="20" name="Retângulo 51">
+            <a:extLst>
+              <a:ext uri="{FF2B5EF4-FFF2-40B4-BE49-F238E27FC236}">
+                <a16:creationId xmlns:a16="http://schemas.microsoft.com/office/drawing/2014/main" id="{5497E580-425A-4019-A29A-F2140D764A64}"/>
+              </a:ext>
+            </a:extLst>
+          </p:cNvPr>
+          <p:cNvSpPr/>
+          <p:nvPr/>
+        </p:nvSpPr>
+        <p:spPr>
+          <a:xfrm>
+            <a:off x="8806467" y="2696199"/>
+            <a:ext cx="911903" cy="808896"/>
+          </a:xfrm>
+          <a:prstGeom prst="rect">
+            <a:avLst/>
+          </a:prstGeom>
+          <a:noFill/>
+          <a:ln w="38103" cap="flat">
+            <a:solidFill>
+              <a:srgbClr val="000000"/>
+            </a:solidFill>
+            <a:prstDash val="solid"/>
+            <a:miter/>
+          </a:ln>
+        </p:spPr>
+        <p:txBody>
+          <a:bodyPr vert="horz" wrap="square" lIns="91440" tIns="45720" rIns="91440" bIns="45720" anchor="ctr" anchorCtr="1" compatLnSpc="1">
+            <a:noAutofit/>
+          </a:bodyPr>
+          <a:lstStyle/>
+          <a:p>
+            <a:pPr marL="0" marR="0" lvl="0" indent="0" algn="ctr" defTabSz="914400" rtl="0" fontAlgn="auto" hangingPunct="1">
+              <a:lnSpc>
+                <a:spcPct val="100000"/>
+              </a:lnSpc>
+              <a:spcBef>
+                <a:spcPts val="0"/>
+              </a:spcBef>
+              <a:spcAft>
+                <a:spcPts val="0"/>
+              </a:spcAft>
+              <a:buNone/>
+              <a:tabLst/>
+              <a:defRPr sz="1800" b="0" i="0" u="none" strike="noStrike" kern="0" cap="none" spc="0" baseline="0">
+                <a:solidFill>
+                  <a:srgbClr val="000000"/>
+                </a:solidFill>
+                <a:uFillTx/>
+              </a:defRPr>
+            </a:pPr>
+            <a:endParaRPr lang="pt-BR" sz="1800" b="0" i="0" u="none" strike="noStrike" kern="1200" cap="none" spc="0" baseline="0">
+              <a:solidFill>
+                <a:srgbClr val="FFFFFF"/>
+              </a:solidFill>
+              <a:uFillTx/>
+              <a:latin typeface="Calibri"/>
+            </a:endParaRPr>
+          </a:p>
+        </p:txBody>
+      </p:sp>
+      <p:sp>
+        <p:nvSpPr>
+          <p:cNvPr id="21" name="CaixaDeTexto 52">
+            <a:extLst>
+              <a:ext uri="{FF2B5EF4-FFF2-40B4-BE49-F238E27FC236}">
+                <a16:creationId xmlns:a16="http://schemas.microsoft.com/office/drawing/2014/main" id="{BA3DBAA0-7B0A-4FEF-8A5B-8F9CE5E549F7}"/>
+              </a:ext>
+            </a:extLst>
+          </p:cNvPr>
+          <p:cNvSpPr txBox="1"/>
+          <p:nvPr/>
+        </p:nvSpPr>
+        <p:spPr>
+          <a:xfrm>
+            <a:off x="757123" y="1656490"/>
+            <a:ext cx="669130" cy="356332"/>
+          </a:xfrm>
+          <a:prstGeom prst="rect">
+            <a:avLst/>
+          </a:prstGeom>
+          <a:noFill/>
+          <a:ln cap="flat">
+            <a:noFill/>
+          </a:ln>
+        </p:spPr>
+        <p:txBody>
+          <a:bodyPr vert="horz" wrap="none" lIns="90004" tIns="44997" rIns="90004" bIns="44997" anchor="t" anchorCtr="0" compatLnSpc="0">
+            <a:spAutoFit/>
+          </a:bodyPr>
+          <a:lstStyle/>
+          <a:p>
+            <a:pPr marL="0" marR="0" lvl="0" indent="0" algn="l" defTabSz="914400" rtl="0" fontAlgn="auto" hangingPunct="0">
+              <a:lnSpc>
+                <a:spcPct val="100000"/>
+              </a:lnSpc>
+              <a:spcBef>
+                <a:spcPts val="0"/>
+              </a:spcBef>
+              <a:spcAft>
+                <a:spcPts val="0"/>
+              </a:spcAft>
+              <a:buNone/>
+              <a:tabLst/>
+              <a:defRPr sz="1800" b="0" i="0" u="none" strike="noStrike" kern="0" cap="none" spc="0" baseline="0">
+                <a:solidFill>
+                  <a:srgbClr val="000000"/>
+                </a:solidFill>
+                <a:uFillTx/>
+              </a:defRPr>
+            </a:pPr>
+            <a:r>
+              <a:rPr lang="pt-BR" sz="1800" b="0" i="0" u="none" strike="noStrike" kern="1200" cap="none" spc="0" baseline="0">
+                <a:solidFill>
+                  <a:srgbClr val="000000"/>
+                </a:solidFill>
+                <a:uFillTx/>
                 <a:latin typeface="Liberation Sans" pitchFamily="18"/>
                 <a:ea typeface="WenQuanYi Micro Hei" pitchFamily="2"/>
                 <a:cs typeface="Lohit Devanagari" pitchFamily="2"/>
               </a:rPr>
               <a:t>User</a:t>
             </a:r>
-            <a:r>
-              <a:rPr lang="pt-BR" dirty="0">
-                <a:latin typeface="Liberation Sans" pitchFamily="18"/>
-                <a:ea typeface="WenQuanYi Micro Hei" pitchFamily="2"/>
-                <a:cs typeface="Lohit Devanagari" pitchFamily="2"/>
-              </a:rPr>
-              <a:t> </a:t>
-            </a:r>
-            <a:r>
-              <a:rPr lang="pt-BR" dirty="0" err="1">
-                <a:latin typeface="Liberation Sans" pitchFamily="18"/>
-                <a:ea typeface="WenQuanYi Micro Hei" pitchFamily="2"/>
-                <a:cs typeface="Lohit Devanagari" pitchFamily="2"/>
-              </a:rPr>
-              <a:t>Card</a:t>
-            </a:r>
-            <a:endParaRPr lang="pt-BR" b="0" i="0" u="none" strike="noStrike" kern="1200" cap="none" dirty="0">
-              <a:ln>
-                <a:noFill/>
-              </a:ln>
-              <a:latin typeface="Liberation Sans" pitchFamily="18"/>
-              <a:ea typeface="WenQuanYi Micro Hei" pitchFamily="2"/>
-              <a:cs typeface="Lohit Devanagari" pitchFamily="2"/>
-            </a:endParaRPr>
-          </a:p>
-        </p:txBody>
-      </p:sp>
-      <p:sp>
-        <p:nvSpPr>
-          <p:cNvPr id="20" name="Retângulo 19">
-            <a:extLst>
-              <a:ext uri="{FF2B5EF4-FFF2-40B4-BE49-F238E27FC236}">
-                <a16:creationId xmlns:a16="http://schemas.microsoft.com/office/drawing/2014/main" id="{8B6D8046-871F-4C86-A629-A8638F9092CF}"/>
-              </a:ext>
-            </a:extLst>
-          </p:cNvPr>
-          <p:cNvSpPr/>
+          </a:p>
+        </p:txBody>
+      </p:sp>
+      <p:sp>
+        <p:nvSpPr>
+          <p:cNvPr id="22" name="CaixaDeTexto 53">
+            <a:extLst>
+              <a:ext uri="{FF2B5EF4-FFF2-40B4-BE49-F238E27FC236}">
+                <a16:creationId xmlns:a16="http://schemas.microsoft.com/office/drawing/2014/main" id="{C3F8F226-5B36-46BD-AA8A-DF1FC56578DC}"/>
+              </a:ext>
+            </a:extLst>
+          </p:cNvPr>
+          <p:cNvSpPr txBox="1"/>
           <p:nvPr/>
         </p:nvSpPr>
         <p:spPr>
           <a:xfrm>
-            <a:off x="410962" y="1266091"/>
-            <a:ext cx="2543908" cy="1137139"/>
+            <a:off x="6171303" y="519598"/>
+            <a:ext cx="669130" cy="356332"/>
           </a:xfrm>
           <a:prstGeom prst="rect">
             <a:avLst/>
           </a:prstGeom>
           <a:noFill/>
-          <a:ln w="38100">
-            <a:solidFill>
-              <a:schemeClr val="tx1"/>
-            </a:solidFill>
-          </a:ln>
-        </p:spPr>
-        <p:style>
-          <a:lnRef idx="2">
-            <a:schemeClr val="accent1">
-              <a:shade val="50000"/>
-            </a:schemeClr>
-          </a:lnRef>
-          <a:fillRef idx="1">
-            <a:schemeClr val="accent1"/>
-          </a:fillRef>
-          <a:effectRef idx="0">
-            <a:schemeClr val="accent1"/>
-          </a:effectRef>
-          <a:fontRef idx="minor">
-            <a:schemeClr val="lt1"/>
-          </a:fontRef>
-        </p:style>
-        <p:txBody>
-          <a:bodyPr rtlCol="0" anchor="ctr"/>
-          <a:lstStyle/>
-          <a:p>
-            <a:pPr algn="ctr"/>
-            <a:endParaRPr lang="pt-BR"/>
-          </a:p>
-        </p:txBody>
-      </p:sp>
-      <p:cxnSp>
-        <p:nvCxnSpPr>
-          <p:cNvPr id="26" name="Conector de Seta Reta 25">
-            <a:extLst>
-              <a:ext uri="{FF2B5EF4-FFF2-40B4-BE49-F238E27FC236}">
-                <a16:creationId xmlns:a16="http://schemas.microsoft.com/office/drawing/2014/main" id="{D4011DE0-A4EA-4316-81AC-F6E596A6DAA0}"/>
-              </a:ext>
-            </a:extLst>
-          </p:cNvPr>
-          <p:cNvCxnSpPr>
-            <a:stCxn id="13" idx="2"/>
-          </p:cNvCxnSpPr>
-          <p:nvPr/>
-        </p:nvCxnSpPr>
-        <p:spPr>
-          <a:xfrm>
-            <a:off x="1533882" y="704563"/>
-            <a:ext cx="0" cy="467745"/>
-          </a:xfrm>
-          <a:prstGeom prst="straightConnector1">
-            <a:avLst/>
-          </a:prstGeom>
-          <a:ln w="38100">
-            <a:solidFill>
-              <a:schemeClr val="tx1"/>
-            </a:solidFill>
-            <a:tailEnd type="triangle"/>
-          </a:ln>
-        </p:spPr>
-        <p:style>
-          <a:lnRef idx="1">
-            <a:schemeClr val="accent1"/>
-          </a:lnRef>
-          <a:fillRef idx="0">
-            <a:schemeClr val="accent1"/>
-          </a:fillRef>
-          <a:effectRef idx="0">
-            <a:schemeClr val="accent1"/>
-          </a:effectRef>
-          <a:fontRef idx="minor">
-            <a:schemeClr val="tx1"/>
-          </a:fontRef>
-        </p:style>
-      </p:cxnSp>
-      <p:cxnSp>
-        <p:nvCxnSpPr>
-          <p:cNvPr id="28" name="Conector de Seta Reta 27">
-            <a:extLst>
-              <a:ext uri="{FF2B5EF4-FFF2-40B4-BE49-F238E27FC236}">
-                <a16:creationId xmlns:a16="http://schemas.microsoft.com/office/drawing/2014/main" id="{3AE8FCF9-089B-41AD-879A-E13137B4E9F2}"/>
-              </a:ext>
-            </a:extLst>
-          </p:cNvPr>
-          <p:cNvCxnSpPr>
-            <a:cxnSpLocks/>
-            <a:stCxn id="13" idx="3"/>
-          </p:cNvCxnSpPr>
-          <p:nvPr/>
-        </p:nvCxnSpPr>
-        <p:spPr>
-          <a:xfrm>
-            <a:off x="2445787" y="526395"/>
-            <a:ext cx="2967461" cy="0"/>
-          </a:xfrm>
-          <a:prstGeom prst="straightConnector1">
-            <a:avLst/>
-          </a:prstGeom>
-          <a:ln w="38100">
-            <a:solidFill>
-              <a:schemeClr val="tx1"/>
-            </a:solidFill>
-            <a:tailEnd type="triangle"/>
-          </a:ln>
-        </p:spPr>
-        <p:style>
-          <a:lnRef idx="1">
-            <a:schemeClr val="accent1"/>
-          </a:lnRef>
-          <a:fillRef idx="0">
-            <a:schemeClr val="accent1"/>
-          </a:fillRef>
-          <a:effectRef idx="0">
-            <a:schemeClr val="accent1"/>
-          </a:effectRef>
-          <a:fontRef idx="minor">
-            <a:schemeClr val="tx1"/>
-          </a:fontRef>
-        </p:style>
-      </p:cxnSp>
-      <p:cxnSp>
-        <p:nvCxnSpPr>
-          <p:cNvPr id="33" name="Conector de Seta Reta 32">
-            <a:extLst>
-              <a:ext uri="{FF2B5EF4-FFF2-40B4-BE49-F238E27FC236}">
-                <a16:creationId xmlns:a16="http://schemas.microsoft.com/office/drawing/2014/main" id="{0B08D946-556A-486E-A973-96A087B7C653}"/>
-              </a:ext>
-            </a:extLst>
-          </p:cNvPr>
-          <p:cNvCxnSpPr/>
-          <p:nvPr/>
-        </p:nvCxnSpPr>
-        <p:spPr>
-          <a:xfrm flipH="1">
-            <a:off x="5800001" y="1359769"/>
-            <a:ext cx="1582616" cy="1066800"/>
-          </a:xfrm>
-          <a:prstGeom prst="straightConnector1">
-            <a:avLst/>
-          </a:prstGeom>
-          <a:ln w="38100">
-            <a:solidFill>
-              <a:schemeClr val="tx1"/>
-            </a:solidFill>
-            <a:tailEnd type="triangle"/>
-          </a:ln>
-        </p:spPr>
-        <p:style>
-          <a:lnRef idx="1">
-            <a:schemeClr val="accent1"/>
-          </a:lnRef>
-          <a:fillRef idx="0">
-            <a:schemeClr val="accent1"/>
-          </a:fillRef>
-          <a:effectRef idx="0">
-            <a:schemeClr val="accent1"/>
-          </a:effectRef>
-          <a:fontRef idx="minor">
-            <a:schemeClr val="tx1"/>
-          </a:fontRef>
-        </p:style>
-      </p:cxnSp>
-      <p:cxnSp>
-        <p:nvCxnSpPr>
-          <p:cNvPr id="35" name="Conector de Seta Reta 34">
-            <a:extLst>
-              <a:ext uri="{FF2B5EF4-FFF2-40B4-BE49-F238E27FC236}">
-                <a16:creationId xmlns:a16="http://schemas.microsoft.com/office/drawing/2014/main" id="{AF9CD4AD-AB12-4F12-A45B-91028B7120CE}"/>
-              </a:ext>
-            </a:extLst>
-          </p:cNvPr>
-          <p:cNvCxnSpPr>
-            <a:cxnSpLocks/>
-          </p:cNvCxnSpPr>
-          <p:nvPr/>
-        </p:nvCxnSpPr>
-        <p:spPr>
-          <a:xfrm>
-            <a:off x="7354556" y="1366101"/>
-            <a:ext cx="1569887" cy="1031630"/>
-          </a:xfrm>
-          <a:prstGeom prst="straightConnector1">
-            <a:avLst/>
-          </a:prstGeom>
-          <a:ln w="38100">
-            <a:solidFill>
-              <a:schemeClr val="tx1"/>
-            </a:solidFill>
-            <a:tailEnd type="triangle"/>
-          </a:ln>
-        </p:spPr>
-        <p:style>
-          <a:lnRef idx="1">
-            <a:schemeClr val="accent1"/>
-          </a:lnRef>
-          <a:fillRef idx="0">
-            <a:schemeClr val="accent1"/>
-          </a:fillRef>
-          <a:effectRef idx="0">
-            <a:schemeClr val="accent1"/>
-          </a:effectRef>
-          <a:fontRef idx="minor">
-            <a:schemeClr val="tx1"/>
-          </a:fontRef>
-        </p:style>
-      </p:cxnSp>
-      <p:sp>
-        <p:nvSpPr>
-          <p:cNvPr id="39" name="CaixaDeTexto 38">
-            <a:extLst>
-              <a:ext uri="{FF2B5EF4-FFF2-40B4-BE49-F238E27FC236}">
-                <a16:creationId xmlns:a16="http://schemas.microsoft.com/office/drawing/2014/main" id="{16B6ED79-7AE0-4E12-A30C-6CBDA03FABA8}"/>
-              </a:ext>
-            </a:extLst>
-          </p:cNvPr>
-          <p:cNvSpPr txBox="1"/>
-          <p:nvPr/>
-        </p:nvSpPr>
-        <p:spPr>
-          <a:xfrm>
-            <a:off x="1755616" y="763824"/>
-            <a:ext cx="1477562" cy="356336"/>
-          </a:xfrm>
-          <a:prstGeom prst="rect">
-            <a:avLst/>
-          </a:prstGeom>
-          <a:noFill/>
-          <a:ln>
+          <a:ln cap="flat">
             <a:noFill/>
           </a:ln>
         </p:spPr>
         <p:txBody>
-          <a:bodyPr wrap="none" lIns="90000" tIns="45000" rIns="90000" bIns="45000" anchorCtr="0" compatLnSpc="0">
+          <a:bodyPr vert="horz" wrap="none" lIns="90004" tIns="44997" rIns="90004" bIns="44997" anchor="t" anchorCtr="0" compatLnSpc="0">
             <a:spAutoFit/>
           </a:bodyPr>
           <a:lstStyle/>
           <a:p>
-            <a:pPr marL="0" marR="0" lvl="0" indent="0" hangingPunct="0">
+            <a:pPr marL="0" marR="0" lvl="0" indent="0" algn="l" defTabSz="914400" rtl="0" fontAlgn="auto" hangingPunct="0">
               <a:lnSpc>
                 <a:spcPct val="100000"/>
               </a:lnSpc>
@@ -5768,722 +6954,36 @@
               <a:spcAft>
                 <a:spcPts val="0"/>
               </a:spcAft>
-              <a:buSzPct val="45000"/>
+              <a:buNone/>
               <a:tabLst/>
+              <a:defRPr sz="1800" b="0" i="0" u="none" strike="noStrike" kern="0" cap="none" spc="0" baseline="0">
+                <a:solidFill>
+                  <a:srgbClr val="000000"/>
+                </a:solidFill>
+                <a:uFillTx/>
+              </a:defRPr>
             </a:pPr>
             <a:r>
-              <a:rPr lang="pt-BR" b="0" i="0" u="none" strike="noStrike" kern="1200" cap="none" dirty="0">
-                <a:ln>
-                  <a:noFill/>
-                </a:ln>
-                <a:latin typeface="Liberation Sans" pitchFamily="18"/>
-                <a:ea typeface="WenQuanYi Micro Hei" pitchFamily="2"/>
-                <a:cs typeface="Lohit Devanagari" pitchFamily="2"/>
-              </a:rPr>
-              <a:t>Consulto BD</a:t>
-            </a:r>
-          </a:p>
-        </p:txBody>
-      </p:sp>
-      <p:sp>
-        <p:nvSpPr>
-          <p:cNvPr id="40" name="CaixaDeTexto 39">
-            <a:extLst>
-              <a:ext uri="{FF2B5EF4-FFF2-40B4-BE49-F238E27FC236}">
-                <a16:creationId xmlns:a16="http://schemas.microsoft.com/office/drawing/2014/main" id="{FAD2C4E8-37C4-4E96-9070-951510755342}"/>
-              </a:ext>
-            </a:extLst>
-          </p:cNvPr>
-          <p:cNvSpPr txBox="1"/>
-          <p:nvPr/>
-        </p:nvSpPr>
-        <p:spPr>
-          <a:xfrm>
-            <a:off x="3562750" y="182371"/>
-            <a:ext cx="1477562" cy="356336"/>
-          </a:xfrm>
-          <a:prstGeom prst="rect">
-            <a:avLst/>
-          </a:prstGeom>
-          <a:noFill/>
-          <a:ln>
-            <a:noFill/>
-          </a:ln>
-        </p:spPr>
-        <p:txBody>
-          <a:bodyPr wrap="none" lIns="90000" tIns="45000" rIns="90000" bIns="45000" anchorCtr="0" compatLnSpc="0">
-            <a:spAutoFit/>
-          </a:bodyPr>
-          <a:lstStyle/>
-          <a:p>
-            <a:pPr marL="0" marR="0" lvl="0" indent="0" hangingPunct="0">
-              <a:lnSpc>
-                <a:spcPct val="100000"/>
-              </a:lnSpc>
-              <a:spcBef>
-                <a:spcPts val="0"/>
-              </a:spcBef>
-              <a:spcAft>
-                <a:spcPts val="0"/>
-              </a:spcAft>
-              <a:buSzPct val="45000"/>
-              <a:tabLst/>
-            </a:pPr>
-            <a:r>
-              <a:rPr lang="pt-BR" b="0" i="0" u="none" strike="noStrike" kern="1200" cap="none" dirty="0">
-                <a:ln>
-                  <a:noFill/>
-                </a:ln>
-                <a:latin typeface="Liberation Sans" pitchFamily="18"/>
-                <a:ea typeface="WenQuanYi Micro Hei" pitchFamily="2"/>
-                <a:cs typeface="Lohit Devanagari" pitchFamily="2"/>
-              </a:rPr>
-              <a:t>Consulto BD</a:t>
-            </a:r>
-          </a:p>
-        </p:txBody>
-      </p:sp>
-      <p:sp>
-        <p:nvSpPr>
-          <p:cNvPr id="41" name="Retângulo 40">
-            <a:extLst>
-              <a:ext uri="{FF2B5EF4-FFF2-40B4-BE49-F238E27FC236}">
-                <a16:creationId xmlns:a16="http://schemas.microsoft.com/office/drawing/2014/main" id="{50BBD447-EE85-4C36-8F8A-8E6AB8BDA366}"/>
-              </a:ext>
-            </a:extLst>
-          </p:cNvPr>
-          <p:cNvSpPr/>
-          <p:nvPr/>
-        </p:nvSpPr>
-        <p:spPr>
-          <a:xfrm>
-            <a:off x="621977" y="1406769"/>
-            <a:ext cx="911905" cy="808893"/>
-          </a:xfrm>
-          <a:prstGeom prst="rect">
-            <a:avLst/>
-          </a:prstGeom>
-          <a:noFill/>
-          <a:ln w="38100">
-            <a:solidFill>
-              <a:schemeClr val="tx1"/>
-            </a:solidFill>
-          </a:ln>
-        </p:spPr>
-        <p:style>
-          <a:lnRef idx="2">
-            <a:schemeClr val="accent1">
-              <a:shade val="50000"/>
-            </a:schemeClr>
-          </a:lnRef>
-          <a:fillRef idx="1">
-            <a:schemeClr val="accent1"/>
-          </a:fillRef>
-          <a:effectRef idx="0">
-            <a:schemeClr val="accent1"/>
-          </a:effectRef>
-          <a:fontRef idx="minor">
-            <a:schemeClr val="lt1"/>
-          </a:fontRef>
-        </p:style>
-        <p:txBody>
-          <a:bodyPr rtlCol="0" anchor="ctr"/>
-          <a:lstStyle/>
-          <a:p>
-            <a:pPr algn="ctr"/>
-            <a:endParaRPr lang="pt-BR"/>
-          </a:p>
-        </p:txBody>
-      </p:sp>
-      <p:sp>
-        <p:nvSpPr>
-          <p:cNvPr id="43" name="Retângulo 42">
-            <a:extLst>
-              <a:ext uri="{FF2B5EF4-FFF2-40B4-BE49-F238E27FC236}">
-                <a16:creationId xmlns:a16="http://schemas.microsoft.com/office/drawing/2014/main" id="{32EF2A36-E132-4AB5-9F90-223D1E5CEFB7}"/>
-              </a:ext>
-            </a:extLst>
-          </p:cNvPr>
-          <p:cNvSpPr/>
-          <p:nvPr/>
-        </p:nvSpPr>
-        <p:spPr>
-          <a:xfrm>
-            <a:off x="1862873" y="1406769"/>
-            <a:ext cx="911905" cy="808893"/>
-          </a:xfrm>
-          <a:prstGeom prst="rect">
-            <a:avLst/>
-          </a:prstGeom>
-          <a:noFill/>
-          <a:ln w="38100">
-            <a:solidFill>
-              <a:schemeClr val="tx1"/>
-            </a:solidFill>
-          </a:ln>
-        </p:spPr>
-        <p:style>
-          <a:lnRef idx="2">
-            <a:schemeClr val="accent1">
-              <a:shade val="50000"/>
-            </a:schemeClr>
-          </a:lnRef>
-          <a:fillRef idx="1">
-            <a:schemeClr val="accent1"/>
-          </a:fillRef>
-          <a:effectRef idx="0">
-            <a:schemeClr val="accent1"/>
-          </a:effectRef>
-          <a:fontRef idx="minor">
-            <a:schemeClr val="lt1"/>
-          </a:fontRef>
-        </p:style>
-        <p:txBody>
-          <a:bodyPr rtlCol="0" anchor="ctr"/>
-          <a:lstStyle/>
-          <a:p>
-            <a:pPr algn="ctr"/>
-            <a:endParaRPr lang="pt-BR"/>
-          </a:p>
-        </p:txBody>
-      </p:sp>
-      <p:sp>
-        <p:nvSpPr>
-          <p:cNvPr id="44" name="Retângulo 43">
-            <a:extLst>
-              <a:ext uri="{FF2B5EF4-FFF2-40B4-BE49-F238E27FC236}">
-                <a16:creationId xmlns:a16="http://schemas.microsoft.com/office/drawing/2014/main" id="{3DB46D95-2149-462E-B424-BA9647A710AD}"/>
-              </a:ext>
-            </a:extLst>
-          </p:cNvPr>
-          <p:cNvSpPr/>
-          <p:nvPr/>
-        </p:nvSpPr>
-        <p:spPr>
-          <a:xfrm>
-            <a:off x="5853802" y="152641"/>
-            <a:ext cx="2543908" cy="1137139"/>
-          </a:xfrm>
-          <a:prstGeom prst="rect">
-            <a:avLst/>
-          </a:prstGeom>
-          <a:noFill/>
-          <a:ln w="38100">
-            <a:solidFill>
-              <a:schemeClr val="tx1"/>
-            </a:solidFill>
-          </a:ln>
-        </p:spPr>
-        <p:style>
-          <a:lnRef idx="2">
-            <a:schemeClr val="accent1">
-              <a:shade val="50000"/>
-            </a:schemeClr>
-          </a:lnRef>
-          <a:fillRef idx="1">
-            <a:schemeClr val="accent1"/>
-          </a:fillRef>
-          <a:effectRef idx="0">
-            <a:schemeClr val="accent1"/>
-          </a:effectRef>
-          <a:fontRef idx="minor">
-            <a:schemeClr val="lt1"/>
-          </a:fontRef>
-        </p:style>
-        <p:txBody>
-          <a:bodyPr rtlCol="0" anchor="ctr"/>
-          <a:lstStyle/>
-          <a:p>
-            <a:pPr algn="ctr"/>
-            <a:endParaRPr lang="pt-BR"/>
-          </a:p>
-        </p:txBody>
-      </p:sp>
-      <p:sp>
-        <p:nvSpPr>
-          <p:cNvPr id="45" name="Retângulo 44">
-            <a:extLst>
-              <a:ext uri="{FF2B5EF4-FFF2-40B4-BE49-F238E27FC236}">
-                <a16:creationId xmlns:a16="http://schemas.microsoft.com/office/drawing/2014/main" id="{5759BE75-D2C8-4049-BE1E-F4A4931583C8}"/>
-              </a:ext>
-            </a:extLst>
-          </p:cNvPr>
-          <p:cNvSpPr/>
-          <p:nvPr/>
-        </p:nvSpPr>
-        <p:spPr>
-          <a:xfrm>
-            <a:off x="6064817" y="293319"/>
-            <a:ext cx="911905" cy="808893"/>
-          </a:xfrm>
-          <a:prstGeom prst="rect">
-            <a:avLst/>
-          </a:prstGeom>
-          <a:noFill/>
-          <a:ln w="38100">
-            <a:solidFill>
-              <a:schemeClr val="tx1"/>
-            </a:solidFill>
-          </a:ln>
-        </p:spPr>
-        <p:style>
-          <a:lnRef idx="2">
-            <a:schemeClr val="accent1">
-              <a:shade val="50000"/>
-            </a:schemeClr>
-          </a:lnRef>
-          <a:fillRef idx="1">
-            <a:schemeClr val="accent1"/>
-          </a:fillRef>
-          <a:effectRef idx="0">
-            <a:schemeClr val="accent1"/>
-          </a:effectRef>
-          <a:fontRef idx="minor">
-            <a:schemeClr val="lt1"/>
-          </a:fontRef>
-        </p:style>
-        <p:txBody>
-          <a:bodyPr rtlCol="0" anchor="ctr"/>
-          <a:lstStyle/>
-          <a:p>
-            <a:pPr algn="ctr"/>
-            <a:endParaRPr lang="pt-BR"/>
-          </a:p>
-        </p:txBody>
-      </p:sp>
-      <p:sp>
-        <p:nvSpPr>
-          <p:cNvPr id="46" name="Retângulo 45">
-            <a:extLst>
-              <a:ext uri="{FF2B5EF4-FFF2-40B4-BE49-F238E27FC236}">
-                <a16:creationId xmlns:a16="http://schemas.microsoft.com/office/drawing/2014/main" id="{0E2EDFA1-6A51-4168-998E-625EE543F97B}"/>
-              </a:ext>
-            </a:extLst>
-          </p:cNvPr>
-          <p:cNvSpPr/>
-          <p:nvPr/>
-        </p:nvSpPr>
-        <p:spPr>
-          <a:xfrm>
-            <a:off x="7305713" y="293319"/>
-            <a:ext cx="911905" cy="808893"/>
-          </a:xfrm>
-          <a:prstGeom prst="rect">
-            <a:avLst/>
-          </a:prstGeom>
-          <a:noFill/>
-          <a:ln w="38100">
-            <a:solidFill>
-              <a:schemeClr val="tx1"/>
-            </a:solidFill>
-          </a:ln>
-        </p:spPr>
-        <p:style>
-          <a:lnRef idx="2">
-            <a:schemeClr val="accent1">
-              <a:shade val="50000"/>
-            </a:schemeClr>
-          </a:lnRef>
-          <a:fillRef idx="1">
-            <a:schemeClr val="accent1"/>
-          </a:fillRef>
-          <a:effectRef idx="0">
-            <a:schemeClr val="accent1"/>
-          </a:effectRef>
-          <a:fontRef idx="minor">
-            <a:schemeClr val="lt1"/>
-          </a:fontRef>
-        </p:style>
-        <p:txBody>
-          <a:bodyPr rtlCol="0" anchor="ctr"/>
-          <a:lstStyle/>
-          <a:p>
-            <a:pPr algn="ctr"/>
-            <a:endParaRPr lang="pt-BR"/>
-          </a:p>
-        </p:txBody>
-      </p:sp>
-      <p:sp>
-        <p:nvSpPr>
-          <p:cNvPr id="47" name="Retângulo 46">
-            <a:extLst>
-              <a:ext uri="{FF2B5EF4-FFF2-40B4-BE49-F238E27FC236}">
-                <a16:creationId xmlns:a16="http://schemas.microsoft.com/office/drawing/2014/main" id="{A0582BEA-7E09-4A1E-87E8-9CA44D0646B0}"/>
-              </a:ext>
-            </a:extLst>
-          </p:cNvPr>
-          <p:cNvSpPr/>
-          <p:nvPr/>
-        </p:nvSpPr>
-        <p:spPr>
-          <a:xfrm>
-            <a:off x="3842482" y="2555521"/>
-            <a:ext cx="2543908" cy="1137139"/>
-          </a:xfrm>
-          <a:prstGeom prst="rect">
-            <a:avLst/>
-          </a:prstGeom>
-          <a:noFill/>
-          <a:ln w="38100">
-            <a:solidFill>
-              <a:schemeClr val="tx1"/>
-            </a:solidFill>
-          </a:ln>
-        </p:spPr>
-        <p:style>
-          <a:lnRef idx="2">
-            <a:schemeClr val="accent1">
-              <a:shade val="50000"/>
-            </a:schemeClr>
-          </a:lnRef>
-          <a:fillRef idx="1">
-            <a:schemeClr val="accent1"/>
-          </a:fillRef>
-          <a:effectRef idx="0">
-            <a:schemeClr val="accent1"/>
-          </a:effectRef>
-          <a:fontRef idx="minor">
-            <a:schemeClr val="lt1"/>
-          </a:fontRef>
-        </p:style>
-        <p:txBody>
-          <a:bodyPr rtlCol="0" anchor="ctr"/>
-          <a:lstStyle/>
-          <a:p>
-            <a:pPr algn="ctr"/>
-            <a:endParaRPr lang="pt-BR"/>
-          </a:p>
-        </p:txBody>
-      </p:sp>
-      <p:sp>
-        <p:nvSpPr>
-          <p:cNvPr id="48" name="Retângulo 47">
-            <a:extLst>
-              <a:ext uri="{FF2B5EF4-FFF2-40B4-BE49-F238E27FC236}">
-                <a16:creationId xmlns:a16="http://schemas.microsoft.com/office/drawing/2014/main" id="{A169C789-2BCE-43EF-B832-792B89152F1D}"/>
-              </a:ext>
-            </a:extLst>
-          </p:cNvPr>
-          <p:cNvSpPr/>
-          <p:nvPr/>
-        </p:nvSpPr>
-        <p:spPr>
-          <a:xfrm>
-            <a:off x="3991843" y="2696199"/>
-            <a:ext cx="911905" cy="808893"/>
-          </a:xfrm>
-          <a:prstGeom prst="rect">
-            <a:avLst/>
-          </a:prstGeom>
-          <a:noFill/>
-          <a:ln w="38100">
-            <a:solidFill>
-              <a:schemeClr val="tx1"/>
-            </a:solidFill>
-          </a:ln>
-        </p:spPr>
-        <p:style>
-          <a:lnRef idx="2">
-            <a:schemeClr val="accent1">
-              <a:shade val="50000"/>
-            </a:schemeClr>
-          </a:lnRef>
-          <a:fillRef idx="1">
-            <a:schemeClr val="accent1"/>
-          </a:fillRef>
-          <a:effectRef idx="0">
-            <a:schemeClr val="accent1"/>
-          </a:effectRef>
-          <a:fontRef idx="minor">
-            <a:schemeClr val="lt1"/>
-          </a:fontRef>
-        </p:style>
-        <p:txBody>
-          <a:bodyPr rtlCol="0" anchor="ctr"/>
-          <a:lstStyle/>
-          <a:p>
-            <a:pPr algn="ctr"/>
-            <a:endParaRPr lang="pt-BR"/>
-          </a:p>
-        </p:txBody>
-      </p:sp>
-      <p:sp>
-        <p:nvSpPr>
-          <p:cNvPr id="49" name="Retângulo 48">
-            <a:extLst>
-              <a:ext uri="{FF2B5EF4-FFF2-40B4-BE49-F238E27FC236}">
-                <a16:creationId xmlns:a16="http://schemas.microsoft.com/office/drawing/2014/main" id="{308AAD6A-D1A2-4744-952B-BC8AA0026B75}"/>
-              </a:ext>
-            </a:extLst>
-          </p:cNvPr>
-          <p:cNvSpPr/>
-          <p:nvPr/>
-        </p:nvSpPr>
-        <p:spPr>
-          <a:xfrm>
-            <a:off x="5232739" y="2696199"/>
-            <a:ext cx="911905" cy="808893"/>
-          </a:xfrm>
-          <a:prstGeom prst="rect">
-            <a:avLst/>
-          </a:prstGeom>
-          <a:noFill/>
-          <a:ln w="38100">
-            <a:solidFill>
-              <a:schemeClr val="tx1"/>
-            </a:solidFill>
-          </a:ln>
-        </p:spPr>
-        <p:style>
-          <a:lnRef idx="2">
-            <a:schemeClr val="accent1">
-              <a:shade val="50000"/>
-            </a:schemeClr>
-          </a:lnRef>
-          <a:fillRef idx="1">
-            <a:schemeClr val="accent1"/>
-          </a:fillRef>
-          <a:effectRef idx="0">
-            <a:schemeClr val="accent1"/>
-          </a:effectRef>
-          <a:fontRef idx="minor">
-            <a:schemeClr val="lt1"/>
-          </a:fontRef>
-        </p:style>
-        <p:txBody>
-          <a:bodyPr rtlCol="0" anchor="ctr"/>
-          <a:lstStyle/>
-          <a:p>
-            <a:pPr algn="ctr"/>
-            <a:endParaRPr lang="pt-BR"/>
-          </a:p>
-        </p:txBody>
-      </p:sp>
-      <p:sp>
-        <p:nvSpPr>
-          <p:cNvPr id="50" name="Retângulo 49">
-            <a:extLst>
-              <a:ext uri="{FF2B5EF4-FFF2-40B4-BE49-F238E27FC236}">
-                <a16:creationId xmlns:a16="http://schemas.microsoft.com/office/drawing/2014/main" id="{9C76EDE9-B7B1-497E-94F8-5EE407715401}"/>
-              </a:ext>
-            </a:extLst>
-          </p:cNvPr>
-          <p:cNvSpPr/>
-          <p:nvPr/>
-        </p:nvSpPr>
-        <p:spPr>
-          <a:xfrm>
-            <a:off x="7354556" y="2555521"/>
-            <a:ext cx="2543908" cy="1137139"/>
-          </a:xfrm>
-          <a:prstGeom prst="rect">
-            <a:avLst/>
-          </a:prstGeom>
-          <a:noFill/>
-          <a:ln w="38100">
-            <a:solidFill>
-              <a:schemeClr val="tx1"/>
-            </a:solidFill>
-          </a:ln>
-        </p:spPr>
-        <p:style>
-          <a:lnRef idx="2">
-            <a:schemeClr val="accent1">
-              <a:shade val="50000"/>
-            </a:schemeClr>
-          </a:lnRef>
-          <a:fillRef idx="1">
-            <a:schemeClr val="accent1"/>
-          </a:fillRef>
-          <a:effectRef idx="0">
-            <a:schemeClr val="accent1"/>
-          </a:effectRef>
-          <a:fontRef idx="minor">
-            <a:schemeClr val="lt1"/>
-          </a:fontRef>
-        </p:style>
-        <p:txBody>
-          <a:bodyPr rtlCol="0" anchor="ctr"/>
-          <a:lstStyle/>
-          <a:p>
-            <a:pPr algn="ctr"/>
-            <a:endParaRPr lang="pt-BR"/>
-          </a:p>
-        </p:txBody>
-      </p:sp>
-      <p:sp>
-        <p:nvSpPr>
-          <p:cNvPr id="51" name="Retângulo 50">
-            <a:extLst>
-              <a:ext uri="{FF2B5EF4-FFF2-40B4-BE49-F238E27FC236}">
-                <a16:creationId xmlns:a16="http://schemas.microsoft.com/office/drawing/2014/main" id="{23E596FC-0A04-4968-81B1-27E9F96BFA0D}"/>
-              </a:ext>
-            </a:extLst>
-          </p:cNvPr>
-          <p:cNvSpPr/>
-          <p:nvPr/>
-        </p:nvSpPr>
-        <p:spPr>
-          <a:xfrm>
-            <a:off x="7565571" y="2696199"/>
-            <a:ext cx="911905" cy="808893"/>
-          </a:xfrm>
-          <a:prstGeom prst="rect">
-            <a:avLst/>
-          </a:prstGeom>
-          <a:noFill/>
-          <a:ln w="38100">
-            <a:solidFill>
-              <a:schemeClr val="tx1"/>
-            </a:solidFill>
-          </a:ln>
-        </p:spPr>
-        <p:style>
-          <a:lnRef idx="2">
-            <a:schemeClr val="accent1">
-              <a:shade val="50000"/>
-            </a:schemeClr>
-          </a:lnRef>
-          <a:fillRef idx="1">
-            <a:schemeClr val="accent1"/>
-          </a:fillRef>
-          <a:effectRef idx="0">
-            <a:schemeClr val="accent1"/>
-          </a:effectRef>
-          <a:fontRef idx="minor">
-            <a:schemeClr val="lt1"/>
-          </a:fontRef>
-        </p:style>
-        <p:txBody>
-          <a:bodyPr rtlCol="0" anchor="ctr"/>
-          <a:lstStyle/>
-          <a:p>
-            <a:pPr algn="ctr"/>
-            <a:endParaRPr lang="pt-BR"/>
-          </a:p>
-        </p:txBody>
-      </p:sp>
-      <p:sp>
-        <p:nvSpPr>
-          <p:cNvPr id="52" name="Retângulo 51">
-            <a:extLst>
-              <a:ext uri="{FF2B5EF4-FFF2-40B4-BE49-F238E27FC236}">
-                <a16:creationId xmlns:a16="http://schemas.microsoft.com/office/drawing/2014/main" id="{ADD5C9A1-6626-4957-AFD2-6D8408DF086A}"/>
-              </a:ext>
-            </a:extLst>
-          </p:cNvPr>
-          <p:cNvSpPr/>
-          <p:nvPr/>
-        </p:nvSpPr>
-        <p:spPr>
-          <a:xfrm>
-            <a:off x="8806467" y="2696199"/>
-            <a:ext cx="911905" cy="808893"/>
-          </a:xfrm>
-          <a:prstGeom prst="rect">
-            <a:avLst/>
-          </a:prstGeom>
-          <a:noFill/>
-          <a:ln w="38100">
-            <a:solidFill>
-              <a:schemeClr val="tx1"/>
-            </a:solidFill>
-          </a:ln>
-        </p:spPr>
-        <p:style>
-          <a:lnRef idx="2">
-            <a:schemeClr val="accent1">
-              <a:shade val="50000"/>
-            </a:schemeClr>
-          </a:lnRef>
-          <a:fillRef idx="1">
-            <a:schemeClr val="accent1"/>
-          </a:fillRef>
-          <a:effectRef idx="0">
-            <a:schemeClr val="accent1"/>
-          </a:effectRef>
-          <a:fontRef idx="minor">
-            <a:schemeClr val="lt1"/>
-          </a:fontRef>
-        </p:style>
-        <p:txBody>
-          <a:bodyPr rtlCol="0" anchor="ctr"/>
-          <a:lstStyle/>
-          <a:p>
-            <a:pPr algn="ctr"/>
-            <a:endParaRPr lang="pt-BR"/>
-          </a:p>
-        </p:txBody>
-      </p:sp>
-      <p:sp>
-        <p:nvSpPr>
-          <p:cNvPr id="53" name="CaixaDeTexto 52">
-            <a:extLst>
-              <a:ext uri="{FF2B5EF4-FFF2-40B4-BE49-F238E27FC236}">
-                <a16:creationId xmlns:a16="http://schemas.microsoft.com/office/drawing/2014/main" id="{884FFD31-104C-4E1D-A303-D1B6C9637175}"/>
-              </a:ext>
-            </a:extLst>
-          </p:cNvPr>
-          <p:cNvSpPr txBox="1"/>
-          <p:nvPr/>
-        </p:nvSpPr>
-        <p:spPr>
-          <a:xfrm>
-            <a:off x="757124" y="1656492"/>
-            <a:ext cx="669135" cy="356336"/>
-          </a:xfrm>
-          <a:prstGeom prst="rect">
-            <a:avLst/>
-          </a:prstGeom>
-          <a:noFill/>
-          <a:ln>
-            <a:noFill/>
-          </a:ln>
-        </p:spPr>
-        <p:txBody>
-          <a:bodyPr wrap="none" lIns="90000" tIns="45000" rIns="90000" bIns="45000" anchorCtr="0" compatLnSpc="0">
-            <a:spAutoFit/>
-          </a:bodyPr>
-          <a:lstStyle/>
-          <a:p>
-            <a:pPr marL="0" marR="0" lvl="0" indent="0" hangingPunct="0">
-              <a:lnSpc>
-                <a:spcPct val="100000"/>
-              </a:lnSpc>
-              <a:spcBef>
-                <a:spcPts val="0"/>
-              </a:spcBef>
-              <a:spcAft>
-                <a:spcPts val="0"/>
-              </a:spcAft>
-              <a:buSzPct val="45000"/>
-              <a:tabLst/>
-            </a:pPr>
-            <a:r>
-              <a:rPr lang="pt-BR" dirty="0" err="1">
+              <a:rPr lang="pt-BR" sz="1800" b="0" i="0" u="none" strike="noStrike" kern="1200" cap="none" spc="0" baseline="0">
+                <a:solidFill>
+                  <a:srgbClr val="000000"/>
+                </a:solidFill>
+                <a:uFillTx/>
                 <a:latin typeface="Liberation Sans" pitchFamily="18"/>
                 <a:ea typeface="WenQuanYi Micro Hei" pitchFamily="2"/>
                 <a:cs typeface="Lohit Devanagari" pitchFamily="2"/>
               </a:rPr>
               <a:t>User</a:t>
             </a:r>
-            <a:endParaRPr lang="pt-BR" b="0" i="0" u="none" strike="noStrike" kern="1200" cap="none" dirty="0">
-              <a:ln>
-                <a:noFill/>
-              </a:ln>
-              <a:latin typeface="Liberation Sans" pitchFamily="18"/>
-              <a:ea typeface="WenQuanYi Micro Hei" pitchFamily="2"/>
-              <a:cs typeface="Lohit Devanagari" pitchFamily="2"/>
-            </a:endParaRPr>
-          </a:p>
-        </p:txBody>
-      </p:sp>
-      <p:sp>
-        <p:nvSpPr>
-          <p:cNvPr id="54" name="CaixaDeTexto 53">
-            <a:extLst>
-              <a:ext uri="{FF2B5EF4-FFF2-40B4-BE49-F238E27FC236}">
-                <a16:creationId xmlns:a16="http://schemas.microsoft.com/office/drawing/2014/main" id="{50409729-DA1D-405B-ACB1-9B809D3DBAD8}"/>
+          </a:p>
+        </p:txBody>
+      </p:sp>
+      <p:sp>
+        <p:nvSpPr>
+          <p:cNvPr id="23" name="CaixaDeTexto 54">
+            <a:extLst>
+              <a:ext uri="{FF2B5EF4-FFF2-40B4-BE49-F238E27FC236}">
+                <a16:creationId xmlns:a16="http://schemas.microsoft.com/office/drawing/2014/main" id="{45F0B165-8668-40FB-A981-4F4376C50ADA}"/>
               </a:ext>
             </a:extLst>
           </p:cNvPr>
@@ -6492,24 +6992,24 @@
         </p:nvSpPr>
         <p:spPr>
           <a:xfrm>
-            <a:off x="6171307" y="519597"/>
-            <a:ext cx="669135" cy="356336"/>
+            <a:off x="4113227" y="2922477"/>
+            <a:ext cx="669130" cy="356332"/>
           </a:xfrm>
           <a:prstGeom prst="rect">
             <a:avLst/>
           </a:prstGeom>
           <a:noFill/>
-          <a:ln>
+          <a:ln cap="flat">
             <a:noFill/>
           </a:ln>
         </p:spPr>
         <p:txBody>
-          <a:bodyPr wrap="none" lIns="90000" tIns="45000" rIns="90000" bIns="45000" anchorCtr="0" compatLnSpc="0">
+          <a:bodyPr vert="horz" wrap="none" lIns="90004" tIns="44997" rIns="90004" bIns="44997" anchor="t" anchorCtr="0" compatLnSpc="0">
             <a:spAutoFit/>
           </a:bodyPr>
           <a:lstStyle/>
           <a:p>
-            <a:pPr marL="0" marR="0" lvl="0" indent="0" hangingPunct="0">
+            <a:pPr marL="0" marR="0" lvl="0" indent="0" algn="l" defTabSz="914400" rtl="0" fontAlgn="auto" hangingPunct="0">
               <a:lnSpc>
                 <a:spcPct val="100000"/>
               </a:lnSpc>
@@ -6519,34 +7019,36 @@
               <a:spcAft>
                 <a:spcPts val="0"/>
               </a:spcAft>
-              <a:buSzPct val="45000"/>
+              <a:buNone/>
               <a:tabLst/>
+              <a:defRPr sz="1800" b="0" i="0" u="none" strike="noStrike" kern="0" cap="none" spc="0" baseline="0">
+                <a:solidFill>
+                  <a:srgbClr val="000000"/>
+                </a:solidFill>
+                <a:uFillTx/>
+              </a:defRPr>
             </a:pPr>
             <a:r>
-              <a:rPr lang="pt-BR" dirty="0" err="1">
+              <a:rPr lang="pt-BR" sz="1800" b="0" i="0" u="none" strike="noStrike" kern="1200" cap="none" spc="0" baseline="0">
+                <a:solidFill>
+                  <a:srgbClr val="000000"/>
+                </a:solidFill>
+                <a:uFillTx/>
                 <a:latin typeface="Liberation Sans" pitchFamily="18"/>
                 <a:ea typeface="WenQuanYi Micro Hei" pitchFamily="2"/>
                 <a:cs typeface="Lohit Devanagari" pitchFamily="2"/>
               </a:rPr>
               <a:t>User</a:t>
             </a:r>
-            <a:endParaRPr lang="pt-BR" b="0" i="0" u="none" strike="noStrike" kern="1200" cap="none" dirty="0">
-              <a:ln>
-                <a:noFill/>
-              </a:ln>
-              <a:latin typeface="Liberation Sans" pitchFamily="18"/>
-              <a:ea typeface="WenQuanYi Micro Hei" pitchFamily="2"/>
-              <a:cs typeface="Lohit Devanagari" pitchFamily="2"/>
-            </a:endParaRPr>
-          </a:p>
-        </p:txBody>
-      </p:sp>
-      <p:sp>
-        <p:nvSpPr>
-          <p:cNvPr id="55" name="CaixaDeTexto 54">
-            <a:extLst>
-              <a:ext uri="{FF2B5EF4-FFF2-40B4-BE49-F238E27FC236}">
-                <a16:creationId xmlns:a16="http://schemas.microsoft.com/office/drawing/2014/main" id="{3DE5C18B-D060-477D-99D5-ADFFB38960F8}"/>
+          </a:p>
+        </p:txBody>
+      </p:sp>
+      <p:sp>
+        <p:nvSpPr>
+          <p:cNvPr id="24" name="CaixaDeTexto 55">
+            <a:extLst>
+              <a:ext uri="{FF2B5EF4-FFF2-40B4-BE49-F238E27FC236}">
+                <a16:creationId xmlns:a16="http://schemas.microsoft.com/office/drawing/2014/main" id="{472AB0DE-B656-4DD7-8FB0-74402F82ECC6}"/>
               </a:ext>
             </a:extLst>
           </p:cNvPr>
@@ -6555,24 +7057,24 @@
         </p:nvSpPr>
         <p:spPr>
           <a:xfrm>
-            <a:off x="4113227" y="2922477"/>
-            <a:ext cx="669135" cy="356336"/>
+            <a:off x="7615854" y="2945922"/>
+            <a:ext cx="861620" cy="356332"/>
           </a:xfrm>
           <a:prstGeom prst="rect">
             <a:avLst/>
           </a:prstGeom>
           <a:noFill/>
-          <a:ln>
+          <a:ln cap="flat">
             <a:noFill/>
           </a:ln>
         </p:spPr>
         <p:txBody>
-          <a:bodyPr wrap="none" lIns="90000" tIns="45000" rIns="90000" bIns="45000" anchorCtr="0" compatLnSpc="0">
+          <a:bodyPr vert="horz" wrap="none" lIns="90004" tIns="44997" rIns="90004" bIns="44997" anchor="t" anchorCtr="0" compatLnSpc="0">
             <a:spAutoFit/>
           </a:bodyPr>
           <a:lstStyle/>
           <a:p>
-            <a:pPr marL="0" marR="0" lvl="0" indent="0" hangingPunct="0">
+            <a:pPr marL="0" marR="0" lvl="0" indent="0" algn="l" defTabSz="914400" rtl="0" fontAlgn="auto" hangingPunct="0">
               <a:lnSpc>
                 <a:spcPct val="100000"/>
               </a:lnSpc>
@@ -6582,34 +7084,312 @@
               <a:spcAft>
                 <a:spcPts val="0"/>
               </a:spcAft>
-              <a:buSzPct val="45000"/>
+              <a:buNone/>
               <a:tabLst/>
+              <a:defRPr sz="1800" b="0" i="0" u="none" strike="noStrike" kern="0" cap="none" spc="0" baseline="0">
+                <a:solidFill>
+                  <a:srgbClr val="000000"/>
+                </a:solidFill>
+                <a:uFillTx/>
+              </a:defRPr>
             </a:pPr>
             <a:r>
-              <a:rPr lang="pt-BR" dirty="0" err="1">
+              <a:rPr lang="pt-BR" sz="1800" b="0" i="0" u="none" strike="noStrike" kern="1200" cap="none" spc="0" baseline="0">
+                <a:solidFill>
+                  <a:srgbClr val="000000"/>
+                </a:solidFill>
+                <a:uFillTx/>
                 <a:latin typeface="Liberation Sans" pitchFamily="18"/>
                 <a:ea typeface="WenQuanYi Micro Hei" pitchFamily="2"/>
                 <a:cs typeface="Lohit Devanagari" pitchFamily="2"/>
               </a:rPr>
-              <a:t>User</a:t>
-            </a:r>
-            <a:endParaRPr lang="pt-BR" b="0" i="0" u="none" strike="noStrike" kern="1200" cap="none" dirty="0">
-              <a:ln>
-                <a:noFill/>
-              </a:ln>
-              <a:latin typeface="Liberation Sans" pitchFamily="18"/>
-              <a:ea typeface="WenQuanYi Micro Hei" pitchFamily="2"/>
-              <a:cs typeface="Lohit Devanagari" pitchFamily="2"/>
+              <a:t>User 2</a:t>
+            </a:r>
+          </a:p>
+        </p:txBody>
+      </p:sp>
+      <p:sp>
+        <p:nvSpPr>
+          <p:cNvPr id="25" name="Sinal de Multiplicação 56">
+            <a:extLst>
+              <a:ext uri="{FF2B5EF4-FFF2-40B4-BE49-F238E27FC236}">
+                <a16:creationId xmlns:a16="http://schemas.microsoft.com/office/drawing/2014/main" id="{2102791A-60E1-452C-AC7A-330C108A7E92}"/>
+              </a:ext>
+            </a:extLst>
+          </p:cNvPr>
+          <p:cNvSpPr/>
+          <p:nvPr/>
+        </p:nvSpPr>
+        <p:spPr>
+          <a:xfrm>
+            <a:off x="1363809" y="1528648"/>
+            <a:ext cx="669130" cy="652954"/>
+          </a:xfrm>
+          <a:custGeom>
+            <a:avLst>
+              <a:gd name="f10" fmla="val 23520"/>
+            </a:avLst>
+            <a:gdLst>
+              <a:gd name="f1" fmla="val 10800000"/>
+              <a:gd name="f2" fmla="val 5400000"/>
+              <a:gd name="f3" fmla="val 180"/>
+              <a:gd name="f4" fmla="val w"/>
+              <a:gd name="f5" fmla="val h"/>
+              <a:gd name="f6" fmla="val ss"/>
+              <a:gd name="f7" fmla="val 0"/>
+              <a:gd name="f8" fmla="*/ 5419351 1 1725033"/>
+              <a:gd name="f9" fmla="*/ 0 0 1"/>
+              <a:gd name="f10" fmla="val 23520"/>
+              <a:gd name="f11" fmla="+- 0 0 -270"/>
+              <a:gd name="f12" fmla="+- 0 0 -360"/>
+              <a:gd name="f13" fmla="+- 0 0 -90"/>
+              <a:gd name="f14" fmla="+- 0 0 -180"/>
+              <a:gd name="f15" fmla="abs f4"/>
+              <a:gd name="f16" fmla="abs f5"/>
+              <a:gd name="f17" fmla="abs f6"/>
+              <a:gd name="f18" fmla="val f7"/>
+              <a:gd name="f19" fmla="val f10"/>
+              <a:gd name="f20" fmla="*/ f11 f1 1"/>
+              <a:gd name="f21" fmla="*/ f12 f1 1"/>
+              <a:gd name="f22" fmla="*/ f13 f1 1"/>
+              <a:gd name="f23" fmla="*/ f14 f1 1"/>
+              <a:gd name="f24" fmla="?: f15 f4 1"/>
+              <a:gd name="f25" fmla="?: f16 f5 1"/>
+              <a:gd name="f26" fmla="?: f17 f6 1"/>
+              <a:gd name="f27" fmla="*/ f20 1 f3"/>
+              <a:gd name="f28" fmla="*/ f21 1 f3"/>
+              <a:gd name="f29" fmla="*/ f22 1 f3"/>
+              <a:gd name="f30" fmla="*/ f23 1 f3"/>
+              <a:gd name="f31" fmla="*/ f24 1 21600"/>
+              <a:gd name="f32" fmla="*/ f25 1 21600"/>
+              <a:gd name="f33" fmla="*/ 21600 f24 1"/>
+              <a:gd name="f34" fmla="*/ 21600 f25 1"/>
+              <a:gd name="f35" fmla="+- f27 0 f2"/>
+              <a:gd name="f36" fmla="+- f28 0 f2"/>
+              <a:gd name="f37" fmla="+- f29 0 f2"/>
+              <a:gd name="f38" fmla="+- f30 0 f2"/>
+              <a:gd name="f39" fmla="min f32 f31"/>
+              <a:gd name="f40" fmla="*/ f33 1 f26"/>
+              <a:gd name="f41" fmla="*/ f34 1 f26"/>
+              <a:gd name="f42" fmla="val f40"/>
+              <a:gd name="f43" fmla="val f41"/>
+              <a:gd name="f44" fmla="+- f43 0 f18"/>
+              <a:gd name="f45" fmla="+- f42 0 f18"/>
+              <a:gd name="f46" fmla="*/ f44 1 2"/>
+              <a:gd name="f47" fmla="*/ f45 1 2"/>
+              <a:gd name="f48" fmla="min f45 f44"/>
+              <a:gd name="f49" fmla="+- 0 0 f45"/>
+              <a:gd name="f50" fmla="+- 0 0 f44"/>
+              <a:gd name="f51" fmla="*/ f45 f45 1"/>
+              <a:gd name="f52" fmla="*/ f44 f44 1"/>
+              <a:gd name="f53" fmla="+- f18 f46 0"/>
+              <a:gd name="f54" fmla="+- f18 f47 0"/>
+              <a:gd name="f55" fmla="*/ f48 f19 1"/>
+              <a:gd name="f56" fmla="+- 0 0 f49"/>
+              <a:gd name="f57" fmla="+- 0 0 f50"/>
+              <a:gd name="f58" fmla="+- f51 f52 0"/>
+              <a:gd name="f59" fmla="*/ f55 1 100000"/>
+              <a:gd name="f60" fmla="at2 f56 f57"/>
+              <a:gd name="f61" fmla="+- f58 f9 0"/>
+              <a:gd name="f62" fmla="*/ f54 f39 1"/>
+              <a:gd name="f63" fmla="*/ f53 f39 1"/>
+              <a:gd name="f64" fmla="+- f60 f2 0"/>
+              <a:gd name="f65" fmla="sqrt f61"/>
+              <a:gd name="f66" fmla="*/ f64 f8 1"/>
+              <a:gd name="f67" fmla="*/ f65 51965 1"/>
+              <a:gd name="f68" fmla="*/ f66 1 f1"/>
+              <a:gd name="f69" fmla="*/ f67 1 100000"/>
+              <a:gd name="f70" fmla="+- 0 0 f68"/>
+              <a:gd name="f71" fmla="+- f65 0 f69"/>
+              <a:gd name="f72" fmla="val f70"/>
+              <a:gd name="f73" fmla="+- 0 0 f72"/>
+              <a:gd name="f74" fmla="*/ f73 f1 1"/>
+              <a:gd name="f75" fmla="*/ f74 1 f8"/>
+              <a:gd name="f76" fmla="+- f75 0 f2"/>
+              <a:gd name="f77" fmla="+- f76 f2 0"/>
+              <a:gd name="f78" fmla="*/ f77 f8 1"/>
+              <a:gd name="f79" fmla="*/ f78 1 f1"/>
+              <a:gd name="f80" fmla="+- 0 0 f79"/>
+              <a:gd name="f81" fmla="+- 0 0 f80"/>
+              <a:gd name="f82" fmla="*/ f81 f1 1"/>
+              <a:gd name="f83" fmla="*/ f82 1 f8"/>
+              <a:gd name="f84" fmla="+- f83 0 f2"/>
+              <a:gd name="f85" fmla="sin 1 f84"/>
+              <a:gd name="f86" fmla="cos 1 f84"/>
+              <a:gd name="f87" fmla="tan 1 f84"/>
+              <a:gd name="f88" fmla="+- 0 0 f85"/>
+              <a:gd name="f89" fmla="+- 0 0 f86"/>
+              <a:gd name="f90" fmla="*/ 1 1 f87"/>
+              <a:gd name="f91" fmla="+- 0 0 f88"/>
+              <a:gd name="f92" fmla="+- 0 0 f89"/>
+              <a:gd name="f93" fmla="*/ 1 1 f90"/>
+              <a:gd name="f94" fmla="val f91"/>
+              <a:gd name="f95" fmla="val f92"/>
+              <a:gd name="f96" fmla="*/ f95 f71 1"/>
+              <a:gd name="f97" fmla="*/ f94 f71 1"/>
+              <a:gd name="f98" fmla="*/ f94 f59 1"/>
+              <a:gd name="f99" fmla="*/ f95 f59 1"/>
+              <a:gd name="f100" fmla="*/ f96 1 2"/>
+              <a:gd name="f101" fmla="*/ f97 1 2"/>
+              <a:gd name="f102" fmla="*/ f98 1 2"/>
+              <a:gd name="f103" fmla="*/ f99 1 2"/>
+              <a:gd name="f104" fmla="+- f100 0 f102"/>
+              <a:gd name="f105" fmla="+- f101 f103 0"/>
+              <a:gd name="f106" fmla="+- f100 f102 0"/>
+              <a:gd name="f107" fmla="+- f101 0 f103"/>
+              <a:gd name="f108" fmla="+- f42 0 f100"/>
+              <a:gd name="f109" fmla="+- f43 0 f101"/>
+              <a:gd name="f110" fmla="*/ f100 f39 1"/>
+              <a:gd name="f111" fmla="*/ f101 f39 1"/>
+              <a:gd name="f112" fmla="+- f54 0 f106"/>
+              <a:gd name="f113" fmla="+- f42 0 f106"/>
+              <a:gd name="f114" fmla="+- f42 0 f104"/>
+              <a:gd name="f115" fmla="+- f53 0 f105"/>
+              <a:gd name="f116" fmla="+- f43 0 f105"/>
+              <a:gd name="f117" fmla="+- f43 0 f107"/>
+              <a:gd name="f118" fmla="*/ f104 f39 1"/>
+              <a:gd name="f119" fmla="*/ f107 f39 1"/>
+              <a:gd name="f120" fmla="*/ f105 f39 1"/>
+              <a:gd name="f121" fmla="*/ f106 f39 1"/>
+              <a:gd name="f122" fmla="*/ f108 f39 1"/>
+              <a:gd name="f123" fmla="*/ f109 f39 1"/>
+              <a:gd name="f124" fmla="*/ f112 f93 1"/>
+              <a:gd name="f125" fmla="*/ f115 1 f93"/>
+              <a:gd name="f126" fmla="*/ f114 f39 1"/>
+              <a:gd name="f127" fmla="*/ f117 f39 1"/>
+              <a:gd name="f128" fmla="*/ f113 f39 1"/>
+              <a:gd name="f129" fmla="*/ f116 f39 1"/>
+              <a:gd name="f130" fmla="+- f124 f107 0"/>
+              <a:gd name="f131" fmla="+- f114 0 f125"/>
+              <a:gd name="f132" fmla="+- f104 f125 0"/>
+              <a:gd name="f133" fmla="+- f43 0 f130"/>
+              <a:gd name="f134" fmla="*/ f130 f39 1"/>
+              <a:gd name="f135" fmla="*/ f131 f39 1"/>
+              <a:gd name="f136" fmla="*/ f132 f39 1"/>
+              <a:gd name="f137" fmla="*/ f133 f39 1"/>
+            </a:gdLst>
+            <a:ahLst/>
+            <a:cxnLst>
+              <a:cxn ang="3cd4">
+                <a:pos x="hc" y="t"/>
+              </a:cxn>
+              <a:cxn ang="0">
+                <a:pos x="r" y="vc"/>
+              </a:cxn>
+              <a:cxn ang="cd4">
+                <a:pos x="hc" y="b"/>
+              </a:cxn>
+              <a:cxn ang="cd2">
+                <a:pos x="l" y="vc"/>
+              </a:cxn>
+              <a:cxn ang="f35">
+                <a:pos x="f110" y="f111"/>
+              </a:cxn>
+              <a:cxn ang="f36">
+                <a:pos x="f122" y="f111"/>
+              </a:cxn>
+              <a:cxn ang="f37">
+                <a:pos x="f122" y="f123"/>
+              </a:cxn>
+              <a:cxn ang="f38">
+                <a:pos x="f110" y="f123"/>
+              </a:cxn>
+            </a:cxnLst>
+            <a:rect l="f118" t="f119" r="f126" b="f127"/>
+            <a:pathLst>
+              <a:path>
+                <a:moveTo>
+                  <a:pt x="f118" y="f120"/>
+                </a:moveTo>
+                <a:lnTo>
+                  <a:pt x="f121" y="f119"/>
+                </a:lnTo>
+                <a:lnTo>
+                  <a:pt x="f62" y="f134"/>
+                </a:lnTo>
+                <a:lnTo>
+                  <a:pt x="f128" y="f119"/>
+                </a:lnTo>
+                <a:lnTo>
+                  <a:pt x="f126" y="f120"/>
+                </a:lnTo>
+                <a:lnTo>
+                  <a:pt x="f135" y="f63"/>
+                </a:lnTo>
+                <a:lnTo>
+                  <a:pt x="f126" y="f129"/>
+                </a:lnTo>
+                <a:lnTo>
+                  <a:pt x="f128" y="f127"/>
+                </a:lnTo>
+                <a:lnTo>
+                  <a:pt x="f62" y="f137"/>
+                </a:lnTo>
+                <a:lnTo>
+                  <a:pt x="f121" y="f127"/>
+                </a:lnTo>
+                <a:lnTo>
+                  <a:pt x="f118" y="f129"/>
+                </a:lnTo>
+                <a:lnTo>
+                  <a:pt x="f136" y="f63"/>
+                </a:lnTo>
+                <a:close/>
+              </a:path>
+            </a:pathLst>
+          </a:custGeom>
+          <a:solidFill>
+            <a:srgbClr val="FF0000"/>
+          </a:solidFill>
+          <a:ln w="12701" cap="flat">
+            <a:solidFill>
+              <a:srgbClr val="2F528F"/>
+            </a:solidFill>
+            <a:prstDash val="solid"/>
+            <a:miter/>
+          </a:ln>
+        </p:spPr>
+        <p:txBody>
+          <a:bodyPr vert="horz" wrap="square" lIns="91440" tIns="45720" rIns="91440" bIns="45720" anchor="ctr" anchorCtr="1" compatLnSpc="1">
+            <a:noAutofit/>
+          </a:bodyPr>
+          <a:lstStyle/>
+          <a:p>
+            <a:pPr marL="0" marR="0" lvl="0" indent="0" algn="ctr" defTabSz="914400" rtl="0" fontAlgn="auto" hangingPunct="1">
+              <a:lnSpc>
+                <a:spcPct val="100000"/>
+              </a:lnSpc>
+              <a:spcBef>
+                <a:spcPts val="0"/>
+              </a:spcBef>
+              <a:spcAft>
+                <a:spcPts val="0"/>
+              </a:spcAft>
+              <a:buNone/>
+              <a:tabLst/>
+              <a:defRPr sz="1800" b="0" i="0" u="none" strike="noStrike" kern="0" cap="none" spc="0" baseline="0">
+                <a:solidFill>
+                  <a:srgbClr val="000000"/>
+                </a:solidFill>
+                <a:uFillTx/>
+              </a:defRPr>
+            </a:pPr>
+            <a:endParaRPr lang="pt-BR" sz="1800" b="0" i="0" u="none" strike="noStrike" kern="1200" cap="none" spc="0" baseline="0">
+              <a:solidFill>
+                <a:srgbClr val="FFFFFF"/>
+              </a:solidFill>
+              <a:uFillTx/>
+              <a:latin typeface="Calibri"/>
             </a:endParaRPr>
           </a:p>
         </p:txBody>
       </p:sp>
       <p:sp>
         <p:nvSpPr>
-          <p:cNvPr id="56" name="CaixaDeTexto 55">
-            <a:extLst>
-              <a:ext uri="{FF2B5EF4-FFF2-40B4-BE49-F238E27FC236}">
-                <a16:creationId xmlns:a16="http://schemas.microsoft.com/office/drawing/2014/main" id="{4FA51936-BCDA-4A8D-A10E-B8625E523577}"/>
+          <p:cNvPr id="26" name="CaixaDeTexto 57">
+            <a:extLst>
+              <a:ext uri="{FF2B5EF4-FFF2-40B4-BE49-F238E27FC236}">
+                <a16:creationId xmlns:a16="http://schemas.microsoft.com/office/drawing/2014/main" id="{11C112F5-ACDB-4458-A962-0DF943ECA608}"/>
               </a:ext>
             </a:extLst>
           </p:cNvPr>
@@ -6618,24 +7398,24 @@
         </p:nvSpPr>
         <p:spPr>
           <a:xfrm>
-            <a:off x="7615852" y="2945922"/>
-            <a:ext cx="861624" cy="356336"/>
+            <a:off x="1905984" y="1487573"/>
+            <a:ext cx="911903" cy="621792"/>
           </a:xfrm>
           <a:prstGeom prst="rect">
             <a:avLst/>
           </a:prstGeom>
           <a:noFill/>
-          <a:ln>
+          <a:ln cap="flat">
             <a:noFill/>
           </a:ln>
         </p:spPr>
         <p:txBody>
-          <a:bodyPr wrap="none" lIns="90000" tIns="45000" rIns="90000" bIns="45000" anchorCtr="0" compatLnSpc="0">
+          <a:bodyPr vert="horz" wrap="square" lIns="90004" tIns="44997" rIns="90004" bIns="44997" anchor="t" anchorCtr="0" compatLnSpc="0">
             <a:spAutoFit/>
           </a:bodyPr>
           <a:lstStyle/>
           <a:p>
-            <a:pPr marL="0" marR="0" lvl="0" indent="0" hangingPunct="0">
+            <a:pPr marL="0" marR="0" lvl="0" indent="0" algn="l" defTabSz="914400" rtl="0" fontAlgn="auto" hangingPunct="0">
               <a:lnSpc>
                 <a:spcPct val="100000"/>
               </a:lnSpc>
@@ -6645,91 +7425,36 @@
               <a:spcAft>
                 <a:spcPts val="0"/>
               </a:spcAft>
-              <a:buSzPct val="45000"/>
+              <a:buNone/>
               <a:tabLst/>
+              <a:defRPr sz="1800" b="0" i="0" u="none" strike="noStrike" kern="0" cap="none" spc="0" baseline="0">
+                <a:solidFill>
+                  <a:srgbClr val="000000"/>
+                </a:solidFill>
+                <a:uFillTx/>
+              </a:defRPr>
             </a:pPr>
             <a:r>
-              <a:rPr lang="pt-BR" dirty="0" err="1">
+              <a:rPr lang="pt-BR" sz="1800" b="0" i="0" u="none" strike="noStrike" kern="1200" cap="none" spc="0" baseline="0">
+                <a:solidFill>
+                  <a:srgbClr val="000000"/>
+                </a:solidFill>
+                <a:uFillTx/>
                 <a:latin typeface="Liberation Sans" pitchFamily="18"/>
                 <a:ea typeface="WenQuanYi Micro Hei" pitchFamily="2"/>
                 <a:cs typeface="Lohit Devanagari" pitchFamily="2"/>
               </a:rPr>
-              <a:t>User</a:t>
-            </a:r>
-            <a:r>
-              <a:rPr lang="pt-BR" dirty="0">
-                <a:latin typeface="Liberation Sans" pitchFamily="18"/>
-                <a:ea typeface="WenQuanYi Micro Hei" pitchFamily="2"/>
-                <a:cs typeface="Lohit Devanagari" pitchFamily="2"/>
-              </a:rPr>
-              <a:t> 2</a:t>
-            </a:r>
-            <a:endParaRPr lang="pt-BR" b="0" i="0" u="none" strike="noStrike" kern="1200" cap="none" dirty="0">
-              <a:ln>
-                <a:noFill/>
-              </a:ln>
-              <a:latin typeface="Liberation Sans" pitchFamily="18"/>
-              <a:ea typeface="WenQuanYi Micro Hei" pitchFamily="2"/>
-              <a:cs typeface="Lohit Devanagari" pitchFamily="2"/>
-            </a:endParaRPr>
-          </a:p>
-        </p:txBody>
-      </p:sp>
-      <p:sp>
-        <p:nvSpPr>
-          <p:cNvPr id="57" name="Sinal de Multiplicação 56">
-            <a:extLst>
-              <a:ext uri="{FF2B5EF4-FFF2-40B4-BE49-F238E27FC236}">
-                <a16:creationId xmlns:a16="http://schemas.microsoft.com/office/drawing/2014/main" id="{BB312CF9-161E-4D5B-8047-9AC92D96D087}"/>
-              </a:ext>
-            </a:extLst>
-          </p:cNvPr>
-          <p:cNvSpPr/>
-          <p:nvPr/>
-        </p:nvSpPr>
-        <p:spPr>
-          <a:xfrm>
-            <a:off x="1363810" y="1528644"/>
-            <a:ext cx="669135" cy="652953"/>
-          </a:xfrm>
-          <a:prstGeom prst="mathMultiply">
-            <a:avLst/>
-          </a:prstGeom>
-          <a:solidFill>
-            <a:srgbClr val="FF0000"/>
-          </a:solidFill>
-        </p:spPr>
-        <p:style>
-          <a:lnRef idx="2">
-            <a:schemeClr val="accent1">
-              <a:shade val="50000"/>
-            </a:schemeClr>
-          </a:lnRef>
-          <a:fillRef idx="1">
-            <a:schemeClr val="accent1"/>
-          </a:fillRef>
-          <a:effectRef idx="0">
-            <a:schemeClr val="accent1"/>
-          </a:effectRef>
-          <a:fontRef idx="minor">
-            <a:schemeClr val="lt1"/>
-          </a:fontRef>
-        </p:style>
-        <p:txBody>
-          <a:bodyPr rtlCol="0" anchor="ctr"/>
-          <a:lstStyle/>
-          <a:p>
-            <a:pPr algn="ctr"/>
-            <a:endParaRPr lang="pt-BR"/>
-          </a:p>
-        </p:txBody>
-      </p:sp>
-      <p:sp>
-        <p:nvSpPr>
-          <p:cNvPr id="58" name="CaixaDeTexto 57">
-            <a:extLst>
-              <a:ext uri="{FF2B5EF4-FFF2-40B4-BE49-F238E27FC236}">
-                <a16:creationId xmlns:a16="http://schemas.microsoft.com/office/drawing/2014/main" id="{ACCB270E-F95D-4B09-9B77-A0E7AB0EAC8D}"/>
+              <a:t>Equip. ou Kit</a:t>
+            </a:r>
+          </a:p>
+        </p:txBody>
+      </p:sp>
+      <p:sp>
+        <p:nvSpPr>
+          <p:cNvPr id="27" name="CaixaDeTexto 58">
+            <a:extLst>
+              <a:ext uri="{FF2B5EF4-FFF2-40B4-BE49-F238E27FC236}">
+                <a16:creationId xmlns:a16="http://schemas.microsoft.com/office/drawing/2014/main" id="{E7DE29AC-D1FF-4912-A719-F590DE49C54B}"/>
               </a:ext>
             </a:extLst>
           </p:cNvPr>
@@ -6738,24 +7463,24 @@
         </p:nvSpPr>
         <p:spPr>
           <a:xfrm>
-            <a:off x="1905983" y="1487570"/>
-            <a:ext cx="911905" cy="621793"/>
+            <a:off x="-59445" y="2447574"/>
+            <a:ext cx="3484714" cy="887251"/>
           </a:xfrm>
           <a:prstGeom prst="rect">
             <a:avLst/>
           </a:prstGeom>
           <a:noFill/>
-          <a:ln>
+          <a:ln cap="flat">
             <a:noFill/>
           </a:ln>
         </p:spPr>
         <p:txBody>
-          <a:bodyPr wrap="square" lIns="90000" tIns="45000" rIns="90000" bIns="45000" anchorCtr="0" compatLnSpc="0">
+          <a:bodyPr vert="horz" wrap="square" lIns="90004" tIns="44997" rIns="90004" bIns="44997" anchor="t" anchorCtr="0" compatLnSpc="0">
             <a:spAutoFit/>
           </a:bodyPr>
           <a:lstStyle/>
           <a:p>
-            <a:pPr marL="0" marR="0" lvl="0" indent="0" hangingPunct="0">
+            <a:pPr marL="285750" marR="0" lvl="0" indent="-285750" algn="l" defTabSz="914400" rtl="0" fontAlgn="auto" hangingPunct="0">
               <a:lnSpc>
                 <a:spcPct val="100000"/>
               </a:lnSpc>
@@ -6766,100 +7491,22 @@
                 <a:spcPts val="0"/>
               </a:spcAft>
               <a:buSzPct val="45000"/>
-              <a:tabLst/>
-            </a:pPr>
-            <a:r>
-              <a:rPr lang="pt-BR" b="0" i="0" u="none" strike="noStrike" kern="1200" cap="none" dirty="0" err="1">
-                <a:ln>
-                  <a:noFill/>
-                </a:ln>
-                <a:latin typeface="Liberation Sans" pitchFamily="18"/>
-                <a:ea typeface="WenQuanYi Micro Hei" pitchFamily="2"/>
-                <a:cs typeface="Lohit Devanagari" pitchFamily="2"/>
-              </a:rPr>
-              <a:t>Equip</a:t>
-            </a:r>
-            <a:r>
-              <a:rPr lang="pt-BR" b="0" i="0" u="none" strike="noStrike" kern="1200" cap="none" dirty="0">
-                <a:ln>
-                  <a:noFill/>
-                </a:ln>
-                <a:latin typeface="Liberation Sans" pitchFamily="18"/>
-                <a:ea typeface="WenQuanYi Micro Hei" pitchFamily="2"/>
-                <a:cs typeface="Lohit Devanagari" pitchFamily="2"/>
-              </a:rPr>
-              <a:t>. </a:t>
-            </a:r>
-            <a:r>
-              <a:rPr lang="pt-BR" dirty="0">
-                <a:latin typeface="Liberation Sans" pitchFamily="18"/>
-                <a:ea typeface="WenQuanYi Micro Hei" pitchFamily="2"/>
-                <a:cs typeface="Lohit Devanagari" pitchFamily="2"/>
-              </a:rPr>
-              <a:t>o</a:t>
-            </a:r>
-            <a:r>
-              <a:rPr lang="pt-BR" b="0" i="0" u="none" strike="noStrike" kern="1200" cap="none" dirty="0">
-                <a:ln>
-                  <a:noFill/>
-                </a:ln>
-                <a:latin typeface="Liberation Sans" pitchFamily="18"/>
-                <a:ea typeface="WenQuanYi Micro Hei" pitchFamily="2"/>
-                <a:cs typeface="Lohit Devanagari" pitchFamily="2"/>
-              </a:rPr>
-              <a:t>u Kit</a:t>
-            </a:r>
-          </a:p>
-        </p:txBody>
-      </p:sp>
-      <p:sp>
-        <p:nvSpPr>
-          <p:cNvPr id="59" name="CaixaDeTexto 58">
-            <a:extLst>
-              <a:ext uri="{FF2B5EF4-FFF2-40B4-BE49-F238E27FC236}">
-                <a16:creationId xmlns:a16="http://schemas.microsoft.com/office/drawing/2014/main" id="{BAE80D58-2AF3-4227-84AB-6D2D1B0560DE}"/>
-              </a:ext>
-            </a:extLst>
-          </p:cNvPr>
-          <p:cNvSpPr txBox="1"/>
-          <p:nvPr/>
-        </p:nvSpPr>
-        <p:spPr>
-          <a:xfrm>
-            <a:off x="-59443" y="2447579"/>
-            <a:ext cx="3484717" cy="887251"/>
-          </a:xfrm>
-          <a:prstGeom prst="rect">
-            <a:avLst/>
-          </a:prstGeom>
-          <a:noFill/>
-          <a:ln>
-            <a:noFill/>
-          </a:ln>
-        </p:spPr>
-        <p:txBody>
-          <a:bodyPr wrap="square" lIns="90000" tIns="45000" rIns="90000" bIns="45000" anchorCtr="0" compatLnSpc="0">
-            <a:spAutoFit/>
-          </a:bodyPr>
-          <a:lstStyle/>
-          <a:p>
-            <a:pPr marL="285750" marR="0" lvl="0" indent="-285750" hangingPunct="0">
-              <a:lnSpc>
-                <a:spcPct val="100000"/>
-              </a:lnSpc>
-              <a:spcBef>
-                <a:spcPts val="0"/>
-              </a:spcBef>
-              <a:spcAft>
-                <a:spcPts val="0"/>
-              </a:spcAft>
-              <a:buSzPct val="45000"/>
-              <a:buFont typeface="Arial" panose="020B0604020202020204" pitchFamily="34" charset="0"/>
+              <a:buFont typeface="Arial" pitchFamily="34"/>
               <a:buChar char="•"/>
               <a:tabLst/>
+              <a:defRPr sz="1800" b="0" i="0" u="none" strike="noStrike" kern="0" cap="none" spc="0" baseline="0">
+                <a:solidFill>
+                  <a:srgbClr val="000000"/>
+                </a:solidFill>
+                <a:uFillTx/>
+              </a:defRPr>
             </a:pPr>
             <a:r>
-              <a:rPr lang="pt-BR" dirty="0">
+              <a:rPr lang="pt-BR" sz="1800" b="0" i="0" u="none" strike="noStrike" kern="1200" cap="none" spc="0" baseline="0">
+                <a:solidFill>
+                  <a:srgbClr val="000000"/>
+                </a:solidFill>
+                <a:uFillTx/>
                 <a:latin typeface="Liberation Sans" pitchFamily="18"/>
                 <a:ea typeface="WenQuanYi Micro Hei" pitchFamily="2"/>
                 <a:cs typeface="Lohit Devanagari" pitchFamily="2"/>
@@ -6868,7 +7515,7 @@
             </a:r>
           </a:p>
           <a:p>
-            <a:pPr marL="285750" marR="0" lvl="0" indent="-285750" hangingPunct="0">
+            <a:pPr marL="285750" marR="0" lvl="0" indent="-285750" algn="l" defTabSz="914400" rtl="0" fontAlgn="auto" hangingPunct="0">
               <a:lnSpc>
                 <a:spcPct val="100000"/>
               </a:lnSpc>
@@ -6879,35 +7526,37 @@
                 <a:spcPts val="0"/>
               </a:spcAft>
               <a:buSzPct val="45000"/>
-              <a:buFont typeface="Arial" panose="020B0604020202020204" pitchFamily="34" charset="0"/>
+              <a:buFont typeface="Arial" pitchFamily="34"/>
               <a:buChar char="•"/>
               <a:tabLst/>
+              <a:defRPr sz="1800" b="0" i="0" u="none" strike="noStrike" kern="0" cap="none" spc="0" baseline="0">
+                <a:solidFill>
+                  <a:srgbClr val="000000"/>
+                </a:solidFill>
+                <a:uFillTx/>
+              </a:defRPr>
             </a:pPr>
             <a:r>
-              <a:rPr lang="pt-BR" dirty="0">
+              <a:rPr lang="pt-BR" sz="1800" b="0" i="0" u="none" strike="noStrike" kern="1200" cap="none" spc="0" baseline="0">
+                <a:solidFill>
+                  <a:srgbClr val="000000"/>
+                </a:solidFill>
+                <a:uFillTx/>
                 <a:latin typeface="Liberation Sans" pitchFamily="18"/>
                 <a:ea typeface="WenQuanYi Micro Hei" pitchFamily="2"/>
                 <a:cs typeface="Lohit Devanagari" pitchFamily="2"/>
               </a:rPr>
               <a:t>Possibilidade de Quebra Automática de Vínculo</a:t>
             </a:r>
-            <a:endParaRPr lang="pt-BR" b="0" i="0" u="none" strike="noStrike" kern="1200" cap="none" dirty="0">
-              <a:ln>
-                <a:noFill/>
-              </a:ln>
-              <a:latin typeface="Liberation Sans" pitchFamily="18"/>
-              <a:ea typeface="WenQuanYi Micro Hei" pitchFamily="2"/>
-              <a:cs typeface="Lohit Devanagari" pitchFamily="2"/>
-            </a:endParaRPr>
-          </a:p>
-        </p:txBody>
-      </p:sp>
-      <p:sp>
-        <p:nvSpPr>
-          <p:cNvPr id="60" name="CaixaDeTexto 59">
-            <a:extLst>
-              <a:ext uri="{FF2B5EF4-FFF2-40B4-BE49-F238E27FC236}">
-                <a16:creationId xmlns:a16="http://schemas.microsoft.com/office/drawing/2014/main" id="{ED902E64-FB10-4DA4-9081-C7ABE472A794}"/>
+          </a:p>
+        </p:txBody>
+      </p:sp>
+      <p:sp>
+        <p:nvSpPr>
+          <p:cNvPr id="28" name="CaixaDeTexto 59">
+            <a:extLst>
+              <a:ext uri="{FF2B5EF4-FFF2-40B4-BE49-F238E27FC236}">
+                <a16:creationId xmlns:a16="http://schemas.microsoft.com/office/drawing/2014/main" id="{254A3380-D81C-4324-8BDE-88008367B6DA}"/>
               </a:ext>
             </a:extLst>
           </p:cNvPr>
@@ -6916,24 +7565,24 @@
         </p:nvSpPr>
         <p:spPr>
           <a:xfrm>
-            <a:off x="7485727" y="219514"/>
-            <a:ext cx="911905" cy="975673"/>
+            <a:off x="7485726" y="219510"/>
+            <a:ext cx="911903" cy="975673"/>
           </a:xfrm>
           <a:prstGeom prst="rect">
             <a:avLst/>
           </a:prstGeom>
           <a:noFill/>
-          <a:ln>
+          <a:ln cap="flat">
             <a:noFill/>
           </a:ln>
         </p:spPr>
         <p:txBody>
-          <a:bodyPr wrap="square" lIns="90000" tIns="45000" rIns="90000" bIns="45000" anchorCtr="0" compatLnSpc="0">
+          <a:bodyPr vert="horz" wrap="square" lIns="90004" tIns="44997" rIns="90004" bIns="44997" anchor="t" anchorCtr="0" compatLnSpc="0">
             <a:spAutoFit/>
           </a:bodyPr>
           <a:lstStyle/>
           <a:p>
-            <a:pPr marL="0" marR="0" lvl="0" indent="0" hangingPunct="0">
+            <a:pPr marL="0" marR="0" lvl="0" indent="0" algn="l" defTabSz="914400" rtl="0" fontAlgn="auto" hangingPunct="0">
               <a:lnSpc>
                 <a:spcPct val="100000"/>
               </a:lnSpc>
@@ -6943,17 +7592,21 @@
               <a:spcAft>
                 <a:spcPts val="0"/>
               </a:spcAft>
-              <a:buSzPct val="45000"/>
+              <a:buNone/>
               <a:tabLst/>
+              <a:defRPr sz="1800" b="0" i="0" u="none" strike="noStrike" kern="0" cap="none" spc="0" baseline="0">
+                <a:solidFill>
+                  <a:srgbClr val="000000"/>
+                </a:solidFill>
+                <a:uFillTx/>
+              </a:defRPr>
             </a:pPr>
             <a:r>
-              <a:rPr lang="pt-BR" sz="6000" b="0" i="0" u="none" strike="noStrike" kern="1200" cap="none" dirty="0">
-                <a:ln>
-                  <a:noFill/>
-                </a:ln>
+              <a:rPr lang="pt-BR" sz="6000" b="0" i="0" u="none" strike="noStrike" kern="1200" cap="none" spc="0" baseline="0">
                 <a:solidFill>
                   <a:srgbClr val="FF0000"/>
                 </a:solidFill>
+                <a:uFillTx/>
                 <a:latin typeface="Liberation Sans" pitchFamily="18"/>
                 <a:ea typeface="WenQuanYi Micro Hei" pitchFamily="2"/>
                 <a:cs typeface="Lohit Devanagari" pitchFamily="2"/>
@@ -6965,10 +7618,10 @@
       </p:sp>
       <p:sp>
         <p:nvSpPr>
-          <p:cNvPr id="61" name="CaixaDeTexto 60">
-            <a:extLst>
-              <a:ext uri="{FF2B5EF4-FFF2-40B4-BE49-F238E27FC236}">
-                <a16:creationId xmlns:a16="http://schemas.microsoft.com/office/drawing/2014/main" id="{AE14E924-5D18-411A-9B5D-1C801FC6BD16}"/>
+          <p:cNvPr id="29" name="CaixaDeTexto 60">
+            <a:extLst>
+              <a:ext uri="{FF2B5EF4-FFF2-40B4-BE49-F238E27FC236}">
+                <a16:creationId xmlns:a16="http://schemas.microsoft.com/office/drawing/2014/main" id="{290C8042-90F7-4B58-AA62-135C68567FC8}"/>
               </a:ext>
             </a:extLst>
           </p:cNvPr>
@@ -6977,24 +7630,24 @@
         </p:nvSpPr>
         <p:spPr>
           <a:xfrm>
-            <a:off x="8407665" y="121411"/>
-            <a:ext cx="1303181" cy="1152708"/>
+            <a:off x="8407661" y="121414"/>
+            <a:ext cx="1303184" cy="1152710"/>
           </a:xfrm>
           <a:prstGeom prst="rect">
             <a:avLst/>
           </a:prstGeom>
           <a:noFill/>
-          <a:ln>
+          <a:ln cap="flat">
             <a:noFill/>
           </a:ln>
         </p:spPr>
         <p:txBody>
-          <a:bodyPr wrap="square" lIns="90000" tIns="45000" rIns="90000" bIns="45000" anchorCtr="0" compatLnSpc="0">
+          <a:bodyPr vert="horz" wrap="square" lIns="90004" tIns="44997" rIns="90004" bIns="44997" anchor="t" anchorCtr="0" compatLnSpc="0">
             <a:spAutoFit/>
           </a:bodyPr>
           <a:lstStyle/>
           <a:p>
-            <a:pPr marL="0" marR="0" lvl="0" indent="0" hangingPunct="0">
+            <a:pPr marL="0" marR="0" lvl="0" indent="0" algn="l" defTabSz="914400" rtl="0" fontAlgn="auto" hangingPunct="0">
               <a:lnSpc>
                 <a:spcPct val="100000"/>
               </a:lnSpc>
@@ -7004,66 +7657,166 @@
               <a:spcAft>
                 <a:spcPts val="0"/>
               </a:spcAft>
-              <a:buSzPct val="45000"/>
+              <a:buNone/>
               <a:tabLst/>
+              <a:defRPr sz="1800" b="0" i="0" u="none" strike="noStrike" kern="0" cap="none" spc="0" baseline="0">
+                <a:solidFill>
+                  <a:srgbClr val="000000"/>
+                </a:solidFill>
+                <a:uFillTx/>
+              </a:defRPr>
             </a:pPr>
             <a:r>
-              <a:rPr lang="pt-BR" dirty="0">
+              <a:rPr lang="pt-BR" sz="1800" b="0" i="0" u="none" strike="noStrike" kern="1200" cap="none" spc="0" baseline="0">
+                <a:solidFill>
+                  <a:srgbClr val="000000"/>
+                </a:solidFill>
+                <a:uFillTx/>
                 <a:latin typeface="Liberation Sans" pitchFamily="18"/>
                 <a:ea typeface="WenQuanYi Micro Hei" pitchFamily="2"/>
                 <a:cs typeface="Lohit Devanagari" pitchFamily="2"/>
               </a:rPr>
-              <a:t>Aguardar </a:t>
-            </a:r>
-            <a:r>
-              <a:rPr lang="pt-BR" dirty="0" err="1">
+              <a:t>Aguardar Scan Equip. ou Kit</a:t>
+            </a:r>
+          </a:p>
+        </p:txBody>
+      </p:sp>
+      <p:sp>
+        <p:nvSpPr>
+          <p:cNvPr id="30" name="CaixaDeTexto 61">
+            <a:extLst>
+              <a:ext uri="{FF2B5EF4-FFF2-40B4-BE49-F238E27FC236}">
+                <a16:creationId xmlns:a16="http://schemas.microsoft.com/office/drawing/2014/main" id="{4F09E797-0CE0-43E9-A06E-AF240A62DED5}"/>
+              </a:ext>
+            </a:extLst>
+          </p:cNvPr>
+          <p:cNvSpPr txBox="1"/>
+          <p:nvPr/>
+        </p:nvSpPr>
+        <p:spPr>
+          <a:xfrm>
+            <a:off x="4592391" y="1467950"/>
+            <a:ext cx="2055031" cy="356332"/>
+          </a:xfrm>
+          <a:prstGeom prst="rect">
+            <a:avLst/>
+          </a:prstGeom>
+          <a:noFill/>
+          <a:ln cap="flat">
+            <a:noFill/>
+          </a:ln>
+        </p:spPr>
+        <p:txBody>
+          <a:bodyPr vert="horz" wrap="none" lIns="90004" tIns="44997" rIns="90004" bIns="44997" anchor="t" anchorCtr="0" compatLnSpc="0">
+            <a:spAutoFit/>
+          </a:bodyPr>
+          <a:lstStyle/>
+          <a:p>
+            <a:pPr marL="0" marR="0" lvl="0" indent="0" algn="l" defTabSz="914400" rtl="0" fontAlgn="auto" hangingPunct="0">
+              <a:lnSpc>
+                <a:spcPct val="100000"/>
+              </a:lnSpc>
+              <a:spcBef>
+                <a:spcPts val="0"/>
+              </a:spcBef>
+              <a:spcAft>
+                <a:spcPts val="0"/>
+              </a:spcAft>
+              <a:buNone/>
+              <a:tabLst/>
+              <a:defRPr sz="1800" b="0" i="0" u="none" strike="noStrike" kern="0" cap="none" spc="0" baseline="0">
+                <a:solidFill>
+                  <a:srgbClr val="000000"/>
+                </a:solidFill>
+                <a:uFillTx/>
+              </a:defRPr>
+            </a:pPr>
+            <a:r>
+              <a:rPr lang="pt-BR" sz="1800" b="0" i="0" u="none" strike="noStrike" kern="1200" cap="none" spc="0" baseline="0">
+                <a:solidFill>
+                  <a:srgbClr val="000000"/>
+                </a:solidFill>
+                <a:uFillTx/>
                 <a:latin typeface="Liberation Sans" pitchFamily="18"/>
                 <a:ea typeface="WenQuanYi Micro Hei" pitchFamily="2"/>
                 <a:cs typeface="Lohit Devanagari" pitchFamily="2"/>
               </a:rPr>
-              <a:t>Scan</a:t>
-            </a:r>
-            <a:r>
-              <a:rPr lang="pt-BR" dirty="0">
+              <a:t>Equip. ou Kit Livre</a:t>
+            </a:r>
+          </a:p>
+        </p:txBody>
+      </p:sp>
+      <p:sp>
+        <p:nvSpPr>
+          <p:cNvPr id="31" name="CaixaDeTexto 62">
+            <a:extLst>
+              <a:ext uri="{FF2B5EF4-FFF2-40B4-BE49-F238E27FC236}">
+                <a16:creationId xmlns:a16="http://schemas.microsoft.com/office/drawing/2014/main" id="{251A12D0-219C-458A-A823-F4C5987FC58D}"/>
+              </a:ext>
+            </a:extLst>
+          </p:cNvPr>
+          <p:cNvSpPr txBox="1"/>
+          <p:nvPr/>
+        </p:nvSpPr>
+        <p:spPr>
+          <a:xfrm>
+            <a:off x="8214064" y="1467950"/>
+            <a:ext cx="1774192" cy="621792"/>
+          </a:xfrm>
+          <a:prstGeom prst="rect">
+            <a:avLst/>
+          </a:prstGeom>
+          <a:noFill/>
+          <a:ln cap="flat">
+            <a:noFill/>
+          </a:ln>
+        </p:spPr>
+        <p:txBody>
+          <a:bodyPr vert="horz" wrap="square" lIns="90004" tIns="44997" rIns="90004" bIns="44997" anchor="t" anchorCtr="0" compatLnSpc="0">
+            <a:spAutoFit/>
+          </a:bodyPr>
+          <a:lstStyle/>
+          <a:p>
+            <a:pPr marL="0" marR="0" lvl="0" indent="0" algn="l" defTabSz="914400" rtl="0" fontAlgn="auto" hangingPunct="0">
+              <a:lnSpc>
+                <a:spcPct val="100000"/>
+              </a:lnSpc>
+              <a:spcBef>
+                <a:spcPts val="0"/>
+              </a:spcBef>
+              <a:spcAft>
+                <a:spcPts val="0"/>
+              </a:spcAft>
+              <a:buNone/>
+              <a:tabLst/>
+              <a:defRPr sz="1800" b="0" i="0" u="none" strike="noStrike" kern="0" cap="none" spc="0" baseline="0">
+                <a:solidFill>
+                  <a:srgbClr val="000000"/>
+                </a:solidFill>
+                <a:uFillTx/>
+              </a:defRPr>
+            </a:pPr>
+            <a:r>
+              <a:rPr lang="pt-BR" sz="1800" b="0" i="0" u="none" strike="noStrike" kern="1200" cap="none" spc="0" baseline="0">
+                <a:solidFill>
+                  <a:srgbClr val="000000"/>
+                </a:solidFill>
+                <a:uFillTx/>
                 <a:latin typeface="Liberation Sans" pitchFamily="18"/>
                 <a:ea typeface="WenQuanYi Micro Hei" pitchFamily="2"/>
                 <a:cs typeface="Lohit Devanagari" pitchFamily="2"/>
               </a:rPr>
-              <a:t> </a:t>
-            </a:r>
-            <a:r>
-              <a:rPr lang="pt-BR" dirty="0" err="1">
-                <a:latin typeface="Liberation Sans" pitchFamily="18"/>
-                <a:ea typeface="WenQuanYi Micro Hei" pitchFamily="2"/>
-                <a:cs typeface="Lohit Devanagari" pitchFamily="2"/>
-              </a:rPr>
-              <a:t>Equip</a:t>
-            </a:r>
-            <a:r>
-              <a:rPr lang="pt-BR" dirty="0">
-                <a:latin typeface="Liberation Sans" pitchFamily="18"/>
-                <a:ea typeface="WenQuanYi Micro Hei" pitchFamily="2"/>
-                <a:cs typeface="Lohit Devanagari" pitchFamily="2"/>
-              </a:rPr>
-              <a:t>. ou Kit</a:t>
-            </a:r>
-            <a:endParaRPr lang="pt-BR" b="0" i="0" u="none" strike="noStrike" kern="1200" cap="none" dirty="0">
-              <a:ln>
-                <a:noFill/>
-              </a:ln>
-              <a:latin typeface="Liberation Sans" pitchFamily="18"/>
-              <a:ea typeface="WenQuanYi Micro Hei" pitchFamily="2"/>
-              <a:cs typeface="Lohit Devanagari" pitchFamily="2"/>
-            </a:endParaRPr>
-          </a:p>
-        </p:txBody>
-      </p:sp>
-      <p:sp>
-        <p:nvSpPr>
-          <p:cNvPr id="62" name="CaixaDeTexto 61">
-            <a:extLst>
-              <a:ext uri="{FF2B5EF4-FFF2-40B4-BE49-F238E27FC236}">
-                <a16:creationId xmlns:a16="http://schemas.microsoft.com/office/drawing/2014/main" id="{CA20E5C2-2187-41B8-8A9D-368FDB9AF4E9}"/>
+              <a:t>Equip. ou Kit Ocupado</a:t>
+            </a:r>
+          </a:p>
+        </p:txBody>
+      </p:sp>
+      <p:sp>
+        <p:nvSpPr>
+          <p:cNvPr id="32" name="CaixaDeTexto 64">
+            <a:extLst>
+              <a:ext uri="{FF2B5EF4-FFF2-40B4-BE49-F238E27FC236}">
+                <a16:creationId xmlns:a16="http://schemas.microsoft.com/office/drawing/2014/main" id="{1AE49037-65DD-4423-BFFA-E290135C0B48}"/>
               </a:ext>
             </a:extLst>
           </p:cNvPr>
@@ -7072,24 +7825,24 @@
         </p:nvSpPr>
         <p:spPr>
           <a:xfrm>
-            <a:off x="4592395" y="1467948"/>
-            <a:ext cx="2055028" cy="356336"/>
+            <a:off x="4313718" y="3821615"/>
+            <a:ext cx="1439027" cy="356332"/>
           </a:xfrm>
           <a:prstGeom prst="rect">
             <a:avLst/>
           </a:prstGeom>
           <a:noFill/>
-          <a:ln>
+          <a:ln cap="flat">
             <a:noFill/>
           </a:ln>
         </p:spPr>
         <p:txBody>
-          <a:bodyPr wrap="none" lIns="90000" tIns="45000" rIns="90000" bIns="45000" anchorCtr="0" compatLnSpc="0">
+          <a:bodyPr vert="horz" wrap="none" lIns="90004" tIns="44997" rIns="90004" bIns="44997" anchor="t" anchorCtr="0" compatLnSpc="0">
             <a:spAutoFit/>
           </a:bodyPr>
           <a:lstStyle/>
           <a:p>
-            <a:pPr marL="0" marR="0" lvl="0" indent="0" hangingPunct="0">
+            <a:pPr marL="0" marR="0" lvl="0" indent="0" algn="l" defTabSz="914400" rtl="0" fontAlgn="auto" hangingPunct="0">
               <a:lnSpc>
                 <a:spcPct val="100000"/>
               </a:lnSpc>
@@ -7099,152 +7852,21 @@
               <a:spcAft>
                 <a:spcPts val="0"/>
               </a:spcAft>
-              <a:buSzPct val="45000"/>
+              <a:buNone/>
               <a:tabLst/>
+              <a:defRPr sz="1800" b="0" i="0" u="none" strike="noStrike" kern="0" cap="none" spc="0" baseline="0">
+                <a:solidFill>
+                  <a:srgbClr val="000000"/>
+                </a:solidFill>
+                <a:uFillTx/>
+              </a:defRPr>
             </a:pPr>
             <a:r>
-              <a:rPr lang="pt-BR" b="0" i="0" u="none" strike="noStrike" kern="1200" cap="none" dirty="0" err="1">
-                <a:ln>
-                  <a:noFill/>
-                </a:ln>
-                <a:latin typeface="Liberation Sans" pitchFamily="18"/>
-                <a:ea typeface="WenQuanYi Micro Hei" pitchFamily="2"/>
-                <a:cs typeface="Lohit Devanagari" pitchFamily="2"/>
-              </a:rPr>
-              <a:t>Equip</a:t>
-            </a:r>
-            <a:r>
-              <a:rPr lang="pt-BR" b="0" i="0" u="none" strike="noStrike" kern="1200" cap="none" dirty="0">
-                <a:ln>
-                  <a:noFill/>
-                </a:ln>
-                <a:latin typeface="Liberation Sans" pitchFamily="18"/>
-                <a:ea typeface="WenQuanYi Micro Hei" pitchFamily="2"/>
-                <a:cs typeface="Lohit Devanagari" pitchFamily="2"/>
-              </a:rPr>
-              <a:t>. ou Kit Livre</a:t>
-            </a:r>
-          </a:p>
-        </p:txBody>
-      </p:sp>
-      <p:sp>
-        <p:nvSpPr>
-          <p:cNvPr id="63" name="CaixaDeTexto 62">
-            <a:extLst>
-              <a:ext uri="{FF2B5EF4-FFF2-40B4-BE49-F238E27FC236}">
-                <a16:creationId xmlns:a16="http://schemas.microsoft.com/office/drawing/2014/main" id="{273C55FB-C1BB-4E8D-90B1-846D405D2EF4}"/>
-              </a:ext>
-            </a:extLst>
-          </p:cNvPr>
-          <p:cNvSpPr txBox="1"/>
-          <p:nvPr/>
-        </p:nvSpPr>
-        <p:spPr>
-          <a:xfrm>
-            <a:off x="8214066" y="1467948"/>
-            <a:ext cx="1774191" cy="621793"/>
-          </a:xfrm>
-          <a:prstGeom prst="rect">
-            <a:avLst/>
-          </a:prstGeom>
-          <a:noFill/>
-          <a:ln>
-            <a:noFill/>
-          </a:ln>
-        </p:spPr>
-        <p:txBody>
-          <a:bodyPr wrap="square" lIns="90000" tIns="45000" rIns="90000" bIns="45000" anchorCtr="0" compatLnSpc="0">
-            <a:spAutoFit/>
-          </a:bodyPr>
-          <a:lstStyle/>
-          <a:p>
-            <a:pPr marL="0" marR="0" lvl="0" indent="0" hangingPunct="0">
-              <a:lnSpc>
-                <a:spcPct val="100000"/>
-              </a:lnSpc>
-              <a:spcBef>
-                <a:spcPts val="0"/>
-              </a:spcBef>
-              <a:spcAft>
-                <a:spcPts val="0"/>
-              </a:spcAft>
-              <a:buSzPct val="45000"/>
-              <a:tabLst/>
-            </a:pPr>
-            <a:r>
-              <a:rPr lang="pt-BR" b="0" i="0" u="none" strike="noStrike" kern="1200" cap="none" dirty="0" err="1">
-                <a:ln>
-                  <a:noFill/>
-                </a:ln>
-                <a:latin typeface="Liberation Sans" pitchFamily="18"/>
-                <a:ea typeface="WenQuanYi Micro Hei" pitchFamily="2"/>
-                <a:cs typeface="Lohit Devanagari" pitchFamily="2"/>
-              </a:rPr>
-              <a:t>Equip</a:t>
-            </a:r>
-            <a:r>
-              <a:rPr lang="pt-BR" b="0" i="0" u="none" strike="noStrike" kern="1200" cap="none" dirty="0">
-                <a:ln>
-                  <a:noFill/>
-                </a:ln>
-                <a:latin typeface="Liberation Sans" pitchFamily="18"/>
-                <a:ea typeface="WenQuanYi Micro Hei" pitchFamily="2"/>
-                <a:cs typeface="Lohit Devanagari" pitchFamily="2"/>
-              </a:rPr>
-              <a:t>. ou Kit Ocupado</a:t>
-            </a:r>
-          </a:p>
-        </p:txBody>
-      </p:sp>
-      <p:sp>
-        <p:nvSpPr>
-          <p:cNvPr id="65" name="CaixaDeTexto 64">
-            <a:extLst>
-              <a:ext uri="{FF2B5EF4-FFF2-40B4-BE49-F238E27FC236}">
-                <a16:creationId xmlns:a16="http://schemas.microsoft.com/office/drawing/2014/main" id="{E7416E20-C5A1-4FF7-8C7E-AAA264A63AE2}"/>
-              </a:ext>
-            </a:extLst>
-          </p:cNvPr>
-          <p:cNvSpPr txBox="1"/>
-          <p:nvPr/>
-        </p:nvSpPr>
-        <p:spPr>
-          <a:xfrm>
-            <a:off x="4313723" y="3821612"/>
-            <a:ext cx="1439025" cy="356336"/>
-          </a:xfrm>
-          <a:prstGeom prst="rect">
-            <a:avLst/>
-          </a:prstGeom>
-          <a:noFill/>
-          <a:ln>
-            <a:noFill/>
-          </a:ln>
-        </p:spPr>
-        <p:txBody>
-          <a:bodyPr wrap="none" lIns="90000" tIns="45000" rIns="90000" bIns="45000" anchorCtr="0" compatLnSpc="0">
-            <a:spAutoFit/>
-          </a:bodyPr>
-          <a:lstStyle/>
-          <a:p>
-            <a:pPr marL="0" marR="0" lvl="0" indent="0" hangingPunct="0">
-              <a:lnSpc>
-                <a:spcPct val="100000"/>
-              </a:lnSpc>
-              <a:spcBef>
-                <a:spcPts val="0"/>
-              </a:spcBef>
-              <a:spcAft>
-                <a:spcPts val="0"/>
-              </a:spcAft>
-              <a:buSzPct val="45000"/>
-              <a:tabLst/>
-            </a:pPr>
-            <a:r>
-              <a:rPr lang="pt-BR" b="0" i="0" u="none" strike="noStrike" kern="1200" cap="none" dirty="0">
-                <a:ln>
-                  <a:noFill/>
-                </a:ln>
+              <a:rPr lang="pt-BR" sz="1800" b="0" i="0" u="none" strike="noStrike" kern="1200" cap="none" spc="0" baseline="0">
+                <a:solidFill>
+                  <a:srgbClr val="000000"/>
+                </a:solidFill>
+                <a:uFillTx/>
                 <a:latin typeface="Liberation Sans" pitchFamily="18"/>
                 <a:ea typeface="WenQuanYi Micro Hei" pitchFamily="2"/>
                 <a:cs typeface="Lohit Devanagari" pitchFamily="2"/>
@@ -7256,56 +7878,45 @@
       </p:sp>
       <p:cxnSp>
         <p:nvCxnSpPr>
-          <p:cNvPr id="67" name="Conector de Seta Reta 66">
-            <a:extLst>
-              <a:ext uri="{FF2B5EF4-FFF2-40B4-BE49-F238E27FC236}">
-                <a16:creationId xmlns:a16="http://schemas.microsoft.com/office/drawing/2014/main" id="{11A9F9BA-0063-488B-BBE8-E05FB85D9C8E}"/>
+          <p:cNvPr id="33" name="Conector de Seta Reta 66">
+            <a:extLst>
+              <a:ext uri="{FF2B5EF4-FFF2-40B4-BE49-F238E27FC236}">
+                <a16:creationId xmlns:a16="http://schemas.microsoft.com/office/drawing/2014/main" id="{D29B26F1-B551-4128-B7BF-AD33FF08F42E}"/>
               </a:ext>
             </a:extLst>
           </p:cNvPr>
           <p:cNvCxnSpPr>
-            <a:stCxn id="48" idx="3"/>
-            <a:endCxn id="49" idx="1"/>
+            <a:stCxn id="16" idx="3"/>
+            <a:endCxn id="17" idx="1"/>
           </p:cNvCxnSpPr>
           <p:nvPr/>
         </p:nvCxnSpPr>
         <p:spPr>
           <a:xfrm>
-            <a:off x="4903748" y="3100646"/>
-            <a:ext cx="328991" cy="0"/>
+            <a:off x="4903743" y="3100647"/>
+            <a:ext cx="328993" cy="0"/>
           </a:xfrm>
           <a:prstGeom prst="straightConnector1">
             <a:avLst/>
           </a:prstGeom>
-          <a:ln w="38100">
+          <a:noFill/>
+          <a:ln w="38103" cap="flat">
             <a:solidFill>
-              <a:schemeClr val="tx1"/>
+              <a:srgbClr val="000000"/>
             </a:solidFill>
-            <a:headEnd type="triangle"/>
-            <a:tailEnd type="triangle"/>
+            <a:prstDash val="solid"/>
+            <a:miter/>
+            <a:headEnd type="arrow"/>
+            <a:tailEnd type="arrow"/>
           </a:ln>
         </p:spPr>
-        <p:style>
-          <a:lnRef idx="1">
-            <a:schemeClr val="accent1"/>
-          </a:lnRef>
-          <a:fillRef idx="0">
-            <a:schemeClr val="accent1"/>
-          </a:fillRef>
-          <a:effectRef idx="0">
-            <a:schemeClr val="accent1"/>
-          </a:effectRef>
-          <a:fontRef idx="minor">
-            <a:schemeClr val="tx1"/>
-          </a:fontRef>
-        </p:style>
       </p:cxnSp>
       <p:sp>
         <p:nvSpPr>
-          <p:cNvPr id="68" name="CaixaDeTexto 67">
-            <a:extLst>
-              <a:ext uri="{FF2B5EF4-FFF2-40B4-BE49-F238E27FC236}">
-                <a16:creationId xmlns:a16="http://schemas.microsoft.com/office/drawing/2014/main" id="{4EB452E7-CBB3-447B-99AA-573F74EBA5DB}"/>
+          <p:cNvPr id="34" name="CaixaDeTexto 67">
+            <a:extLst>
+              <a:ext uri="{FF2B5EF4-FFF2-40B4-BE49-F238E27FC236}">
+                <a16:creationId xmlns:a16="http://schemas.microsoft.com/office/drawing/2014/main" id="{44F55D70-1C2C-4261-B3D8-B7C1B8A17625}"/>
               </a:ext>
             </a:extLst>
           </p:cNvPr>
@@ -7314,24 +7925,24 @@
         </p:nvSpPr>
         <p:spPr>
           <a:xfrm>
-            <a:off x="5296795" y="2789748"/>
-            <a:ext cx="911905" cy="621793"/>
+            <a:off x="5296799" y="2789752"/>
+            <a:ext cx="911903" cy="621792"/>
           </a:xfrm>
           <a:prstGeom prst="rect">
             <a:avLst/>
           </a:prstGeom>
           <a:noFill/>
-          <a:ln>
+          <a:ln cap="flat">
             <a:noFill/>
           </a:ln>
         </p:spPr>
         <p:txBody>
-          <a:bodyPr wrap="square" lIns="90000" tIns="45000" rIns="90000" bIns="45000" anchorCtr="0" compatLnSpc="0">
+          <a:bodyPr vert="horz" wrap="square" lIns="90004" tIns="44997" rIns="90004" bIns="44997" anchor="t" anchorCtr="0" compatLnSpc="0">
             <a:spAutoFit/>
           </a:bodyPr>
           <a:lstStyle/>
           <a:p>
-            <a:pPr marL="0" marR="0" lvl="0" indent="0" hangingPunct="0">
+            <a:pPr marL="0" marR="0" lvl="0" indent="0" algn="l" defTabSz="914400" rtl="0" fontAlgn="auto" hangingPunct="0">
               <a:lnSpc>
                 <a:spcPct val="100000"/>
               </a:lnSpc>
@@ -7341,59 +7952,132 @@
               <a:spcAft>
                 <a:spcPts val="0"/>
               </a:spcAft>
-              <a:buSzPct val="45000"/>
+              <a:buNone/>
               <a:tabLst/>
+              <a:defRPr sz="1800" b="0" i="0" u="none" strike="noStrike" kern="0" cap="none" spc="0" baseline="0">
+                <a:solidFill>
+                  <a:srgbClr val="000000"/>
+                </a:solidFill>
+                <a:uFillTx/>
+              </a:defRPr>
             </a:pPr>
             <a:r>
-              <a:rPr lang="pt-BR" b="0" i="0" u="none" strike="noStrike" kern="1200" cap="none" dirty="0" err="1">
-                <a:ln>
-                  <a:noFill/>
-                </a:ln>
+              <a:rPr lang="pt-BR" sz="1800" b="0" i="0" u="none" strike="noStrike" kern="1200" cap="none" spc="0" baseline="0">
+                <a:solidFill>
+                  <a:srgbClr val="000000"/>
+                </a:solidFill>
+                <a:uFillTx/>
                 <a:latin typeface="Liberation Sans" pitchFamily="18"/>
                 <a:ea typeface="WenQuanYi Micro Hei" pitchFamily="2"/>
                 <a:cs typeface="Lohit Devanagari" pitchFamily="2"/>
               </a:rPr>
-              <a:t>Equip</a:t>
-            </a:r>
-            <a:r>
-              <a:rPr lang="pt-BR" b="0" i="0" u="none" strike="noStrike" kern="1200" cap="none" dirty="0">
-                <a:ln>
-                  <a:noFill/>
-                </a:ln>
+              <a:t>Equip. ou Kit</a:t>
+            </a:r>
+          </a:p>
+        </p:txBody>
+      </p:sp>
+      <p:sp>
+        <p:nvSpPr>
+          <p:cNvPr id="35" name="CaixaDeTexto 68">
+            <a:extLst>
+              <a:ext uri="{FF2B5EF4-FFF2-40B4-BE49-F238E27FC236}">
+                <a16:creationId xmlns:a16="http://schemas.microsoft.com/office/drawing/2014/main" id="{0FF10418-AE5A-45E9-8DD2-E26CEBBDFB66}"/>
+              </a:ext>
+            </a:extLst>
+          </p:cNvPr>
+          <p:cNvSpPr txBox="1"/>
+          <p:nvPr/>
+        </p:nvSpPr>
+        <p:spPr>
+          <a:xfrm>
+            <a:off x="8830726" y="2813197"/>
+            <a:ext cx="911903" cy="621792"/>
+          </a:xfrm>
+          <a:prstGeom prst="rect">
+            <a:avLst/>
+          </a:prstGeom>
+          <a:noFill/>
+          <a:ln cap="flat">
+            <a:noFill/>
+          </a:ln>
+        </p:spPr>
+        <p:txBody>
+          <a:bodyPr vert="horz" wrap="square" lIns="90004" tIns="44997" rIns="90004" bIns="44997" anchor="t" anchorCtr="0" compatLnSpc="0">
+            <a:spAutoFit/>
+          </a:bodyPr>
+          <a:lstStyle/>
+          <a:p>
+            <a:pPr marL="0" marR="0" lvl="0" indent="0" algn="l" defTabSz="914400" rtl="0" fontAlgn="auto" hangingPunct="0">
+              <a:lnSpc>
+                <a:spcPct val="100000"/>
+              </a:lnSpc>
+              <a:spcBef>
+                <a:spcPts val="0"/>
+              </a:spcBef>
+              <a:spcAft>
+                <a:spcPts val="0"/>
+              </a:spcAft>
+              <a:buNone/>
+              <a:tabLst/>
+              <a:defRPr sz="1800" b="0" i="0" u="none" strike="noStrike" kern="0" cap="none" spc="0" baseline="0">
+                <a:solidFill>
+                  <a:srgbClr val="000000"/>
+                </a:solidFill>
+                <a:uFillTx/>
+              </a:defRPr>
+            </a:pPr>
+            <a:r>
+              <a:rPr lang="pt-BR" sz="1800" b="0" i="0" u="none" strike="noStrike" kern="1200" cap="none" spc="0" baseline="0">
+                <a:solidFill>
+                  <a:srgbClr val="000000"/>
+                </a:solidFill>
+                <a:uFillTx/>
                 <a:latin typeface="Liberation Sans" pitchFamily="18"/>
                 <a:ea typeface="WenQuanYi Micro Hei" pitchFamily="2"/>
                 <a:cs typeface="Lohit Devanagari" pitchFamily="2"/>
               </a:rPr>
-              <a:t>. </a:t>
-            </a:r>
-            <a:r>
-              <a:rPr lang="pt-BR" dirty="0">
-                <a:latin typeface="Liberation Sans" pitchFamily="18"/>
-                <a:ea typeface="WenQuanYi Micro Hei" pitchFamily="2"/>
-                <a:cs typeface="Lohit Devanagari" pitchFamily="2"/>
-              </a:rPr>
-              <a:t>o</a:t>
-            </a:r>
-            <a:r>
-              <a:rPr lang="pt-BR" b="0" i="0" u="none" strike="noStrike" kern="1200" cap="none" dirty="0">
-                <a:ln>
-                  <a:noFill/>
-                </a:ln>
-                <a:latin typeface="Liberation Sans" pitchFamily="18"/>
-                <a:ea typeface="WenQuanYi Micro Hei" pitchFamily="2"/>
-                <a:cs typeface="Lohit Devanagari" pitchFamily="2"/>
-              </a:rPr>
-              <a:t>u Kit</a:t>
-            </a:r>
-          </a:p>
-        </p:txBody>
-      </p:sp>
-      <p:sp>
-        <p:nvSpPr>
-          <p:cNvPr id="69" name="CaixaDeTexto 68">
-            <a:extLst>
-              <a:ext uri="{FF2B5EF4-FFF2-40B4-BE49-F238E27FC236}">
-                <a16:creationId xmlns:a16="http://schemas.microsoft.com/office/drawing/2014/main" id="{0993D409-C6CC-4CAA-9305-62DD4807A8A9}"/>
+              <a:t>Equip. ou Kit</a:t>
+            </a:r>
+          </a:p>
+        </p:txBody>
+      </p:sp>
+      <p:cxnSp>
+        <p:nvCxnSpPr>
+          <p:cNvPr id="36" name="Conector de Seta Reta 69">
+            <a:extLst>
+              <a:ext uri="{FF2B5EF4-FFF2-40B4-BE49-F238E27FC236}">
+                <a16:creationId xmlns:a16="http://schemas.microsoft.com/office/drawing/2014/main" id="{850348F8-351F-481E-A001-329B01B7BDE5}"/>
+              </a:ext>
+            </a:extLst>
+          </p:cNvPr>
+          <p:cNvCxnSpPr/>
+          <p:nvPr/>
+        </p:nvCxnSpPr>
+        <p:spPr>
+          <a:xfrm>
+            <a:off x="8462013" y="3124093"/>
+            <a:ext cx="328992" cy="0"/>
+          </a:xfrm>
+          <a:prstGeom prst="straightConnector1">
+            <a:avLst/>
+          </a:prstGeom>
+          <a:noFill/>
+          <a:ln w="38103" cap="flat">
+            <a:solidFill>
+              <a:srgbClr val="000000"/>
+            </a:solidFill>
+            <a:prstDash val="solid"/>
+            <a:miter/>
+            <a:tailEnd type="arrow"/>
+          </a:ln>
+        </p:spPr>
+      </p:cxnSp>
+      <p:sp>
+        <p:nvSpPr>
+          <p:cNvPr id="37" name="CaixaDeTexto 70">
+            <a:extLst>
+              <a:ext uri="{FF2B5EF4-FFF2-40B4-BE49-F238E27FC236}">
+                <a16:creationId xmlns:a16="http://schemas.microsoft.com/office/drawing/2014/main" id="{08B48CA6-ACE4-49D0-8907-4D5A3DF3FACC}"/>
               </a:ext>
             </a:extLst>
           </p:cNvPr>
@@ -7402,24 +8086,24 @@
         </p:nvSpPr>
         <p:spPr>
           <a:xfrm>
-            <a:off x="8830727" y="2813193"/>
-            <a:ext cx="911905" cy="621793"/>
+            <a:off x="7761664" y="3809655"/>
+            <a:ext cx="1774192" cy="621792"/>
           </a:xfrm>
           <a:prstGeom prst="rect">
             <a:avLst/>
           </a:prstGeom>
           <a:noFill/>
-          <a:ln>
+          <a:ln cap="flat">
             <a:noFill/>
           </a:ln>
         </p:spPr>
         <p:txBody>
-          <a:bodyPr wrap="square" lIns="90000" tIns="45000" rIns="90000" bIns="45000" anchorCtr="0" compatLnSpc="0">
+          <a:bodyPr vert="horz" wrap="square" lIns="90004" tIns="44997" rIns="90004" bIns="44997" anchor="t" anchorCtr="0" compatLnSpc="0">
             <a:spAutoFit/>
           </a:bodyPr>
           <a:lstStyle/>
           <a:p>
-            <a:pPr marL="0" marR="0" lvl="0" indent="0" hangingPunct="0">
+            <a:pPr marL="0" marR="0" lvl="0" indent="0" algn="l" defTabSz="914400" rtl="0" fontAlgn="auto" hangingPunct="0">
               <a:lnSpc>
                 <a:spcPct val="100000"/>
               </a:lnSpc>
@@ -7429,165 +8113,31 @@
               <a:spcAft>
                 <a:spcPts val="0"/>
               </a:spcAft>
-              <a:buSzPct val="45000"/>
+              <a:buNone/>
               <a:tabLst/>
+              <a:defRPr sz="1800" b="0" i="0" u="none" strike="noStrike" kern="0" cap="none" spc="0" baseline="0">
+                <a:solidFill>
+                  <a:srgbClr val="000000"/>
+                </a:solidFill>
+                <a:uFillTx/>
+              </a:defRPr>
             </a:pPr>
             <a:r>
-              <a:rPr lang="pt-BR" b="0" i="0" u="none" strike="noStrike" kern="1200" cap="none" dirty="0" err="1">
-                <a:ln>
-                  <a:noFill/>
-                </a:ln>
-                <a:latin typeface="Liberation Sans" pitchFamily="18"/>
-                <a:ea typeface="WenQuanYi Micro Hei" pitchFamily="2"/>
-                <a:cs typeface="Lohit Devanagari" pitchFamily="2"/>
-              </a:rPr>
-              <a:t>Equip</a:t>
-            </a:r>
-            <a:r>
-              <a:rPr lang="pt-BR" b="0" i="0" u="none" strike="noStrike" kern="1200" cap="none" dirty="0">
-                <a:ln>
-                  <a:noFill/>
-                </a:ln>
-                <a:latin typeface="Liberation Sans" pitchFamily="18"/>
-                <a:ea typeface="WenQuanYi Micro Hei" pitchFamily="2"/>
-                <a:cs typeface="Lohit Devanagari" pitchFamily="2"/>
-              </a:rPr>
-              <a:t>. </a:t>
-            </a:r>
-            <a:r>
-              <a:rPr lang="pt-BR" dirty="0">
-                <a:latin typeface="Liberation Sans" pitchFamily="18"/>
-                <a:ea typeface="WenQuanYi Micro Hei" pitchFamily="2"/>
-                <a:cs typeface="Lohit Devanagari" pitchFamily="2"/>
-              </a:rPr>
-              <a:t>o</a:t>
-            </a:r>
-            <a:r>
-              <a:rPr lang="pt-BR" b="0" i="0" u="none" strike="noStrike" kern="1200" cap="none" dirty="0">
-                <a:ln>
-                  <a:noFill/>
-                </a:ln>
-                <a:latin typeface="Liberation Sans" pitchFamily="18"/>
-                <a:ea typeface="WenQuanYi Micro Hei" pitchFamily="2"/>
-                <a:cs typeface="Lohit Devanagari" pitchFamily="2"/>
-              </a:rPr>
-              <a:t>u Kit</a:t>
-            </a:r>
-          </a:p>
-        </p:txBody>
-      </p:sp>
-      <p:cxnSp>
-        <p:nvCxnSpPr>
-          <p:cNvPr id="70" name="Conector de Seta Reta 69">
-            <a:extLst>
-              <a:ext uri="{FF2B5EF4-FFF2-40B4-BE49-F238E27FC236}">
-                <a16:creationId xmlns:a16="http://schemas.microsoft.com/office/drawing/2014/main" id="{26D4227A-0DF8-41D0-B5CD-88398EC631B7}"/>
-              </a:ext>
-            </a:extLst>
-          </p:cNvPr>
-          <p:cNvCxnSpPr/>
-          <p:nvPr/>
-        </p:nvCxnSpPr>
-        <p:spPr>
-          <a:xfrm>
-            <a:off x="8462014" y="3124089"/>
-            <a:ext cx="328991" cy="0"/>
-          </a:xfrm>
-          <a:prstGeom prst="straightConnector1">
-            <a:avLst/>
-          </a:prstGeom>
-          <a:ln w="38100">
-            <a:solidFill>
-              <a:schemeClr val="tx1"/>
-            </a:solidFill>
-            <a:headEnd type="none"/>
-            <a:tailEnd type="triangle"/>
-          </a:ln>
-        </p:spPr>
-        <p:style>
-          <a:lnRef idx="1">
-            <a:schemeClr val="accent1"/>
-          </a:lnRef>
-          <a:fillRef idx="0">
-            <a:schemeClr val="accent1"/>
-          </a:fillRef>
-          <a:effectRef idx="0">
-            <a:schemeClr val="accent1"/>
-          </a:effectRef>
-          <a:fontRef idx="minor">
-            <a:schemeClr val="tx1"/>
-          </a:fontRef>
-        </p:style>
-      </p:cxnSp>
-      <p:sp>
-        <p:nvSpPr>
-          <p:cNvPr id="71" name="CaixaDeTexto 70">
-            <a:extLst>
-              <a:ext uri="{FF2B5EF4-FFF2-40B4-BE49-F238E27FC236}">
-                <a16:creationId xmlns:a16="http://schemas.microsoft.com/office/drawing/2014/main" id="{8642DB4E-0947-412A-AEE1-3515A8DFEF31}"/>
-              </a:ext>
-            </a:extLst>
-          </p:cNvPr>
-          <p:cNvSpPr txBox="1"/>
-          <p:nvPr/>
-        </p:nvSpPr>
-        <p:spPr>
-          <a:xfrm>
-            <a:off x="7761665" y="3809653"/>
-            <a:ext cx="1774191" cy="621793"/>
-          </a:xfrm>
-          <a:prstGeom prst="rect">
-            <a:avLst/>
-          </a:prstGeom>
-          <a:noFill/>
-          <a:ln>
-            <a:noFill/>
-          </a:ln>
-        </p:spPr>
-        <p:txBody>
-          <a:bodyPr wrap="square" lIns="90000" tIns="45000" rIns="90000" bIns="45000" anchorCtr="0" compatLnSpc="0">
-            <a:spAutoFit/>
-          </a:bodyPr>
-          <a:lstStyle/>
-          <a:p>
-            <a:pPr marL="0" marR="0" lvl="0" indent="0" hangingPunct="0">
-              <a:lnSpc>
-                <a:spcPct val="100000"/>
-              </a:lnSpc>
-              <a:spcBef>
-                <a:spcPts val="0"/>
-              </a:spcBef>
-              <a:spcAft>
-                <a:spcPts val="0"/>
-              </a:spcAft>
-              <a:buSzPct val="45000"/>
-              <a:tabLst/>
-            </a:pPr>
-            <a:r>
-              <a:rPr lang="pt-BR" dirty="0">
+              <a:rPr lang="pt-BR" sz="1800" b="0" i="0" u="none" strike="noStrike" kern="1200" cap="none" spc="0" baseline="0">
+                <a:solidFill>
+                  <a:srgbClr val="000000"/>
+                </a:solidFill>
+                <a:uFillTx/>
                 <a:latin typeface="Liberation Sans" pitchFamily="18"/>
                 <a:ea typeface="WenQuanYi Micro Hei" pitchFamily="2"/>
                 <a:cs typeface="Lohit Devanagari" pitchFamily="2"/>
               </a:rPr>
               <a:t>Mostra o Vínculo Ativo</a:t>
             </a:r>
-            <a:endParaRPr lang="pt-BR" b="0" i="0" u="none" strike="noStrike" kern="1200" cap="none" dirty="0">
-              <a:ln>
-                <a:noFill/>
-              </a:ln>
-              <a:latin typeface="Liberation Sans" pitchFamily="18"/>
-              <a:ea typeface="WenQuanYi Micro Hei" pitchFamily="2"/>
-              <a:cs typeface="Lohit Devanagari" pitchFamily="2"/>
-            </a:endParaRPr>
           </a:p>
         </p:txBody>
       </p:sp>
     </p:spTree>
-    <p:extLst>
-      <p:ext uri="{BB962C8B-B14F-4D97-AF65-F5344CB8AC3E}">
-        <p14:creationId xmlns:p14="http://schemas.microsoft.com/office/powerpoint/2010/main" val="458845664"/>
-      </p:ext>
-    </p:extLst>
   </p:cSld>
   <p:clrMapOvr>
     <a:masterClrMapping/>
